--- a/Python_разработка_для_БПЛА_паттерны_проектирования,_API_интерфейсы+(6).pptx
+++ b/Python_разработка_для_БПЛА_паттерны_проектирования,_API_интерфейсы+(6).pptx
@@ -292,7 +292,7 @@
       </p15:sldGuideLst>
     </p:ext>
     <p:ext uri="GoogleSlidesCustomDataVersion2">
-      <go:slidesCustomData xmlns:go="http://customooxmlschemas.google.com/" xmlns:ahyp="http://schemas.microsoft.com/office/drawing/2018/hyperlinkcolor" xmlns:p15="http://schemas.microsoft.com/office/powerpoint/2012/main" xmlns:p14="http://schemas.microsoft.com/office/powerpoint/2010/main" xmlns:com="http://schemas.openxmlformats.org/drawingml/2006/compatibility" xmlns:pvml="urn:schemas-microsoft-com:office:powerpoint" xmlns:v="urn:schemas-microsoft-com:vml" xmlns:o="urn:schemas-microsoft-com:office:office" xmlns:dgm="http://schemas.openxmlformats.org/drawingml/2006/diagram" xmlns:c="http://schemas.openxmlformats.org/drawingml/2006/chart" xmlns:mv="urn:schemas-microsoft-com:mac:vml" xmlns:mc="http://schemas.openxmlformats.org/markup-compatibility/2006" xmlns="" r:id="rId28" roundtripDataSignature="AMtx7mgXibPICmElT20R5Iy5acDRsXJ6cw=="/>
+      <go:slidesCustomData xmlns="" xmlns:mc="http://schemas.openxmlformats.org/markup-compatibility/2006" xmlns:mv="urn:schemas-microsoft-com:mac:vml" xmlns:c="http://schemas.openxmlformats.org/drawingml/2006/chart" xmlns:dgm="http://schemas.openxmlformats.org/drawingml/2006/diagram" xmlns:o="urn:schemas-microsoft-com:office:office" xmlns:v="urn:schemas-microsoft-com:vml" xmlns:pvml="urn:schemas-microsoft-com:office:powerpoint" xmlns:com="http://schemas.openxmlformats.org/drawingml/2006/compatibility" xmlns:p14="http://schemas.microsoft.com/office/powerpoint/2010/main" xmlns:p15="http://schemas.microsoft.com/office/powerpoint/2012/main" xmlns:ahyp="http://schemas.microsoft.com/office/drawing/2018/hyperlinkcolor" xmlns:go="http://customooxmlschemas.google.com/" r:id="rId28" roundtripDataSignature="AMtx7mgXibPICmElT20R5Iy5acDRsXJ6cw=="/>
     </p:ext>
   </p:extLst>
 </p:presentation>
@@ -11308,8 +11308,8 @@
         </p:nvSpPr>
         <p:spPr>
           <a:xfrm>
-            <a:off x="311700" y="832700"/>
-            <a:ext cx="4913400" cy="346200"/>
+            <a:off x="423333" y="832700"/>
+            <a:ext cx="8331200" cy="1543469"/>
           </a:xfrm>
           <a:prstGeom prst="rect">
             <a:avLst/>
@@ -11325,7 +11325,7 @@
           </a:bodyPr>
           <a:lstStyle/>
           <a:p>
-            <a:pPr marL="0" marR="0" lvl="0" indent="0" algn="l" rtl="0">
+            <a:pPr lvl="0">
               <a:lnSpc>
                 <a:spcPct val="115000"/>
               </a:lnSpc>
@@ -11335,15 +11335,10 @@
               <a:spcAft>
                 <a:spcPts val="1200"/>
               </a:spcAft>
-              <a:buClr>
-                <a:srgbClr val="000000"/>
-              </a:buClr>
               <a:buSzPts val="1050"/>
-              <a:buFont typeface="Arial"/>
-              <a:buNone/>
             </a:pPr>
             <a:r>
-              <a:rPr lang="ru" sz="1050" b="1" i="1" u="none" strike="noStrike" cap="none">
+              <a:rPr lang="ru-RU" sz="1050" b="1" i="1" dirty="0">
                 <a:solidFill>
                   <a:srgbClr val="11696D"/>
                 </a:solidFill>
@@ -11352,9 +11347,131 @@
                 <a:cs typeface="Montserrat"/>
                 <a:sym typeface="Montserrat"/>
               </a:rPr>
-              <a:t>Описание</a:t>
-            </a:r>
-            <a:endParaRPr sz="1050" b="1" i="1" u="none" strike="noStrike" cap="none">
+              <a:t>Серверный код использует несколько продвинутых паттернов проектирования, таких как </a:t>
+            </a:r>
+            <a:r>
+              <a:rPr lang="ru-RU" sz="1050" b="1" i="1" dirty="0" err="1">
+                <a:solidFill>
+                  <a:srgbClr val="11696D"/>
+                </a:solidFill>
+                <a:latin typeface="Montserrat"/>
+                <a:ea typeface="Montserrat"/>
+                <a:cs typeface="Montserrat"/>
+                <a:sym typeface="Montserrat"/>
+              </a:rPr>
+              <a:t>Singleton</a:t>
+            </a:r>
+            <a:r>
+              <a:rPr lang="ru-RU" sz="1050" b="1" i="1" dirty="0">
+                <a:solidFill>
+                  <a:srgbClr val="11696D"/>
+                </a:solidFill>
+                <a:latin typeface="Montserrat"/>
+                <a:ea typeface="Montserrat"/>
+                <a:cs typeface="Montserrat"/>
+                <a:sym typeface="Montserrat"/>
+              </a:rPr>
+              <a:t> и </a:t>
+            </a:r>
+            <a:r>
+              <a:rPr lang="ru-RU" sz="1050" b="1" i="1" dirty="0" err="1">
+                <a:solidFill>
+                  <a:srgbClr val="11696D"/>
+                </a:solidFill>
+                <a:latin typeface="Montserrat"/>
+                <a:ea typeface="Montserrat"/>
+                <a:cs typeface="Montserrat"/>
+                <a:sym typeface="Montserrat"/>
+              </a:rPr>
+              <a:t>Observer</a:t>
+            </a:r>
+            <a:r>
+              <a:rPr lang="ru-RU" sz="1050" b="1" i="1" dirty="0">
+                <a:solidFill>
+                  <a:srgbClr val="11696D"/>
+                </a:solidFill>
+                <a:latin typeface="Montserrat"/>
+                <a:ea typeface="Montserrat"/>
+                <a:cs typeface="Montserrat"/>
+                <a:sym typeface="Montserrat"/>
+              </a:rPr>
+              <a:t>, а также управляет асинхронными операциями через </a:t>
+            </a:r>
+            <a:r>
+              <a:rPr lang="ru-RU" sz="1050" b="1" i="1" dirty="0" err="1">
+                <a:solidFill>
+                  <a:srgbClr val="11696D"/>
+                </a:solidFill>
+                <a:latin typeface="Montserrat"/>
+                <a:ea typeface="Montserrat"/>
+                <a:cs typeface="Montserrat"/>
+                <a:sym typeface="Montserrat"/>
+              </a:rPr>
+              <a:t>asyncio</a:t>
+            </a:r>
+            <a:r>
+              <a:rPr lang="ru-RU" sz="1050" b="1" i="1" dirty="0">
+                <a:solidFill>
+                  <a:srgbClr val="11696D"/>
+                </a:solidFill>
+                <a:latin typeface="Montserrat"/>
+                <a:ea typeface="Montserrat"/>
+                <a:cs typeface="Montserrat"/>
+                <a:sym typeface="Montserrat"/>
+              </a:rPr>
+              <a:t>. Всё работает через </a:t>
+            </a:r>
+            <a:r>
+              <a:rPr lang="ru-RU" sz="1050" b="1" i="1" dirty="0" err="1">
+                <a:solidFill>
+                  <a:srgbClr val="11696D"/>
+                </a:solidFill>
+                <a:latin typeface="Montserrat"/>
+                <a:ea typeface="Montserrat"/>
+                <a:cs typeface="Montserrat"/>
+                <a:sym typeface="Montserrat"/>
+              </a:rPr>
+              <a:t>WebSocket</a:t>
+            </a:r>
+            <a:r>
+              <a:rPr lang="ru-RU" sz="1050" b="1" i="1" dirty="0">
+                <a:solidFill>
+                  <a:srgbClr val="11696D"/>
+                </a:solidFill>
+                <a:latin typeface="Montserrat"/>
+                <a:ea typeface="Montserrat"/>
+                <a:cs typeface="Montserrat"/>
+                <a:sym typeface="Montserrat"/>
+              </a:rPr>
+              <a:t>-соединения, где обрабатываются команды от операторов и дронов. </a:t>
+            </a:r>
+          </a:p>
+          <a:p>
+            <a:pPr lvl="0">
+              <a:lnSpc>
+                <a:spcPct val="115000"/>
+              </a:lnSpc>
+              <a:spcBef>
+                <a:spcPts val="1200"/>
+              </a:spcBef>
+              <a:spcAft>
+                <a:spcPts val="1200"/>
+              </a:spcAft>
+              <a:buSzPts val="1050"/>
+            </a:pPr>
+            <a:r>
+              <a:rPr lang="ru-RU" sz="1050" b="1" i="1" dirty="0">
+                <a:solidFill>
+                  <a:srgbClr val="11696D"/>
+                </a:solidFill>
+                <a:latin typeface="Montserrat"/>
+                <a:ea typeface="Montserrat"/>
+                <a:cs typeface="Montserrat"/>
+                <a:sym typeface="Montserrat"/>
+              </a:rPr>
+              <a:t>Для обеспечения стабильности добавляем тесты на авторизацию, отправку команд и обработку статусов.</a:t>
+            </a:r>
+            <a:endParaRPr sz="1050" b="1" i="1" u="none" strike="noStrike" cap="none" dirty="0">
               <a:solidFill>
                 <a:srgbClr val="11696D"/>
               </a:solidFill>
@@ -15571,7 +15688,7 @@
         <p:spPr>
           <a:xfrm>
             <a:off x="286050" y="1111250"/>
-            <a:ext cx="8546200" cy="1978973"/>
+            <a:ext cx="8546200" cy="2966166"/>
           </a:xfrm>
           <a:prstGeom prst="rect">
             <a:avLst/>
@@ -15649,6 +15766,27 @@
               </a:rPr>
               <a:t> и современных веб-технологий. Веб-сайт включает в себя пользовательский интерфейс, взаимодействующий с серверной частью через API-интерфейсы. Основное внимание уделяется масштабируемости, безопасности и производительности системы.</a:t>
             </a:r>
+            <a:endParaRPr lang="en-US" sz="1050" dirty="0">
+              <a:solidFill>
+                <a:srgbClr val="11696D"/>
+              </a:solidFill>
+              <a:latin typeface="Montserrat"/>
+              <a:sym typeface="Times New Roman"/>
+            </a:endParaRPr>
+          </a:p>
+          <a:p>
+            <a:pPr lvl="0">
+              <a:lnSpc>
+                <a:spcPct val="115000"/>
+              </a:lnSpc>
+              <a:spcBef>
+                <a:spcPts val="1200"/>
+              </a:spcBef>
+              <a:spcAft>
+                <a:spcPts val="1200"/>
+              </a:spcAft>
+              <a:buSzPts val="1050"/>
+            </a:pPr>
             <a:br>
               <a:rPr lang="ru-RU" sz="1050" dirty="0">
                 <a:solidFill>
@@ -15698,6 +15836,27 @@
               </a:rPr>
               <a:t>  </a:t>
             </a:r>
+            <a:endParaRPr lang="en-US" sz="1050" b="1" i="1" dirty="0">
+              <a:solidFill>
+                <a:srgbClr val="11696D"/>
+              </a:solidFill>
+              <a:latin typeface="Montserrat"/>
+              <a:sym typeface="Times New Roman"/>
+            </a:endParaRPr>
+          </a:p>
+          <a:p>
+            <a:pPr lvl="0">
+              <a:lnSpc>
+                <a:spcPct val="115000"/>
+              </a:lnSpc>
+              <a:spcBef>
+                <a:spcPts val="1200"/>
+              </a:spcBef>
+              <a:spcAft>
+                <a:spcPts val="1200"/>
+              </a:spcAft>
+              <a:buSzPts val="1050"/>
+            </a:pPr>
             <a:br>
               <a:rPr lang="ru-RU" sz="1050" b="1" i="1" dirty="0">
                 <a:solidFill>

--- a/Python_разработка_для_БПЛА_паттерны_проектирования,_API_интерфейсы+(6).pptx
+++ b/Python_разработка_для_БПЛА_паттерны_проектирования,_API_интерфейсы+(6).pptx
@@ -11309,7 +11309,7 @@
         <p:spPr>
           <a:xfrm>
             <a:off x="423333" y="832700"/>
-            <a:ext cx="8331200" cy="1543469"/>
+            <a:ext cx="8331200" cy="1729289"/>
           </a:xfrm>
           <a:prstGeom prst="rect">
             <a:avLst/>
@@ -11469,7 +11469,7 @@
                 <a:cs typeface="Montserrat"/>
                 <a:sym typeface="Montserrat"/>
               </a:rPr>
-              <a:t>Для обеспечения стабильности добавляем тесты на авторизацию, отправку команд и обработку статусов.</a:t>
+              <a:t>Для обеспечения стабильности добавляем тесты на авторизацию, логирование отправки команд и обработки статусов.</a:t>
             </a:r>
             <a:endParaRPr sz="1050" b="1" i="1" u="none" strike="noStrike" cap="none" dirty="0">
               <a:solidFill>

--- a/Python_разработка_для_БПЛА_паттерны_проектирования,_API_интерфейсы+(6).pptx
+++ b/Python_разработка_для_БПЛА_паттерны_проектирования,_API_интерфейсы+(6).pptx
@@ -5,7 +5,7 @@
     <p:sldMasterId id="2147483648" r:id="rId1"/>
   </p:sldMasterIdLst>
   <p:notesMasterIdLst>
-    <p:notesMasterId r:id="rId17"/>
+    <p:notesMasterId r:id="rId18"/>
   </p:notesMasterIdLst>
   <p:sldIdLst>
     <p:sldId id="256" r:id="rId2"/>
@@ -20,31 +20,32 @@
     <p:sldId id="265" r:id="rId11"/>
     <p:sldId id="266" r:id="rId12"/>
     <p:sldId id="267" r:id="rId13"/>
-    <p:sldId id="268" r:id="rId14"/>
-    <p:sldId id="269" r:id="rId15"/>
-    <p:sldId id="270" r:id="rId16"/>
+    <p:sldId id="271" r:id="rId14"/>
+    <p:sldId id="268" r:id="rId15"/>
+    <p:sldId id="269" r:id="rId16"/>
+    <p:sldId id="270" r:id="rId17"/>
   </p:sldIdLst>
   <p:sldSz cx="9144000" cy="5143500" type="screen16x9"/>
   <p:notesSz cx="6858000" cy="9144000"/>
   <p:embeddedFontLst>
     <p:embeddedFont>
       <p:font typeface="Calibri" panose="020F0502020204030204" pitchFamily="34" charset="0"/>
-      <p:regular r:id="rId18"/>
-      <p:bold r:id="rId19"/>
-      <p:italic r:id="rId20"/>
-      <p:boldItalic r:id="rId21"/>
+      <p:regular r:id="rId19"/>
+      <p:bold r:id="rId20"/>
+      <p:italic r:id="rId21"/>
+      <p:boldItalic r:id="rId22"/>
     </p:embeddedFont>
     <p:embeddedFont>
       <p:font typeface="Montserrat" panose="020B0604020202020204" charset="-52"/>
-      <p:regular r:id="rId22"/>
-      <p:bold r:id="rId23"/>
-      <p:italic r:id="rId24"/>
-      <p:boldItalic r:id="rId25"/>
+      <p:regular r:id="rId23"/>
+      <p:bold r:id="rId24"/>
+      <p:italic r:id="rId25"/>
+      <p:boldItalic r:id="rId26"/>
     </p:embeddedFont>
     <p:embeddedFont>
       <p:font typeface="Montserrat Black" panose="020B0604020202020204" charset="-52"/>
-      <p:bold r:id="rId26"/>
-      <p:boldItalic r:id="rId27"/>
+      <p:bold r:id="rId27"/>
+      <p:boldItalic r:id="rId28"/>
     </p:embeddedFont>
   </p:embeddedFontLst>
   <p:defaultTextStyle>
@@ -292,7 +293,7 @@
       </p15:sldGuideLst>
     </p:ext>
     <p:ext uri="GoogleSlidesCustomDataVersion2">
-      <go:slidesCustomData xmlns="" xmlns:mc="http://schemas.openxmlformats.org/markup-compatibility/2006" xmlns:mv="urn:schemas-microsoft-com:mac:vml" xmlns:c="http://schemas.openxmlformats.org/drawingml/2006/chart" xmlns:dgm="http://schemas.openxmlformats.org/drawingml/2006/diagram" xmlns:o="urn:schemas-microsoft-com:office:office" xmlns:v="urn:schemas-microsoft-com:vml" xmlns:pvml="urn:schemas-microsoft-com:office:powerpoint" xmlns:com="http://schemas.openxmlformats.org/drawingml/2006/compatibility" xmlns:p14="http://schemas.microsoft.com/office/powerpoint/2010/main" xmlns:p15="http://schemas.microsoft.com/office/powerpoint/2012/main" xmlns:ahyp="http://schemas.microsoft.com/office/drawing/2018/hyperlinkcolor" xmlns:go="http://customooxmlschemas.google.com/" r:id="rId28" roundtripDataSignature="AMtx7mgXibPICmElT20R5Iy5acDRsXJ6cw=="/>
+      <go:slidesCustomData xmlns="" xmlns:mc="http://schemas.openxmlformats.org/markup-compatibility/2006" xmlns:mv="urn:schemas-microsoft-com:mac:vml" xmlns:c="http://schemas.openxmlformats.org/drawingml/2006/chart" xmlns:dgm="http://schemas.openxmlformats.org/drawingml/2006/diagram" xmlns:o="urn:schemas-microsoft-com:office:office" xmlns:v="urn:schemas-microsoft-com:vml" xmlns:pvml="urn:schemas-microsoft-com:office:powerpoint" xmlns:com="http://schemas.openxmlformats.org/drawingml/2006/compatibility" xmlns:p14="http://schemas.microsoft.com/office/powerpoint/2010/main" xmlns:p15="http://schemas.microsoft.com/office/powerpoint/2012/main" xmlns:ahyp="http://schemas.microsoft.com/office/drawing/2018/hyperlinkcolor" xmlns:go="http://customooxmlschemas.google.com/" r:id="rId29" roundtripDataSignature="AMtx7mgXibPICmElT20R5Iy5acDRsXJ6cw=="/>
     </p:ext>
   </p:extLst>
 </p:presentation>
@@ -11309,7 +11310,7 @@
         <p:spPr>
           <a:xfrm>
             <a:off x="423333" y="832700"/>
-            <a:ext cx="8331200" cy="1729289"/>
+            <a:ext cx="8331200" cy="2594526"/>
           </a:xfrm>
           <a:prstGeom prst="rect">
             <a:avLst/>
@@ -11371,10 +11372,10 @@
                 <a:cs typeface="Montserrat"/>
                 <a:sym typeface="Montserrat"/>
               </a:rPr>
-              <a:t> и </a:t>
-            </a:r>
-            <a:r>
-              <a:rPr lang="ru-RU" sz="1050" b="1" i="1" dirty="0" err="1">
+              <a:t>,</a:t>
+            </a:r>
+            <a:r>
+              <a:rPr lang="en-US" sz="1050" b="1" i="1" dirty="0">
                 <a:solidFill>
                   <a:srgbClr val="11696D"/>
                 </a:solidFill>
@@ -11383,7 +11384,7 @@
                 <a:cs typeface="Montserrat"/>
                 <a:sym typeface="Montserrat"/>
               </a:rPr>
-              <a:t>Observer</a:t>
+              <a:t> </a:t>
             </a:r>
             <a:r>
               <a:rPr lang="ru-RU" sz="1050" b="1" i="1" dirty="0">
@@ -11395,7 +11396,7 @@
                 <a:cs typeface="Montserrat"/>
                 <a:sym typeface="Montserrat"/>
               </a:rPr>
-              <a:t>, а также управляет асинхронными операциями через </a:t>
+              <a:t> </a:t>
             </a:r>
             <a:r>
               <a:rPr lang="ru-RU" sz="1050" b="1" i="1" dirty="0" err="1">
@@ -11407,7 +11408,7 @@
                 <a:cs typeface="Montserrat"/>
                 <a:sym typeface="Montserrat"/>
               </a:rPr>
-              <a:t>asyncio</a:t>
+              <a:t>Observer</a:t>
             </a:r>
             <a:r>
               <a:rPr lang="ru-RU" sz="1050" b="1" i="1" dirty="0">
@@ -11419,10 +11420,10 @@
                 <a:cs typeface="Montserrat"/>
                 <a:sym typeface="Montserrat"/>
               </a:rPr>
-              <a:t>. Всё работает через </a:t>
-            </a:r>
-            <a:r>
-              <a:rPr lang="ru-RU" sz="1050" b="1" i="1" dirty="0" err="1">
+              <a:t> и </a:t>
+            </a:r>
+            <a:r>
+              <a:rPr lang="en-US" sz="1050" b="1" i="1" dirty="0">
                 <a:solidFill>
                   <a:srgbClr val="11696D"/>
                 </a:solidFill>
@@ -11431,7 +11432,7 @@
                 <a:cs typeface="Montserrat"/>
                 <a:sym typeface="Montserrat"/>
               </a:rPr>
-              <a:t>WebSocket</a:t>
+              <a:t>Command</a:t>
             </a:r>
             <a:r>
               <a:rPr lang="ru-RU" sz="1050" b="1" i="1" dirty="0">
@@ -11443,24 +11444,10 @@
                 <a:cs typeface="Montserrat"/>
                 <a:sym typeface="Montserrat"/>
               </a:rPr>
-              <a:t>-соединения, где обрабатываются команды от операторов и дронов. </a:t>
-            </a:r>
-          </a:p>
-          <a:p>
-            <a:pPr lvl="0">
-              <a:lnSpc>
-                <a:spcPct val="115000"/>
-              </a:lnSpc>
-              <a:spcBef>
-                <a:spcPts val="1200"/>
-              </a:spcBef>
-              <a:spcAft>
-                <a:spcPts val="1200"/>
-              </a:spcAft>
-              <a:buSzPts val="1050"/>
-            </a:pPr>
-            <a:r>
-              <a:rPr lang="ru-RU" sz="1050" b="1" i="1" dirty="0">
+              <a:t>, а также управляет асинхронными операциями через </a:t>
+            </a:r>
+            <a:r>
+              <a:rPr lang="ru-RU" sz="1050" b="1" i="1" dirty="0" err="1">
                 <a:solidFill>
                   <a:srgbClr val="11696D"/>
                 </a:solidFill>
@@ -11469,9 +11456,45 @@
                 <a:cs typeface="Montserrat"/>
                 <a:sym typeface="Montserrat"/>
               </a:rPr>
-              <a:t>Для обеспечения стабильности добавляем тесты на авторизацию, логирование отправки команд и обработки статусов.</a:t>
-            </a:r>
-            <a:endParaRPr sz="1050" b="1" i="1" u="none" strike="noStrike" cap="none" dirty="0">
+              <a:t>asyncio</a:t>
+            </a:r>
+            <a:r>
+              <a:rPr lang="ru-RU" sz="1050" b="1" i="1" dirty="0">
+                <a:solidFill>
+                  <a:srgbClr val="11696D"/>
+                </a:solidFill>
+                <a:latin typeface="Montserrat"/>
+                <a:ea typeface="Montserrat"/>
+                <a:cs typeface="Montserrat"/>
+                <a:sym typeface="Montserrat"/>
+              </a:rPr>
+              <a:t>. Всё работает через </a:t>
+            </a:r>
+            <a:r>
+              <a:rPr lang="ru-RU" sz="1050" b="1" i="1" dirty="0" err="1">
+                <a:solidFill>
+                  <a:srgbClr val="11696D"/>
+                </a:solidFill>
+                <a:latin typeface="Montserrat"/>
+                <a:ea typeface="Montserrat"/>
+                <a:cs typeface="Montserrat"/>
+                <a:sym typeface="Montserrat"/>
+              </a:rPr>
+              <a:t>WebSocket</a:t>
+            </a:r>
+            <a:r>
+              <a:rPr lang="ru-RU" sz="1050" b="1" i="1" dirty="0">
+                <a:solidFill>
+                  <a:srgbClr val="11696D"/>
+                </a:solidFill>
+                <a:latin typeface="Montserrat"/>
+                <a:ea typeface="Montserrat"/>
+                <a:cs typeface="Montserrat"/>
+                <a:sym typeface="Montserrat"/>
+              </a:rPr>
+              <a:t>-соединения, где обрабатываются команды от операторов и дронов. </a:t>
+            </a:r>
+            <a:endParaRPr lang="en-US" sz="1050" b="1" i="1" dirty="0">
               <a:solidFill>
                 <a:srgbClr val="11696D"/>
               </a:solidFill>
@@ -11480,6 +11503,163 @@
               <a:cs typeface="Montserrat"/>
               <a:sym typeface="Montserrat"/>
             </a:endParaRPr>
+          </a:p>
+          <a:p>
+            <a:pPr lvl="0">
+              <a:lnSpc>
+                <a:spcPct val="115000"/>
+              </a:lnSpc>
+              <a:spcBef>
+                <a:spcPts val="1200"/>
+              </a:spcBef>
+              <a:spcAft>
+                <a:spcPts val="1200"/>
+              </a:spcAft>
+              <a:buSzPts val="1050"/>
+            </a:pPr>
+            <a:r>
+              <a:rPr lang="ru-RU" sz="1050" b="1" i="1" dirty="0">
+                <a:solidFill>
+                  <a:srgbClr val="11696D"/>
+                </a:solidFill>
+                <a:latin typeface="Montserrat"/>
+                <a:ea typeface="Montserrat"/>
+                <a:cs typeface="Montserrat"/>
+                <a:sym typeface="Montserrat"/>
+              </a:rPr>
+              <a:t>Для обеспечения стабильности добавляем тесты на авторизацию, логирование отправки команд и обработки статусов.</a:t>
+            </a:r>
+            <a:endParaRPr lang="en-US" sz="1050" b="1" i="1" dirty="0">
+              <a:solidFill>
+                <a:srgbClr val="11696D"/>
+              </a:solidFill>
+              <a:latin typeface="Montserrat"/>
+              <a:ea typeface="Montserrat"/>
+              <a:cs typeface="Montserrat"/>
+              <a:sym typeface="Montserrat"/>
+            </a:endParaRPr>
+          </a:p>
+          <a:p>
+            <a:pPr lvl="0">
+              <a:lnSpc>
+                <a:spcPct val="115000"/>
+              </a:lnSpc>
+              <a:spcBef>
+                <a:spcPts val="1200"/>
+              </a:spcBef>
+              <a:spcAft>
+                <a:spcPts val="1200"/>
+              </a:spcAft>
+              <a:buSzPts val="1050"/>
+            </a:pPr>
+            <a:r>
+              <a:rPr lang="ru-RU" sz="1050" b="1" i="1" dirty="0">
+                <a:solidFill>
+                  <a:srgbClr val="11696D"/>
+                </a:solidFill>
+                <a:latin typeface="Montserrat"/>
+                <a:ea typeface="Montserrat"/>
+                <a:cs typeface="Montserrat"/>
+                <a:sym typeface="Montserrat"/>
+              </a:rPr>
+              <a:t>Процедура тестирования JWT-токенов включает проверку их корректного создания, верификации и обработки ошибок. Мы будем использовать модуль </a:t>
+            </a:r>
+            <a:r>
+              <a:rPr lang="ru-RU" sz="1050" b="1" i="1" dirty="0" err="1">
+                <a:solidFill>
+                  <a:srgbClr val="11696D"/>
+                </a:solidFill>
+                <a:latin typeface="Montserrat"/>
+                <a:ea typeface="Montserrat"/>
+                <a:cs typeface="Montserrat"/>
+                <a:sym typeface="Montserrat"/>
+              </a:rPr>
+              <a:t>unittest</a:t>
+            </a:r>
+            <a:r>
+              <a:rPr lang="ru-RU" sz="1050" b="1" i="1" dirty="0">
+                <a:solidFill>
+                  <a:srgbClr val="11696D"/>
+                </a:solidFill>
+                <a:latin typeface="Montserrat"/>
+                <a:ea typeface="Montserrat"/>
+                <a:cs typeface="Montserrat"/>
+                <a:sym typeface="Montserrat"/>
+              </a:rPr>
+              <a:t> для создания и выполнения тестов, и проверим работу методов </a:t>
+            </a:r>
+            <a:r>
+              <a:rPr lang="ru-RU" sz="1050" b="1" i="1" dirty="0" err="1">
+                <a:solidFill>
+                  <a:srgbClr val="11696D"/>
+                </a:solidFill>
+                <a:latin typeface="Montserrat"/>
+                <a:ea typeface="Montserrat"/>
+                <a:cs typeface="Montserrat"/>
+                <a:sym typeface="Montserrat"/>
+              </a:rPr>
+              <a:t>create_jwt_token</a:t>
+            </a:r>
+            <a:r>
+              <a:rPr lang="ru-RU" sz="1050" b="1" i="1" dirty="0">
+                <a:solidFill>
+                  <a:srgbClr val="11696D"/>
+                </a:solidFill>
+                <a:latin typeface="Montserrat"/>
+                <a:ea typeface="Montserrat"/>
+                <a:cs typeface="Montserrat"/>
+                <a:sym typeface="Montserrat"/>
+              </a:rPr>
+              <a:t> и </a:t>
+            </a:r>
+            <a:r>
+              <a:rPr lang="ru-RU" sz="1050" b="1" i="1" dirty="0" err="1">
+                <a:solidFill>
+                  <a:srgbClr val="11696D"/>
+                </a:solidFill>
+                <a:latin typeface="Montserrat"/>
+                <a:ea typeface="Montserrat"/>
+                <a:cs typeface="Montserrat"/>
+                <a:sym typeface="Montserrat"/>
+              </a:rPr>
+              <a:t>verify_jwt_token</a:t>
+            </a:r>
+            <a:r>
+              <a:rPr lang="ru-RU" sz="1050" b="1" i="1" dirty="0">
+                <a:solidFill>
+                  <a:srgbClr val="11696D"/>
+                </a:solidFill>
+                <a:latin typeface="Montserrat"/>
+                <a:ea typeface="Montserrat"/>
+                <a:cs typeface="Montserrat"/>
+                <a:sym typeface="Montserrat"/>
+              </a:rPr>
+              <a:t> в классе </a:t>
+            </a:r>
+            <a:r>
+              <a:rPr lang="ru-RU" sz="1050" b="1" i="1" dirty="0" err="1">
+                <a:solidFill>
+                  <a:srgbClr val="11696D"/>
+                </a:solidFill>
+                <a:latin typeface="Montserrat"/>
+                <a:ea typeface="Montserrat"/>
+                <a:cs typeface="Montserrat"/>
+                <a:sym typeface="Montserrat"/>
+              </a:rPr>
+              <a:t>JWTManager</a:t>
+            </a:r>
+            <a:r>
+              <a:rPr lang="ru-RU" sz="1050" b="1" i="1" dirty="0">
+                <a:solidFill>
+                  <a:srgbClr val="11696D"/>
+                </a:solidFill>
+                <a:latin typeface="Montserrat"/>
+                <a:ea typeface="Montserrat"/>
+                <a:cs typeface="Montserrat"/>
+                <a:sym typeface="Montserrat"/>
+              </a:rPr>
+              <a:t>.</a:t>
+            </a:r>
           </a:p>
         </p:txBody>
       </p:sp>
@@ -11679,7 +11859,7 @@
         <p:spPr>
           <a:xfrm>
             <a:off x="311700" y="832700"/>
-            <a:ext cx="4913400" cy="346200"/>
+            <a:ext cx="8520600" cy="1729289"/>
           </a:xfrm>
           <a:prstGeom prst="rect">
             <a:avLst/>
@@ -11695,7 +11875,7 @@
           </a:bodyPr>
           <a:lstStyle/>
           <a:p>
-            <a:pPr marL="0" marR="0" lvl="0" indent="0" algn="l" rtl="0">
+            <a:pPr lvl="0">
               <a:lnSpc>
                 <a:spcPct val="115000"/>
               </a:lnSpc>
@@ -11705,15 +11885,10 @@
               <a:spcAft>
                 <a:spcPts val="1200"/>
               </a:spcAft>
-              <a:buClr>
-                <a:srgbClr val="000000"/>
-              </a:buClr>
               <a:buSzPts val="1050"/>
-              <a:buFont typeface="Arial"/>
-              <a:buNone/>
             </a:pPr>
             <a:r>
-              <a:rPr lang="ru" sz="1050" b="1" i="1" u="none" strike="noStrike" cap="none">
+              <a:rPr lang="ru-RU" sz="1050" b="1" i="1" dirty="0">
                 <a:solidFill>
                   <a:srgbClr val="11696D"/>
                 </a:solidFill>
@@ -11722,9 +11897,107 @@
                 <a:cs typeface="Montserrat"/>
                 <a:sym typeface="Montserrat"/>
               </a:rPr>
-              <a:t>Описание</a:t>
-            </a:r>
-            <a:endParaRPr sz="1050" b="1" i="1" u="none" strike="noStrike" cap="none">
+              <a:t>Для анализа и управления производительностью проекта применяем логирование и профилирование серверного кода с помощью встроенного модуля </a:t>
+            </a:r>
+            <a:r>
+              <a:rPr lang="ru-RU" sz="1050" b="1" i="1" dirty="0" err="1">
+                <a:solidFill>
+                  <a:srgbClr val="11696D"/>
+                </a:solidFill>
+                <a:latin typeface="Montserrat"/>
+                <a:ea typeface="Montserrat"/>
+                <a:cs typeface="Montserrat"/>
+                <a:sym typeface="Montserrat"/>
+              </a:rPr>
+              <a:t>Python</a:t>
+            </a:r>
+            <a:r>
+              <a:rPr lang="ru-RU" sz="1050" b="1" i="1" dirty="0">
+                <a:solidFill>
+                  <a:srgbClr val="11696D"/>
+                </a:solidFill>
+                <a:latin typeface="Montserrat"/>
+                <a:ea typeface="Montserrat"/>
+                <a:cs typeface="Montserrat"/>
+                <a:sym typeface="Montserrat"/>
+              </a:rPr>
+              <a:t> </a:t>
+            </a:r>
+            <a:r>
+              <a:rPr lang="ru-RU" sz="1050" b="1" i="1" dirty="0" err="1">
+                <a:solidFill>
+                  <a:srgbClr val="11696D"/>
+                </a:solidFill>
+                <a:latin typeface="Montserrat"/>
+                <a:ea typeface="Montserrat"/>
+                <a:cs typeface="Montserrat"/>
+                <a:sym typeface="Montserrat"/>
+              </a:rPr>
+              <a:t>cProfile</a:t>
+            </a:r>
+            <a:r>
+              <a:rPr lang="ru-RU" sz="1050" b="1" i="1" dirty="0">
+                <a:solidFill>
+                  <a:srgbClr val="11696D"/>
+                </a:solidFill>
+                <a:latin typeface="Montserrat"/>
+                <a:ea typeface="Montserrat"/>
+                <a:cs typeface="Montserrat"/>
+                <a:sym typeface="Montserrat"/>
+              </a:rPr>
+              <a:t>. Этот модуль позволяет измерять производительность различных частей кода и выявлять узкие места. </a:t>
+            </a:r>
+          </a:p>
+          <a:p>
+            <a:pPr lvl="0">
+              <a:lnSpc>
+                <a:spcPct val="115000"/>
+              </a:lnSpc>
+              <a:spcBef>
+                <a:spcPts val="1200"/>
+              </a:spcBef>
+              <a:spcAft>
+                <a:spcPts val="1200"/>
+              </a:spcAft>
+              <a:buSzPts val="1050"/>
+            </a:pPr>
+            <a:r>
+              <a:rPr lang="ru-RU" sz="1050" b="1" i="1" dirty="0">
+                <a:solidFill>
+                  <a:srgbClr val="11696D"/>
+                </a:solidFill>
+                <a:latin typeface="Montserrat"/>
+                <a:ea typeface="Montserrat"/>
+                <a:cs typeface="Montserrat"/>
+                <a:sym typeface="Montserrat"/>
+              </a:rPr>
+              <a:t>Для анализа результатов будем использовать сохранение результатов профилирования в файл и последующий  их анализ с помощью модуля </a:t>
+            </a:r>
+            <a:r>
+              <a:rPr lang="ru-RU" sz="1050" b="1" i="1" dirty="0" err="1">
+                <a:solidFill>
+                  <a:srgbClr val="11696D"/>
+                </a:solidFill>
+                <a:latin typeface="Montserrat"/>
+                <a:ea typeface="Montserrat"/>
+                <a:cs typeface="Montserrat"/>
+                <a:sym typeface="Montserrat"/>
+              </a:rPr>
+              <a:t>pstats</a:t>
+            </a:r>
+            <a:r>
+              <a:rPr lang="ru-RU" sz="1050" b="1" i="1" dirty="0">
+                <a:solidFill>
+                  <a:srgbClr val="11696D"/>
+                </a:solidFill>
+                <a:latin typeface="Montserrat"/>
+                <a:ea typeface="Montserrat"/>
+                <a:cs typeface="Montserrat"/>
+                <a:sym typeface="Montserrat"/>
+              </a:rPr>
+              <a:t> для выявления функций, которые требуют оптимизации.</a:t>
+            </a:r>
+            <a:endParaRPr sz="1050" b="1" i="1" u="none" strike="noStrike" cap="none" dirty="0">
               <a:solidFill>
                 <a:srgbClr val="11696D"/>
               </a:solidFill>
@@ -11808,7 +12081,7 @@
               <a:buNone/>
             </a:pPr>
             <a:r>
-              <a:rPr lang="ru" sz="1500" b="1">
+              <a:rPr lang="ru" sz="1500" b="1" dirty="0">
                 <a:solidFill>
                   <a:srgbClr val="11696D"/>
                 </a:solidFill>
@@ -11819,7 +12092,7 @@
               </a:rPr>
               <a:t>Стратегии управления ресурсами и энергопотреблением для повышения эффективности работы программы</a:t>
             </a:r>
-            <a:endParaRPr sz="1500" b="1">
+            <a:endParaRPr sz="1500" b="1" dirty="0">
               <a:solidFill>
                 <a:srgbClr val="11696D"/>
               </a:solidFill>
@@ -11931,8 +12204,8 @@
         </p:nvSpPr>
         <p:spPr>
           <a:xfrm>
-            <a:off x="311700" y="832700"/>
-            <a:ext cx="4913400" cy="346200"/>
+            <a:off x="311699" y="733725"/>
+            <a:ext cx="8520599" cy="3647122"/>
           </a:xfrm>
           <a:prstGeom prst="rect">
             <a:avLst/>
@@ -11948,25 +12221,11 @@
           </a:bodyPr>
           <a:lstStyle/>
           <a:p>
-            <a:pPr marL="0" marR="0" lvl="0" indent="0" algn="l" rtl="0">
-              <a:lnSpc>
-                <a:spcPct val="115000"/>
-              </a:lnSpc>
-              <a:spcBef>
-                <a:spcPts val="1200"/>
-              </a:spcBef>
-              <a:spcAft>
-                <a:spcPts val="1200"/>
-              </a:spcAft>
-              <a:buClr>
-                <a:srgbClr val="000000"/>
-              </a:buClr>
+            <a:pPr lvl="0">
               <a:buSzPts val="1050"/>
-              <a:buFont typeface="Arial"/>
-              <a:buNone/>
             </a:pPr>
             <a:r>
-              <a:rPr lang="ru" sz="1050" b="1" i="1" u="none" strike="noStrike" cap="none">
+              <a:rPr lang="ru-RU" sz="900" dirty="0">
                 <a:solidFill>
                   <a:srgbClr val="11696D"/>
                 </a:solidFill>
@@ -11975,9 +12234,502 @@
                 <a:cs typeface="Montserrat"/>
                 <a:sym typeface="Montserrat"/>
               </a:rPr>
-              <a:t>Описание</a:t>
-            </a:r>
-            <a:endParaRPr sz="1050" b="1" i="1" u="none" strike="noStrike" cap="none">
+              <a:t>В представленном проекте используются несколько </a:t>
+            </a:r>
+            <a:r>
+              <a:rPr lang="ru-RU" sz="900" b="1" dirty="0">
+                <a:solidFill>
+                  <a:srgbClr val="11696D"/>
+                </a:solidFill>
+                <a:latin typeface="Montserrat"/>
+                <a:ea typeface="Montserrat"/>
+                <a:cs typeface="Montserrat"/>
+                <a:sym typeface="Montserrat"/>
+              </a:rPr>
+              <a:t>стратегий управления ресурсами и энергопотреблением</a:t>
+            </a:r>
+            <a:r>
+              <a:rPr lang="ru-RU" sz="900" dirty="0">
+                <a:solidFill>
+                  <a:srgbClr val="11696D"/>
+                </a:solidFill>
+                <a:latin typeface="Montserrat"/>
+                <a:ea typeface="Montserrat"/>
+                <a:cs typeface="Montserrat"/>
+                <a:sym typeface="Montserrat"/>
+              </a:rPr>
+              <a:t>, направленных на повышение эффективности работы программы. Эти стратегии включают в себя:</a:t>
+            </a:r>
+          </a:p>
+          <a:p>
+            <a:pPr lvl="0">
+              <a:buSzPts val="1050"/>
+            </a:pPr>
+            <a:endParaRPr lang="ru-RU" sz="900" dirty="0">
+              <a:solidFill>
+                <a:srgbClr val="11696D"/>
+              </a:solidFill>
+              <a:latin typeface="Montserrat"/>
+              <a:ea typeface="Montserrat"/>
+              <a:cs typeface="Montserrat"/>
+              <a:sym typeface="Montserrat"/>
+            </a:endParaRPr>
+          </a:p>
+          <a:p>
+            <a:pPr lvl="0">
+              <a:buSzPts val="1050"/>
+            </a:pPr>
+            <a:r>
+              <a:rPr lang="ru-RU" sz="900" dirty="0">
+                <a:solidFill>
+                  <a:srgbClr val="11696D"/>
+                </a:solidFill>
+                <a:latin typeface="Montserrat"/>
+                <a:ea typeface="Montserrat"/>
+                <a:cs typeface="Montserrat"/>
+                <a:sym typeface="Montserrat"/>
+              </a:rPr>
+              <a:t>1. </a:t>
+            </a:r>
+            <a:r>
+              <a:rPr lang="ru-RU" sz="900" b="1" dirty="0">
+                <a:solidFill>
+                  <a:srgbClr val="11696D"/>
+                </a:solidFill>
+                <a:latin typeface="Montserrat"/>
+                <a:ea typeface="Montserrat"/>
+                <a:cs typeface="Montserrat"/>
+                <a:sym typeface="Montserrat"/>
+              </a:rPr>
+              <a:t>Асинхронное программирование (</a:t>
+            </a:r>
+            <a:r>
+              <a:rPr lang="ru-RU" sz="900" b="1" dirty="0" err="1">
+                <a:solidFill>
+                  <a:srgbClr val="11696D"/>
+                </a:solidFill>
+                <a:latin typeface="Montserrat"/>
+                <a:ea typeface="Montserrat"/>
+                <a:cs typeface="Montserrat"/>
+                <a:sym typeface="Montserrat"/>
+              </a:rPr>
+              <a:t>asyncio</a:t>
+            </a:r>
+            <a:r>
+              <a:rPr lang="ru-RU" sz="900" b="1" dirty="0">
+                <a:solidFill>
+                  <a:srgbClr val="11696D"/>
+                </a:solidFill>
+                <a:latin typeface="Montserrat"/>
+                <a:ea typeface="Montserrat"/>
+                <a:cs typeface="Montserrat"/>
+                <a:sym typeface="Montserrat"/>
+              </a:rPr>
+              <a:t>) </a:t>
+            </a:r>
+            <a:r>
+              <a:rPr lang="ru-RU" sz="900" dirty="0">
+                <a:solidFill>
+                  <a:srgbClr val="11696D"/>
+                </a:solidFill>
+                <a:latin typeface="Montserrat"/>
+                <a:ea typeface="Montserrat"/>
+                <a:cs typeface="Montserrat"/>
+                <a:sym typeface="Montserrat"/>
+              </a:rPr>
+              <a:t>- Асинхронное программирование с использованием </a:t>
+            </a:r>
+            <a:r>
+              <a:rPr lang="ru-RU" sz="900" dirty="0" err="1">
+                <a:solidFill>
+                  <a:srgbClr val="11696D"/>
+                </a:solidFill>
+                <a:latin typeface="Montserrat"/>
+                <a:ea typeface="Montserrat"/>
+                <a:cs typeface="Montserrat"/>
+                <a:sym typeface="Montserrat"/>
+              </a:rPr>
+              <a:t>asyncio</a:t>
+            </a:r>
+            <a:r>
+              <a:rPr lang="ru-RU" sz="900" dirty="0">
+                <a:solidFill>
+                  <a:srgbClr val="11696D"/>
+                </a:solidFill>
+                <a:latin typeface="Montserrat"/>
+                <a:ea typeface="Montserrat"/>
+                <a:cs typeface="Montserrat"/>
+                <a:sym typeface="Montserrat"/>
+              </a:rPr>
+              <a:t> позволяет эффективно управлять ресурсами, особенно CPU и памятью, за счет неблокирующего ввода-вывода. Это снижает нагрузку на процессор и позволяет системе оставаться отзывчивой при высокой нагрузке. </a:t>
+            </a:r>
+          </a:p>
+          <a:p>
+            <a:pPr lvl="0">
+              <a:buSzPts val="1050"/>
+            </a:pPr>
+            <a:r>
+              <a:rPr lang="ru-RU" sz="900" b="1" dirty="0">
+                <a:solidFill>
+                  <a:srgbClr val="11696D"/>
+                </a:solidFill>
+                <a:latin typeface="Montserrat"/>
+                <a:ea typeface="Montserrat"/>
+                <a:cs typeface="Montserrat"/>
+                <a:sym typeface="Montserrat"/>
+              </a:rPr>
+              <a:t>Экономия CPU:</a:t>
+            </a:r>
+            <a:r>
+              <a:rPr lang="ru-RU" sz="900" dirty="0">
+                <a:solidFill>
+                  <a:srgbClr val="11696D"/>
+                </a:solidFill>
+                <a:latin typeface="Montserrat"/>
+                <a:ea typeface="Montserrat"/>
+                <a:cs typeface="Montserrat"/>
+                <a:sym typeface="Montserrat"/>
+              </a:rPr>
+              <a:t> Асинхронные задачи позволяют избежать блокировки выполнения программы, когда одна задача ожидает ввода-вывода, например, ответа от дрона или команды от оператора.</a:t>
+            </a:r>
+          </a:p>
+          <a:p>
+            <a:pPr lvl="0">
+              <a:buSzPts val="1050"/>
+            </a:pPr>
+            <a:r>
+              <a:rPr lang="ru-RU" sz="900" b="1" dirty="0">
+                <a:solidFill>
+                  <a:srgbClr val="11696D"/>
+                </a:solidFill>
+                <a:latin typeface="Montserrat"/>
+                <a:ea typeface="Montserrat"/>
+                <a:cs typeface="Montserrat"/>
+                <a:sym typeface="Montserrat"/>
+              </a:rPr>
+              <a:t>Энергоэффективность</a:t>
+            </a:r>
+            <a:r>
+              <a:rPr lang="ru-RU" sz="900" dirty="0">
+                <a:solidFill>
+                  <a:srgbClr val="11696D"/>
+                </a:solidFill>
+                <a:latin typeface="Montserrat"/>
+                <a:ea typeface="Montserrat"/>
+                <a:cs typeface="Montserrat"/>
+                <a:sym typeface="Montserrat"/>
+              </a:rPr>
+              <a:t>: Поскольку процессор не загружается на полную мощность для обработки каждого запроса, потребление энергии снижается.</a:t>
+            </a:r>
+          </a:p>
+          <a:p>
+            <a:pPr lvl="0">
+              <a:buSzPts val="1050"/>
+            </a:pPr>
+            <a:endParaRPr lang="ru-RU" sz="900" dirty="0">
+              <a:solidFill>
+                <a:srgbClr val="11696D"/>
+              </a:solidFill>
+              <a:latin typeface="Montserrat"/>
+              <a:ea typeface="Montserrat"/>
+              <a:cs typeface="Montserrat"/>
+              <a:sym typeface="Montserrat"/>
+            </a:endParaRPr>
+          </a:p>
+          <a:p>
+            <a:pPr lvl="0">
+              <a:buSzPts val="1050"/>
+            </a:pPr>
+            <a:r>
+              <a:rPr lang="ru-RU" sz="900" dirty="0">
+                <a:solidFill>
+                  <a:srgbClr val="11696D"/>
+                </a:solidFill>
+                <a:latin typeface="Montserrat"/>
+                <a:ea typeface="Montserrat"/>
+                <a:cs typeface="Montserrat"/>
+                <a:sym typeface="Montserrat"/>
+              </a:rPr>
+              <a:t>2. </a:t>
+            </a:r>
+            <a:r>
+              <a:rPr lang="ru-RU" sz="900" b="1" dirty="0">
+                <a:solidFill>
+                  <a:srgbClr val="11696D"/>
+                </a:solidFill>
+                <a:latin typeface="Montserrat"/>
+                <a:ea typeface="Montserrat"/>
+                <a:cs typeface="Montserrat"/>
+                <a:sym typeface="Montserrat"/>
+              </a:rPr>
+              <a:t>Тайм-ауты для операций (</a:t>
+            </a:r>
+            <a:r>
+              <a:rPr lang="ru-RU" sz="900" b="1" dirty="0" err="1">
+                <a:solidFill>
+                  <a:srgbClr val="11696D"/>
+                </a:solidFill>
+                <a:latin typeface="Montserrat"/>
+                <a:ea typeface="Montserrat"/>
+                <a:cs typeface="Montserrat"/>
+                <a:sym typeface="Montserrat"/>
+              </a:rPr>
+              <a:t>async_timeout</a:t>
+            </a:r>
+            <a:r>
+              <a:rPr lang="ru-RU" sz="900" b="1" dirty="0">
+                <a:solidFill>
+                  <a:srgbClr val="11696D"/>
+                </a:solidFill>
+                <a:latin typeface="Montserrat"/>
+                <a:ea typeface="Montserrat"/>
+                <a:cs typeface="Montserrat"/>
+                <a:sym typeface="Montserrat"/>
+              </a:rPr>
+              <a:t>) - </a:t>
+            </a:r>
+            <a:r>
+              <a:rPr lang="ru-RU" sz="900" dirty="0">
+                <a:solidFill>
+                  <a:srgbClr val="11696D"/>
+                </a:solidFill>
+                <a:latin typeface="Montserrat"/>
+                <a:ea typeface="Montserrat"/>
+                <a:cs typeface="Montserrat"/>
+                <a:sym typeface="Montserrat"/>
+              </a:rPr>
+              <a:t>Использование тайм-аутов с </a:t>
+            </a:r>
+            <a:r>
+              <a:rPr lang="ru-RU" sz="900" dirty="0" err="1">
+                <a:solidFill>
+                  <a:srgbClr val="11696D"/>
+                </a:solidFill>
+                <a:latin typeface="Montserrat"/>
+                <a:ea typeface="Montserrat"/>
+                <a:cs typeface="Montserrat"/>
+                <a:sym typeface="Montserrat"/>
+              </a:rPr>
+              <a:t>async_timeout</a:t>
+            </a:r>
+            <a:r>
+              <a:rPr lang="ru-RU" sz="900" dirty="0">
+                <a:solidFill>
+                  <a:srgbClr val="11696D"/>
+                </a:solidFill>
+                <a:latin typeface="Montserrat"/>
+                <a:ea typeface="Montserrat"/>
+                <a:cs typeface="Montserrat"/>
+                <a:sym typeface="Montserrat"/>
+              </a:rPr>
+              <a:t> позволяет ограничить время выполнения задач, таких как обработка команд или ожидание ответа от клиента.</a:t>
+            </a:r>
+          </a:p>
+          <a:p>
+            <a:pPr lvl="0">
+              <a:buSzPts val="1050"/>
+            </a:pPr>
+            <a:r>
+              <a:rPr lang="ru-RU" sz="900" b="1" dirty="0">
+                <a:solidFill>
+                  <a:srgbClr val="11696D"/>
+                </a:solidFill>
+                <a:latin typeface="Montserrat"/>
+                <a:ea typeface="Montserrat"/>
+                <a:cs typeface="Montserrat"/>
+                <a:sym typeface="Montserrat"/>
+              </a:rPr>
+              <a:t>Эффективное использование ресурсов: </a:t>
+            </a:r>
+            <a:r>
+              <a:rPr lang="ru-RU" sz="900" dirty="0">
+                <a:solidFill>
+                  <a:srgbClr val="11696D"/>
+                </a:solidFill>
+                <a:latin typeface="Montserrat"/>
+                <a:ea typeface="Montserrat"/>
+                <a:cs typeface="Montserrat"/>
+                <a:sym typeface="Montserrat"/>
+              </a:rPr>
+              <a:t>Если задача не выполняется в течение определенного времени, она прерывается. Это предотвращает зависание программы на долгих операциях и позволяет освобождать ресурсы для других задач.</a:t>
+            </a:r>
+          </a:p>
+          <a:p>
+            <a:pPr lvl="0">
+              <a:buSzPts val="1050"/>
+            </a:pPr>
+            <a:r>
+              <a:rPr lang="ru-RU" sz="900" b="1" dirty="0">
+                <a:solidFill>
+                  <a:srgbClr val="11696D"/>
+                </a:solidFill>
+                <a:latin typeface="Montserrat"/>
+                <a:ea typeface="Montserrat"/>
+                <a:cs typeface="Montserrat"/>
+                <a:sym typeface="Montserrat"/>
+              </a:rPr>
+              <a:t>Снижение энергопотребления:</a:t>
+            </a:r>
+            <a:r>
+              <a:rPr lang="ru-RU" sz="900" dirty="0">
+                <a:solidFill>
+                  <a:srgbClr val="11696D"/>
+                </a:solidFill>
+                <a:latin typeface="Montserrat"/>
+                <a:ea typeface="Montserrat"/>
+                <a:cs typeface="Montserrat"/>
+                <a:sym typeface="Montserrat"/>
+              </a:rPr>
+              <a:t> Прерывание задач, которые не выполняются вовремя, помогает избежать ненужного потребления ресурсов, что в конечном итоге снижает энергопотребление.</a:t>
+            </a:r>
+          </a:p>
+          <a:p>
+            <a:pPr lvl="0">
+              <a:buSzPts val="1050"/>
+            </a:pPr>
+            <a:endParaRPr lang="ru-RU" sz="900" dirty="0">
+              <a:solidFill>
+                <a:srgbClr val="11696D"/>
+              </a:solidFill>
+              <a:latin typeface="Montserrat"/>
+              <a:ea typeface="Montserrat"/>
+              <a:cs typeface="Montserrat"/>
+              <a:sym typeface="Montserrat"/>
+            </a:endParaRPr>
+          </a:p>
+          <a:p>
+            <a:pPr lvl="0">
+              <a:buSzPts val="1050"/>
+            </a:pPr>
+            <a:r>
+              <a:rPr lang="ru-RU" sz="900" dirty="0">
+                <a:solidFill>
+                  <a:srgbClr val="11696D"/>
+                </a:solidFill>
+                <a:latin typeface="Montserrat"/>
+                <a:ea typeface="Montserrat"/>
+                <a:cs typeface="Montserrat"/>
+                <a:sym typeface="Montserrat"/>
+              </a:rPr>
+              <a:t>3.</a:t>
+            </a:r>
+            <a:r>
+              <a:rPr lang="ru-RU" sz="900" b="1" dirty="0">
+                <a:solidFill>
+                  <a:srgbClr val="11696D"/>
+                </a:solidFill>
+                <a:latin typeface="Montserrat"/>
+                <a:ea typeface="Montserrat"/>
+                <a:cs typeface="Montserrat"/>
+                <a:sym typeface="Montserrat"/>
+              </a:rPr>
+              <a:t> Отслеживание и очистка неактивных соединений</a:t>
+            </a:r>
+          </a:p>
+          <a:p>
+            <a:pPr lvl="0">
+              <a:buSzPts val="1050"/>
+            </a:pPr>
+            <a:r>
+              <a:rPr lang="ru-RU" sz="900" dirty="0">
+                <a:solidFill>
+                  <a:srgbClr val="11696D"/>
+                </a:solidFill>
+                <a:latin typeface="Montserrat"/>
+                <a:ea typeface="Montserrat"/>
+                <a:cs typeface="Montserrat"/>
+                <a:sym typeface="Montserrat"/>
+              </a:rPr>
+              <a:t>Функция </a:t>
+            </a:r>
+            <a:r>
+              <a:rPr lang="ru-RU" sz="900" dirty="0" err="1">
+                <a:solidFill>
+                  <a:srgbClr val="11696D"/>
+                </a:solidFill>
+                <a:latin typeface="Montserrat"/>
+                <a:ea typeface="Montserrat"/>
+                <a:cs typeface="Montserrat"/>
+                <a:sym typeface="Montserrat"/>
+              </a:rPr>
+              <a:t>cleanup</a:t>
+            </a:r>
+            <a:r>
+              <a:rPr lang="ru-RU" sz="900" dirty="0">
+                <a:solidFill>
+                  <a:srgbClr val="11696D"/>
+                </a:solidFill>
+                <a:latin typeface="Montserrat"/>
+                <a:ea typeface="Montserrat"/>
+                <a:cs typeface="Montserrat"/>
+                <a:sym typeface="Montserrat"/>
+              </a:rPr>
+              <a:t> периодически проверяет и удаляет неактивные или закрытые соединения, как с дронами, так и с операторами.</a:t>
+            </a:r>
+          </a:p>
+          <a:p>
+            <a:pPr lvl="0">
+              <a:buSzPts val="1050"/>
+            </a:pPr>
+            <a:r>
+              <a:rPr lang="ru-RU" sz="900" b="1" dirty="0">
+                <a:solidFill>
+                  <a:srgbClr val="11696D"/>
+                </a:solidFill>
+                <a:latin typeface="Montserrat"/>
+                <a:ea typeface="Montserrat"/>
+                <a:cs typeface="Montserrat"/>
+                <a:sym typeface="Montserrat"/>
+              </a:rPr>
+              <a:t>Освобождение ресурсов: </a:t>
+            </a:r>
+            <a:r>
+              <a:rPr lang="ru-RU" sz="900" dirty="0">
+                <a:solidFill>
+                  <a:srgbClr val="11696D"/>
+                </a:solidFill>
+                <a:latin typeface="Montserrat"/>
+                <a:ea typeface="Montserrat"/>
+                <a:cs typeface="Montserrat"/>
+                <a:sym typeface="Montserrat"/>
+              </a:rPr>
+              <a:t>Удаление неактивных соединений освобождает память и снижает нагрузку на сервер, позволяя использовать эти ресурсы для обработки активных подключений.</a:t>
+            </a:r>
+          </a:p>
+          <a:p>
+            <a:pPr lvl="0">
+              <a:buSzPts val="1050"/>
+            </a:pPr>
+            <a:r>
+              <a:rPr lang="ru-RU" sz="900" b="1" dirty="0">
+                <a:solidFill>
+                  <a:srgbClr val="11696D"/>
+                </a:solidFill>
+                <a:latin typeface="Montserrat"/>
+                <a:ea typeface="Montserrat"/>
+                <a:cs typeface="Montserrat"/>
+                <a:sym typeface="Montserrat"/>
+              </a:rPr>
+              <a:t>Управление энергопотреблением:</a:t>
+            </a:r>
+            <a:r>
+              <a:rPr lang="ru-RU" sz="900" dirty="0">
+                <a:solidFill>
+                  <a:srgbClr val="11696D"/>
+                </a:solidFill>
+                <a:latin typeface="Montserrat"/>
+                <a:ea typeface="Montserrat"/>
+                <a:cs typeface="Montserrat"/>
+                <a:sym typeface="Montserrat"/>
+              </a:rPr>
+              <a:t> Отключение неактивных клиентов предотвращает ненужное использование ресурсов, что помогает снизить общие затраты энергии.</a:t>
+            </a:r>
+          </a:p>
+          <a:p>
+            <a:pPr lvl="0">
+              <a:buSzPts val="1050"/>
+            </a:pPr>
+            <a:endParaRPr lang="ru-RU" sz="900" dirty="0">
               <a:solidFill>
                 <a:srgbClr val="11696D"/>
               </a:solidFill>
@@ -11998,6 +12750,549 @@
 </file>
 
 <file path=ppt/slides/slide13.xml><?xml version="1.0" encoding="utf-8"?>
+<p:sld xmlns:a="http://schemas.openxmlformats.org/drawingml/2006/main" xmlns:r="http://schemas.openxmlformats.org/officeDocument/2006/relationships" xmlns:p="http://schemas.openxmlformats.org/presentationml/2006/main">
+  <p:cSld>
+    <p:spTree>
+      <p:nvGrpSpPr>
+        <p:cNvPr id="1" name=""/>
+        <p:cNvGrpSpPr/>
+        <p:nvPr/>
+      </p:nvGrpSpPr>
+      <p:grpSpPr>
+        <a:xfrm>
+          <a:off x="0" y="0"/>
+          <a:ext cx="0" cy="0"/>
+          <a:chOff x="0" y="0"/>
+          <a:chExt cx="0" cy="0"/>
+        </a:xfrm>
+      </p:grpSpPr>
+      <p:sp>
+        <p:nvSpPr>
+          <p:cNvPr id="2" name="Заголовок 1">
+            <a:extLst>
+              <a:ext uri="{FF2B5EF4-FFF2-40B4-BE49-F238E27FC236}">
+                <a16:creationId xmlns:a16="http://schemas.microsoft.com/office/drawing/2014/main" id="{48458A79-1113-4A84-B751-EC1B98709DD9}"/>
+              </a:ext>
+            </a:extLst>
+          </p:cNvPr>
+          <p:cNvSpPr>
+            <a:spLocks noGrp="1"/>
+          </p:cNvSpPr>
+          <p:nvPr>
+            <p:ph type="title"/>
+          </p:nvPr>
+        </p:nvSpPr>
+        <p:spPr/>
+        <p:txBody>
+          <a:bodyPr>
+            <a:normAutofit fontScale="90000"/>
+          </a:bodyPr>
+          <a:lstStyle/>
+          <a:p>
+            <a:pPr algn="just">
+              <a:buSzPts val="1100"/>
+            </a:pPr>
+            <a:r>
+              <a:rPr lang="ru" sz="1500" b="1" dirty="0">
+                <a:solidFill>
+                  <a:srgbClr val="11696D"/>
+                </a:solidFill>
+                <a:latin typeface="Times New Roman"/>
+                <a:cs typeface="Times New Roman"/>
+                <a:sym typeface="Times New Roman"/>
+              </a:rPr>
+              <a:t>Стратегии управления ресурсами и энергопотреблением для повышения эффективности работы программы</a:t>
+            </a:r>
+            <a:endParaRPr lang="ru-RU" sz="1500" b="1" dirty="0">
+              <a:solidFill>
+                <a:srgbClr val="11696D"/>
+              </a:solidFill>
+              <a:latin typeface="Times New Roman"/>
+              <a:cs typeface="Times New Roman"/>
+            </a:endParaRPr>
+          </a:p>
+        </p:txBody>
+      </p:sp>
+      <p:sp>
+        <p:nvSpPr>
+          <p:cNvPr id="3" name="Текст 2">
+            <a:extLst>
+              <a:ext uri="{FF2B5EF4-FFF2-40B4-BE49-F238E27FC236}">
+                <a16:creationId xmlns:a16="http://schemas.microsoft.com/office/drawing/2014/main" id="{1A2A89CB-C659-480D-886E-8454E7499CB8}"/>
+              </a:ext>
+            </a:extLst>
+          </p:cNvPr>
+          <p:cNvSpPr>
+            <a:spLocks noGrp="1"/>
+          </p:cNvSpPr>
+          <p:nvPr>
+            <p:ph type="body" idx="1"/>
+          </p:nvPr>
+        </p:nvSpPr>
+        <p:spPr/>
+        <p:txBody>
+          <a:bodyPr>
+            <a:normAutofit fontScale="25000" lnSpcReduction="20000"/>
+          </a:bodyPr>
+          <a:lstStyle/>
+          <a:p>
+            <a:pPr marL="114300" lvl="0" indent="0">
+              <a:buSzPts val="1050"/>
+              <a:buNone/>
+            </a:pPr>
+            <a:r>
+              <a:rPr lang="ru-RU" sz="3600" b="1" dirty="0">
+                <a:solidFill>
+                  <a:srgbClr val="11696D"/>
+                </a:solidFill>
+                <a:latin typeface="Montserrat"/>
+                <a:sym typeface="Montserrat"/>
+              </a:rPr>
+              <a:t>4. Эффективное управление подключениями (</a:t>
+            </a:r>
+            <a:r>
+              <a:rPr lang="ru-RU" sz="3600" b="1" dirty="0" err="1">
+                <a:solidFill>
+                  <a:srgbClr val="11696D"/>
+                </a:solidFill>
+                <a:latin typeface="Montserrat"/>
+                <a:sym typeface="Montserrat"/>
+              </a:rPr>
+              <a:t>WebSocket</a:t>
+            </a:r>
+            <a:r>
+              <a:rPr lang="ru-RU" sz="3600" b="1" dirty="0">
+                <a:solidFill>
+                  <a:srgbClr val="11696D"/>
+                </a:solidFill>
+                <a:latin typeface="Montserrat"/>
+                <a:sym typeface="Montserrat"/>
+              </a:rPr>
+              <a:t>)</a:t>
+            </a:r>
+            <a:r>
+              <a:rPr lang="ru-RU" sz="3600" dirty="0">
+                <a:solidFill>
+                  <a:srgbClr val="11696D"/>
+                </a:solidFill>
+                <a:latin typeface="Montserrat"/>
+                <a:sym typeface="Montserrat"/>
+              </a:rPr>
+              <a:t> - </a:t>
+            </a:r>
+            <a:r>
+              <a:rPr lang="ru-RU" sz="3600" dirty="0" err="1">
+                <a:solidFill>
+                  <a:srgbClr val="11696D"/>
+                </a:solidFill>
+                <a:latin typeface="Montserrat"/>
+                <a:sym typeface="Montserrat"/>
+              </a:rPr>
+              <a:t>WebSocket</a:t>
+            </a:r>
+            <a:r>
+              <a:rPr lang="ru-RU" sz="3600" dirty="0">
+                <a:solidFill>
+                  <a:srgbClr val="11696D"/>
+                </a:solidFill>
+                <a:latin typeface="Montserrat"/>
+                <a:sym typeface="Montserrat"/>
+              </a:rPr>
+              <a:t>-соединения используются для постоянного двустороннего общения между сервером и клиентами (дронами и операторами). Эти соединения поддерживаются в асинхронном режиме.</a:t>
+            </a:r>
+          </a:p>
+          <a:p>
+            <a:pPr marL="114300" lvl="0" indent="0">
+              <a:buSzPts val="1050"/>
+              <a:buNone/>
+            </a:pPr>
+            <a:r>
+              <a:rPr lang="ru-RU" sz="3600" b="1" dirty="0">
+                <a:solidFill>
+                  <a:srgbClr val="11696D"/>
+                </a:solidFill>
+                <a:latin typeface="Montserrat"/>
+                <a:sym typeface="Montserrat"/>
+              </a:rPr>
+              <a:t>Постоянные соединения:</a:t>
+            </a:r>
+            <a:r>
+              <a:rPr lang="ru-RU" sz="3600" dirty="0">
+                <a:solidFill>
+                  <a:srgbClr val="11696D"/>
+                </a:solidFill>
+                <a:latin typeface="Montserrat"/>
+                <a:sym typeface="Montserrat"/>
+              </a:rPr>
+              <a:t> Поддержка постоянных соединений позволяет избежать затрат на повторное установление соединений, что снижает нагрузку на сеть и CPU.</a:t>
+            </a:r>
+          </a:p>
+          <a:p>
+            <a:pPr marL="114300" lvl="0" indent="0">
+              <a:buSzPts val="1050"/>
+              <a:buNone/>
+            </a:pPr>
+            <a:r>
+              <a:rPr lang="ru-RU" sz="3600" b="1" dirty="0">
+                <a:solidFill>
+                  <a:srgbClr val="11696D"/>
+                </a:solidFill>
+                <a:latin typeface="Montserrat"/>
+                <a:sym typeface="Montserrat"/>
+              </a:rPr>
+              <a:t>Низкое потребление ресурсов: </a:t>
+            </a:r>
+            <a:r>
+              <a:rPr lang="ru-RU" sz="3600" dirty="0">
+                <a:solidFill>
+                  <a:srgbClr val="11696D"/>
+                </a:solidFill>
+                <a:latin typeface="Montserrat"/>
+                <a:sym typeface="Montserrat"/>
+              </a:rPr>
+              <a:t>Асинхронное управление соединениями позволяет эффективно обрабатывать большое количество подключений с минимальным использованием ресурсов.</a:t>
+            </a:r>
+          </a:p>
+          <a:p>
+            <a:pPr marL="114300" lvl="0" indent="0">
+              <a:buSzPts val="1050"/>
+              <a:buNone/>
+            </a:pPr>
+            <a:endParaRPr lang="ru-RU" sz="3600" dirty="0">
+              <a:solidFill>
+                <a:srgbClr val="11696D"/>
+              </a:solidFill>
+              <a:latin typeface="Montserrat"/>
+              <a:sym typeface="Montserrat"/>
+            </a:endParaRPr>
+          </a:p>
+          <a:p>
+            <a:pPr marL="114300" lvl="0" indent="0">
+              <a:buSzPts val="1050"/>
+              <a:buNone/>
+            </a:pPr>
+            <a:r>
+              <a:rPr lang="ru-RU" sz="3600" dirty="0">
+                <a:solidFill>
+                  <a:srgbClr val="11696D"/>
+                </a:solidFill>
+                <a:latin typeface="Montserrat"/>
+                <a:sym typeface="Montserrat"/>
+              </a:rPr>
+              <a:t>5. </a:t>
+            </a:r>
+            <a:r>
+              <a:rPr lang="ru-RU" sz="3600" b="1" dirty="0">
+                <a:solidFill>
+                  <a:srgbClr val="11696D"/>
+                </a:solidFill>
+                <a:latin typeface="Montserrat"/>
+                <a:sym typeface="Montserrat"/>
+              </a:rPr>
+              <a:t>Паттерн </a:t>
+            </a:r>
+            <a:r>
+              <a:rPr lang="ru-RU" sz="3600" b="1" dirty="0" err="1">
+                <a:solidFill>
+                  <a:srgbClr val="11696D"/>
+                </a:solidFill>
+                <a:latin typeface="Montserrat"/>
+                <a:sym typeface="Montserrat"/>
+              </a:rPr>
+              <a:t>Singleton</a:t>
+            </a:r>
+            <a:r>
+              <a:rPr lang="ru-RU" sz="3600" b="1" dirty="0">
+                <a:solidFill>
+                  <a:srgbClr val="11696D"/>
+                </a:solidFill>
+                <a:latin typeface="Montserrat"/>
+                <a:sym typeface="Montserrat"/>
+              </a:rPr>
+              <a:t> </a:t>
+            </a:r>
+            <a:r>
+              <a:rPr lang="ru-RU" sz="3600" dirty="0">
+                <a:solidFill>
+                  <a:srgbClr val="11696D"/>
+                </a:solidFill>
+                <a:latin typeface="Montserrat"/>
+                <a:sym typeface="Montserrat"/>
+              </a:rPr>
+              <a:t>- Использование паттерна </a:t>
+            </a:r>
+            <a:r>
+              <a:rPr lang="ru-RU" sz="3600" dirty="0" err="1">
+                <a:solidFill>
+                  <a:srgbClr val="11696D"/>
+                </a:solidFill>
+                <a:latin typeface="Montserrat"/>
+                <a:sym typeface="Montserrat"/>
+              </a:rPr>
+              <a:t>Singleton</a:t>
+            </a:r>
+            <a:r>
+              <a:rPr lang="ru-RU" sz="3600" dirty="0">
+                <a:solidFill>
+                  <a:srgbClr val="11696D"/>
+                </a:solidFill>
+                <a:latin typeface="Montserrat"/>
+                <a:sym typeface="Montserrat"/>
+              </a:rPr>
+              <a:t> для управления сервером </a:t>
+            </a:r>
+            <a:r>
+              <a:rPr lang="ru-RU" sz="3600" dirty="0" err="1">
+                <a:solidFill>
+                  <a:srgbClr val="11696D"/>
+                </a:solidFill>
+                <a:latin typeface="Montserrat"/>
+                <a:sym typeface="Montserrat"/>
+              </a:rPr>
+              <a:t>WebSocket</a:t>
+            </a:r>
+            <a:r>
+              <a:rPr lang="ru-RU" sz="3600" dirty="0">
+                <a:solidFill>
+                  <a:srgbClr val="11696D"/>
+                </a:solidFill>
+                <a:latin typeface="Montserrat"/>
+                <a:sym typeface="Montserrat"/>
+              </a:rPr>
+              <a:t> гарантирует, что в системе существует только один экземпляр сервера.</a:t>
+            </a:r>
+          </a:p>
+          <a:p>
+            <a:pPr marL="114300" lvl="0" indent="0">
+              <a:buSzPts val="1050"/>
+              <a:buNone/>
+            </a:pPr>
+            <a:r>
+              <a:rPr lang="ru-RU" sz="3600" b="1" dirty="0">
+                <a:solidFill>
+                  <a:srgbClr val="11696D"/>
+                </a:solidFill>
+                <a:latin typeface="Montserrat"/>
+                <a:sym typeface="Montserrat"/>
+              </a:rPr>
+              <a:t>Экономия памяти</a:t>
+            </a:r>
+            <a:r>
+              <a:rPr lang="ru-RU" sz="3600" dirty="0">
+                <a:solidFill>
+                  <a:srgbClr val="11696D"/>
+                </a:solidFill>
+                <a:latin typeface="Montserrat"/>
+                <a:sym typeface="Montserrat"/>
+              </a:rPr>
+              <a:t>: Создание только одного экземпляра сервера предотвращает лишнее использование памяти.</a:t>
+            </a:r>
+          </a:p>
+          <a:p>
+            <a:pPr marL="114300" lvl="0" indent="0">
+              <a:buSzPts val="1050"/>
+              <a:buNone/>
+            </a:pPr>
+            <a:r>
+              <a:rPr lang="ru-RU" sz="3600" b="1" dirty="0">
+                <a:solidFill>
+                  <a:srgbClr val="11696D"/>
+                </a:solidFill>
+                <a:latin typeface="Montserrat"/>
+                <a:sym typeface="Montserrat"/>
+              </a:rPr>
+              <a:t>Эффективное управление ресурсами</a:t>
+            </a:r>
+            <a:r>
+              <a:rPr lang="ru-RU" sz="3600" dirty="0">
+                <a:solidFill>
+                  <a:srgbClr val="11696D"/>
+                </a:solidFill>
+                <a:latin typeface="Montserrat"/>
+                <a:sym typeface="Montserrat"/>
+              </a:rPr>
+              <a:t>: Управление одним экземпляром сервера снижает сложность управления ресурсами и предотвращает возможные конфликты.</a:t>
+            </a:r>
+          </a:p>
+          <a:p>
+            <a:pPr marL="114300" lvl="0" indent="0">
+              <a:buSzPts val="1050"/>
+              <a:buNone/>
+            </a:pPr>
+            <a:endParaRPr lang="ru-RU" sz="3600" dirty="0">
+              <a:solidFill>
+                <a:srgbClr val="11696D"/>
+              </a:solidFill>
+              <a:latin typeface="Montserrat"/>
+              <a:sym typeface="Montserrat"/>
+            </a:endParaRPr>
+          </a:p>
+          <a:p>
+            <a:pPr marL="114300" indent="0">
+              <a:buSzPts val="1050"/>
+              <a:buNone/>
+            </a:pPr>
+            <a:r>
+              <a:rPr lang="ru-RU" sz="3600" dirty="0">
+                <a:solidFill>
+                  <a:srgbClr val="11696D"/>
+                </a:solidFill>
+                <a:latin typeface="Montserrat"/>
+                <a:sym typeface="Montserrat"/>
+              </a:rPr>
+              <a:t>6. </a:t>
+            </a:r>
+            <a:r>
+              <a:rPr lang="ru-RU" sz="3600" b="1" dirty="0">
+                <a:solidFill>
+                  <a:srgbClr val="11696D"/>
+                </a:solidFill>
+                <a:latin typeface="Montserrat"/>
+                <a:sym typeface="Montserrat"/>
+              </a:rPr>
+              <a:t>Асинхронные уведомления (</a:t>
+            </a:r>
+            <a:r>
+              <a:rPr lang="ru-RU" sz="3600" b="1" dirty="0" err="1">
+                <a:solidFill>
+                  <a:srgbClr val="11696D"/>
+                </a:solidFill>
+                <a:latin typeface="Montserrat"/>
+                <a:sym typeface="Montserrat"/>
+              </a:rPr>
+              <a:t>Observer</a:t>
+            </a:r>
+            <a:r>
+              <a:rPr lang="ru-RU" sz="3600" b="1" dirty="0">
+                <a:solidFill>
+                  <a:srgbClr val="11696D"/>
+                </a:solidFill>
+                <a:latin typeface="Montserrat"/>
+                <a:sym typeface="Montserrat"/>
+              </a:rPr>
+              <a:t>)</a:t>
+            </a:r>
+            <a:r>
+              <a:rPr lang="ru-RU" sz="3600" dirty="0">
+                <a:solidFill>
+                  <a:srgbClr val="11696D"/>
+                </a:solidFill>
+                <a:latin typeface="Montserrat"/>
+                <a:sym typeface="Montserrat"/>
+              </a:rPr>
+              <a:t> - Уведомление операторов об изменении статуса дронов выполняется асинхронно, что позволяет минимизировать задержки и эффективно использовать сетевые ресурсы.</a:t>
+            </a:r>
+          </a:p>
+          <a:p>
+            <a:pPr marL="114300" lvl="0" indent="0">
+              <a:buSzPts val="1050"/>
+              <a:buNone/>
+            </a:pPr>
+            <a:r>
+              <a:rPr lang="ru-RU" sz="3600" b="1" dirty="0">
+                <a:solidFill>
+                  <a:srgbClr val="11696D"/>
+                </a:solidFill>
+                <a:latin typeface="Montserrat"/>
+                <a:sym typeface="Montserrat"/>
+              </a:rPr>
+              <a:t>Эффективное использование сети</a:t>
+            </a:r>
+            <a:r>
+              <a:rPr lang="ru-RU" sz="3600" dirty="0">
+                <a:solidFill>
+                  <a:srgbClr val="11696D"/>
+                </a:solidFill>
+                <a:latin typeface="Montserrat"/>
+                <a:sym typeface="Montserrat"/>
+              </a:rPr>
+              <a:t>: Асинхронная передача данных позволяет избегать узких мест в сети и снижает задержки в передаче сообщений.</a:t>
+            </a:r>
+          </a:p>
+          <a:p>
+            <a:pPr marL="114300" lvl="0" indent="0">
+              <a:buSzPts val="1050"/>
+              <a:buNone/>
+            </a:pPr>
+            <a:r>
+              <a:rPr lang="ru-RU" sz="3600" b="1" dirty="0">
+                <a:solidFill>
+                  <a:srgbClr val="11696D"/>
+                </a:solidFill>
+                <a:latin typeface="Montserrat"/>
+                <a:sym typeface="Montserrat"/>
+              </a:rPr>
+              <a:t>Снижение нагрузки на сервер</a:t>
+            </a:r>
+            <a:r>
+              <a:rPr lang="ru-RU" sz="3600" dirty="0">
+                <a:solidFill>
+                  <a:srgbClr val="11696D"/>
+                </a:solidFill>
+                <a:latin typeface="Montserrat"/>
+                <a:sym typeface="Montserrat"/>
+              </a:rPr>
+              <a:t>: Асинхронные уведомления позволяют серверу обрабатывать другие задачи параллельно, что снижает общую нагрузку на систему.</a:t>
+            </a:r>
+          </a:p>
+          <a:p>
+            <a:pPr marL="114300" lvl="0" indent="0">
+              <a:buSzPts val="1050"/>
+              <a:buNone/>
+            </a:pPr>
+            <a:endParaRPr lang="ru-RU" sz="3600">
+              <a:solidFill>
+                <a:srgbClr val="11696D"/>
+              </a:solidFill>
+              <a:latin typeface="Montserrat"/>
+              <a:sym typeface="Montserrat"/>
+            </a:endParaRPr>
+          </a:p>
+          <a:p>
+            <a:pPr marL="114300" lvl="0" indent="0">
+              <a:buSzPts val="1050"/>
+              <a:buNone/>
+            </a:pPr>
+            <a:r>
+              <a:rPr lang="ru-RU" sz="3600">
+                <a:solidFill>
+                  <a:srgbClr val="11696D"/>
+                </a:solidFill>
+                <a:latin typeface="Montserrat"/>
+                <a:sym typeface="Montserrat"/>
+              </a:rPr>
+              <a:t>Эти </a:t>
+            </a:r>
+            <a:r>
+              <a:rPr lang="ru-RU" sz="3600" dirty="0">
+                <a:solidFill>
+                  <a:srgbClr val="11696D"/>
+                </a:solidFill>
+                <a:latin typeface="Montserrat"/>
+                <a:sym typeface="Montserrat"/>
+              </a:rPr>
+              <a:t>стратегии управления ресурсами и энергопотреблением способствуют повышению эффективности работы программы, позволяя ей обрабатывать множество соединений и задач с минимальными затратами ресурсов. Асинхронное программирование и управление тайм-аутами, очистка неактивных соединений и использование оптимальных паттернов проектирования обеспечивают сбалансированное использование CPU, памяти и сетевых ресурсов, что также положительно сказывается на энергопотреблении системы.</a:t>
+            </a:r>
+          </a:p>
+          <a:p>
+            <a:endParaRPr lang="ru-RU" dirty="0"/>
+          </a:p>
+        </p:txBody>
+      </p:sp>
+    </p:spTree>
+    <p:extLst>
+      <p:ext uri="{BB962C8B-B14F-4D97-AF65-F5344CB8AC3E}">
+        <p14:creationId xmlns:p14="http://schemas.microsoft.com/office/powerpoint/2010/main" val="2759600074"/>
+      </p:ext>
+    </p:extLst>
+  </p:cSld>
+  <p:clrMapOvr>
+    <a:masterClrMapping/>
+  </p:clrMapOvr>
+</p:sld>
+</file>
+
+<file path=ppt/slides/slide14.xml><?xml version="1.0" encoding="utf-8"?>
 <p:sld xmlns:a="http://schemas.openxmlformats.org/drawingml/2006/main" xmlns:r="http://schemas.openxmlformats.org/officeDocument/2006/relationships" xmlns:p="http://schemas.openxmlformats.org/presentationml/2006/main">
   <p:cSld>
     <p:spTree>
@@ -12250,7 +13545,7 @@
 </p:sld>
 </file>
 
-<file path=ppt/slides/slide14.xml><?xml version="1.0" encoding="utf-8"?>
+<file path=ppt/slides/slide15.xml><?xml version="1.0" encoding="utf-8"?>
 <p:sld xmlns:a="http://schemas.openxmlformats.org/drawingml/2006/main" xmlns:r="http://schemas.openxmlformats.org/officeDocument/2006/relationships" xmlns:p="http://schemas.openxmlformats.org/presentationml/2006/main">
   <p:cSld>
     <p:spTree>
@@ -12503,7 +13798,7 @@
 </p:sld>
 </file>
 
-<file path=ppt/slides/slide15.xml><?xml version="1.0" encoding="utf-8"?>
+<file path=ppt/slides/slide16.xml><?xml version="1.0" encoding="utf-8"?>
 <p:sld xmlns:a="http://schemas.openxmlformats.org/drawingml/2006/main" xmlns:r="http://schemas.openxmlformats.org/officeDocument/2006/relationships" xmlns:p="http://schemas.openxmlformats.org/presentationml/2006/main">
   <p:cSld>
     <p:spTree>

--- a/Python_разработка_для_БПЛА_паттерны_проектирования,_API_интерфейсы+(6).pptx
+++ b/Python_разработка_для_БПЛА_паттерны_проектирования,_API_интерфейсы+(6).pptx
@@ -5,7 +5,7 @@
     <p:sldMasterId id="2147483648" r:id="rId1"/>
   </p:sldMasterIdLst>
   <p:notesMasterIdLst>
-    <p:notesMasterId r:id="rId18"/>
+    <p:notesMasterId r:id="rId20"/>
   </p:notesMasterIdLst>
   <p:sldIdLst>
     <p:sldId id="256" r:id="rId2"/>
@@ -23,29 +23,31 @@
     <p:sldId id="271" r:id="rId14"/>
     <p:sldId id="268" r:id="rId15"/>
     <p:sldId id="269" r:id="rId16"/>
-    <p:sldId id="270" r:id="rId17"/>
+    <p:sldId id="272" r:id="rId17"/>
+    <p:sldId id="273" r:id="rId18"/>
+    <p:sldId id="270" r:id="rId19"/>
   </p:sldIdLst>
   <p:sldSz cx="9144000" cy="5143500" type="screen16x9"/>
   <p:notesSz cx="6858000" cy="9144000"/>
   <p:embeddedFontLst>
     <p:embeddedFont>
       <p:font typeface="Calibri" panose="020F0502020204030204" pitchFamily="34" charset="0"/>
-      <p:regular r:id="rId19"/>
-      <p:bold r:id="rId20"/>
-      <p:italic r:id="rId21"/>
-      <p:boldItalic r:id="rId22"/>
+      <p:regular r:id="rId21"/>
+      <p:bold r:id="rId22"/>
+      <p:italic r:id="rId23"/>
+      <p:boldItalic r:id="rId24"/>
     </p:embeddedFont>
     <p:embeddedFont>
       <p:font typeface="Montserrat" panose="020B0604020202020204" charset="-52"/>
-      <p:regular r:id="rId23"/>
-      <p:bold r:id="rId24"/>
-      <p:italic r:id="rId25"/>
-      <p:boldItalic r:id="rId26"/>
+      <p:regular r:id="rId25"/>
+      <p:bold r:id="rId26"/>
+      <p:italic r:id="rId27"/>
+      <p:boldItalic r:id="rId28"/>
     </p:embeddedFont>
     <p:embeddedFont>
       <p:font typeface="Montserrat Black" panose="020B0604020202020204" charset="-52"/>
-      <p:bold r:id="rId27"/>
-      <p:boldItalic r:id="rId28"/>
+      <p:bold r:id="rId29"/>
+      <p:boldItalic r:id="rId30"/>
     </p:embeddedFont>
   </p:embeddedFontLst>
   <p:defaultTextStyle>
@@ -293,7 +295,7 @@
       </p15:sldGuideLst>
     </p:ext>
     <p:ext uri="GoogleSlidesCustomDataVersion2">
-      <go:slidesCustomData xmlns="" xmlns:mc="http://schemas.openxmlformats.org/markup-compatibility/2006" xmlns:mv="urn:schemas-microsoft-com:mac:vml" xmlns:c="http://schemas.openxmlformats.org/drawingml/2006/chart" xmlns:dgm="http://schemas.openxmlformats.org/drawingml/2006/diagram" xmlns:o="urn:schemas-microsoft-com:office:office" xmlns:v="urn:schemas-microsoft-com:vml" xmlns:pvml="urn:schemas-microsoft-com:office:powerpoint" xmlns:com="http://schemas.openxmlformats.org/drawingml/2006/compatibility" xmlns:p14="http://schemas.microsoft.com/office/powerpoint/2010/main" xmlns:p15="http://schemas.microsoft.com/office/powerpoint/2012/main" xmlns:ahyp="http://schemas.microsoft.com/office/drawing/2018/hyperlinkcolor" xmlns:go="http://customooxmlschemas.google.com/" r:id="rId29" roundtripDataSignature="AMtx7mgXibPICmElT20R5Iy5acDRsXJ6cw=="/>
+      <go:slidesCustomData xmlns="" xmlns:mc="http://schemas.openxmlformats.org/markup-compatibility/2006" xmlns:mv="urn:schemas-microsoft-com:mac:vml" xmlns:c="http://schemas.openxmlformats.org/drawingml/2006/chart" xmlns:dgm="http://schemas.openxmlformats.org/drawingml/2006/diagram" xmlns:o="urn:schemas-microsoft-com:office:office" xmlns:v="urn:schemas-microsoft-com:vml" xmlns:pvml="urn:schemas-microsoft-com:office:powerpoint" xmlns:com="http://schemas.openxmlformats.org/drawingml/2006/compatibility" xmlns:p14="http://schemas.microsoft.com/office/powerpoint/2010/main" xmlns:p15="http://schemas.microsoft.com/office/powerpoint/2012/main" xmlns:ahyp="http://schemas.microsoft.com/office/drawing/2018/hyperlinkcolor" xmlns:go="http://customooxmlschemas.google.com/" r:id="rId31" roundtripDataSignature="AMtx7mgXibPICmElT20R5Iy5acDRsXJ6cw=="/>
     </p:ext>
   </p:extLst>
 </p:presentation>
@@ -13240,7 +13242,7 @@
               <a:buSzPts val="1050"/>
               <a:buNone/>
             </a:pPr>
-            <a:endParaRPr lang="ru-RU" sz="3600">
+            <a:endParaRPr lang="ru-RU" sz="3600" dirty="0">
               <a:solidFill>
                 <a:srgbClr val="11696D"/>
               </a:solidFill>
@@ -13254,24 +13256,14 @@
               <a:buNone/>
             </a:pPr>
             <a:r>
-              <a:rPr lang="ru-RU" sz="3600">
+              <a:rPr lang="ru-RU" sz="3600" dirty="0">
                 <a:solidFill>
                   <a:srgbClr val="11696D"/>
                 </a:solidFill>
                 <a:latin typeface="Montserrat"/>
                 <a:sym typeface="Montserrat"/>
               </a:rPr>
-              <a:t>Эти </a:t>
-            </a:r>
-            <a:r>
-              <a:rPr lang="ru-RU" sz="3600" dirty="0">
-                <a:solidFill>
-                  <a:srgbClr val="11696D"/>
-                </a:solidFill>
-                <a:latin typeface="Montserrat"/>
-                <a:sym typeface="Montserrat"/>
-              </a:rPr>
-              <a:t>стратегии управления ресурсами и энергопотреблением способствуют повышению эффективности работы программы, позволяя ей обрабатывать множество соединений и задач с минимальными затратами ресурсов. Асинхронное программирование и управление тайм-аутами, очистка неактивных соединений и использование оптимальных паттернов проектирования обеспечивают сбалансированное использование CPU, памяти и сетевых ресурсов, что также положительно сказывается на энергопотреблении системы.</a:t>
+              <a:t>Эти стратегии управления ресурсами и энергопотреблением способствуют повышению эффективности работы программы, позволяя ей обрабатывать множество соединений и задач с минимальными затратами ресурсов. Асинхронное программирование и управление тайм-аутами, очистка неактивных соединений и использование оптимальных паттернов проектирования обеспечивают сбалансированное использование CPU, памяти и сетевых ресурсов, что также положительно сказывается на энергопотреблении системы.</a:t>
             </a:r>
           </a:p>
           <a:p>
@@ -13480,7 +13472,7 @@
         <p:spPr>
           <a:xfrm>
             <a:off x="311700" y="832700"/>
-            <a:ext cx="4913400" cy="346200"/>
+            <a:ext cx="8313550" cy="1357649"/>
           </a:xfrm>
           <a:prstGeom prst="rect">
             <a:avLst/>
@@ -13496,7 +13488,7 @@
           </a:bodyPr>
           <a:lstStyle/>
           <a:p>
-            <a:pPr marL="0" marR="0" lvl="0" indent="0" algn="l" rtl="0">
+            <a:pPr lvl="0">
               <a:lnSpc>
                 <a:spcPct val="115000"/>
               </a:lnSpc>
@@ -13506,15 +13498,10 @@
               <a:spcAft>
                 <a:spcPts val="1200"/>
               </a:spcAft>
-              <a:buClr>
-                <a:srgbClr val="000000"/>
-              </a:buClr>
               <a:buSzPts val="1050"/>
-              <a:buFont typeface="Arial"/>
-              <a:buNone/>
             </a:pPr>
             <a:r>
-              <a:rPr lang="ru" sz="1050" b="1" i="1" u="none" strike="noStrike" cap="none">
+              <a:rPr lang="ru-RU" sz="1050" b="1" i="1" dirty="0">
                 <a:solidFill>
                   <a:srgbClr val="11696D"/>
                 </a:solidFill>
@@ -13523,9 +13510,107 @@
                 <a:cs typeface="Montserrat"/>
                 <a:sym typeface="Montserrat"/>
               </a:rPr>
-              <a:t>Описание</a:t>
-            </a:r>
-            <a:endParaRPr sz="1050" b="1" i="1" u="none" strike="noStrike" cap="none">
+              <a:t>Документирование кода в представленном проекте выполнено с использованием встроенных </a:t>
+            </a:r>
+            <a:r>
+              <a:rPr lang="ru-RU" sz="1050" b="1" i="1" dirty="0" err="1">
+                <a:solidFill>
+                  <a:srgbClr val="11696D"/>
+                </a:solidFill>
+                <a:latin typeface="Montserrat"/>
+                <a:ea typeface="Montserrat"/>
+                <a:cs typeface="Montserrat"/>
+                <a:sym typeface="Montserrat"/>
+              </a:rPr>
+              <a:t>docstring</a:t>
+            </a:r>
+            <a:r>
+              <a:rPr lang="ru-RU" sz="1050" b="1" i="1" dirty="0">
+                <a:solidFill>
+                  <a:srgbClr val="11696D"/>
+                </a:solidFill>
+                <a:latin typeface="Montserrat"/>
+                <a:ea typeface="Montserrat"/>
+                <a:cs typeface="Montserrat"/>
+                <a:sym typeface="Montserrat"/>
+              </a:rPr>
+              <a:t> (строк документации) на языке </a:t>
+            </a:r>
+            <a:r>
+              <a:rPr lang="ru-RU" sz="1050" b="1" i="1" dirty="0" err="1">
+                <a:solidFill>
+                  <a:srgbClr val="11696D"/>
+                </a:solidFill>
+                <a:latin typeface="Montserrat"/>
+                <a:ea typeface="Montserrat"/>
+                <a:cs typeface="Montserrat"/>
+                <a:sym typeface="Montserrat"/>
+              </a:rPr>
+              <a:t>Python</a:t>
+            </a:r>
+            <a:r>
+              <a:rPr lang="ru-RU" sz="1050" b="1" i="1" dirty="0">
+                <a:solidFill>
+                  <a:srgbClr val="11696D"/>
+                </a:solidFill>
+                <a:latin typeface="Montserrat"/>
+                <a:ea typeface="Montserrat"/>
+                <a:cs typeface="Montserrat"/>
+                <a:sym typeface="Montserrat"/>
+              </a:rPr>
+              <a:t>. </a:t>
+            </a:r>
+          </a:p>
+          <a:p>
+            <a:pPr lvl="0">
+              <a:lnSpc>
+                <a:spcPct val="115000"/>
+              </a:lnSpc>
+              <a:spcBef>
+                <a:spcPts val="1200"/>
+              </a:spcBef>
+              <a:spcAft>
+                <a:spcPts val="1200"/>
+              </a:spcAft>
+              <a:buSzPts val="1050"/>
+            </a:pPr>
+            <a:r>
+              <a:rPr lang="ru-RU" sz="1050" b="1" i="1" dirty="0" err="1">
+                <a:solidFill>
+                  <a:srgbClr val="11696D"/>
+                </a:solidFill>
+                <a:latin typeface="Montserrat"/>
+                <a:ea typeface="Montserrat"/>
+                <a:cs typeface="Montserrat"/>
+                <a:sym typeface="Montserrat"/>
+              </a:rPr>
+              <a:t>Docstring</a:t>
+            </a:r>
+            <a:r>
+              <a:rPr lang="ru-RU" sz="1050" b="1" i="1" dirty="0">
+                <a:solidFill>
+                  <a:srgbClr val="11696D"/>
+                </a:solidFill>
+                <a:latin typeface="Montserrat"/>
+                <a:ea typeface="Montserrat"/>
+                <a:cs typeface="Montserrat"/>
+                <a:sym typeface="Montserrat"/>
+              </a:rPr>
+              <a:t> — это стандартный способ документирования функций, классов и модулей в </a:t>
+            </a:r>
+            <a:r>
+              <a:rPr lang="ru-RU" sz="1050" b="1" i="1" dirty="0" err="1">
+                <a:solidFill>
+                  <a:srgbClr val="11696D"/>
+                </a:solidFill>
+                <a:latin typeface="Montserrat"/>
+                <a:ea typeface="Montserrat"/>
+                <a:cs typeface="Montserrat"/>
+                <a:sym typeface="Montserrat"/>
+              </a:rPr>
+              <a:t>Python</a:t>
+            </a:r>
+            <a:endParaRPr sz="1050" b="1" i="1" u="none" strike="noStrike" cap="none" dirty="0">
               <a:solidFill>
                 <a:srgbClr val="11696D"/>
               </a:solidFill>
@@ -13609,7 +13694,7 @@
               <a:buNone/>
             </a:pPr>
             <a:r>
-              <a:rPr lang="ru" sz="1500" b="1">
+              <a:rPr lang="ru" sz="1500" b="1" dirty="0">
                 <a:solidFill>
                   <a:srgbClr val="11696D"/>
                 </a:solidFill>
@@ -13620,7 +13705,7 @@
               </a:rPr>
               <a:t>Демонстрация ключевой функциональности проекта</a:t>
             </a:r>
-            <a:endParaRPr sz="1500" b="1">
+            <a:endParaRPr sz="1500" b="1" dirty="0">
               <a:solidFill>
                 <a:srgbClr val="11696D"/>
               </a:solidFill>
@@ -13733,7 +13818,7 @@
         <p:spPr>
           <a:xfrm>
             <a:off x="311700" y="832700"/>
-            <a:ext cx="4913400" cy="346200"/>
+            <a:ext cx="8520600" cy="1171829"/>
           </a:xfrm>
           <a:prstGeom prst="rect">
             <a:avLst/>
@@ -13767,7 +13852,7 @@
               <a:buNone/>
             </a:pPr>
             <a:r>
-              <a:rPr lang="ru" sz="1050" b="1" i="1" u="none" strike="noStrike" cap="none">
+              <a:rPr lang="ru-RU" sz="1050" b="1" i="1" u="none" strike="noStrike" cap="none" dirty="0">
                 <a:solidFill>
                   <a:srgbClr val="11696D"/>
                 </a:solidFill>
@@ -13776,9 +13861,28 @@
                 <a:cs typeface="Montserrat"/>
                 <a:sym typeface="Montserrat"/>
               </a:rPr>
-              <a:t>Описание</a:t>
-            </a:r>
-            <a:endParaRPr sz="1050" b="1" i="1" u="none" strike="noStrike" cap="none">
+              <a:t>Сервер				            Дрон</a:t>
+            </a:r>
+          </a:p>
+          <a:p>
+            <a:pPr marL="0" marR="0" lvl="0" indent="0" algn="l" rtl="0">
+              <a:lnSpc>
+                <a:spcPct val="115000"/>
+              </a:lnSpc>
+              <a:spcBef>
+                <a:spcPts val="1200"/>
+              </a:spcBef>
+              <a:spcAft>
+                <a:spcPts val="1200"/>
+              </a:spcAft>
+              <a:buClr>
+                <a:srgbClr val="000000"/>
+              </a:buClr>
+              <a:buSzPts val="1050"/>
+              <a:buFont typeface="Arial"/>
+              <a:buNone/>
+            </a:pPr>
+            <a:endParaRPr sz="1050" b="1" i="1" u="none" strike="noStrike" cap="none" dirty="0">
               <a:solidFill>
                 <a:srgbClr val="11696D"/>
               </a:solidFill>
@@ -13790,6 +13894,66 @@
           </a:p>
         </p:txBody>
       </p:sp>
+      <p:pic>
+        <p:nvPicPr>
+          <p:cNvPr id="3" name="Рисунок 2">
+            <a:extLst>
+              <a:ext uri="{FF2B5EF4-FFF2-40B4-BE49-F238E27FC236}">
+                <a16:creationId xmlns:a16="http://schemas.microsoft.com/office/drawing/2014/main" id="{EB0AC6C9-5E67-4FD8-AE50-8FBF7AB83402}"/>
+              </a:ext>
+            </a:extLst>
+          </p:cNvPr>
+          <p:cNvPicPr>
+            <a:picLocks noChangeAspect="1"/>
+          </p:cNvPicPr>
+          <p:nvPr/>
+        </p:nvPicPr>
+        <p:blipFill>
+          <a:blip r:embed="rId3"/>
+          <a:stretch>
+            <a:fillRect/>
+          </a:stretch>
+        </p:blipFill>
+        <p:spPr>
+          <a:xfrm>
+            <a:off x="374468" y="1530026"/>
+            <a:ext cx="3727269" cy="3134128"/>
+          </a:xfrm>
+          <a:prstGeom prst="rect">
+            <a:avLst/>
+          </a:prstGeom>
+        </p:spPr>
+      </p:pic>
+      <p:pic>
+        <p:nvPicPr>
+          <p:cNvPr id="4" name="Рисунок 3">
+            <a:extLst>
+              <a:ext uri="{FF2B5EF4-FFF2-40B4-BE49-F238E27FC236}">
+                <a16:creationId xmlns:a16="http://schemas.microsoft.com/office/drawing/2014/main" id="{6FC8DC13-5E85-4D4F-AE75-CAA5BAB5E23F}"/>
+              </a:ext>
+            </a:extLst>
+          </p:cNvPr>
+          <p:cNvPicPr>
+            <a:picLocks noChangeAspect="1"/>
+          </p:cNvPicPr>
+          <p:nvPr/>
+        </p:nvPicPr>
+        <p:blipFill>
+          <a:blip r:embed="rId4"/>
+          <a:stretch>
+            <a:fillRect/>
+          </a:stretch>
+        </p:blipFill>
+        <p:spPr>
+          <a:xfrm>
+            <a:off x="4434843" y="1519286"/>
+            <a:ext cx="3857300" cy="3138989"/>
+          </a:xfrm>
+          <a:prstGeom prst="rect">
+            <a:avLst/>
+          </a:prstGeom>
+        </p:spPr>
+      </p:pic>
     </p:spTree>
   </p:cSld>
   <p:clrMapOvr>
@@ -13799,6 +13963,390 @@
 </file>
 
 <file path=ppt/slides/slide16.xml><?xml version="1.0" encoding="utf-8"?>
+<p:sld xmlns:a="http://schemas.openxmlformats.org/drawingml/2006/main" xmlns:r="http://schemas.openxmlformats.org/officeDocument/2006/relationships" xmlns:p="http://schemas.openxmlformats.org/presentationml/2006/main">
+  <p:cSld>
+    <p:spTree>
+      <p:nvGrpSpPr>
+        <p:cNvPr id="1" name=""/>
+        <p:cNvGrpSpPr/>
+        <p:nvPr/>
+      </p:nvGrpSpPr>
+      <p:grpSpPr>
+        <a:xfrm>
+          <a:off x="0" y="0"/>
+          <a:ext cx="0" cy="0"/>
+          <a:chOff x="0" y="0"/>
+          <a:chExt cx="0" cy="0"/>
+        </a:xfrm>
+      </p:grpSpPr>
+      <p:sp>
+        <p:nvSpPr>
+          <p:cNvPr id="2" name="Заголовок 1">
+            <a:extLst>
+              <a:ext uri="{FF2B5EF4-FFF2-40B4-BE49-F238E27FC236}">
+                <a16:creationId xmlns:a16="http://schemas.microsoft.com/office/drawing/2014/main" id="{B39C5B7D-9CB2-41EE-A0BC-D943E2C422E3}"/>
+              </a:ext>
+            </a:extLst>
+          </p:cNvPr>
+          <p:cNvSpPr>
+            <a:spLocks noGrp="1"/>
+          </p:cNvSpPr>
+          <p:nvPr>
+            <p:ph type="title"/>
+          </p:nvPr>
+        </p:nvSpPr>
+        <p:spPr/>
+        <p:txBody>
+          <a:bodyPr>
+            <a:normAutofit/>
+          </a:bodyPr>
+          <a:lstStyle/>
+          <a:p>
+            <a:r>
+              <a:rPr lang="ru" sz="1500" b="1" dirty="0">
+                <a:solidFill>
+                  <a:srgbClr val="11696D"/>
+                </a:solidFill>
+                <a:latin typeface="Times New Roman"/>
+                <a:cs typeface="Times New Roman"/>
+                <a:sym typeface="Times New Roman"/>
+              </a:rPr>
+              <a:t>Демонстрация ключевой функциональности проекта</a:t>
+            </a:r>
+            <a:endParaRPr lang="ru-RU" sz="1500" b="1" dirty="0">
+              <a:solidFill>
+                <a:srgbClr val="11696D"/>
+              </a:solidFill>
+              <a:latin typeface="Times New Roman"/>
+              <a:cs typeface="Times New Roman"/>
+            </a:endParaRPr>
+          </a:p>
+        </p:txBody>
+      </p:sp>
+      <p:pic>
+        <p:nvPicPr>
+          <p:cNvPr id="4" name="Рисунок 3">
+            <a:extLst>
+              <a:ext uri="{FF2B5EF4-FFF2-40B4-BE49-F238E27FC236}">
+                <a16:creationId xmlns:a16="http://schemas.microsoft.com/office/drawing/2014/main" id="{DD129F7F-ABCB-4F4B-A56A-B340455AD3E1}"/>
+              </a:ext>
+            </a:extLst>
+          </p:cNvPr>
+          <p:cNvPicPr>
+            <a:picLocks noChangeAspect="1"/>
+          </p:cNvPicPr>
+          <p:nvPr/>
+        </p:nvPicPr>
+        <p:blipFill>
+          <a:blip r:embed="rId2"/>
+          <a:stretch>
+            <a:fillRect/>
+          </a:stretch>
+        </p:blipFill>
+        <p:spPr>
+          <a:xfrm>
+            <a:off x="445969" y="1597819"/>
+            <a:ext cx="3499014" cy="2971056"/>
+          </a:xfrm>
+          <a:prstGeom prst="rect">
+            <a:avLst/>
+          </a:prstGeom>
+        </p:spPr>
+      </p:pic>
+      <p:sp>
+        <p:nvSpPr>
+          <p:cNvPr id="3" name="Текст 2">
+            <a:extLst>
+              <a:ext uri="{FF2B5EF4-FFF2-40B4-BE49-F238E27FC236}">
+                <a16:creationId xmlns:a16="http://schemas.microsoft.com/office/drawing/2014/main" id="{B18FE7EA-C0BB-4E58-8160-AE54F3D64A67}"/>
+              </a:ext>
+            </a:extLst>
+          </p:cNvPr>
+          <p:cNvSpPr>
+            <a:spLocks noGrp="1"/>
+          </p:cNvSpPr>
+          <p:nvPr>
+            <p:ph type="body" idx="1"/>
+          </p:nvPr>
+        </p:nvSpPr>
+        <p:spPr/>
+        <p:txBody>
+          <a:bodyPr/>
+          <a:lstStyle/>
+          <a:p>
+            <a:pPr marL="114300" indent="0">
+              <a:buNone/>
+            </a:pPr>
+            <a:r>
+              <a:rPr lang="ru-RU" sz="1050" b="1" i="1" dirty="0">
+                <a:solidFill>
+                  <a:srgbClr val="11696D"/>
+                </a:solidFill>
+                <a:latin typeface="Montserrat"/>
+              </a:rPr>
+              <a:t>Панель управления Оператора дрона</a:t>
+            </a:r>
+          </a:p>
+        </p:txBody>
+      </p:sp>
+      <p:pic>
+        <p:nvPicPr>
+          <p:cNvPr id="5" name="Рисунок 4">
+            <a:extLst>
+              <a:ext uri="{FF2B5EF4-FFF2-40B4-BE49-F238E27FC236}">
+                <a16:creationId xmlns:a16="http://schemas.microsoft.com/office/drawing/2014/main" id="{1C2C8F99-4928-4305-940C-C113C98F2C0B}"/>
+              </a:ext>
+            </a:extLst>
+          </p:cNvPr>
+          <p:cNvPicPr>
+            <a:picLocks noChangeAspect="1"/>
+          </p:cNvPicPr>
+          <p:nvPr/>
+        </p:nvPicPr>
+        <p:blipFill>
+          <a:blip r:embed="rId3"/>
+          <a:stretch>
+            <a:fillRect/>
+          </a:stretch>
+        </p:blipFill>
+        <p:spPr>
+          <a:xfrm>
+            <a:off x="4423954" y="1527801"/>
+            <a:ext cx="3929374" cy="3041074"/>
+          </a:xfrm>
+          <a:prstGeom prst="rect">
+            <a:avLst/>
+          </a:prstGeom>
+        </p:spPr>
+      </p:pic>
+    </p:spTree>
+    <p:extLst>
+      <p:ext uri="{BB962C8B-B14F-4D97-AF65-F5344CB8AC3E}">
+        <p14:creationId xmlns:p14="http://schemas.microsoft.com/office/powerpoint/2010/main" val="2857714669"/>
+      </p:ext>
+    </p:extLst>
+  </p:cSld>
+  <p:clrMapOvr>
+    <a:masterClrMapping/>
+  </p:clrMapOvr>
+</p:sld>
+</file>
+
+<file path=ppt/slides/slide17.xml><?xml version="1.0" encoding="utf-8"?>
+<p:sld xmlns:a="http://schemas.openxmlformats.org/drawingml/2006/main" xmlns:r="http://schemas.openxmlformats.org/officeDocument/2006/relationships" xmlns:p="http://schemas.openxmlformats.org/presentationml/2006/main">
+  <p:cSld>
+    <p:spTree>
+      <p:nvGrpSpPr>
+        <p:cNvPr id="1" name=""/>
+        <p:cNvGrpSpPr/>
+        <p:nvPr/>
+      </p:nvGrpSpPr>
+      <p:grpSpPr>
+        <a:xfrm>
+          <a:off x="0" y="0"/>
+          <a:ext cx="0" cy="0"/>
+          <a:chOff x="0" y="0"/>
+          <a:chExt cx="0" cy="0"/>
+        </a:xfrm>
+      </p:grpSpPr>
+      <p:sp>
+        <p:nvSpPr>
+          <p:cNvPr id="2" name="Заголовок 1">
+            <a:extLst>
+              <a:ext uri="{FF2B5EF4-FFF2-40B4-BE49-F238E27FC236}">
+                <a16:creationId xmlns:a16="http://schemas.microsoft.com/office/drawing/2014/main" id="{FB3105CF-9CEA-455E-8E0C-CE66A0ECB0D2}"/>
+              </a:ext>
+            </a:extLst>
+          </p:cNvPr>
+          <p:cNvSpPr>
+            <a:spLocks noGrp="1"/>
+          </p:cNvSpPr>
+          <p:nvPr>
+            <p:ph type="title"/>
+          </p:nvPr>
+        </p:nvSpPr>
+        <p:spPr/>
+        <p:txBody>
+          <a:bodyPr>
+            <a:normAutofit/>
+          </a:bodyPr>
+          <a:lstStyle/>
+          <a:p>
+            <a:r>
+              <a:rPr lang="ru" sz="1500" b="1" dirty="0">
+                <a:solidFill>
+                  <a:srgbClr val="11696D"/>
+                </a:solidFill>
+                <a:latin typeface="Times New Roman"/>
+                <a:cs typeface="Times New Roman"/>
+                <a:sym typeface="Times New Roman"/>
+              </a:rPr>
+              <a:t>Демонстрация ключевой функциональности проекта</a:t>
+            </a:r>
+            <a:endParaRPr lang="ru-RU" sz="1500" b="1" dirty="0">
+              <a:solidFill>
+                <a:srgbClr val="11696D"/>
+              </a:solidFill>
+              <a:latin typeface="Times New Roman"/>
+              <a:cs typeface="Times New Roman"/>
+            </a:endParaRPr>
+          </a:p>
+        </p:txBody>
+      </p:sp>
+      <p:sp>
+        <p:nvSpPr>
+          <p:cNvPr id="3" name="Текст 2">
+            <a:extLst>
+              <a:ext uri="{FF2B5EF4-FFF2-40B4-BE49-F238E27FC236}">
+                <a16:creationId xmlns:a16="http://schemas.microsoft.com/office/drawing/2014/main" id="{1EEF12D3-FCA4-4C32-BE60-35E40C46D260}"/>
+              </a:ext>
+            </a:extLst>
+          </p:cNvPr>
+          <p:cNvSpPr>
+            <a:spLocks noGrp="1"/>
+          </p:cNvSpPr>
+          <p:nvPr>
+            <p:ph type="body" idx="1"/>
+          </p:nvPr>
+        </p:nvSpPr>
+        <p:spPr/>
+        <p:txBody>
+          <a:bodyPr/>
+          <a:lstStyle/>
+          <a:p>
+            <a:pPr marL="114300" indent="0">
+              <a:buNone/>
+            </a:pPr>
+            <a:r>
+              <a:rPr lang="ru-RU" sz="1050" b="1" i="1" dirty="0">
+                <a:solidFill>
+                  <a:srgbClr val="11696D"/>
+                </a:solidFill>
+                <a:latin typeface="Montserrat"/>
+              </a:rPr>
+              <a:t>Панель управления Оператора</a:t>
+            </a:r>
+          </a:p>
+          <a:p>
+            <a:pPr marL="114300" indent="0">
+              <a:buNone/>
+            </a:pPr>
+            <a:r>
+              <a:rPr lang="ru-RU" sz="1050" b="1" i="1" dirty="0">
+                <a:solidFill>
+                  <a:srgbClr val="11696D"/>
+                </a:solidFill>
+                <a:latin typeface="Montserrat"/>
+              </a:rPr>
+              <a:t>После авторизации		 Запущенный сервер		Запущенный дрон</a:t>
+            </a:r>
+          </a:p>
+        </p:txBody>
+      </p:sp>
+      <p:pic>
+        <p:nvPicPr>
+          <p:cNvPr id="4" name="Рисунок 3">
+            <a:extLst>
+              <a:ext uri="{FF2B5EF4-FFF2-40B4-BE49-F238E27FC236}">
+                <a16:creationId xmlns:a16="http://schemas.microsoft.com/office/drawing/2014/main" id="{29D98198-0781-41BD-A399-EAA3FB15E5DF}"/>
+              </a:ext>
+            </a:extLst>
+          </p:cNvPr>
+          <p:cNvPicPr>
+            <a:picLocks noChangeAspect="1"/>
+          </p:cNvPicPr>
+          <p:nvPr/>
+        </p:nvPicPr>
+        <p:blipFill>
+          <a:blip r:embed="rId2"/>
+          <a:stretch>
+            <a:fillRect/>
+          </a:stretch>
+        </p:blipFill>
+        <p:spPr>
+          <a:xfrm>
+            <a:off x="524825" y="1740826"/>
+            <a:ext cx="1584166" cy="2957649"/>
+          </a:xfrm>
+          <a:prstGeom prst="rect">
+            <a:avLst/>
+          </a:prstGeom>
+        </p:spPr>
+      </p:pic>
+      <p:pic>
+        <p:nvPicPr>
+          <p:cNvPr id="5" name="Рисунок 4">
+            <a:extLst>
+              <a:ext uri="{FF2B5EF4-FFF2-40B4-BE49-F238E27FC236}">
+                <a16:creationId xmlns:a16="http://schemas.microsoft.com/office/drawing/2014/main" id="{D30F8A2E-F569-4DE2-9ED7-041BDFA66BE2}"/>
+              </a:ext>
+            </a:extLst>
+          </p:cNvPr>
+          <p:cNvPicPr>
+            <a:picLocks noChangeAspect="1"/>
+          </p:cNvPicPr>
+          <p:nvPr/>
+        </p:nvPicPr>
+        <p:blipFill>
+          <a:blip r:embed="rId3"/>
+          <a:stretch>
+            <a:fillRect/>
+          </a:stretch>
+        </p:blipFill>
+        <p:spPr>
+          <a:xfrm>
+            <a:off x="2735285" y="1775595"/>
+            <a:ext cx="2780920" cy="2439354"/>
+          </a:xfrm>
+          <a:prstGeom prst="rect">
+            <a:avLst/>
+          </a:prstGeom>
+        </p:spPr>
+      </p:pic>
+      <p:pic>
+        <p:nvPicPr>
+          <p:cNvPr id="6" name="Рисунок 5">
+            <a:extLst>
+              <a:ext uri="{FF2B5EF4-FFF2-40B4-BE49-F238E27FC236}">
+                <a16:creationId xmlns:a16="http://schemas.microsoft.com/office/drawing/2014/main" id="{0A1FFF0E-3FB9-4162-A2C0-D0AB92DE1521}"/>
+              </a:ext>
+            </a:extLst>
+          </p:cNvPr>
+          <p:cNvPicPr>
+            <a:picLocks noChangeAspect="1"/>
+          </p:cNvPicPr>
+          <p:nvPr/>
+        </p:nvPicPr>
+        <p:blipFill>
+          <a:blip r:embed="rId4"/>
+          <a:stretch>
+            <a:fillRect/>
+          </a:stretch>
+        </p:blipFill>
+        <p:spPr>
+          <a:xfrm>
+            <a:off x="5643388" y="1775595"/>
+            <a:ext cx="2892458" cy="2439354"/>
+          </a:xfrm>
+          <a:prstGeom prst="rect">
+            <a:avLst/>
+          </a:prstGeom>
+        </p:spPr>
+      </p:pic>
+    </p:spTree>
+    <p:extLst>
+      <p:ext uri="{BB962C8B-B14F-4D97-AF65-F5344CB8AC3E}">
+        <p14:creationId xmlns:p14="http://schemas.microsoft.com/office/powerpoint/2010/main" val="1913504960"/>
+      </p:ext>
+    </p:extLst>
+  </p:cSld>
+  <p:clrMapOvr>
+    <a:masterClrMapping/>
+  </p:clrMapOvr>
+</p:sld>
+</file>
+
+<file path=ppt/slides/slide18.xml><?xml version="1.0" encoding="utf-8"?>
 <p:sld xmlns:a="http://schemas.openxmlformats.org/drawingml/2006/main" xmlns:r="http://schemas.openxmlformats.org/officeDocument/2006/relationships" xmlns:p="http://schemas.openxmlformats.org/presentationml/2006/main">
   <p:cSld>
     <p:spTree>

--- a/Python_разработка_для_БПЛА_паттерны_проектирования,_API_интерфейсы+(6).pptx
+++ b/Python_разработка_для_БПЛА_паттерны_проектирования,_API_интерфейсы+(6).pptx
@@ -5,49 +5,44 @@
     <p:sldMasterId id="2147483648" r:id="rId1"/>
   </p:sldMasterIdLst>
   <p:notesMasterIdLst>
-    <p:notesMasterId r:id="rId20"/>
+    <p:notesMasterId r:id="rId22"/>
   </p:notesMasterIdLst>
   <p:sldIdLst>
     <p:sldId id="256" r:id="rId2"/>
-    <p:sldId id="257" r:id="rId3"/>
-    <p:sldId id="258" r:id="rId4"/>
-    <p:sldId id="259" r:id="rId5"/>
-    <p:sldId id="260" r:id="rId6"/>
-    <p:sldId id="261" r:id="rId7"/>
-    <p:sldId id="262" r:id="rId8"/>
-    <p:sldId id="263" r:id="rId9"/>
-    <p:sldId id="264" r:id="rId10"/>
-    <p:sldId id="265" r:id="rId11"/>
-    <p:sldId id="266" r:id="rId12"/>
-    <p:sldId id="267" r:id="rId13"/>
-    <p:sldId id="271" r:id="rId14"/>
-    <p:sldId id="268" r:id="rId15"/>
-    <p:sldId id="269" r:id="rId16"/>
-    <p:sldId id="272" r:id="rId17"/>
-    <p:sldId id="273" r:id="rId18"/>
-    <p:sldId id="270" r:id="rId19"/>
+    <p:sldId id="260" r:id="rId3"/>
+    <p:sldId id="261" r:id="rId4"/>
+    <p:sldId id="262" r:id="rId5"/>
+    <p:sldId id="263" r:id="rId6"/>
+    <p:sldId id="264" r:id="rId7"/>
+    <p:sldId id="265" r:id="rId8"/>
+    <p:sldId id="266" r:id="rId9"/>
+    <p:sldId id="267" r:id="rId10"/>
+    <p:sldId id="271" r:id="rId11"/>
+    <p:sldId id="268" r:id="rId12"/>
+    <p:sldId id="269" r:id="rId13"/>
+    <p:sldId id="272" r:id="rId14"/>
+    <p:sldId id="273" r:id="rId15"/>
+    <p:sldId id="274" r:id="rId16"/>
+    <p:sldId id="275" r:id="rId17"/>
+    <p:sldId id="276" r:id="rId18"/>
+    <p:sldId id="277" r:id="rId19"/>
+    <p:sldId id="278" r:id="rId20"/>
+    <p:sldId id="270" r:id="rId21"/>
   </p:sldIdLst>
   <p:sldSz cx="9144000" cy="5143500" type="screen16x9"/>
   <p:notesSz cx="6858000" cy="9144000"/>
   <p:embeddedFontLst>
     <p:embeddedFont>
-      <p:font typeface="Calibri" panose="020F0502020204030204" pitchFamily="34" charset="0"/>
-      <p:regular r:id="rId21"/>
-      <p:bold r:id="rId22"/>
-      <p:italic r:id="rId23"/>
-      <p:boldItalic r:id="rId24"/>
-    </p:embeddedFont>
-    <p:embeddedFont>
       <p:font typeface="Montserrat" panose="020B0604020202020204" charset="-52"/>
-      <p:regular r:id="rId25"/>
-      <p:bold r:id="rId26"/>
-      <p:italic r:id="rId27"/>
-      <p:boldItalic r:id="rId28"/>
+      <p:regular r:id="rId23"/>
+      <p:bold r:id="rId24"/>
+      <p:italic r:id="rId25"/>
+      <p:boldItalic r:id="rId26"/>
     </p:embeddedFont>
     <p:embeddedFont>
       <p:font typeface="Montserrat Black" panose="020B0604020202020204" charset="-52"/>
-      <p:bold r:id="rId29"/>
-      <p:boldItalic r:id="rId30"/>
+      <p:bold r:id="rId27"/>
+      <p:boldItalic r:id="rId28"/>
     </p:embeddedFont>
   </p:embeddedFontLst>
   <p:defaultTextStyle>
@@ -295,7 +290,7 @@
       </p15:sldGuideLst>
     </p:ext>
     <p:ext uri="GoogleSlidesCustomDataVersion2">
-      <go:slidesCustomData xmlns="" xmlns:mc="http://schemas.openxmlformats.org/markup-compatibility/2006" xmlns:mv="urn:schemas-microsoft-com:mac:vml" xmlns:c="http://schemas.openxmlformats.org/drawingml/2006/chart" xmlns:dgm="http://schemas.openxmlformats.org/drawingml/2006/diagram" xmlns:o="urn:schemas-microsoft-com:office:office" xmlns:v="urn:schemas-microsoft-com:vml" xmlns:pvml="urn:schemas-microsoft-com:office:powerpoint" xmlns:com="http://schemas.openxmlformats.org/drawingml/2006/compatibility" xmlns:p14="http://schemas.microsoft.com/office/powerpoint/2010/main" xmlns:p15="http://schemas.microsoft.com/office/powerpoint/2012/main" xmlns:ahyp="http://schemas.microsoft.com/office/drawing/2018/hyperlinkcolor" xmlns:go="http://customooxmlschemas.google.com/" r:id="rId31" roundtripDataSignature="AMtx7mgXibPICmElT20R5Iy5acDRsXJ6cw=="/>
+      <go:slidesCustomData xmlns="" xmlns:mc="http://schemas.openxmlformats.org/markup-compatibility/2006" xmlns:mv="urn:schemas-microsoft-com:mac:vml" xmlns:c="http://schemas.openxmlformats.org/drawingml/2006/chart" xmlns:dgm="http://schemas.openxmlformats.org/drawingml/2006/diagram" xmlns:o="urn:schemas-microsoft-com:office:office" xmlns:v="urn:schemas-microsoft-com:vml" xmlns:pvml="urn:schemas-microsoft-com:office:powerpoint" xmlns:com="http://schemas.openxmlformats.org/drawingml/2006/compatibility" xmlns:p14="http://schemas.microsoft.com/office/powerpoint/2010/main" xmlns:p15="http://schemas.microsoft.com/office/powerpoint/2012/main" xmlns:ahyp="http://schemas.microsoft.com/office/drawing/2018/hyperlinkcolor" xmlns:go="http://customooxmlschemas.google.com/" r:id="rId29" roundtripDataSignature="AMtx7mgXibPICmElT20R5Iy5acDRsXJ6cw=="/>
     </p:ext>
   </p:extLst>
 </p:presentation>
@@ -1004,6 +999,982 @@
   <p:cSld>
     <p:spTree>
       <p:nvGrpSpPr>
+        <p:cNvPr id="1" name="Shape 145"/>
+        <p:cNvGrpSpPr/>
+        <p:nvPr/>
+      </p:nvGrpSpPr>
+      <p:grpSpPr>
+        <a:xfrm>
+          <a:off x="0" y="0"/>
+          <a:ext cx="0" cy="0"/>
+          <a:chOff x="0" y="0"/>
+          <a:chExt cx="0" cy="0"/>
+        </a:xfrm>
+      </p:grpSpPr>
+      <p:sp>
+        <p:nvSpPr>
+          <p:cNvPr id="146" name="Google Shape;146;g2bd0017381e_1_28:notes"/>
+          <p:cNvSpPr>
+            <a:spLocks noGrp="1" noRot="1" noChangeAspect="1"/>
+          </p:cNvSpPr>
+          <p:nvPr>
+            <p:ph type="sldImg" idx="2"/>
+          </p:nvPr>
+        </p:nvSpPr>
+        <p:spPr>
+          <a:xfrm>
+            <a:off x="381000" y="685800"/>
+            <a:ext cx="6096000" cy="3429000"/>
+          </a:xfrm>
+          <a:custGeom>
+            <a:avLst/>
+            <a:gdLst/>
+            <a:ahLst/>
+            <a:cxnLst/>
+            <a:rect l="l" t="t" r="r" b="b"/>
+            <a:pathLst>
+              <a:path w="120000" h="120000" extrusionOk="0">
+                <a:moveTo>
+                  <a:pt x="0" y="0"/>
+                </a:moveTo>
+                <a:lnTo>
+                  <a:pt x="120000" y="0"/>
+                </a:lnTo>
+                <a:lnTo>
+                  <a:pt x="120000" y="120000"/>
+                </a:lnTo>
+                <a:lnTo>
+                  <a:pt x="0" y="120000"/>
+                </a:lnTo>
+                <a:close/>
+              </a:path>
+            </a:pathLst>
+          </a:custGeom>
+          <a:noFill/>
+          <a:ln w="9525" cap="flat" cmpd="sng">
+            <a:solidFill>
+              <a:srgbClr val="000000"/>
+            </a:solidFill>
+            <a:prstDash val="solid"/>
+            <a:round/>
+            <a:headEnd type="none" w="sm" len="sm"/>
+            <a:tailEnd type="none" w="sm" len="sm"/>
+          </a:ln>
+        </p:spPr>
+      </p:sp>
+      <p:sp>
+        <p:nvSpPr>
+          <p:cNvPr id="147" name="Google Shape;147;g2bd0017381e_1_28:notes"/>
+          <p:cNvSpPr txBox="1">
+            <a:spLocks noGrp="1"/>
+          </p:cNvSpPr>
+          <p:nvPr>
+            <p:ph type="body" idx="1"/>
+          </p:nvPr>
+        </p:nvSpPr>
+        <p:spPr>
+          <a:xfrm>
+            <a:off x="685800" y="4343400"/>
+            <a:ext cx="5486400" cy="4114800"/>
+          </a:xfrm>
+          <a:prstGeom prst="rect">
+            <a:avLst/>
+          </a:prstGeom>
+          <a:noFill/>
+          <a:ln>
+            <a:noFill/>
+          </a:ln>
+        </p:spPr>
+        <p:txBody>
+          <a:bodyPr spcFirstLastPara="1" wrap="square" lIns="91425" tIns="91425" rIns="91425" bIns="91425" anchor="t" anchorCtr="0">
+            <a:noAutofit/>
+          </a:bodyPr>
+          <a:lstStyle/>
+          <a:p>
+            <a:pPr marL="0" lvl="0" indent="0" algn="l" rtl="0">
+              <a:lnSpc>
+                <a:spcPct val="100000"/>
+              </a:lnSpc>
+              <a:spcBef>
+                <a:spcPts val="0"/>
+              </a:spcBef>
+              <a:spcAft>
+                <a:spcPts val="0"/>
+              </a:spcAft>
+              <a:buSzPts val="1100"/>
+              <a:buNone/>
+            </a:pPr>
+            <a:endParaRPr/>
+          </a:p>
+        </p:txBody>
+      </p:sp>
+    </p:spTree>
+  </p:cSld>
+  <p:clrMapOvr>
+    <a:masterClrMapping/>
+  </p:clrMapOvr>
+</p:notes>
+</file>
+
+<file path=ppt/notesSlides/notesSlide11.xml><?xml version="1.0" encoding="utf-8"?>
+<p:notes xmlns:a="http://schemas.openxmlformats.org/drawingml/2006/main" xmlns:r="http://schemas.openxmlformats.org/officeDocument/2006/relationships" xmlns:p="http://schemas.openxmlformats.org/presentationml/2006/main" showMasterSp="0" showMasterPhAnim="0">
+  <p:cSld>
+    <p:spTree>
+      <p:nvGrpSpPr>
+        <p:cNvPr id="1" name="Shape 153"/>
+        <p:cNvGrpSpPr/>
+        <p:nvPr/>
+      </p:nvGrpSpPr>
+      <p:grpSpPr>
+        <a:xfrm>
+          <a:off x="0" y="0"/>
+          <a:ext cx="0" cy="0"/>
+          <a:chOff x="0" y="0"/>
+          <a:chExt cx="0" cy="0"/>
+        </a:xfrm>
+      </p:grpSpPr>
+      <p:sp>
+        <p:nvSpPr>
+          <p:cNvPr id="154" name="Google Shape;154;g2bd0017381e_1_35:notes"/>
+          <p:cNvSpPr>
+            <a:spLocks noGrp="1" noRot="1" noChangeAspect="1"/>
+          </p:cNvSpPr>
+          <p:nvPr>
+            <p:ph type="sldImg" idx="2"/>
+          </p:nvPr>
+        </p:nvSpPr>
+        <p:spPr>
+          <a:xfrm>
+            <a:off x="381000" y="685800"/>
+            <a:ext cx="6096000" cy="3429000"/>
+          </a:xfrm>
+          <a:custGeom>
+            <a:avLst/>
+            <a:gdLst/>
+            <a:ahLst/>
+            <a:cxnLst/>
+            <a:rect l="l" t="t" r="r" b="b"/>
+            <a:pathLst>
+              <a:path w="120000" h="120000" extrusionOk="0">
+                <a:moveTo>
+                  <a:pt x="0" y="0"/>
+                </a:moveTo>
+                <a:lnTo>
+                  <a:pt x="120000" y="0"/>
+                </a:lnTo>
+                <a:lnTo>
+                  <a:pt x="120000" y="120000"/>
+                </a:lnTo>
+                <a:lnTo>
+                  <a:pt x="0" y="120000"/>
+                </a:lnTo>
+                <a:close/>
+              </a:path>
+            </a:pathLst>
+          </a:custGeom>
+          <a:noFill/>
+          <a:ln w="9525" cap="flat" cmpd="sng">
+            <a:solidFill>
+              <a:srgbClr val="000000"/>
+            </a:solidFill>
+            <a:prstDash val="solid"/>
+            <a:round/>
+            <a:headEnd type="none" w="sm" len="sm"/>
+            <a:tailEnd type="none" w="sm" len="sm"/>
+          </a:ln>
+        </p:spPr>
+      </p:sp>
+      <p:sp>
+        <p:nvSpPr>
+          <p:cNvPr id="155" name="Google Shape;155;g2bd0017381e_1_35:notes"/>
+          <p:cNvSpPr txBox="1">
+            <a:spLocks noGrp="1"/>
+          </p:cNvSpPr>
+          <p:nvPr>
+            <p:ph type="body" idx="1"/>
+          </p:nvPr>
+        </p:nvSpPr>
+        <p:spPr>
+          <a:xfrm>
+            <a:off x="685800" y="4343400"/>
+            <a:ext cx="5486400" cy="4114800"/>
+          </a:xfrm>
+          <a:prstGeom prst="rect">
+            <a:avLst/>
+          </a:prstGeom>
+          <a:noFill/>
+          <a:ln>
+            <a:noFill/>
+          </a:ln>
+        </p:spPr>
+        <p:txBody>
+          <a:bodyPr spcFirstLastPara="1" wrap="square" lIns="91425" tIns="91425" rIns="91425" bIns="91425" anchor="t" anchorCtr="0">
+            <a:noAutofit/>
+          </a:bodyPr>
+          <a:lstStyle/>
+          <a:p>
+            <a:pPr marL="0" lvl="0" indent="0" algn="l" rtl="0">
+              <a:lnSpc>
+                <a:spcPct val="100000"/>
+              </a:lnSpc>
+              <a:spcBef>
+                <a:spcPts val="0"/>
+              </a:spcBef>
+              <a:spcAft>
+                <a:spcPts val="0"/>
+              </a:spcAft>
+              <a:buSzPts val="1100"/>
+              <a:buNone/>
+            </a:pPr>
+            <a:endParaRPr/>
+          </a:p>
+        </p:txBody>
+      </p:sp>
+    </p:spTree>
+  </p:cSld>
+  <p:clrMapOvr>
+    <a:masterClrMapping/>
+  </p:clrMapOvr>
+</p:notes>
+</file>
+
+<file path=ppt/notesSlides/notesSlide12.xml><?xml version="1.0" encoding="utf-8"?>
+<p:notes xmlns:a="http://schemas.openxmlformats.org/drawingml/2006/main" xmlns:r="http://schemas.openxmlformats.org/officeDocument/2006/relationships" xmlns:p="http://schemas.openxmlformats.org/presentationml/2006/main" showMasterSp="0" showMasterPhAnim="0">
+  <p:cSld>
+    <p:spTree>
+      <p:nvGrpSpPr>
+        <p:cNvPr id="1" name="Shape 161"/>
+        <p:cNvGrpSpPr/>
+        <p:nvPr/>
+      </p:nvGrpSpPr>
+      <p:grpSpPr>
+        <a:xfrm>
+          <a:off x="0" y="0"/>
+          <a:ext cx="0" cy="0"/>
+          <a:chOff x="0" y="0"/>
+          <a:chExt cx="0" cy="0"/>
+        </a:xfrm>
+      </p:grpSpPr>
+      <p:sp>
+        <p:nvSpPr>
+          <p:cNvPr id="162" name="Google Shape;162;p13:notes"/>
+          <p:cNvSpPr>
+            <a:spLocks noGrp="1" noRot="1" noChangeAspect="1"/>
+          </p:cNvSpPr>
+          <p:nvPr>
+            <p:ph type="sldImg" idx="2"/>
+          </p:nvPr>
+        </p:nvSpPr>
+        <p:spPr>
+          <a:xfrm>
+            <a:off x="381000" y="685800"/>
+            <a:ext cx="6096000" cy="3429000"/>
+          </a:xfrm>
+          <a:custGeom>
+            <a:avLst/>
+            <a:gdLst/>
+            <a:ahLst/>
+            <a:cxnLst/>
+            <a:rect l="l" t="t" r="r" b="b"/>
+            <a:pathLst>
+              <a:path w="120000" h="120000" extrusionOk="0">
+                <a:moveTo>
+                  <a:pt x="0" y="0"/>
+                </a:moveTo>
+                <a:lnTo>
+                  <a:pt x="120000" y="0"/>
+                </a:lnTo>
+                <a:lnTo>
+                  <a:pt x="120000" y="120000"/>
+                </a:lnTo>
+                <a:lnTo>
+                  <a:pt x="0" y="120000"/>
+                </a:lnTo>
+                <a:close/>
+              </a:path>
+            </a:pathLst>
+          </a:custGeom>
+          <a:noFill/>
+          <a:ln w="9525" cap="flat" cmpd="sng">
+            <a:solidFill>
+              <a:srgbClr val="000000"/>
+            </a:solidFill>
+            <a:prstDash val="solid"/>
+            <a:round/>
+            <a:headEnd type="none" w="sm" len="sm"/>
+            <a:tailEnd type="none" w="sm" len="sm"/>
+          </a:ln>
+        </p:spPr>
+      </p:sp>
+      <p:sp>
+        <p:nvSpPr>
+          <p:cNvPr id="163" name="Google Shape;163;p13:notes"/>
+          <p:cNvSpPr txBox="1">
+            <a:spLocks noGrp="1"/>
+          </p:cNvSpPr>
+          <p:nvPr>
+            <p:ph type="body" idx="1"/>
+          </p:nvPr>
+        </p:nvSpPr>
+        <p:spPr>
+          <a:xfrm>
+            <a:off x="685800" y="4343400"/>
+            <a:ext cx="5486400" cy="4114800"/>
+          </a:xfrm>
+          <a:prstGeom prst="rect">
+            <a:avLst/>
+          </a:prstGeom>
+          <a:noFill/>
+          <a:ln>
+            <a:noFill/>
+          </a:ln>
+        </p:spPr>
+        <p:txBody>
+          <a:bodyPr spcFirstLastPara="1" wrap="square" lIns="91425" tIns="91425" rIns="91425" bIns="91425" anchor="t" anchorCtr="0">
+            <a:noAutofit/>
+          </a:bodyPr>
+          <a:lstStyle/>
+          <a:p>
+            <a:pPr marL="0" lvl="0" indent="0" algn="l" rtl="0">
+              <a:lnSpc>
+                <a:spcPct val="100000"/>
+              </a:lnSpc>
+              <a:spcBef>
+                <a:spcPts val="0"/>
+              </a:spcBef>
+              <a:spcAft>
+                <a:spcPts val="0"/>
+              </a:spcAft>
+              <a:buSzPts val="1100"/>
+              <a:buNone/>
+            </a:pPr>
+            <a:endParaRPr/>
+          </a:p>
+        </p:txBody>
+      </p:sp>
+    </p:spTree>
+  </p:cSld>
+  <p:clrMapOvr>
+    <a:masterClrMapping/>
+  </p:clrMapOvr>
+</p:notes>
+</file>
+
+<file path=ppt/notesSlides/notesSlide2.xml><?xml version="1.0" encoding="utf-8"?>
+<p:notes xmlns:a="http://schemas.openxmlformats.org/drawingml/2006/main" xmlns:r="http://schemas.openxmlformats.org/officeDocument/2006/relationships" xmlns:p="http://schemas.openxmlformats.org/presentationml/2006/main" showMasterSp="0" showMasterPhAnim="0">
+  <p:cSld>
+    <p:spTree>
+      <p:nvGrpSpPr>
+        <p:cNvPr id="1" name="Shape 81"/>
+        <p:cNvGrpSpPr/>
+        <p:nvPr/>
+      </p:nvGrpSpPr>
+      <p:grpSpPr>
+        <a:xfrm>
+          <a:off x="0" y="0"/>
+          <a:ext cx="0" cy="0"/>
+          <a:chOff x="0" y="0"/>
+          <a:chExt cx="0" cy="0"/>
+        </a:xfrm>
+      </p:grpSpPr>
+      <p:sp>
+        <p:nvSpPr>
+          <p:cNvPr id="82" name="Google Shape;82;p12:notes"/>
+          <p:cNvSpPr>
+            <a:spLocks noGrp="1" noRot="1" noChangeAspect="1"/>
+          </p:cNvSpPr>
+          <p:nvPr>
+            <p:ph type="sldImg" idx="2"/>
+          </p:nvPr>
+        </p:nvSpPr>
+        <p:spPr>
+          <a:xfrm>
+            <a:off x="381000" y="685800"/>
+            <a:ext cx="6096000" cy="3429000"/>
+          </a:xfrm>
+          <a:custGeom>
+            <a:avLst/>
+            <a:gdLst/>
+            <a:ahLst/>
+            <a:cxnLst/>
+            <a:rect l="l" t="t" r="r" b="b"/>
+            <a:pathLst>
+              <a:path w="120000" h="120000" extrusionOk="0">
+                <a:moveTo>
+                  <a:pt x="0" y="0"/>
+                </a:moveTo>
+                <a:lnTo>
+                  <a:pt x="120000" y="0"/>
+                </a:lnTo>
+                <a:lnTo>
+                  <a:pt x="120000" y="120000"/>
+                </a:lnTo>
+                <a:lnTo>
+                  <a:pt x="0" y="120000"/>
+                </a:lnTo>
+                <a:close/>
+              </a:path>
+            </a:pathLst>
+          </a:custGeom>
+          <a:noFill/>
+          <a:ln w="9525" cap="flat" cmpd="sng">
+            <a:solidFill>
+              <a:srgbClr val="000000"/>
+            </a:solidFill>
+            <a:prstDash val="solid"/>
+            <a:round/>
+            <a:headEnd type="none" w="sm" len="sm"/>
+            <a:tailEnd type="none" w="sm" len="sm"/>
+          </a:ln>
+        </p:spPr>
+      </p:sp>
+      <p:sp>
+        <p:nvSpPr>
+          <p:cNvPr id="83" name="Google Shape;83;p12:notes"/>
+          <p:cNvSpPr txBox="1">
+            <a:spLocks noGrp="1"/>
+          </p:cNvSpPr>
+          <p:nvPr>
+            <p:ph type="body" idx="1"/>
+          </p:nvPr>
+        </p:nvSpPr>
+        <p:spPr>
+          <a:xfrm>
+            <a:off x="685800" y="4343400"/>
+            <a:ext cx="5486400" cy="4114800"/>
+          </a:xfrm>
+          <a:prstGeom prst="rect">
+            <a:avLst/>
+          </a:prstGeom>
+          <a:noFill/>
+          <a:ln>
+            <a:noFill/>
+          </a:ln>
+        </p:spPr>
+        <p:txBody>
+          <a:bodyPr spcFirstLastPara="1" wrap="square" lIns="91425" tIns="91425" rIns="91425" bIns="91425" anchor="t" anchorCtr="0">
+            <a:noAutofit/>
+          </a:bodyPr>
+          <a:lstStyle/>
+          <a:p>
+            <a:pPr marL="0" lvl="0" indent="0" algn="l" rtl="0">
+              <a:lnSpc>
+                <a:spcPct val="100000"/>
+              </a:lnSpc>
+              <a:spcBef>
+                <a:spcPts val="0"/>
+              </a:spcBef>
+              <a:spcAft>
+                <a:spcPts val="0"/>
+              </a:spcAft>
+              <a:buSzPts val="1100"/>
+              <a:buNone/>
+            </a:pPr>
+            <a:endParaRPr/>
+          </a:p>
+        </p:txBody>
+      </p:sp>
+    </p:spTree>
+  </p:cSld>
+  <p:clrMapOvr>
+    <a:masterClrMapping/>
+  </p:clrMapOvr>
+</p:notes>
+</file>
+
+<file path=ppt/notesSlides/notesSlide3.xml><?xml version="1.0" encoding="utf-8"?>
+<p:notes xmlns:a="http://schemas.openxmlformats.org/drawingml/2006/main" xmlns:r="http://schemas.openxmlformats.org/officeDocument/2006/relationships" xmlns:p="http://schemas.openxmlformats.org/presentationml/2006/main" showMasterSp="0" showMasterPhAnim="0">
+  <p:cSld>
+    <p:spTree>
+      <p:nvGrpSpPr>
+        <p:cNvPr id="1" name="Shape 89"/>
+        <p:cNvGrpSpPr/>
+        <p:nvPr/>
+      </p:nvGrpSpPr>
+      <p:grpSpPr>
+        <a:xfrm>
+          <a:off x="0" y="0"/>
+          <a:ext cx="0" cy="0"/>
+          <a:chOff x="0" y="0"/>
+          <a:chExt cx="0" cy="0"/>
+        </a:xfrm>
+      </p:grpSpPr>
+      <p:sp>
+        <p:nvSpPr>
+          <p:cNvPr id="90" name="Google Shape;90;g296383cb532_0_1:notes"/>
+          <p:cNvSpPr>
+            <a:spLocks noGrp="1" noRot="1" noChangeAspect="1"/>
+          </p:cNvSpPr>
+          <p:nvPr>
+            <p:ph type="sldImg" idx="2"/>
+          </p:nvPr>
+        </p:nvSpPr>
+        <p:spPr>
+          <a:xfrm>
+            <a:off x="381000" y="685800"/>
+            <a:ext cx="6096000" cy="3429000"/>
+          </a:xfrm>
+          <a:custGeom>
+            <a:avLst/>
+            <a:gdLst/>
+            <a:ahLst/>
+            <a:cxnLst/>
+            <a:rect l="l" t="t" r="r" b="b"/>
+            <a:pathLst>
+              <a:path w="120000" h="120000" extrusionOk="0">
+                <a:moveTo>
+                  <a:pt x="0" y="0"/>
+                </a:moveTo>
+                <a:lnTo>
+                  <a:pt x="120000" y="0"/>
+                </a:lnTo>
+                <a:lnTo>
+                  <a:pt x="120000" y="120000"/>
+                </a:lnTo>
+                <a:lnTo>
+                  <a:pt x="0" y="120000"/>
+                </a:lnTo>
+                <a:close/>
+              </a:path>
+            </a:pathLst>
+          </a:custGeom>
+          <a:noFill/>
+          <a:ln w="9525" cap="flat" cmpd="sng">
+            <a:solidFill>
+              <a:srgbClr val="000000"/>
+            </a:solidFill>
+            <a:prstDash val="solid"/>
+            <a:round/>
+            <a:headEnd type="none" w="sm" len="sm"/>
+            <a:tailEnd type="none" w="sm" len="sm"/>
+          </a:ln>
+        </p:spPr>
+      </p:sp>
+      <p:sp>
+        <p:nvSpPr>
+          <p:cNvPr id="91" name="Google Shape;91;g296383cb532_0_1:notes"/>
+          <p:cNvSpPr txBox="1">
+            <a:spLocks noGrp="1"/>
+          </p:cNvSpPr>
+          <p:nvPr>
+            <p:ph type="body" idx="1"/>
+          </p:nvPr>
+        </p:nvSpPr>
+        <p:spPr>
+          <a:xfrm>
+            <a:off x="685800" y="4343400"/>
+            <a:ext cx="5486400" cy="4114800"/>
+          </a:xfrm>
+          <a:prstGeom prst="rect">
+            <a:avLst/>
+          </a:prstGeom>
+          <a:noFill/>
+          <a:ln>
+            <a:noFill/>
+          </a:ln>
+        </p:spPr>
+        <p:txBody>
+          <a:bodyPr spcFirstLastPara="1" wrap="square" lIns="91425" tIns="91425" rIns="91425" bIns="91425" anchor="t" anchorCtr="0">
+            <a:noAutofit/>
+          </a:bodyPr>
+          <a:lstStyle/>
+          <a:p>
+            <a:pPr marL="0" lvl="0" indent="0" algn="l" rtl="0">
+              <a:lnSpc>
+                <a:spcPct val="100000"/>
+              </a:lnSpc>
+              <a:spcBef>
+                <a:spcPts val="0"/>
+              </a:spcBef>
+              <a:spcAft>
+                <a:spcPts val="0"/>
+              </a:spcAft>
+              <a:buSzPts val="1100"/>
+              <a:buNone/>
+            </a:pPr>
+            <a:endParaRPr/>
+          </a:p>
+        </p:txBody>
+      </p:sp>
+    </p:spTree>
+  </p:cSld>
+  <p:clrMapOvr>
+    <a:masterClrMapping/>
+  </p:clrMapOvr>
+</p:notes>
+</file>
+
+<file path=ppt/notesSlides/notesSlide4.xml><?xml version="1.0" encoding="utf-8"?>
+<p:notes xmlns:a="http://schemas.openxmlformats.org/drawingml/2006/main" xmlns:r="http://schemas.openxmlformats.org/officeDocument/2006/relationships" xmlns:p="http://schemas.openxmlformats.org/presentationml/2006/main" showMasterSp="0" showMasterPhAnim="0">
+  <p:cSld>
+    <p:spTree>
+      <p:nvGrpSpPr>
+        <p:cNvPr id="1" name="Shape 97"/>
+        <p:cNvGrpSpPr/>
+        <p:nvPr/>
+      </p:nvGrpSpPr>
+      <p:grpSpPr>
+        <a:xfrm>
+          <a:off x="0" y="0"/>
+          <a:ext cx="0" cy="0"/>
+          <a:chOff x="0" y="0"/>
+          <a:chExt cx="0" cy="0"/>
+        </a:xfrm>
+      </p:grpSpPr>
+      <p:sp>
+        <p:nvSpPr>
+          <p:cNvPr id="98" name="Google Shape;98;g2962aafab79_0_5:notes"/>
+          <p:cNvSpPr>
+            <a:spLocks noGrp="1" noRot="1" noChangeAspect="1"/>
+          </p:cNvSpPr>
+          <p:nvPr>
+            <p:ph type="sldImg" idx="2"/>
+          </p:nvPr>
+        </p:nvSpPr>
+        <p:spPr>
+          <a:xfrm>
+            <a:off x="381000" y="685800"/>
+            <a:ext cx="6096000" cy="3429000"/>
+          </a:xfrm>
+          <a:custGeom>
+            <a:avLst/>
+            <a:gdLst/>
+            <a:ahLst/>
+            <a:cxnLst/>
+            <a:rect l="l" t="t" r="r" b="b"/>
+            <a:pathLst>
+              <a:path w="120000" h="120000" extrusionOk="0">
+                <a:moveTo>
+                  <a:pt x="0" y="0"/>
+                </a:moveTo>
+                <a:lnTo>
+                  <a:pt x="120000" y="0"/>
+                </a:lnTo>
+                <a:lnTo>
+                  <a:pt x="120000" y="120000"/>
+                </a:lnTo>
+                <a:lnTo>
+                  <a:pt x="0" y="120000"/>
+                </a:lnTo>
+                <a:close/>
+              </a:path>
+            </a:pathLst>
+          </a:custGeom>
+          <a:noFill/>
+          <a:ln w="9525" cap="flat" cmpd="sng">
+            <a:solidFill>
+              <a:srgbClr val="000000"/>
+            </a:solidFill>
+            <a:prstDash val="solid"/>
+            <a:round/>
+            <a:headEnd type="none" w="sm" len="sm"/>
+            <a:tailEnd type="none" w="sm" len="sm"/>
+          </a:ln>
+        </p:spPr>
+      </p:sp>
+      <p:sp>
+        <p:nvSpPr>
+          <p:cNvPr id="99" name="Google Shape;99;g2962aafab79_0_5:notes"/>
+          <p:cNvSpPr txBox="1">
+            <a:spLocks noGrp="1"/>
+          </p:cNvSpPr>
+          <p:nvPr>
+            <p:ph type="body" idx="1"/>
+          </p:nvPr>
+        </p:nvSpPr>
+        <p:spPr>
+          <a:xfrm>
+            <a:off x="685800" y="4343400"/>
+            <a:ext cx="5486400" cy="4114800"/>
+          </a:xfrm>
+          <a:prstGeom prst="rect">
+            <a:avLst/>
+          </a:prstGeom>
+          <a:noFill/>
+          <a:ln>
+            <a:noFill/>
+          </a:ln>
+        </p:spPr>
+        <p:txBody>
+          <a:bodyPr spcFirstLastPara="1" wrap="square" lIns="91425" tIns="91425" rIns="91425" bIns="91425" anchor="t" anchorCtr="0">
+            <a:noAutofit/>
+          </a:bodyPr>
+          <a:lstStyle/>
+          <a:p>
+            <a:pPr marL="0" lvl="0" indent="0" algn="l" rtl="0">
+              <a:lnSpc>
+                <a:spcPct val="100000"/>
+              </a:lnSpc>
+              <a:spcBef>
+                <a:spcPts val="0"/>
+              </a:spcBef>
+              <a:spcAft>
+                <a:spcPts val="0"/>
+              </a:spcAft>
+              <a:buSzPts val="1100"/>
+              <a:buNone/>
+            </a:pPr>
+            <a:endParaRPr/>
+          </a:p>
+        </p:txBody>
+      </p:sp>
+    </p:spTree>
+  </p:cSld>
+  <p:clrMapOvr>
+    <a:masterClrMapping/>
+  </p:clrMapOvr>
+</p:notes>
+</file>
+
+<file path=ppt/notesSlides/notesSlide5.xml><?xml version="1.0" encoding="utf-8"?>
+<p:notes xmlns:a="http://schemas.openxmlformats.org/drawingml/2006/main" xmlns:r="http://schemas.openxmlformats.org/officeDocument/2006/relationships" xmlns:p="http://schemas.openxmlformats.org/presentationml/2006/main" showMasterSp="0" showMasterPhAnim="0">
+  <p:cSld>
+    <p:spTree>
+      <p:nvGrpSpPr>
+        <p:cNvPr id="1" name="Shape 105"/>
+        <p:cNvGrpSpPr/>
+        <p:nvPr/>
+      </p:nvGrpSpPr>
+      <p:grpSpPr>
+        <a:xfrm>
+          <a:off x="0" y="0"/>
+          <a:ext cx="0" cy="0"/>
+          <a:chOff x="0" y="0"/>
+          <a:chExt cx="0" cy="0"/>
+        </a:xfrm>
+      </p:grpSpPr>
+      <p:sp>
+        <p:nvSpPr>
+          <p:cNvPr id="106" name="Google Shape;106;g2bd0017381e_1_42:notes"/>
+          <p:cNvSpPr>
+            <a:spLocks noGrp="1" noRot="1" noChangeAspect="1"/>
+          </p:cNvSpPr>
+          <p:nvPr>
+            <p:ph type="sldImg" idx="2"/>
+          </p:nvPr>
+        </p:nvSpPr>
+        <p:spPr>
+          <a:xfrm>
+            <a:off x="381000" y="685800"/>
+            <a:ext cx="6096000" cy="3429000"/>
+          </a:xfrm>
+          <a:custGeom>
+            <a:avLst/>
+            <a:gdLst/>
+            <a:ahLst/>
+            <a:cxnLst/>
+            <a:rect l="l" t="t" r="r" b="b"/>
+            <a:pathLst>
+              <a:path w="120000" h="120000" extrusionOk="0">
+                <a:moveTo>
+                  <a:pt x="0" y="0"/>
+                </a:moveTo>
+                <a:lnTo>
+                  <a:pt x="120000" y="0"/>
+                </a:lnTo>
+                <a:lnTo>
+                  <a:pt x="120000" y="120000"/>
+                </a:lnTo>
+                <a:lnTo>
+                  <a:pt x="0" y="120000"/>
+                </a:lnTo>
+                <a:close/>
+              </a:path>
+            </a:pathLst>
+          </a:custGeom>
+          <a:noFill/>
+          <a:ln w="9525" cap="flat" cmpd="sng">
+            <a:solidFill>
+              <a:srgbClr val="000000"/>
+            </a:solidFill>
+            <a:prstDash val="solid"/>
+            <a:round/>
+            <a:headEnd type="none" w="sm" len="sm"/>
+            <a:tailEnd type="none" w="sm" len="sm"/>
+          </a:ln>
+        </p:spPr>
+      </p:sp>
+      <p:sp>
+        <p:nvSpPr>
+          <p:cNvPr id="107" name="Google Shape;107;g2bd0017381e_1_42:notes"/>
+          <p:cNvSpPr txBox="1">
+            <a:spLocks noGrp="1"/>
+          </p:cNvSpPr>
+          <p:nvPr>
+            <p:ph type="body" idx="1"/>
+          </p:nvPr>
+        </p:nvSpPr>
+        <p:spPr>
+          <a:xfrm>
+            <a:off x="685800" y="4343400"/>
+            <a:ext cx="5486400" cy="4114800"/>
+          </a:xfrm>
+          <a:prstGeom prst="rect">
+            <a:avLst/>
+          </a:prstGeom>
+          <a:noFill/>
+          <a:ln>
+            <a:noFill/>
+          </a:ln>
+        </p:spPr>
+        <p:txBody>
+          <a:bodyPr spcFirstLastPara="1" wrap="square" lIns="91425" tIns="91425" rIns="91425" bIns="91425" anchor="t" anchorCtr="0">
+            <a:noAutofit/>
+          </a:bodyPr>
+          <a:lstStyle/>
+          <a:p>
+            <a:pPr marL="0" lvl="0" indent="0" algn="l" rtl="0">
+              <a:lnSpc>
+                <a:spcPct val="100000"/>
+              </a:lnSpc>
+              <a:spcBef>
+                <a:spcPts val="0"/>
+              </a:spcBef>
+              <a:spcAft>
+                <a:spcPts val="0"/>
+              </a:spcAft>
+              <a:buSzPts val="1100"/>
+              <a:buNone/>
+            </a:pPr>
+            <a:endParaRPr/>
+          </a:p>
+        </p:txBody>
+      </p:sp>
+    </p:spTree>
+  </p:cSld>
+  <p:clrMapOvr>
+    <a:masterClrMapping/>
+  </p:clrMapOvr>
+</p:notes>
+</file>
+
+<file path=ppt/notesSlides/notesSlide6.xml><?xml version="1.0" encoding="utf-8"?>
+<p:notes xmlns:a="http://schemas.openxmlformats.org/drawingml/2006/main" xmlns:r="http://schemas.openxmlformats.org/officeDocument/2006/relationships" xmlns:p="http://schemas.openxmlformats.org/presentationml/2006/main" showMasterSp="0" showMasterPhAnim="0">
+  <p:cSld>
+    <p:spTree>
+      <p:nvGrpSpPr>
+        <p:cNvPr id="1" name="Shape 113"/>
+        <p:cNvGrpSpPr/>
+        <p:nvPr/>
+      </p:nvGrpSpPr>
+      <p:grpSpPr>
+        <a:xfrm>
+          <a:off x="0" y="0"/>
+          <a:ext cx="0" cy="0"/>
+          <a:chOff x="0" y="0"/>
+          <a:chExt cx="0" cy="0"/>
+        </a:xfrm>
+      </p:grpSpPr>
+      <p:sp>
+        <p:nvSpPr>
+          <p:cNvPr id="114" name="Google Shape;114;g2962aafab79_0_12:notes"/>
+          <p:cNvSpPr>
+            <a:spLocks noGrp="1" noRot="1" noChangeAspect="1"/>
+          </p:cNvSpPr>
+          <p:nvPr>
+            <p:ph type="sldImg" idx="2"/>
+          </p:nvPr>
+        </p:nvSpPr>
+        <p:spPr>
+          <a:xfrm>
+            <a:off x="381000" y="685800"/>
+            <a:ext cx="6096000" cy="3429000"/>
+          </a:xfrm>
+          <a:custGeom>
+            <a:avLst/>
+            <a:gdLst/>
+            <a:ahLst/>
+            <a:cxnLst/>
+            <a:rect l="l" t="t" r="r" b="b"/>
+            <a:pathLst>
+              <a:path w="120000" h="120000" extrusionOk="0">
+                <a:moveTo>
+                  <a:pt x="0" y="0"/>
+                </a:moveTo>
+                <a:lnTo>
+                  <a:pt x="120000" y="0"/>
+                </a:lnTo>
+                <a:lnTo>
+                  <a:pt x="120000" y="120000"/>
+                </a:lnTo>
+                <a:lnTo>
+                  <a:pt x="0" y="120000"/>
+                </a:lnTo>
+                <a:close/>
+              </a:path>
+            </a:pathLst>
+          </a:custGeom>
+          <a:noFill/>
+          <a:ln w="9525" cap="flat" cmpd="sng">
+            <a:solidFill>
+              <a:srgbClr val="000000"/>
+            </a:solidFill>
+            <a:prstDash val="solid"/>
+            <a:round/>
+            <a:headEnd type="none" w="sm" len="sm"/>
+            <a:tailEnd type="none" w="sm" len="sm"/>
+          </a:ln>
+        </p:spPr>
+      </p:sp>
+      <p:sp>
+        <p:nvSpPr>
+          <p:cNvPr id="115" name="Google Shape;115;g2962aafab79_0_12:notes"/>
+          <p:cNvSpPr txBox="1">
+            <a:spLocks noGrp="1"/>
+          </p:cNvSpPr>
+          <p:nvPr>
+            <p:ph type="body" idx="1"/>
+          </p:nvPr>
+        </p:nvSpPr>
+        <p:spPr>
+          <a:xfrm>
+            <a:off x="685800" y="4343400"/>
+            <a:ext cx="5486400" cy="4114800"/>
+          </a:xfrm>
+          <a:prstGeom prst="rect">
+            <a:avLst/>
+          </a:prstGeom>
+          <a:noFill/>
+          <a:ln>
+            <a:noFill/>
+          </a:ln>
+        </p:spPr>
+        <p:txBody>
+          <a:bodyPr spcFirstLastPara="1" wrap="square" lIns="91425" tIns="91425" rIns="91425" bIns="91425" anchor="t" anchorCtr="0">
+            <a:noAutofit/>
+          </a:bodyPr>
+          <a:lstStyle/>
+          <a:p>
+            <a:pPr marL="0" lvl="0" indent="0" algn="l" rtl="0">
+              <a:lnSpc>
+                <a:spcPct val="100000"/>
+              </a:lnSpc>
+              <a:spcBef>
+                <a:spcPts val="0"/>
+              </a:spcBef>
+              <a:spcAft>
+                <a:spcPts val="0"/>
+              </a:spcAft>
+              <a:buSzPts val="1100"/>
+              <a:buNone/>
+            </a:pPr>
+            <a:endParaRPr/>
+          </a:p>
+        </p:txBody>
+      </p:sp>
+    </p:spTree>
+  </p:cSld>
+  <p:clrMapOvr>
+    <a:masterClrMapping/>
+  </p:clrMapOvr>
+</p:notes>
+</file>
+
+<file path=ppt/notesSlides/notesSlide7.xml><?xml version="1.0" encoding="utf-8"?>
+<p:notes xmlns:a="http://schemas.openxmlformats.org/drawingml/2006/main" xmlns:r="http://schemas.openxmlformats.org/officeDocument/2006/relationships" xmlns:p="http://schemas.openxmlformats.org/presentationml/2006/main" showMasterSp="0" showMasterPhAnim="0">
+  <p:cSld>
+    <p:spTree>
+      <p:nvGrpSpPr>
         <p:cNvPr id="1" name="Shape 121"/>
         <p:cNvGrpSpPr/>
         <p:nvPr/>
@@ -1121,7 +2092,7 @@
 </p:notes>
 </file>
 
-<file path=ppt/notesSlides/notesSlide11.xml><?xml version="1.0" encoding="utf-8"?>
+<file path=ppt/notesSlides/notesSlide8.xml><?xml version="1.0" encoding="utf-8"?>
 <p:notes xmlns:a="http://schemas.openxmlformats.org/drawingml/2006/main" xmlns:r="http://schemas.openxmlformats.org/officeDocument/2006/relationships" xmlns:p="http://schemas.openxmlformats.org/presentationml/2006/main" showMasterSp="0" showMasterPhAnim="0">
   <p:cSld>
     <p:spTree>
@@ -1243,7 +2214,7 @@
 </p:notes>
 </file>
 
-<file path=ppt/notesSlides/notesSlide12.xml><?xml version="1.0" encoding="utf-8"?>
+<file path=ppt/notesSlides/notesSlide9.xml><?xml version="1.0" encoding="utf-8"?>
 <p:notes xmlns:a="http://schemas.openxmlformats.org/drawingml/2006/main" xmlns:r="http://schemas.openxmlformats.org/officeDocument/2006/relationships" xmlns:p="http://schemas.openxmlformats.org/presentationml/2006/main" showMasterSp="0" showMasterPhAnim="0">
   <p:cSld>
     <p:spTree>
@@ -1314,1348 +2285,6 @@
       <p:sp>
         <p:nvSpPr>
           <p:cNvPr id="139" name="Google Shape;139;g2bd0017381e_1_21:notes"/>
-          <p:cNvSpPr txBox="1">
-            <a:spLocks noGrp="1"/>
-          </p:cNvSpPr>
-          <p:nvPr>
-            <p:ph type="body" idx="1"/>
-          </p:nvPr>
-        </p:nvSpPr>
-        <p:spPr>
-          <a:xfrm>
-            <a:off x="685800" y="4343400"/>
-            <a:ext cx="5486400" cy="4114800"/>
-          </a:xfrm>
-          <a:prstGeom prst="rect">
-            <a:avLst/>
-          </a:prstGeom>
-          <a:noFill/>
-          <a:ln>
-            <a:noFill/>
-          </a:ln>
-        </p:spPr>
-        <p:txBody>
-          <a:bodyPr spcFirstLastPara="1" wrap="square" lIns="91425" tIns="91425" rIns="91425" bIns="91425" anchor="t" anchorCtr="0">
-            <a:noAutofit/>
-          </a:bodyPr>
-          <a:lstStyle/>
-          <a:p>
-            <a:pPr marL="0" lvl="0" indent="0" algn="l" rtl="0">
-              <a:lnSpc>
-                <a:spcPct val="100000"/>
-              </a:lnSpc>
-              <a:spcBef>
-                <a:spcPts val="0"/>
-              </a:spcBef>
-              <a:spcAft>
-                <a:spcPts val="0"/>
-              </a:spcAft>
-              <a:buSzPts val="1100"/>
-              <a:buNone/>
-            </a:pPr>
-            <a:endParaRPr/>
-          </a:p>
-        </p:txBody>
-      </p:sp>
-    </p:spTree>
-  </p:cSld>
-  <p:clrMapOvr>
-    <a:masterClrMapping/>
-  </p:clrMapOvr>
-</p:notes>
-</file>
-
-<file path=ppt/notesSlides/notesSlide13.xml><?xml version="1.0" encoding="utf-8"?>
-<p:notes xmlns:a="http://schemas.openxmlformats.org/drawingml/2006/main" xmlns:r="http://schemas.openxmlformats.org/officeDocument/2006/relationships" xmlns:p="http://schemas.openxmlformats.org/presentationml/2006/main" showMasterSp="0" showMasterPhAnim="0">
-  <p:cSld>
-    <p:spTree>
-      <p:nvGrpSpPr>
-        <p:cNvPr id="1" name="Shape 145"/>
-        <p:cNvGrpSpPr/>
-        <p:nvPr/>
-      </p:nvGrpSpPr>
-      <p:grpSpPr>
-        <a:xfrm>
-          <a:off x="0" y="0"/>
-          <a:ext cx="0" cy="0"/>
-          <a:chOff x="0" y="0"/>
-          <a:chExt cx="0" cy="0"/>
-        </a:xfrm>
-      </p:grpSpPr>
-      <p:sp>
-        <p:nvSpPr>
-          <p:cNvPr id="146" name="Google Shape;146;g2bd0017381e_1_28:notes"/>
-          <p:cNvSpPr>
-            <a:spLocks noGrp="1" noRot="1" noChangeAspect="1"/>
-          </p:cNvSpPr>
-          <p:nvPr>
-            <p:ph type="sldImg" idx="2"/>
-          </p:nvPr>
-        </p:nvSpPr>
-        <p:spPr>
-          <a:xfrm>
-            <a:off x="381000" y="685800"/>
-            <a:ext cx="6096000" cy="3429000"/>
-          </a:xfrm>
-          <a:custGeom>
-            <a:avLst/>
-            <a:gdLst/>
-            <a:ahLst/>
-            <a:cxnLst/>
-            <a:rect l="l" t="t" r="r" b="b"/>
-            <a:pathLst>
-              <a:path w="120000" h="120000" extrusionOk="0">
-                <a:moveTo>
-                  <a:pt x="0" y="0"/>
-                </a:moveTo>
-                <a:lnTo>
-                  <a:pt x="120000" y="0"/>
-                </a:lnTo>
-                <a:lnTo>
-                  <a:pt x="120000" y="120000"/>
-                </a:lnTo>
-                <a:lnTo>
-                  <a:pt x="0" y="120000"/>
-                </a:lnTo>
-                <a:close/>
-              </a:path>
-            </a:pathLst>
-          </a:custGeom>
-          <a:noFill/>
-          <a:ln w="9525" cap="flat" cmpd="sng">
-            <a:solidFill>
-              <a:srgbClr val="000000"/>
-            </a:solidFill>
-            <a:prstDash val="solid"/>
-            <a:round/>
-            <a:headEnd type="none" w="sm" len="sm"/>
-            <a:tailEnd type="none" w="sm" len="sm"/>
-          </a:ln>
-        </p:spPr>
-      </p:sp>
-      <p:sp>
-        <p:nvSpPr>
-          <p:cNvPr id="147" name="Google Shape;147;g2bd0017381e_1_28:notes"/>
-          <p:cNvSpPr txBox="1">
-            <a:spLocks noGrp="1"/>
-          </p:cNvSpPr>
-          <p:nvPr>
-            <p:ph type="body" idx="1"/>
-          </p:nvPr>
-        </p:nvSpPr>
-        <p:spPr>
-          <a:xfrm>
-            <a:off x="685800" y="4343400"/>
-            <a:ext cx="5486400" cy="4114800"/>
-          </a:xfrm>
-          <a:prstGeom prst="rect">
-            <a:avLst/>
-          </a:prstGeom>
-          <a:noFill/>
-          <a:ln>
-            <a:noFill/>
-          </a:ln>
-        </p:spPr>
-        <p:txBody>
-          <a:bodyPr spcFirstLastPara="1" wrap="square" lIns="91425" tIns="91425" rIns="91425" bIns="91425" anchor="t" anchorCtr="0">
-            <a:noAutofit/>
-          </a:bodyPr>
-          <a:lstStyle/>
-          <a:p>
-            <a:pPr marL="0" lvl="0" indent="0" algn="l" rtl="0">
-              <a:lnSpc>
-                <a:spcPct val="100000"/>
-              </a:lnSpc>
-              <a:spcBef>
-                <a:spcPts val="0"/>
-              </a:spcBef>
-              <a:spcAft>
-                <a:spcPts val="0"/>
-              </a:spcAft>
-              <a:buSzPts val="1100"/>
-              <a:buNone/>
-            </a:pPr>
-            <a:endParaRPr/>
-          </a:p>
-        </p:txBody>
-      </p:sp>
-    </p:spTree>
-  </p:cSld>
-  <p:clrMapOvr>
-    <a:masterClrMapping/>
-  </p:clrMapOvr>
-</p:notes>
-</file>
-
-<file path=ppt/notesSlides/notesSlide14.xml><?xml version="1.0" encoding="utf-8"?>
-<p:notes xmlns:a="http://schemas.openxmlformats.org/drawingml/2006/main" xmlns:r="http://schemas.openxmlformats.org/officeDocument/2006/relationships" xmlns:p="http://schemas.openxmlformats.org/presentationml/2006/main" showMasterSp="0" showMasterPhAnim="0">
-  <p:cSld>
-    <p:spTree>
-      <p:nvGrpSpPr>
-        <p:cNvPr id="1" name="Shape 153"/>
-        <p:cNvGrpSpPr/>
-        <p:nvPr/>
-      </p:nvGrpSpPr>
-      <p:grpSpPr>
-        <a:xfrm>
-          <a:off x="0" y="0"/>
-          <a:ext cx="0" cy="0"/>
-          <a:chOff x="0" y="0"/>
-          <a:chExt cx="0" cy="0"/>
-        </a:xfrm>
-      </p:grpSpPr>
-      <p:sp>
-        <p:nvSpPr>
-          <p:cNvPr id="154" name="Google Shape;154;g2bd0017381e_1_35:notes"/>
-          <p:cNvSpPr>
-            <a:spLocks noGrp="1" noRot="1" noChangeAspect="1"/>
-          </p:cNvSpPr>
-          <p:nvPr>
-            <p:ph type="sldImg" idx="2"/>
-          </p:nvPr>
-        </p:nvSpPr>
-        <p:spPr>
-          <a:xfrm>
-            <a:off x="381000" y="685800"/>
-            <a:ext cx="6096000" cy="3429000"/>
-          </a:xfrm>
-          <a:custGeom>
-            <a:avLst/>
-            <a:gdLst/>
-            <a:ahLst/>
-            <a:cxnLst/>
-            <a:rect l="l" t="t" r="r" b="b"/>
-            <a:pathLst>
-              <a:path w="120000" h="120000" extrusionOk="0">
-                <a:moveTo>
-                  <a:pt x="0" y="0"/>
-                </a:moveTo>
-                <a:lnTo>
-                  <a:pt x="120000" y="0"/>
-                </a:lnTo>
-                <a:lnTo>
-                  <a:pt x="120000" y="120000"/>
-                </a:lnTo>
-                <a:lnTo>
-                  <a:pt x="0" y="120000"/>
-                </a:lnTo>
-                <a:close/>
-              </a:path>
-            </a:pathLst>
-          </a:custGeom>
-          <a:noFill/>
-          <a:ln w="9525" cap="flat" cmpd="sng">
-            <a:solidFill>
-              <a:srgbClr val="000000"/>
-            </a:solidFill>
-            <a:prstDash val="solid"/>
-            <a:round/>
-            <a:headEnd type="none" w="sm" len="sm"/>
-            <a:tailEnd type="none" w="sm" len="sm"/>
-          </a:ln>
-        </p:spPr>
-      </p:sp>
-      <p:sp>
-        <p:nvSpPr>
-          <p:cNvPr id="155" name="Google Shape;155;g2bd0017381e_1_35:notes"/>
-          <p:cNvSpPr txBox="1">
-            <a:spLocks noGrp="1"/>
-          </p:cNvSpPr>
-          <p:nvPr>
-            <p:ph type="body" idx="1"/>
-          </p:nvPr>
-        </p:nvSpPr>
-        <p:spPr>
-          <a:xfrm>
-            <a:off x="685800" y="4343400"/>
-            <a:ext cx="5486400" cy="4114800"/>
-          </a:xfrm>
-          <a:prstGeom prst="rect">
-            <a:avLst/>
-          </a:prstGeom>
-          <a:noFill/>
-          <a:ln>
-            <a:noFill/>
-          </a:ln>
-        </p:spPr>
-        <p:txBody>
-          <a:bodyPr spcFirstLastPara="1" wrap="square" lIns="91425" tIns="91425" rIns="91425" bIns="91425" anchor="t" anchorCtr="0">
-            <a:noAutofit/>
-          </a:bodyPr>
-          <a:lstStyle/>
-          <a:p>
-            <a:pPr marL="0" lvl="0" indent="0" algn="l" rtl="0">
-              <a:lnSpc>
-                <a:spcPct val="100000"/>
-              </a:lnSpc>
-              <a:spcBef>
-                <a:spcPts val="0"/>
-              </a:spcBef>
-              <a:spcAft>
-                <a:spcPts val="0"/>
-              </a:spcAft>
-              <a:buSzPts val="1100"/>
-              <a:buNone/>
-            </a:pPr>
-            <a:endParaRPr/>
-          </a:p>
-        </p:txBody>
-      </p:sp>
-    </p:spTree>
-  </p:cSld>
-  <p:clrMapOvr>
-    <a:masterClrMapping/>
-  </p:clrMapOvr>
-</p:notes>
-</file>
-
-<file path=ppt/notesSlides/notesSlide15.xml><?xml version="1.0" encoding="utf-8"?>
-<p:notes xmlns:a="http://schemas.openxmlformats.org/drawingml/2006/main" xmlns:r="http://schemas.openxmlformats.org/officeDocument/2006/relationships" xmlns:p="http://schemas.openxmlformats.org/presentationml/2006/main" showMasterSp="0" showMasterPhAnim="0">
-  <p:cSld>
-    <p:spTree>
-      <p:nvGrpSpPr>
-        <p:cNvPr id="1" name="Shape 161"/>
-        <p:cNvGrpSpPr/>
-        <p:nvPr/>
-      </p:nvGrpSpPr>
-      <p:grpSpPr>
-        <a:xfrm>
-          <a:off x="0" y="0"/>
-          <a:ext cx="0" cy="0"/>
-          <a:chOff x="0" y="0"/>
-          <a:chExt cx="0" cy="0"/>
-        </a:xfrm>
-      </p:grpSpPr>
-      <p:sp>
-        <p:nvSpPr>
-          <p:cNvPr id="162" name="Google Shape;162;p13:notes"/>
-          <p:cNvSpPr>
-            <a:spLocks noGrp="1" noRot="1" noChangeAspect="1"/>
-          </p:cNvSpPr>
-          <p:nvPr>
-            <p:ph type="sldImg" idx="2"/>
-          </p:nvPr>
-        </p:nvSpPr>
-        <p:spPr>
-          <a:xfrm>
-            <a:off x="381000" y="685800"/>
-            <a:ext cx="6096000" cy="3429000"/>
-          </a:xfrm>
-          <a:custGeom>
-            <a:avLst/>
-            <a:gdLst/>
-            <a:ahLst/>
-            <a:cxnLst/>
-            <a:rect l="l" t="t" r="r" b="b"/>
-            <a:pathLst>
-              <a:path w="120000" h="120000" extrusionOk="0">
-                <a:moveTo>
-                  <a:pt x="0" y="0"/>
-                </a:moveTo>
-                <a:lnTo>
-                  <a:pt x="120000" y="0"/>
-                </a:lnTo>
-                <a:lnTo>
-                  <a:pt x="120000" y="120000"/>
-                </a:lnTo>
-                <a:lnTo>
-                  <a:pt x="0" y="120000"/>
-                </a:lnTo>
-                <a:close/>
-              </a:path>
-            </a:pathLst>
-          </a:custGeom>
-          <a:noFill/>
-          <a:ln w="9525" cap="flat" cmpd="sng">
-            <a:solidFill>
-              <a:srgbClr val="000000"/>
-            </a:solidFill>
-            <a:prstDash val="solid"/>
-            <a:round/>
-            <a:headEnd type="none" w="sm" len="sm"/>
-            <a:tailEnd type="none" w="sm" len="sm"/>
-          </a:ln>
-        </p:spPr>
-      </p:sp>
-      <p:sp>
-        <p:nvSpPr>
-          <p:cNvPr id="163" name="Google Shape;163;p13:notes"/>
-          <p:cNvSpPr txBox="1">
-            <a:spLocks noGrp="1"/>
-          </p:cNvSpPr>
-          <p:nvPr>
-            <p:ph type="body" idx="1"/>
-          </p:nvPr>
-        </p:nvSpPr>
-        <p:spPr>
-          <a:xfrm>
-            <a:off x="685800" y="4343400"/>
-            <a:ext cx="5486400" cy="4114800"/>
-          </a:xfrm>
-          <a:prstGeom prst="rect">
-            <a:avLst/>
-          </a:prstGeom>
-          <a:noFill/>
-          <a:ln>
-            <a:noFill/>
-          </a:ln>
-        </p:spPr>
-        <p:txBody>
-          <a:bodyPr spcFirstLastPara="1" wrap="square" lIns="91425" tIns="91425" rIns="91425" bIns="91425" anchor="t" anchorCtr="0">
-            <a:noAutofit/>
-          </a:bodyPr>
-          <a:lstStyle/>
-          <a:p>
-            <a:pPr marL="0" lvl="0" indent="0" algn="l" rtl="0">
-              <a:lnSpc>
-                <a:spcPct val="100000"/>
-              </a:lnSpc>
-              <a:spcBef>
-                <a:spcPts val="0"/>
-              </a:spcBef>
-              <a:spcAft>
-                <a:spcPts val="0"/>
-              </a:spcAft>
-              <a:buSzPts val="1100"/>
-              <a:buNone/>
-            </a:pPr>
-            <a:endParaRPr/>
-          </a:p>
-        </p:txBody>
-      </p:sp>
-    </p:spTree>
-  </p:cSld>
-  <p:clrMapOvr>
-    <a:masterClrMapping/>
-  </p:clrMapOvr>
-</p:notes>
-</file>
-
-<file path=ppt/notesSlides/notesSlide2.xml><?xml version="1.0" encoding="utf-8"?>
-<p:notes xmlns:a="http://schemas.openxmlformats.org/drawingml/2006/main" xmlns:r="http://schemas.openxmlformats.org/officeDocument/2006/relationships" xmlns:p="http://schemas.openxmlformats.org/presentationml/2006/main" showMasterSp="0" showMasterPhAnim="0">
-  <p:cSld>
-    <p:spTree>
-      <p:nvGrpSpPr>
-        <p:cNvPr id="1" name="Shape 59"/>
-        <p:cNvGrpSpPr/>
-        <p:nvPr/>
-      </p:nvGrpSpPr>
-      <p:grpSpPr>
-        <a:xfrm>
-          <a:off x="0" y="0"/>
-          <a:ext cx="0" cy="0"/>
-          <a:chOff x="0" y="0"/>
-          <a:chExt cx="0" cy="0"/>
-        </a:xfrm>
-      </p:grpSpPr>
-      <p:sp>
-        <p:nvSpPr>
-          <p:cNvPr id="60" name="Google Shape;60;p2:notes"/>
-          <p:cNvSpPr>
-            <a:spLocks noGrp="1" noRot="1" noChangeAspect="1"/>
-          </p:cNvSpPr>
-          <p:nvPr>
-            <p:ph type="sldImg" idx="2"/>
-          </p:nvPr>
-        </p:nvSpPr>
-        <p:spPr>
-          <a:xfrm>
-            <a:off x="381000" y="685800"/>
-            <a:ext cx="6096000" cy="3429000"/>
-          </a:xfrm>
-          <a:custGeom>
-            <a:avLst/>
-            <a:gdLst/>
-            <a:ahLst/>
-            <a:cxnLst/>
-            <a:rect l="l" t="t" r="r" b="b"/>
-            <a:pathLst>
-              <a:path w="120000" h="120000" extrusionOk="0">
-                <a:moveTo>
-                  <a:pt x="0" y="0"/>
-                </a:moveTo>
-                <a:lnTo>
-                  <a:pt x="120000" y="0"/>
-                </a:lnTo>
-                <a:lnTo>
-                  <a:pt x="120000" y="120000"/>
-                </a:lnTo>
-                <a:lnTo>
-                  <a:pt x="0" y="120000"/>
-                </a:lnTo>
-                <a:close/>
-              </a:path>
-            </a:pathLst>
-          </a:custGeom>
-          <a:noFill/>
-          <a:ln w="9525" cap="flat" cmpd="sng">
-            <a:solidFill>
-              <a:srgbClr val="000000"/>
-            </a:solidFill>
-            <a:prstDash val="solid"/>
-            <a:round/>
-            <a:headEnd type="none" w="sm" len="sm"/>
-            <a:tailEnd type="none" w="sm" len="sm"/>
-          </a:ln>
-        </p:spPr>
-      </p:sp>
-      <p:sp>
-        <p:nvSpPr>
-          <p:cNvPr id="61" name="Google Shape;61;p2:notes"/>
-          <p:cNvSpPr txBox="1">
-            <a:spLocks noGrp="1"/>
-          </p:cNvSpPr>
-          <p:nvPr>
-            <p:ph type="body" idx="1"/>
-          </p:nvPr>
-        </p:nvSpPr>
-        <p:spPr>
-          <a:xfrm>
-            <a:off x="685800" y="4343400"/>
-            <a:ext cx="5486400" cy="4114800"/>
-          </a:xfrm>
-          <a:prstGeom prst="rect">
-            <a:avLst/>
-          </a:prstGeom>
-          <a:noFill/>
-          <a:ln>
-            <a:noFill/>
-          </a:ln>
-        </p:spPr>
-        <p:txBody>
-          <a:bodyPr spcFirstLastPara="1" wrap="square" lIns="91425" tIns="91425" rIns="91425" bIns="91425" anchor="t" anchorCtr="0">
-            <a:noAutofit/>
-          </a:bodyPr>
-          <a:lstStyle/>
-          <a:p>
-            <a:pPr marL="0" lvl="0" indent="0" algn="l" rtl="0">
-              <a:lnSpc>
-                <a:spcPct val="100000"/>
-              </a:lnSpc>
-              <a:spcBef>
-                <a:spcPts val="0"/>
-              </a:spcBef>
-              <a:spcAft>
-                <a:spcPts val="0"/>
-              </a:spcAft>
-              <a:buSzPts val="1100"/>
-              <a:buNone/>
-            </a:pPr>
-            <a:endParaRPr/>
-          </a:p>
-        </p:txBody>
-      </p:sp>
-    </p:spTree>
-  </p:cSld>
-  <p:clrMapOvr>
-    <a:masterClrMapping/>
-  </p:clrMapOvr>
-</p:notes>
-</file>
-
-<file path=ppt/notesSlides/notesSlide3.xml><?xml version="1.0" encoding="utf-8"?>
-<p:notes xmlns:a="http://schemas.openxmlformats.org/drawingml/2006/main" xmlns:r="http://schemas.openxmlformats.org/officeDocument/2006/relationships" xmlns:p="http://schemas.openxmlformats.org/presentationml/2006/main" showMasterSp="0" showMasterPhAnim="0">
-  <p:cSld>
-    <p:spTree>
-      <p:nvGrpSpPr>
-        <p:cNvPr id="1" name="Shape 66"/>
-        <p:cNvGrpSpPr/>
-        <p:nvPr/>
-      </p:nvGrpSpPr>
-      <p:grpSpPr>
-        <a:xfrm>
-          <a:off x="0" y="0"/>
-          <a:ext cx="0" cy="0"/>
-          <a:chOff x="0" y="0"/>
-          <a:chExt cx="0" cy="0"/>
-        </a:xfrm>
-      </p:grpSpPr>
-      <p:sp>
-        <p:nvSpPr>
-          <p:cNvPr id="67" name="Google Shape;67;g2bd0017381e_1_2:notes"/>
-          <p:cNvSpPr>
-            <a:spLocks noGrp="1" noRot="1" noChangeAspect="1"/>
-          </p:cNvSpPr>
-          <p:nvPr>
-            <p:ph type="sldImg" idx="2"/>
-          </p:nvPr>
-        </p:nvSpPr>
-        <p:spPr>
-          <a:xfrm>
-            <a:off x="381000" y="685800"/>
-            <a:ext cx="6096000" cy="3429000"/>
-          </a:xfrm>
-          <a:custGeom>
-            <a:avLst/>
-            <a:gdLst/>
-            <a:ahLst/>
-            <a:cxnLst/>
-            <a:rect l="l" t="t" r="r" b="b"/>
-            <a:pathLst>
-              <a:path w="120000" h="120000" extrusionOk="0">
-                <a:moveTo>
-                  <a:pt x="0" y="0"/>
-                </a:moveTo>
-                <a:lnTo>
-                  <a:pt x="120000" y="0"/>
-                </a:lnTo>
-                <a:lnTo>
-                  <a:pt x="120000" y="120000"/>
-                </a:lnTo>
-                <a:lnTo>
-                  <a:pt x="0" y="120000"/>
-                </a:lnTo>
-                <a:close/>
-              </a:path>
-            </a:pathLst>
-          </a:custGeom>
-          <a:noFill/>
-          <a:ln w="9525" cap="flat" cmpd="sng">
-            <a:solidFill>
-              <a:srgbClr val="000000"/>
-            </a:solidFill>
-            <a:prstDash val="solid"/>
-            <a:round/>
-            <a:headEnd type="none" w="sm" len="sm"/>
-            <a:tailEnd type="none" w="sm" len="sm"/>
-          </a:ln>
-        </p:spPr>
-      </p:sp>
-      <p:sp>
-        <p:nvSpPr>
-          <p:cNvPr id="68" name="Google Shape;68;g2bd0017381e_1_2:notes"/>
-          <p:cNvSpPr txBox="1">
-            <a:spLocks noGrp="1"/>
-          </p:cNvSpPr>
-          <p:nvPr>
-            <p:ph type="body" idx="1"/>
-          </p:nvPr>
-        </p:nvSpPr>
-        <p:spPr>
-          <a:xfrm>
-            <a:off x="685800" y="4343400"/>
-            <a:ext cx="5486400" cy="4114800"/>
-          </a:xfrm>
-          <a:prstGeom prst="rect">
-            <a:avLst/>
-          </a:prstGeom>
-          <a:noFill/>
-          <a:ln>
-            <a:noFill/>
-          </a:ln>
-        </p:spPr>
-        <p:txBody>
-          <a:bodyPr spcFirstLastPara="1" wrap="square" lIns="91425" tIns="91425" rIns="91425" bIns="91425" anchor="t" anchorCtr="0">
-            <a:noAutofit/>
-          </a:bodyPr>
-          <a:lstStyle/>
-          <a:p>
-            <a:pPr marL="0" lvl="0" indent="0" algn="l" rtl="0">
-              <a:lnSpc>
-                <a:spcPct val="100000"/>
-              </a:lnSpc>
-              <a:spcBef>
-                <a:spcPts val="0"/>
-              </a:spcBef>
-              <a:spcAft>
-                <a:spcPts val="0"/>
-              </a:spcAft>
-              <a:buSzPts val="1100"/>
-              <a:buNone/>
-            </a:pPr>
-            <a:endParaRPr/>
-          </a:p>
-        </p:txBody>
-      </p:sp>
-    </p:spTree>
-  </p:cSld>
-  <p:clrMapOvr>
-    <a:masterClrMapping/>
-  </p:clrMapOvr>
-</p:notes>
-</file>
-
-<file path=ppt/notesSlides/notesSlide4.xml><?xml version="1.0" encoding="utf-8"?>
-<p:notes xmlns:a="http://schemas.openxmlformats.org/drawingml/2006/main" xmlns:r="http://schemas.openxmlformats.org/officeDocument/2006/relationships" xmlns:p="http://schemas.openxmlformats.org/presentationml/2006/main" showMasterSp="0" showMasterPhAnim="0">
-  <p:cSld>
-    <p:spTree>
-      <p:nvGrpSpPr>
-        <p:cNvPr id="1" name="Shape 72"/>
-        <p:cNvGrpSpPr/>
-        <p:nvPr/>
-      </p:nvGrpSpPr>
-      <p:grpSpPr>
-        <a:xfrm>
-          <a:off x="0" y="0"/>
-          <a:ext cx="0" cy="0"/>
-          <a:chOff x="0" y="0"/>
-          <a:chExt cx="0" cy="0"/>
-        </a:xfrm>
-      </p:grpSpPr>
-      <p:sp>
-        <p:nvSpPr>
-          <p:cNvPr id="73" name="Google Shape;73;g296408c60a4_0_1:notes"/>
-          <p:cNvSpPr>
-            <a:spLocks noGrp="1" noRot="1" noChangeAspect="1"/>
-          </p:cNvSpPr>
-          <p:nvPr>
-            <p:ph type="sldImg" idx="2"/>
-          </p:nvPr>
-        </p:nvSpPr>
-        <p:spPr>
-          <a:xfrm>
-            <a:off x="381000" y="685800"/>
-            <a:ext cx="6096000" cy="3429000"/>
-          </a:xfrm>
-          <a:custGeom>
-            <a:avLst/>
-            <a:gdLst/>
-            <a:ahLst/>
-            <a:cxnLst/>
-            <a:rect l="l" t="t" r="r" b="b"/>
-            <a:pathLst>
-              <a:path w="120000" h="120000" extrusionOk="0">
-                <a:moveTo>
-                  <a:pt x="0" y="0"/>
-                </a:moveTo>
-                <a:lnTo>
-                  <a:pt x="120000" y="0"/>
-                </a:lnTo>
-                <a:lnTo>
-                  <a:pt x="120000" y="120000"/>
-                </a:lnTo>
-                <a:lnTo>
-                  <a:pt x="0" y="120000"/>
-                </a:lnTo>
-                <a:close/>
-              </a:path>
-            </a:pathLst>
-          </a:custGeom>
-          <a:noFill/>
-          <a:ln w="9525" cap="flat" cmpd="sng">
-            <a:solidFill>
-              <a:srgbClr val="000000"/>
-            </a:solidFill>
-            <a:prstDash val="solid"/>
-            <a:round/>
-            <a:headEnd type="none" w="sm" len="sm"/>
-            <a:tailEnd type="none" w="sm" len="sm"/>
-          </a:ln>
-        </p:spPr>
-      </p:sp>
-      <p:sp>
-        <p:nvSpPr>
-          <p:cNvPr id="74" name="Google Shape;74;g296408c60a4_0_1:notes"/>
-          <p:cNvSpPr txBox="1">
-            <a:spLocks noGrp="1"/>
-          </p:cNvSpPr>
-          <p:nvPr>
-            <p:ph type="body" idx="1"/>
-          </p:nvPr>
-        </p:nvSpPr>
-        <p:spPr>
-          <a:xfrm>
-            <a:off x="685800" y="4343400"/>
-            <a:ext cx="5486400" cy="4114800"/>
-          </a:xfrm>
-          <a:prstGeom prst="rect">
-            <a:avLst/>
-          </a:prstGeom>
-          <a:noFill/>
-          <a:ln>
-            <a:noFill/>
-          </a:ln>
-        </p:spPr>
-        <p:txBody>
-          <a:bodyPr spcFirstLastPara="1" wrap="square" lIns="91425" tIns="91425" rIns="91425" bIns="91425" anchor="t" anchorCtr="0">
-            <a:noAutofit/>
-          </a:bodyPr>
-          <a:lstStyle/>
-          <a:p>
-            <a:pPr marL="0" lvl="0" indent="0" algn="l" rtl="0">
-              <a:lnSpc>
-                <a:spcPct val="100000"/>
-              </a:lnSpc>
-              <a:spcBef>
-                <a:spcPts val="0"/>
-              </a:spcBef>
-              <a:spcAft>
-                <a:spcPts val="0"/>
-              </a:spcAft>
-              <a:buSzPts val="1100"/>
-              <a:buNone/>
-            </a:pPr>
-            <a:endParaRPr/>
-          </a:p>
-        </p:txBody>
-      </p:sp>
-    </p:spTree>
-  </p:cSld>
-  <p:clrMapOvr>
-    <a:masterClrMapping/>
-  </p:clrMapOvr>
-</p:notes>
-</file>
-
-<file path=ppt/notesSlides/notesSlide5.xml><?xml version="1.0" encoding="utf-8"?>
-<p:notes xmlns:a="http://schemas.openxmlformats.org/drawingml/2006/main" xmlns:r="http://schemas.openxmlformats.org/officeDocument/2006/relationships" xmlns:p="http://schemas.openxmlformats.org/presentationml/2006/main" showMasterSp="0" showMasterPhAnim="0">
-  <p:cSld>
-    <p:spTree>
-      <p:nvGrpSpPr>
-        <p:cNvPr id="1" name="Shape 81"/>
-        <p:cNvGrpSpPr/>
-        <p:nvPr/>
-      </p:nvGrpSpPr>
-      <p:grpSpPr>
-        <a:xfrm>
-          <a:off x="0" y="0"/>
-          <a:ext cx="0" cy="0"/>
-          <a:chOff x="0" y="0"/>
-          <a:chExt cx="0" cy="0"/>
-        </a:xfrm>
-      </p:grpSpPr>
-      <p:sp>
-        <p:nvSpPr>
-          <p:cNvPr id="82" name="Google Shape;82;p12:notes"/>
-          <p:cNvSpPr>
-            <a:spLocks noGrp="1" noRot="1" noChangeAspect="1"/>
-          </p:cNvSpPr>
-          <p:nvPr>
-            <p:ph type="sldImg" idx="2"/>
-          </p:nvPr>
-        </p:nvSpPr>
-        <p:spPr>
-          <a:xfrm>
-            <a:off x="381000" y="685800"/>
-            <a:ext cx="6096000" cy="3429000"/>
-          </a:xfrm>
-          <a:custGeom>
-            <a:avLst/>
-            <a:gdLst/>
-            <a:ahLst/>
-            <a:cxnLst/>
-            <a:rect l="l" t="t" r="r" b="b"/>
-            <a:pathLst>
-              <a:path w="120000" h="120000" extrusionOk="0">
-                <a:moveTo>
-                  <a:pt x="0" y="0"/>
-                </a:moveTo>
-                <a:lnTo>
-                  <a:pt x="120000" y="0"/>
-                </a:lnTo>
-                <a:lnTo>
-                  <a:pt x="120000" y="120000"/>
-                </a:lnTo>
-                <a:lnTo>
-                  <a:pt x="0" y="120000"/>
-                </a:lnTo>
-                <a:close/>
-              </a:path>
-            </a:pathLst>
-          </a:custGeom>
-          <a:noFill/>
-          <a:ln w="9525" cap="flat" cmpd="sng">
-            <a:solidFill>
-              <a:srgbClr val="000000"/>
-            </a:solidFill>
-            <a:prstDash val="solid"/>
-            <a:round/>
-            <a:headEnd type="none" w="sm" len="sm"/>
-            <a:tailEnd type="none" w="sm" len="sm"/>
-          </a:ln>
-        </p:spPr>
-      </p:sp>
-      <p:sp>
-        <p:nvSpPr>
-          <p:cNvPr id="83" name="Google Shape;83;p12:notes"/>
-          <p:cNvSpPr txBox="1">
-            <a:spLocks noGrp="1"/>
-          </p:cNvSpPr>
-          <p:nvPr>
-            <p:ph type="body" idx="1"/>
-          </p:nvPr>
-        </p:nvSpPr>
-        <p:spPr>
-          <a:xfrm>
-            <a:off x="685800" y="4343400"/>
-            <a:ext cx="5486400" cy="4114800"/>
-          </a:xfrm>
-          <a:prstGeom prst="rect">
-            <a:avLst/>
-          </a:prstGeom>
-          <a:noFill/>
-          <a:ln>
-            <a:noFill/>
-          </a:ln>
-        </p:spPr>
-        <p:txBody>
-          <a:bodyPr spcFirstLastPara="1" wrap="square" lIns="91425" tIns="91425" rIns="91425" bIns="91425" anchor="t" anchorCtr="0">
-            <a:noAutofit/>
-          </a:bodyPr>
-          <a:lstStyle/>
-          <a:p>
-            <a:pPr marL="0" lvl="0" indent="0" algn="l" rtl="0">
-              <a:lnSpc>
-                <a:spcPct val="100000"/>
-              </a:lnSpc>
-              <a:spcBef>
-                <a:spcPts val="0"/>
-              </a:spcBef>
-              <a:spcAft>
-                <a:spcPts val="0"/>
-              </a:spcAft>
-              <a:buSzPts val="1100"/>
-              <a:buNone/>
-            </a:pPr>
-            <a:endParaRPr/>
-          </a:p>
-        </p:txBody>
-      </p:sp>
-    </p:spTree>
-  </p:cSld>
-  <p:clrMapOvr>
-    <a:masterClrMapping/>
-  </p:clrMapOvr>
-</p:notes>
-</file>
-
-<file path=ppt/notesSlides/notesSlide6.xml><?xml version="1.0" encoding="utf-8"?>
-<p:notes xmlns:a="http://schemas.openxmlformats.org/drawingml/2006/main" xmlns:r="http://schemas.openxmlformats.org/officeDocument/2006/relationships" xmlns:p="http://schemas.openxmlformats.org/presentationml/2006/main" showMasterSp="0" showMasterPhAnim="0">
-  <p:cSld>
-    <p:spTree>
-      <p:nvGrpSpPr>
-        <p:cNvPr id="1" name="Shape 89"/>
-        <p:cNvGrpSpPr/>
-        <p:nvPr/>
-      </p:nvGrpSpPr>
-      <p:grpSpPr>
-        <a:xfrm>
-          <a:off x="0" y="0"/>
-          <a:ext cx="0" cy="0"/>
-          <a:chOff x="0" y="0"/>
-          <a:chExt cx="0" cy="0"/>
-        </a:xfrm>
-      </p:grpSpPr>
-      <p:sp>
-        <p:nvSpPr>
-          <p:cNvPr id="90" name="Google Shape;90;g296383cb532_0_1:notes"/>
-          <p:cNvSpPr>
-            <a:spLocks noGrp="1" noRot="1" noChangeAspect="1"/>
-          </p:cNvSpPr>
-          <p:nvPr>
-            <p:ph type="sldImg" idx="2"/>
-          </p:nvPr>
-        </p:nvSpPr>
-        <p:spPr>
-          <a:xfrm>
-            <a:off x="381000" y="685800"/>
-            <a:ext cx="6096000" cy="3429000"/>
-          </a:xfrm>
-          <a:custGeom>
-            <a:avLst/>
-            <a:gdLst/>
-            <a:ahLst/>
-            <a:cxnLst/>
-            <a:rect l="l" t="t" r="r" b="b"/>
-            <a:pathLst>
-              <a:path w="120000" h="120000" extrusionOk="0">
-                <a:moveTo>
-                  <a:pt x="0" y="0"/>
-                </a:moveTo>
-                <a:lnTo>
-                  <a:pt x="120000" y="0"/>
-                </a:lnTo>
-                <a:lnTo>
-                  <a:pt x="120000" y="120000"/>
-                </a:lnTo>
-                <a:lnTo>
-                  <a:pt x="0" y="120000"/>
-                </a:lnTo>
-                <a:close/>
-              </a:path>
-            </a:pathLst>
-          </a:custGeom>
-          <a:noFill/>
-          <a:ln w="9525" cap="flat" cmpd="sng">
-            <a:solidFill>
-              <a:srgbClr val="000000"/>
-            </a:solidFill>
-            <a:prstDash val="solid"/>
-            <a:round/>
-            <a:headEnd type="none" w="sm" len="sm"/>
-            <a:tailEnd type="none" w="sm" len="sm"/>
-          </a:ln>
-        </p:spPr>
-      </p:sp>
-      <p:sp>
-        <p:nvSpPr>
-          <p:cNvPr id="91" name="Google Shape;91;g296383cb532_0_1:notes"/>
-          <p:cNvSpPr txBox="1">
-            <a:spLocks noGrp="1"/>
-          </p:cNvSpPr>
-          <p:nvPr>
-            <p:ph type="body" idx="1"/>
-          </p:nvPr>
-        </p:nvSpPr>
-        <p:spPr>
-          <a:xfrm>
-            <a:off x="685800" y="4343400"/>
-            <a:ext cx="5486400" cy="4114800"/>
-          </a:xfrm>
-          <a:prstGeom prst="rect">
-            <a:avLst/>
-          </a:prstGeom>
-          <a:noFill/>
-          <a:ln>
-            <a:noFill/>
-          </a:ln>
-        </p:spPr>
-        <p:txBody>
-          <a:bodyPr spcFirstLastPara="1" wrap="square" lIns="91425" tIns="91425" rIns="91425" bIns="91425" anchor="t" anchorCtr="0">
-            <a:noAutofit/>
-          </a:bodyPr>
-          <a:lstStyle/>
-          <a:p>
-            <a:pPr marL="0" lvl="0" indent="0" algn="l" rtl="0">
-              <a:lnSpc>
-                <a:spcPct val="100000"/>
-              </a:lnSpc>
-              <a:spcBef>
-                <a:spcPts val="0"/>
-              </a:spcBef>
-              <a:spcAft>
-                <a:spcPts val="0"/>
-              </a:spcAft>
-              <a:buSzPts val="1100"/>
-              <a:buNone/>
-            </a:pPr>
-            <a:endParaRPr/>
-          </a:p>
-        </p:txBody>
-      </p:sp>
-    </p:spTree>
-  </p:cSld>
-  <p:clrMapOvr>
-    <a:masterClrMapping/>
-  </p:clrMapOvr>
-</p:notes>
-</file>
-
-<file path=ppt/notesSlides/notesSlide7.xml><?xml version="1.0" encoding="utf-8"?>
-<p:notes xmlns:a="http://schemas.openxmlformats.org/drawingml/2006/main" xmlns:r="http://schemas.openxmlformats.org/officeDocument/2006/relationships" xmlns:p="http://schemas.openxmlformats.org/presentationml/2006/main" showMasterSp="0" showMasterPhAnim="0">
-  <p:cSld>
-    <p:spTree>
-      <p:nvGrpSpPr>
-        <p:cNvPr id="1" name="Shape 97"/>
-        <p:cNvGrpSpPr/>
-        <p:nvPr/>
-      </p:nvGrpSpPr>
-      <p:grpSpPr>
-        <a:xfrm>
-          <a:off x="0" y="0"/>
-          <a:ext cx="0" cy="0"/>
-          <a:chOff x="0" y="0"/>
-          <a:chExt cx="0" cy="0"/>
-        </a:xfrm>
-      </p:grpSpPr>
-      <p:sp>
-        <p:nvSpPr>
-          <p:cNvPr id="98" name="Google Shape;98;g2962aafab79_0_5:notes"/>
-          <p:cNvSpPr>
-            <a:spLocks noGrp="1" noRot="1" noChangeAspect="1"/>
-          </p:cNvSpPr>
-          <p:nvPr>
-            <p:ph type="sldImg" idx="2"/>
-          </p:nvPr>
-        </p:nvSpPr>
-        <p:spPr>
-          <a:xfrm>
-            <a:off x="381000" y="685800"/>
-            <a:ext cx="6096000" cy="3429000"/>
-          </a:xfrm>
-          <a:custGeom>
-            <a:avLst/>
-            <a:gdLst/>
-            <a:ahLst/>
-            <a:cxnLst/>
-            <a:rect l="l" t="t" r="r" b="b"/>
-            <a:pathLst>
-              <a:path w="120000" h="120000" extrusionOk="0">
-                <a:moveTo>
-                  <a:pt x="0" y="0"/>
-                </a:moveTo>
-                <a:lnTo>
-                  <a:pt x="120000" y="0"/>
-                </a:lnTo>
-                <a:lnTo>
-                  <a:pt x="120000" y="120000"/>
-                </a:lnTo>
-                <a:lnTo>
-                  <a:pt x="0" y="120000"/>
-                </a:lnTo>
-                <a:close/>
-              </a:path>
-            </a:pathLst>
-          </a:custGeom>
-          <a:noFill/>
-          <a:ln w="9525" cap="flat" cmpd="sng">
-            <a:solidFill>
-              <a:srgbClr val="000000"/>
-            </a:solidFill>
-            <a:prstDash val="solid"/>
-            <a:round/>
-            <a:headEnd type="none" w="sm" len="sm"/>
-            <a:tailEnd type="none" w="sm" len="sm"/>
-          </a:ln>
-        </p:spPr>
-      </p:sp>
-      <p:sp>
-        <p:nvSpPr>
-          <p:cNvPr id="99" name="Google Shape;99;g2962aafab79_0_5:notes"/>
-          <p:cNvSpPr txBox="1">
-            <a:spLocks noGrp="1"/>
-          </p:cNvSpPr>
-          <p:nvPr>
-            <p:ph type="body" idx="1"/>
-          </p:nvPr>
-        </p:nvSpPr>
-        <p:spPr>
-          <a:xfrm>
-            <a:off x="685800" y="4343400"/>
-            <a:ext cx="5486400" cy="4114800"/>
-          </a:xfrm>
-          <a:prstGeom prst="rect">
-            <a:avLst/>
-          </a:prstGeom>
-          <a:noFill/>
-          <a:ln>
-            <a:noFill/>
-          </a:ln>
-        </p:spPr>
-        <p:txBody>
-          <a:bodyPr spcFirstLastPara="1" wrap="square" lIns="91425" tIns="91425" rIns="91425" bIns="91425" anchor="t" anchorCtr="0">
-            <a:noAutofit/>
-          </a:bodyPr>
-          <a:lstStyle/>
-          <a:p>
-            <a:pPr marL="0" lvl="0" indent="0" algn="l" rtl="0">
-              <a:lnSpc>
-                <a:spcPct val="100000"/>
-              </a:lnSpc>
-              <a:spcBef>
-                <a:spcPts val="0"/>
-              </a:spcBef>
-              <a:spcAft>
-                <a:spcPts val="0"/>
-              </a:spcAft>
-              <a:buSzPts val="1100"/>
-              <a:buNone/>
-            </a:pPr>
-            <a:endParaRPr/>
-          </a:p>
-        </p:txBody>
-      </p:sp>
-    </p:spTree>
-  </p:cSld>
-  <p:clrMapOvr>
-    <a:masterClrMapping/>
-  </p:clrMapOvr>
-</p:notes>
-</file>
-
-<file path=ppt/notesSlides/notesSlide8.xml><?xml version="1.0" encoding="utf-8"?>
-<p:notes xmlns:a="http://schemas.openxmlformats.org/drawingml/2006/main" xmlns:r="http://schemas.openxmlformats.org/officeDocument/2006/relationships" xmlns:p="http://schemas.openxmlformats.org/presentationml/2006/main" showMasterSp="0" showMasterPhAnim="0">
-  <p:cSld>
-    <p:spTree>
-      <p:nvGrpSpPr>
-        <p:cNvPr id="1" name="Shape 105"/>
-        <p:cNvGrpSpPr/>
-        <p:nvPr/>
-      </p:nvGrpSpPr>
-      <p:grpSpPr>
-        <a:xfrm>
-          <a:off x="0" y="0"/>
-          <a:ext cx="0" cy="0"/>
-          <a:chOff x="0" y="0"/>
-          <a:chExt cx="0" cy="0"/>
-        </a:xfrm>
-      </p:grpSpPr>
-      <p:sp>
-        <p:nvSpPr>
-          <p:cNvPr id="106" name="Google Shape;106;g2bd0017381e_1_42:notes"/>
-          <p:cNvSpPr>
-            <a:spLocks noGrp="1" noRot="1" noChangeAspect="1"/>
-          </p:cNvSpPr>
-          <p:nvPr>
-            <p:ph type="sldImg" idx="2"/>
-          </p:nvPr>
-        </p:nvSpPr>
-        <p:spPr>
-          <a:xfrm>
-            <a:off x="381000" y="685800"/>
-            <a:ext cx="6096000" cy="3429000"/>
-          </a:xfrm>
-          <a:custGeom>
-            <a:avLst/>
-            <a:gdLst/>
-            <a:ahLst/>
-            <a:cxnLst/>
-            <a:rect l="l" t="t" r="r" b="b"/>
-            <a:pathLst>
-              <a:path w="120000" h="120000" extrusionOk="0">
-                <a:moveTo>
-                  <a:pt x="0" y="0"/>
-                </a:moveTo>
-                <a:lnTo>
-                  <a:pt x="120000" y="0"/>
-                </a:lnTo>
-                <a:lnTo>
-                  <a:pt x="120000" y="120000"/>
-                </a:lnTo>
-                <a:lnTo>
-                  <a:pt x="0" y="120000"/>
-                </a:lnTo>
-                <a:close/>
-              </a:path>
-            </a:pathLst>
-          </a:custGeom>
-          <a:noFill/>
-          <a:ln w="9525" cap="flat" cmpd="sng">
-            <a:solidFill>
-              <a:srgbClr val="000000"/>
-            </a:solidFill>
-            <a:prstDash val="solid"/>
-            <a:round/>
-            <a:headEnd type="none" w="sm" len="sm"/>
-            <a:tailEnd type="none" w="sm" len="sm"/>
-          </a:ln>
-        </p:spPr>
-      </p:sp>
-      <p:sp>
-        <p:nvSpPr>
-          <p:cNvPr id="107" name="Google Shape;107;g2bd0017381e_1_42:notes"/>
-          <p:cNvSpPr txBox="1">
-            <a:spLocks noGrp="1"/>
-          </p:cNvSpPr>
-          <p:nvPr>
-            <p:ph type="body" idx="1"/>
-          </p:nvPr>
-        </p:nvSpPr>
-        <p:spPr>
-          <a:xfrm>
-            <a:off x="685800" y="4343400"/>
-            <a:ext cx="5486400" cy="4114800"/>
-          </a:xfrm>
-          <a:prstGeom prst="rect">
-            <a:avLst/>
-          </a:prstGeom>
-          <a:noFill/>
-          <a:ln>
-            <a:noFill/>
-          </a:ln>
-        </p:spPr>
-        <p:txBody>
-          <a:bodyPr spcFirstLastPara="1" wrap="square" lIns="91425" tIns="91425" rIns="91425" bIns="91425" anchor="t" anchorCtr="0">
-            <a:noAutofit/>
-          </a:bodyPr>
-          <a:lstStyle/>
-          <a:p>
-            <a:pPr marL="0" lvl="0" indent="0" algn="l" rtl="0">
-              <a:lnSpc>
-                <a:spcPct val="100000"/>
-              </a:lnSpc>
-              <a:spcBef>
-                <a:spcPts val="0"/>
-              </a:spcBef>
-              <a:spcAft>
-                <a:spcPts val="0"/>
-              </a:spcAft>
-              <a:buSzPts val="1100"/>
-              <a:buNone/>
-            </a:pPr>
-            <a:endParaRPr/>
-          </a:p>
-        </p:txBody>
-      </p:sp>
-    </p:spTree>
-  </p:cSld>
-  <p:clrMapOvr>
-    <a:masterClrMapping/>
-  </p:clrMapOvr>
-</p:notes>
-</file>
-
-<file path=ppt/notesSlides/notesSlide9.xml><?xml version="1.0" encoding="utf-8"?>
-<p:notes xmlns:a="http://schemas.openxmlformats.org/drawingml/2006/main" xmlns:r="http://schemas.openxmlformats.org/officeDocument/2006/relationships" xmlns:p="http://schemas.openxmlformats.org/presentationml/2006/main" showMasterSp="0" showMasterPhAnim="0">
-  <p:cSld>
-    <p:spTree>
-      <p:nvGrpSpPr>
-        <p:cNvPr id="1" name="Shape 113"/>
-        <p:cNvGrpSpPr/>
-        <p:nvPr/>
-      </p:nvGrpSpPr>
-      <p:grpSpPr>
-        <a:xfrm>
-          <a:off x="0" y="0"/>
-          <a:ext cx="0" cy="0"/>
-          <a:chOff x="0" y="0"/>
-          <a:chExt cx="0" cy="0"/>
-        </a:xfrm>
-      </p:grpSpPr>
-      <p:sp>
-        <p:nvSpPr>
-          <p:cNvPr id="114" name="Google Shape;114;g2962aafab79_0_12:notes"/>
-          <p:cNvSpPr>
-            <a:spLocks noGrp="1" noRot="1" noChangeAspect="1"/>
-          </p:cNvSpPr>
-          <p:nvPr>
-            <p:ph type="sldImg" idx="2"/>
-          </p:nvPr>
-        </p:nvSpPr>
-        <p:spPr>
-          <a:xfrm>
-            <a:off x="381000" y="685800"/>
-            <a:ext cx="6096000" cy="3429000"/>
-          </a:xfrm>
-          <a:custGeom>
-            <a:avLst/>
-            <a:gdLst/>
-            <a:ahLst/>
-            <a:cxnLst/>
-            <a:rect l="l" t="t" r="r" b="b"/>
-            <a:pathLst>
-              <a:path w="120000" h="120000" extrusionOk="0">
-                <a:moveTo>
-                  <a:pt x="0" y="0"/>
-                </a:moveTo>
-                <a:lnTo>
-                  <a:pt x="120000" y="0"/>
-                </a:lnTo>
-                <a:lnTo>
-                  <a:pt x="120000" y="120000"/>
-                </a:lnTo>
-                <a:lnTo>
-                  <a:pt x="0" y="120000"/>
-                </a:lnTo>
-                <a:close/>
-              </a:path>
-            </a:pathLst>
-          </a:custGeom>
-          <a:noFill/>
-          <a:ln w="9525" cap="flat" cmpd="sng">
-            <a:solidFill>
-              <a:srgbClr val="000000"/>
-            </a:solidFill>
-            <a:prstDash val="solid"/>
-            <a:round/>
-            <a:headEnd type="none" w="sm" len="sm"/>
-            <a:tailEnd type="none" w="sm" len="sm"/>
-          </a:ln>
-        </p:spPr>
-      </p:sp>
-      <p:sp>
-        <p:nvSpPr>
-          <p:cNvPr id="115" name="Google Shape;115;g2962aafab79_0_12:notes"/>
           <p:cNvSpPr txBox="1">
             <a:spLocks noGrp="1"/>
           </p:cNvSpPr>
@@ -11129,1633 +10758,6 @@
   <p:cSld>
     <p:spTree>
       <p:nvGrpSpPr>
-        <p:cNvPr id="1" name="Shape 124"/>
-        <p:cNvGrpSpPr/>
-        <p:nvPr/>
-      </p:nvGrpSpPr>
-      <p:grpSpPr>
-        <a:xfrm>
-          <a:off x="0" y="0"/>
-          <a:ext cx="0" cy="0"/>
-          <a:chOff x="0" y="0"/>
-          <a:chExt cx="0" cy="0"/>
-        </a:xfrm>
-      </p:grpSpPr>
-      <p:sp>
-        <p:nvSpPr>
-          <p:cNvPr id="125" name="Google Shape;125;g2bd0017381e_1_7"/>
-          <p:cNvSpPr txBox="1">
-            <a:spLocks noGrp="1"/>
-          </p:cNvSpPr>
-          <p:nvPr>
-            <p:ph type="title"/>
-          </p:nvPr>
-        </p:nvSpPr>
-        <p:spPr>
-          <a:xfrm>
-            <a:off x="311700" y="161025"/>
-            <a:ext cx="8520600" cy="572700"/>
-          </a:xfrm>
-          <a:prstGeom prst="rect">
-            <a:avLst/>
-          </a:prstGeom>
-          <a:noFill/>
-          <a:ln>
-            <a:noFill/>
-          </a:ln>
-        </p:spPr>
-        <p:txBody>
-          <a:bodyPr spcFirstLastPara="1" wrap="square" lIns="91425" tIns="91425" rIns="91425" bIns="91425" anchor="t" anchorCtr="0">
-            <a:noAutofit/>
-          </a:bodyPr>
-          <a:lstStyle/>
-          <a:p>
-            <a:pPr marL="0" lvl="0" indent="0" algn="just" rtl="0">
-              <a:lnSpc>
-                <a:spcPct val="100000"/>
-              </a:lnSpc>
-              <a:spcBef>
-                <a:spcPts val="0"/>
-              </a:spcBef>
-              <a:spcAft>
-                <a:spcPts val="0"/>
-              </a:spcAft>
-              <a:buClr>
-                <a:schemeClr val="dk1"/>
-              </a:buClr>
-              <a:buSzPts val="1100"/>
-              <a:buFont typeface="Arial"/>
-              <a:buNone/>
-            </a:pPr>
-            <a:r>
-              <a:rPr lang="ru" sz="1500" b="1">
-                <a:solidFill>
-                  <a:srgbClr val="11696D"/>
-                </a:solidFill>
-                <a:latin typeface="Times New Roman"/>
-                <a:ea typeface="Times New Roman"/>
-                <a:cs typeface="Times New Roman"/>
-                <a:sym typeface="Times New Roman"/>
-              </a:rPr>
-              <a:t>Разработанная система тестирования ключевых компонентов проекта, включая отладку кода и обработку возможных ошибок</a:t>
-            </a:r>
-            <a:endParaRPr sz="1500" b="1">
-              <a:solidFill>
-                <a:srgbClr val="11696D"/>
-              </a:solidFill>
-              <a:latin typeface="Montserrat"/>
-              <a:ea typeface="Montserrat"/>
-              <a:cs typeface="Montserrat"/>
-              <a:sym typeface="Montserrat"/>
-            </a:endParaRPr>
-          </a:p>
-        </p:txBody>
-      </p:sp>
-      <p:cxnSp>
-        <p:nvCxnSpPr>
-          <p:cNvPr id="126" name="Google Shape;126;g2bd0017381e_1_7"/>
-          <p:cNvCxnSpPr/>
-          <p:nvPr/>
-        </p:nvCxnSpPr>
-        <p:spPr>
-          <a:xfrm>
-            <a:off x="286050" y="4845025"/>
-            <a:ext cx="8172900" cy="26700"/>
-          </a:xfrm>
-          <a:prstGeom prst="straightConnector1">
-            <a:avLst/>
-          </a:prstGeom>
-          <a:noFill/>
-          <a:ln w="28575" cap="flat" cmpd="sng">
-            <a:solidFill>
-              <a:srgbClr val="11696D"/>
-            </a:solidFill>
-            <a:prstDash val="solid"/>
-            <a:round/>
-            <a:headEnd type="none" w="sm" len="sm"/>
-            <a:tailEnd type="none" w="sm" len="sm"/>
-          </a:ln>
-        </p:spPr>
-      </p:cxnSp>
-      <p:sp>
-        <p:nvSpPr>
-          <p:cNvPr id="127" name="Google Shape;127;g2bd0017381e_1_7"/>
-          <p:cNvSpPr txBox="1"/>
-          <p:nvPr/>
-        </p:nvSpPr>
-        <p:spPr>
-          <a:xfrm>
-            <a:off x="8625250" y="4658275"/>
-            <a:ext cx="914400" cy="400200"/>
-          </a:xfrm>
-          <a:prstGeom prst="rect">
-            <a:avLst/>
-          </a:prstGeom>
-          <a:noFill/>
-          <a:ln>
-            <a:noFill/>
-          </a:ln>
-        </p:spPr>
-        <p:txBody>
-          <a:bodyPr spcFirstLastPara="1" wrap="square" lIns="91425" tIns="91425" rIns="91425" bIns="91425" anchor="t" anchorCtr="0">
-            <a:spAutoFit/>
-          </a:bodyPr>
-          <a:lstStyle/>
-          <a:p>
-            <a:pPr marL="0" marR="0" lvl="0" indent="0" algn="l" rtl="0">
-              <a:lnSpc>
-                <a:spcPct val="100000"/>
-              </a:lnSpc>
-              <a:spcBef>
-                <a:spcPts val="0"/>
-              </a:spcBef>
-              <a:spcAft>
-                <a:spcPts val="0"/>
-              </a:spcAft>
-              <a:buClr>
-                <a:srgbClr val="000000"/>
-              </a:buClr>
-              <a:buSzPts val="1400"/>
-              <a:buFont typeface="Arial"/>
-              <a:buNone/>
-            </a:pPr>
-            <a:r>
-              <a:rPr lang="ru" sz="1400" b="0" i="0" u="none" strike="noStrike" cap="none">
-                <a:solidFill>
-                  <a:srgbClr val="11696D"/>
-                </a:solidFill>
-                <a:latin typeface="Montserrat Black"/>
-                <a:ea typeface="Montserrat Black"/>
-                <a:cs typeface="Montserrat Black"/>
-                <a:sym typeface="Montserrat Black"/>
-              </a:rPr>
-              <a:t>7</a:t>
-            </a:r>
-            <a:endParaRPr sz="1400" b="0" i="0" u="none" strike="noStrike" cap="none">
-              <a:solidFill>
-                <a:srgbClr val="11696D"/>
-              </a:solidFill>
-              <a:latin typeface="Montserrat Black"/>
-              <a:ea typeface="Montserrat Black"/>
-              <a:cs typeface="Montserrat Black"/>
-              <a:sym typeface="Montserrat Black"/>
-            </a:endParaRPr>
-          </a:p>
-        </p:txBody>
-      </p:sp>
-      <p:sp>
-        <p:nvSpPr>
-          <p:cNvPr id="128" name="Google Shape;128;g2bd0017381e_1_7"/>
-          <p:cNvSpPr txBox="1"/>
-          <p:nvPr/>
-        </p:nvSpPr>
-        <p:spPr>
-          <a:xfrm>
-            <a:off x="423333" y="832700"/>
-            <a:ext cx="8331200" cy="2594526"/>
-          </a:xfrm>
-          <a:prstGeom prst="rect">
-            <a:avLst/>
-          </a:prstGeom>
-          <a:noFill/>
-          <a:ln>
-            <a:noFill/>
-          </a:ln>
-        </p:spPr>
-        <p:txBody>
-          <a:bodyPr spcFirstLastPara="1" wrap="square" lIns="91425" tIns="91425" rIns="91425" bIns="91425" anchor="t" anchorCtr="0">
-            <a:spAutoFit/>
-          </a:bodyPr>
-          <a:lstStyle/>
-          <a:p>
-            <a:pPr lvl="0">
-              <a:lnSpc>
-                <a:spcPct val="115000"/>
-              </a:lnSpc>
-              <a:spcBef>
-                <a:spcPts val="1200"/>
-              </a:spcBef>
-              <a:spcAft>
-                <a:spcPts val="1200"/>
-              </a:spcAft>
-              <a:buSzPts val="1050"/>
-            </a:pPr>
-            <a:r>
-              <a:rPr lang="ru-RU" sz="1050" b="1" i="1" dirty="0">
-                <a:solidFill>
-                  <a:srgbClr val="11696D"/>
-                </a:solidFill>
-                <a:latin typeface="Montserrat"/>
-                <a:ea typeface="Montserrat"/>
-                <a:cs typeface="Montserrat"/>
-                <a:sym typeface="Montserrat"/>
-              </a:rPr>
-              <a:t>Серверный код использует несколько продвинутых паттернов проектирования, таких как </a:t>
-            </a:r>
-            <a:r>
-              <a:rPr lang="ru-RU" sz="1050" b="1" i="1" dirty="0" err="1">
-                <a:solidFill>
-                  <a:srgbClr val="11696D"/>
-                </a:solidFill>
-                <a:latin typeface="Montserrat"/>
-                <a:ea typeface="Montserrat"/>
-                <a:cs typeface="Montserrat"/>
-                <a:sym typeface="Montserrat"/>
-              </a:rPr>
-              <a:t>Singleton</a:t>
-            </a:r>
-            <a:r>
-              <a:rPr lang="ru-RU" sz="1050" b="1" i="1" dirty="0">
-                <a:solidFill>
-                  <a:srgbClr val="11696D"/>
-                </a:solidFill>
-                <a:latin typeface="Montserrat"/>
-                <a:ea typeface="Montserrat"/>
-                <a:cs typeface="Montserrat"/>
-                <a:sym typeface="Montserrat"/>
-              </a:rPr>
-              <a:t>,</a:t>
-            </a:r>
-            <a:r>
-              <a:rPr lang="en-US" sz="1050" b="1" i="1" dirty="0">
-                <a:solidFill>
-                  <a:srgbClr val="11696D"/>
-                </a:solidFill>
-                <a:latin typeface="Montserrat"/>
-                <a:ea typeface="Montserrat"/>
-                <a:cs typeface="Montserrat"/>
-                <a:sym typeface="Montserrat"/>
-              </a:rPr>
-              <a:t> </a:t>
-            </a:r>
-            <a:r>
-              <a:rPr lang="ru-RU" sz="1050" b="1" i="1" dirty="0">
-                <a:solidFill>
-                  <a:srgbClr val="11696D"/>
-                </a:solidFill>
-                <a:latin typeface="Montserrat"/>
-                <a:ea typeface="Montserrat"/>
-                <a:cs typeface="Montserrat"/>
-                <a:sym typeface="Montserrat"/>
-              </a:rPr>
-              <a:t> </a:t>
-            </a:r>
-            <a:r>
-              <a:rPr lang="ru-RU" sz="1050" b="1" i="1" dirty="0" err="1">
-                <a:solidFill>
-                  <a:srgbClr val="11696D"/>
-                </a:solidFill>
-                <a:latin typeface="Montserrat"/>
-                <a:ea typeface="Montserrat"/>
-                <a:cs typeface="Montserrat"/>
-                <a:sym typeface="Montserrat"/>
-              </a:rPr>
-              <a:t>Observer</a:t>
-            </a:r>
-            <a:r>
-              <a:rPr lang="ru-RU" sz="1050" b="1" i="1" dirty="0">
-                <a:solidFill>
-                  <a:srgbClr val="11696D"/>
-                </a:solidFill>
-                <a:latin typeface="Montserrat"/>
-                <a:ea typeface="Montserrat"/>
-                <a:cs typeface="Montserrat"/>
-                <a:sym typeface="Montserrat"/>
-              </a:rPr>
-              <a:t> и </a:t>
-            </a:r>
-            <a:r>
-              <a:rPr lang="en-US" sz="1050" b="1" i="1" dirty="0">
-                <a:solidFill>
-                  <a:srgbClr val="11696D"/>
-                </a:solidFill>
-                <a:latin typeface="Montserrat"/>
-                <a:ea typeface="Montserrat"/>
-                <a:cs typeface="Montserrat"/>
-                <a:sym typeface="Montserrat"/>
-              </a:rPr>
-              <a:t>Command</a:t>
-            </a:r>
-            <a:r>
-              <a:rPr lang="ru-RU" sz="1050" b="1" i="1" dirty="0">
-                <a:solidFill>
-                  <a:srgbClr val="11696D"/>
-                </a:solidFill>
-                <a:latin typeface="Montserrat"/>
-                <a:ea typeface="Montserrat"/>
-                <a:cs typeface="Montserrat"/>
-                <a:sym typeface="Montserrat"/>
-              </a:rPr>
-              <a:t>, а также управляет асинхронными операциями через </a:t>
-            </a:r>
-            <a:r>
-              <a:rPr lang="ru-RU" sz="1050" b="1" i="1" dirty="0" err="1">
-                <a:solidFill>
-                  <a:srgbClr val="11696D"/>
-                </a:solidFill>
-                <a:latin typeface="Montserrat"/>
-                <a:ea typeface="Montserrat"/>
-                <a:cs typeface="Montserrat"/>
-                <a:sym typeface="Montserrat"/>
-              </a:rPr>
-              <a:t>asyncio</a:t>
-            </a:r>
-            <a:r>
-              <a:rPr lang="ru-RU" sz="1050" b="1" i="1" dirty="0">
-                <a:solidFill>
-                  <a:srgbClr val="11696D"/>
-                </a:solidFill>
-                <a:latin typeface="Montserrat"/>
-                <a:ea typeface="Montserrat"/>
-                <a:cs typeface="Montserrat"/>
-                <a:sym typeface="Montserrat"/>
-              </a:rPr>
-              <a:t>. Всё работает через </a:t>
-            </a:r>
-            <a:r>
-              <a:rPr lang="ru-RU" sz="1050" b="1" i="1" dirty="0" err="1">
-                <a:solidFill>
-                  <a:srgbClr val="11696D"/>
-                </a:solidFill>
-                <a:latin typeface="Montserrat"/>
-                <a:ea typeface="Montserrat"/>
-                <a:cs typeface="Montserrat"/>
-                <a:sym typeface="Montserrat"/>
-              </a:rPr>
-              <a:t>WebSocket</a:t>
-            </a:r>
-            <a:r>
-              <a:rPr lang="ru-RU" sz="1050" b="1" i="1" dirty="0">
-                <a:solidFill>
-                  <a:srgbClr val="11696D"/>
-                </a:solidFill>
-                <a:latin typeface="Montserrat"/>
-                <a:ea typeface="Montserrat"/>
-                <a:cs typeface="Montserrat"/>
-                <a:sym typeface="Montserrat"/>
-              </a:rPr>
-              <a:t>-соединения, где обрабатываются команды от операторов и дронов. </a:t>
-            </a:r>
-            <a:endParaRPr lang="en-US" sz="1050" b="1" i="1" dirty="0">
-              <a:solidFill>
-                <a:srgbClr val="11696D"/>
-              </a:solidFill>
-              <a:latin typeface="Montserrat"/>
-              <a:ea typeface="Montserrat"/>
-              <a:cs typeface="Montserrat"/>
-              <a:sym typeface="Montserrat"/>
-            </a:endParaRPr>
-          </a:p>
-          <a:p>
-            <a:pPr lvl="0">
-              <a:lnSpc>
-                <a:spcPct val="115000"/>
-              </a:lnSpc>
-              <a:spcBef>
-                <a:spcPts val="1200"/>
-              </a:spcBef>
-              <a:spcAft>
-                <a:spcPts val="1200"/>
-              </a:spcAft>
-              <a:buSzPts val="1050"/>
-            </a:pPr>
-            <a:r>
-              <a:rPr lang="ru-RU" sz="1050" b="1" i="1" dirty="0">
-                <a:solidFill>
-                  <a:srgbClr val="11696D"/>
-                </a:solidFill>
-                <a:latin typeface="Montserrat"/>
-                <a:ea typeface="Montserrat"/>
-                <a:cs typeface="Montserrat"/>
-                <a:sym typeface="Montserrat"/>
-              </a:rPr>
-              <a:t>Для обеспечения стабильности добавляем тесты на авторизацию, логирование отправки команд и обработки статусов.</a:t>
-            </a:r>
-            <a:endParaRPr lang="en-US" sz="1050" b="1" i="1" dirty="0">
-              <a:solidFill>
-                <a:srgbClr val="11696D"/>
-              </a:solidFill>
-              <a:latin typeface="Montserrat"/>
-              <a:ea typeface="Montserrat"/>
-              <a:cs typeface="Montserrat"/>
-              <a:sym typeface="Montserrat"/>
-            </a:endParaRPr>
-          </a:p>
-          <a:p>
-            <a:pPr lvl="0">
-              <a:lnSpc>
-                <a:spcPct val="115000"/>
-              </a:lnSpc>
-              <a:spcBef>
-                <a:spcPts val="1200"/>
-              </a:spcBef>
-              <a:spcAft>
-                <a:spcPts val="1200"/>
-              </a:spcAft>
-              <a:buSzPts val="1050"/>
-            </a:pPr>
-            <a:r>
-              <a:rPr lang="ru-RU" sz="1050" b="1" i="1" dirty="0">
-                <a:solidFill>
-                  <a:srgbClr val="11696D"/>
-                </a:solidFill>
-                <a:latin typeface="Montserrat"/>
-                <a:ea typeface="Montserrat"/>
-                <a:cs typeface="Montserrat"/>
-                <a:sym typeface="Montserrat"/>
-              </a:rPr>
-              <a:t>Процедура тестирования JWT-токенов включает проверку их корректного создания, верификации и обработки ошибок. Мы будем использовать модуль </a:t>
-            </a:r>
-            <a:r>
-              <a:rPr lang="ru-RU" sz="1050" b="1" i="1" dirty="0" err="1">
-                <a:solidFill>
-                  <a:srgbClr val="11696D"/>
-                </a:solidFill>
-                <a:latin typeface="Montserrat"/>
-                <a:ea typeface="Montserrat"/>
-                <a:cs typeface="Montserrat"/>
-                <a:sym typeface="Montserrat"/>
-              </a:rPr>
-              <a:t>unittest</a:t>
-            </a:r>
-            <a:r>
-              <a:rPr lang="ru-RU" sz="1050" b="1" i="1" dirty="0">
-                <a:solidFill>
-                  <a:srgbClr val="11696D"/>
-                </a:solidFill>
-                <a:latin typeface="Montserrat"/>
-                <a:ea typeface="Montserrat"/>
-                <a:cs typeface="Montserrat"/>
-                <a:sym typeface="Montserrat"/>
-              </a:rPr>
-              <a:t> для создания и выполнения тестов, и проверим работу методов </a:t>
-            </a:r>
-            <a:r>
-              <a:rPr lang="ru-RU" sz="1050" b="1" i="1" dirty="0" err="1">
-                <a:solidFill>
-                  <a:srgbClr val="11696D"/>
-                </a:solidFill>
-                <a:latin typeface="Montserrat"/>
-                <a:ea typeface="Montserrat"/>
-                <a:cs typeface="Montserrat"/>
-                <a:sym typeface="Montserrat"/>
-              </a:rPr>
-              <a:t>create_jwt_token</a:t>
-            </a:r>
-            <a:r>
-              <a:rPr lang="ru-RU" sz="1050" b="1" i="1" dirty="0">
-                <a:solidFill>
-                  <a:srgbClr val="11696D"/>
-                </a:solidFill>
-                <a:latin typeface="Montserrat"/>
-                <a:ea typeface="Montserrat"/>
-                <a:cs typeface="Montserrat"/>
-                <a:sym typeface="Montserrat"/>
-              </a:rPr>
-              <a:t> и </a:t>
-            </a:r>
-            <a:r>
-              <a:rPr lang="ru-RU" sz="1050" b="1" i="1" dirty="0" err="1">
-                <a:solidFill>
-                  <a:srgbClr val="11696D"/>
-                </a:solidFill>
-                <a:latin typeface="Montserrat"/>
-                <a:ea typeface="Montserrat"/>
-                <a:cs typeface="Montserrat"/>
-                <a:sym typeface="Montserrat"/>
-              </a:rPr>
-              <a:t>verify_jwt_token</a:t>
-            </a:r>
-            <a:r>
-              <a:rPr lang="ru-RU" sz="1050" b="1" i="1" dirty="0">
-                <a:solidFill>
-                  <a:srgbClr val="11696D"/>
-                </a:solidFill>
-                <a:latin typeface="Montserrat"/>
-                <a:ea typeface="Montserrat"/>
-                <a:cs typeface="Montserrat"/>
-                <a:sym typeface="Montserrat"/>
-              </a:rPr>
-              <a:t> в классе </a:t>
-            </a:r>
-            <a:r>
-              <a:rPr lang="ru-RU" sz="1050" b="1" i="1" dirty="0" err="1">
-                <a:solidFill>
-                  <a:srgbClr val="11696D"/>
-                </a:solidFill>
-                <a:latin typeface="Montserrat"/>
-                <a:ea typeface="Montserrat"/>
-                <a:cs typeface="Montserrat"/>
-                <a:sym typeface="Montserrat"/>
-              </a:rPr>
-              <a:t>JWTManager</a:t>
-            </a:r>
-            <a:r>
-              <a:rPr lang="ru-RU" sz="1050" b="1" i="1" dirty="0">
-                <a:solidFill>
-                  <a:srgbClr val="11696D"/>
-                </a:solidFill>
-                <a:latin typeface="Montserrat"/>
-                <a:ea typeface="Montserrat"/>
-                <a:cs typeface="Montserrat"/>
-                <a:sym typeface="Montserrat"/>
-              </a:rPr>
-              <a:t>.</a:t>
-            </a:r>
-          </a:p>
-        </p:txBody>
-      </p:sp>
-    </p:spTree>
-  </p:cSld>
-  <p:clrMapOvr>
-    <a:masterClrMapping/>
-  </p:clrMapOvr>
-</p:sld>
-</file>
-
-<file path=ppt/slides/slide11.xml><?xml version="1.0" encoding="utf-8"?>
-<p:sld xmlns:a="http://schemas.openxmlformats.org/drawingml/2006/main" xmlns:r="http://schemas.openxmlformats.org/officeDocument/2006/relationships" xmlns:p="http://schemas.openxmlformats.org/presentationml/2006/main">
-  <p:cSld>
-    <p:spTree>
-      <p:nvGrpSpPr>
-        <p:cNvPr id="1" name="Shape 132"/>
-        <p:cNvGrpSpPr/>
-        <p:nvPr/>
-      </p:nvGrpSpPr>
-      <p:grpSpPr>
-        <a:xfrm>
-          <a:off x="0" y="0"/>
-          <a:ext cx="0" cy="0"/>
-          <a:chOff x="0" y="0"/>
-          <a:chExt cx="0" cy="0"/>
-        </a:xfrm>
-      </p:grpSpPr>
-      <p:sp>
-        <p:nvSpPr>
-          <p:cNvPr id="133" name="Google Shape;133;g2bd0017381e_1_14"/>
-          <p:cNvSpPr txBox="1">
-            <a:spLocks noGrp="1"/>
-          </p:cNvSpPr>
-          <p:nvPr>
-            <p:ph type="title"/>
-          </p:nvPr>
-        </p:nvSpPr>
-        <p:spPr>
-          <a:xfrm>
-            <a:off x="311700" y="161025"/>
-            <a:ext cx="8520600" cy="572700"/>
-          </a:xfrm>
-          <a:prstGeom prst="rect">
-            <a:avLst/>
-          </a:prstGeom>
-          <a:noFill/>
-          <a:ln>
-            <a:noFill/>
-          </a:ln>
-        </p:spPr>
-        <p:txBody>
-          <a:bodyPr spcFirstLastPara="1" wrap="square" lIns="91425" tIns="91425" rIns="91425" bIns="91425" anchor="t" anchorCtr="0">
-            <a:noAutofit/>
-          </a:bodyPr>
-          <a:lstStyle/>
-          <a:p>
-            <a:pPr marL="0" lvl="0" indent="0" algn="just" rtl="0">
-              <a:lnSpc>
-                <a:spcPct val="100000"/>
-              </a:lnSpc>
-              <a:spcBef>
-                <a:spcPts val="0"/>
-              </a:spcBef>
-              <a:spcAft>
-                <a:spcPts val="0"/>
-              </a:spcAft>
-              <a:buClr>
-                <a:schemeClr val="dk1"/>
-              </a:buClr>
-              <a:buSzPts val="1100"/>
-              <a:buFont typeface="Arial"/>
-              <a:buNone/>
-            </a:pPr>
-            <a:r>
-              <a:rPr lang="ru" sz="1500" b="1">
-                <a:solidFill>
-                  <a:srgbClr val="11696D"/>
-                </a:solidFill>
-                <a:latin typeface="Times New Roman"/>
-                <a:ea typeface="Times New Roman"/>
-                <a:cs typeface="Times New Roman"/>
-                <a:sym typeface="Times New Roman"/>
-              </a:rPr>
-              <a:t>Анализ производительности проекта</a:t>
-            </a:r>
-            <a:endParaRPr sz="1500" b="1">
-              <a:solidFill>
-                <a:srgbClr val="11696D"/>
-              </a:solidFill>
-              <a:latin typeface="Montserrat"/>
-              <a:ea typeface="Montserrat"/>
-              <a:cs typeface="Montserrat"/>
-              <a:sym typeface="Montserrat"/>
-            </a:endParaRPr>
-          </a:p>
-        </p:txBody>
-      </p:sp>
-      <p:cxnSp>
-        <p:nvCxnSpPr>
-          <p:cNvPr id="134" name="Google Shape;134;g2bd0017381e_1_14"/>
-          <p:cNvCxnSpPr/>
-          <p:nvPr/>
-        </p:nvCxnSpPr>
-        <p:spPr>
-          <a:xfrm>
-            <a:off x="286050" y="4845025"/>
-            <a:ext cx="8172900" cy="26700"/>
-          </a:xfrm>
-          <a:prstGeom prst="straightConnector1">
-            <a:avLst/>
-          </a:prstGeom>
-          <a:noFill/>
-          <a:ln w="28575" cap="flat" cmpd="sng">
-            <a:solidFill>
-              <a:srgbClr val="11696D"/>
-            </a:solidFill>
-            <a:prstDash val="solid"/>
-            <a:round/>
-            <a:headEnd type="none" w="sm" len="sm"/>
-            <a:tailEnd type="none" w="sm" len="sm"/>
-          </a:ln>
-        </p:spPr>
-      </p:cxnSp>
-      <p:sp>
-        <p:nvSpPr>
-          <p:cNvPr id="135" name="Google Shape;135;g2bd0017381e_1_14"/>
-          <p:cNvSpPr txBox="1"/>
-          <p:nvPr/>
-        </p:nvSpPr>
-        <p:spPr>
-          <a:xfrm>
-            <a:off x="8625250" y="4658275"/>
-            <a:ext cx="914400" cy="400200"/>
-          </a:xfrm>
-          <a:prstGeom prst="rect">
-            <a:avLst/>
-          </a:prstGeom>
-          <a:noFill/>
-          <a:ln>
-            <a:noFill/>
-          </a:ln>
-        </p:spPr>
-        <p:txBody>
-          <a:bodyPr spcFirstLastPara="1" wrap="square" lIns="91425" tIns="91425" rIns="91425" bIns="91425" anchor="t" anchorCtr="0">
-            <a:spAutoFit/>
-          </a:bodyPr>
-          <a:lstStyle/>
-          <a:p>
-            <a:pPr marL="0" marR="0" lvl="0" indent="0" algn="l" rtl="0">
-              <a:lnSpc>
-                <a:spcPct val="100000"/>
-              </a:lnSpc>
-              <a:spcBef>
-                <a:spcPts val="0"/>
-              </a:spcBef>
-              <a:spcAft>
-                <a:spcPts val="0"/>
-              </a:spcAft>
-              <a:buClr>
-                <a:srgbClr val="000000"/>
-              </a:buClr>
-              <a:buSzPts val="1400"/>
-              <a:buFont typeface="Arial"/>
-              <a:buNone/>
-            </a:pPr>
-            <a:r>
-              <a:rPr lang="ru" sz="1400" b="0" i="0" u="none" strike="noStrike" cap="none">
-                <a:solidFill>
-                  <a:srgbClr val="11696D"/>
-                </a:solidFill>
-                <a:latin typeface="Montserrat Black"/>
-                <a:ea typeface="Montserrat Black"/>
-                <a:cs typeface="Montserrat Black"/>
-                <a:sym typeface="Montserrat Black"/>
-              </a:rPr>
-              <a:t>8</a:t>
-            </a:r>
-            <a:endParaRPr sz="1400" b="0" i="0" u="none" strike="noStrike" cap="none">
-              <a:solidFill>
-                <a:srgbClr val="11696D"/>
-              </a:solidFill>
-              <a:latin typeface="Montserrat Black"/>
-              <a:ea typeface="Montserrat Black"/>
-              <a:cs typeface="Montserrat Black"/>
-              <a:sym typeface="Montserrat Black"/>
-            </a:endParaRPr>
-          </a:p>
-        </p:txBody>
-      </p:sp>
-      <p:sp>
-        <p:nvSpPr>
-          <p:cNvPr id="136" name="Google Shape;136;g2bd0017381e_1_14"/>
-          <p:cNvSpPr txBox="1"/>
-          <p:nvPr/>
-        </p:nvSpPr>
-        <p:spPr>
-          <a:xfrm>
-            <a:off x="311700" y="832700"/>
-            <a:ext cx="8520600" cy="1729289"/>
-          </a:xfrm>
-          <a:prstGeom prst="rect">
-            <a:avLst/>
-          </a:prstGeom>
-          <a:noFill/>
-          <a:ln>
-            <a:noFill/>
-          </a:ln>
-        </p:spPr>
-        <p:txBody>
-          <a:bodyPr spcFirstLastPara="1" wrap="square" lIns="91425" tIns="91425" rIns="91425" bIns="91425" anchor="t" anchorCtr="0">
-            <a:spAutoFit/>
-          </a:bodyPr>
-          <a:lstStyle/>
-          <a:p>
-            <a:pPr lvl="0">
-              <a:lnSpc>
-                <a:spcPct val="115000"/>
-              </a:lnSpc>
-              <a:spcBef>
-                <a:spcPts val="1200"/>
-              </a:spcBef>
-              <a:spcAft>
-                <a:spcPts val="1200"/>
-              </a:spcAft>
-              <a:buSzPts val="1050"/>
-            </a:pPr>
-            <a:r>
-              <a:rPr lang="ru-RU" sz="1050" b="1" i="1" dirty="0">
-                <a:solidFill>
-                  <a:srgbClr val="11696D"/>
-                </a:solidFill>
-                <a:latin typeface="Montserrat"/>
-                <a:ea typeface="Montserrat"/>
-                <a:cs typeface="Montserrat"/>
-                <a:sym typeface="Montserrat"/>
-              </a:rPr>
-              <a:t>Для анализа и управления производительностью проекта применяем логирование и профилирование серверного кода с помощью встроенного модуля </a:t>
-            </a:r>
-            <a:r>
-              <a:rPr lang="ru-RU" sz="1050" b="1" i="1" dirty="0" err="1">
-                <a:solidFill>
-                  <a:srgbClr val="11696D"/>
-                </a:solidFill>
-                <a:latin typeface="Montserrat"/>
-                <a:ea typeface="Montserrat"/>
-                <a:cs typeface="Montserrat"/>
-                <a:sym typeface="Montserrat"/>
-              </a:rPr>
-              <a:t>Python</a:t>
-            </a:r>
-            <a:r>
-              <a:rPr lang="ru-RU" sz="1050" b="1" i="1" dirty="0">
-                <a:solidFill>
-                  <a:srgbClr val="11696D"/>
-                </a:solidFill>
-                <a:latin typeface="Montserrat"/>
-                <a:ea typeface="Montserrat"/>
-                <a:cs typeface="Montserrat"/>
-                <a:sym typeface="Montserrat"/>
-              </a:rPr>
-              <a:t> </a:t>
-            </a:r>
-            <a:r>
-              <a:rPr lang="ru-RU" sz="1050" b="1" i="1" dirty="0" err="1">
-                <a:solidFill>
-                  <a:srgbClr val="11696D"/>
-                </a:solidFill>
-                <a:latin typeface="Montserrat"/>
-                <a:ea typeface="Montserrat"/>
-                <a:cs typeface="Montserrat"/>
-                <a:sym typeface="Montserrat"/>
-              </a:rPr>
-              <a:t>cProfile</a:t>
-            </a:r>
-            <a:r>
-              <a:rPr lang="ru-RU" sz="1050" b="1" i="1" dirty="0">
-                <a:solidFill>
-                  <a:srgbClr val="11696D"/>
-                </a:solidFill>
-                <a:latin typeface="Montserrat"/>
-                <a:ea typeface="Montserrat"/>
-                <a:cs typeface="Montserrat"/>
-                <a:sym typeface="Montserrat"/>
-              </a:rPr>
-              <a:t>. Этот модуль позволяет измерять производительность различных частей кода и выявлять узкие места. </a:t>
-            </a:r>
-          </a:p>
-          <a:p>
-            <a:pPr lvl="0">
-              <a:lnSpc>
-                <a:spcPct val="115000"/>
-              </a:lnSpc>
-              <a:spcBef>
-                <a:spcPts val="1200"/>
-              </a:spcBef>
-              <a:spcAft>
-                <a:spcPts val="1200"/>
-              </a:spcAft>
-              <a:buSzPts val="1050"/>
-            </a:pPr>
-            <a:r>
-              <a:rPr lang="ru-RU" sz="1050" b="1" i="1" dirty="0">
-                <a:solidFill>
-                  <a:srgbClr val="11696D"/>
-                </a:solidFill>
-                <a:latin typeface="Montserrat"/>
-                <a:ea typeface="Montserrat"/>
-                <a:cs typeface="Montserrat"/>
-                <a:sym typeface="Montserrat"/>
-              </a:rPr>
-              <a:t>Для анализа результатов будем использовать сохранение результатов профилирования в файл и последующий  их анализ с помощью модуля </a:t>
-            </a:r>
-            <a:r>
-              <a:rPr lang="ru-RU" sz="1050" b="1" i="1" dirty="0" err="1">
-                <a:solidFill>
-                  <a:srgbClr val="11696D"/>
-                </a:solidFill>
-                <a:latin typeface="Montserrat"/>
-                <a:ea typeface="Montserrat"/>
-                <a:cs typeface="Montserrat"/>
-                <a:sym typeface="Montserrat"/>
-              </a:rPr>
-              <a:t>pstats</a:t>
-            </a:r>
-            <a:r>
-              <a:rPr lang="ru-RU" sz="1050" b="1" i="1" dirty="0">
-                <a:solidFill>
-                  <a:srgbClr val="11696D"/>
-                </a:solidFill>
-                <a:latin typeface="Montserrat"/>
-                <a:ea typeface="Montserrat"/>
-                <a:cs typeface="Montserrat"/>
-                <a:sym typeface="Montserrat"/>
-              </a:rPr>
-              <a:t> для выявления функций, которые требуют оптимизации.</a:t>
-            </a:r>
-            <a:endParaRPr sz="1050" b="1" i="1" u="none" strike="noStrike" cap="none" dirty="0">
-              <a:solidFill>
-                <a:srgbClr val="11696D"/>
-              </a:solidFill>
-              <a:latin typeface="Montserrat"/>
-              <a:ea typeface="Montserrat"/>
-              <a:cs typeface="Montserrat"/>
-              <a:sym typeface="Montserrat"/>
-            </a:endParaRPr>
-          </a:p>
-        </p:txBody>
-      </p:sp>
-    </p:spTree>
-  </p:cSld>
-  <p:clrMapOvr>
-    <a:masterClrMapping/>
-  </p:clrMapOvr>
-</p:sld>
-</file>
-
-<file path=ppt/slides/slide12.xml><?xml version="1.0" encoding="utf-8"?>
-<p:sld xmlns:a="http://schemas.openxmlformats.org/drawingml/2006/main" xmlns:r="http://schemas.openxmlformats.org/officeDocument/2006/relationships" xmlns:p="http://schemas.openxmlformats.org/presentationml/2006/main">
-  <p:cSld>
-    <p:spTree>
-      <p:nvGrpSpPr>
-        <p:cNvPr id="1" name="Shape 140"/>
-        <p:cNvGrpSpPr/>
-        <p:nvPr/>
-      </p:nvGrpSpPr>
-      <p:grpSpPr>
-        <a:xfrm>
-          <a:off x="0" y="0"/>
-          <a:ext cx="0" cy="0"/>
-          <a:chOff x="0" y="0"/>
-          <a:chExt cx="0" cy="0"/>
-        </a:xfrm>
-      </p:grpSpPr>
-      <p:sp>
-        <p:nvSpPr>
-          <p:cNvPr id="141" name="Google Shape;141;g2bd0017381e_1_21"/>
-          <p:cNvSpPr txBox="1">
-            <a:spLocks noGrp="1"/>
-          </p:cNvSpPr>
-          <p:nvPr>
-            <p:ph type="title"/>
-          </p:nvPr>
-        </p:nvSpPr>
-        <p:spPr>
-          <a:xfrm>
-            <a:off x="311700" y="161025"/>
-            <a:ext cx="8520600" cy="572700"/>
-          </a:xfrm>
-          <a:prstGeom prst="rect">
-            <a:avLst/>
-          </a:prstGeom>
-          <a:noFill/>
-          <a:ln>
-            <a:noFill/>
-          </a:ln>
-        </p:spPr>
-        <p:txBody>
-          <a:bodyPr spcFirstLastPara="1" wrap="square" lIns="91425" tIns="91425" rIns="91425" bIns="91425" anchor="t" anchorCtr="0">
-            <a:noAutofit/>
-          </a:bodyPr>
-          <a:lstStyle/>
-          <a:p>
-            <a:pPr marL="0" lvl="0" indent="0" algn="just" rtl="0">
-              <a:lnSpc>
-                <a:spcPct val="100000"/>
-              </a:lnSpc>
-              <a:spcBef>
-                <a:spcPts val="0"/>
-              </a:spcBef>
-              <a:spcAft>
-                <a:spcPts val="0"/>
-              </a:spcAft>
-              <a:buClr>
-                <a:schemeClr val="dk1"/>
-              </a:buClr>
-              <a:buSzPts val="1100"/>
-              <a:buFont typeface="Arial"/>
-              <a:buNone/>
-            </a:pPr>
-            <a:r>
-              <a:rPr lang="ru" sz="1500" b="1" dirty="0">
-                <a:solidFill>
-                  <a:srgbClr val="11696D"/>
-                </a:solidFill>
-                <a:latin typeface="Times New Roman"/>
-                <a:ea typeface="Times New Roman"/>
-                <a:cs typeface="Times New Roman"/>
-                <a:sym typeface="Times New Roman"/>
-              </a:rPr>
-              <a:t>Стратегии управления ресурсами и энергопотреблением для повышения эффективности работы программы</a:t>
-            </a:r>
-            <a:endParaRPr sz="1500" b="1" dirty="0">
-              <a:solidFill>
-                <a:srgbClr val="11696D"/>
-              </a:solidFill>
-              <a:latin typeface="Montserrat"/>
-              <a:ea typeface="Montserrat"/>
-              <a:cs typeface="Montserrat"/>
-              <a:sym typeface="Montserrat"/>
-            </a:endParaRPr>
-          </a:p>
-        </p:txBody>
-      </p:sp>
-      <p:cxnSp>
-        <p:nvCxnSpPr>
-          <p:cNvPr id="142" name="Google Shape;142;g2bd0017381e_1_21"/>
-          <p:cNvCxnSpPr/>
-          <p:nvPr/>
-        </p:nvCxnSpPr>
-        <p:spPr>
-          <a:xfrm>
-            <a:off x="286050" y="4845025"/>
-            <a:ext cx="8172900" cy="26700"/>
-          </a:xfrm>
-          <a:prstGeom prst="straightConnector1">
-            <a:avLst/>
-          </a:prstGeom>
-          <a:noFill/>
-          <a:ln w="28575" cap="flat" cmpd="sng">
-            <a:solidFill>
-              <a:srgbClr val="11696D"/>
-            </a:solidFill>
-            <a:prstDash val="solid"/>
-            <a:round/>
-            <a:headEnd type="none" w="sm" len="sm"/>
-            <a:tailEnd type="none" w="sm" len="sm"/>
-          </a:ln>
-        </p:spPr>
-      </p:cxnSp>
-      <p:sp>
-        <p:nvSpPr>
-          <p:cNvPr id="143" name="Google Shape;143;g2bd0017381e_1_21"/>
-          <p:cNvSpPr txBox="1"/>
-          <p:nvPr/>
-        </p:nvSpPr>
-        <p:spPr>
-          <a:xfrm>
-            <a:off x="8625250" y="4658275"/>
-            <a:ext cx="914400" cy="400200"/>
-          </a:xfrm>
-          <a:prstGeom prst="rect">
-            <a:avLst/>
-          </a:prstGeom>
-          <a:noFill/>
-          <a:ln>
-            <a:noFill/>
-          </a:ln>
-        </p:spPr>
-        <p:txBody>
-          <a:bodyPr spcFirstLastPara="1" wrap="square" lIns="91425" tIns="91425" rIns="91425" bIns="91425" anchor="t" anchorCtr="0">
-            <a:spAutoFit/>
-          </a:bodyPr>
-          <a:lstStyle/>
-          <a:p>
-            <a:pPr marL="0" marR="0" lvl="0" indent="0" algn="l" rtl="0">
-              <a:lnSpc>
-                <a:spcPct val="100000"/>
-              </a:lnSpc>
-              <a:spcBef>
-                <a:spcPts val="0"/>
-              </a:spcBef>
-              <a:spcAft>
-                <a:spcPts val="0"/>
-              </a:spcAft>
-              <a:buClr>
-                <a:srgbClr val="000000"/>
-              </a:buClr>
-              <a:buSzPts val="1400"/>
-              <a:buFont typeface="Arial"/>
-              <a:buNone/>
-            </a:pPr>
-            <a:r>
-              <a:rPr lang="ru" sz="1400" b="0" i="0" u="none" strike="noStrike" cap="none">
-                <a:solidFill>
-                  <a:srgbClr val="11696D"/>
-                </a:solidFill>
-                <a:latin typeface="Montserrat Black"/>
-                <a:ea typeface="Montserrat Black"/>
-                <a:cs typeface="Montserrat Black"/>
-                <a:sym typeface="Montserrat Black"/>
-              </a:rPr>
-              <a:t>9</a:t>
-            </a:r>
-            <a:endParaRPr sz="1400" b="0" i="0" u="none" strike="noStrike" cap="none">
-              <a:solidFill>
-                <a:srgbClr val="11696D"/>
-              </a:solidFill>
-              <a:latin typeface="Montserrat Black"/>
-              <a:ea typeface="Montserrat Black"/>
-              <a:cs typeface="Montserrat Black"/>
-              <a:sym typeface="Montserrat Black"/>
-            </a:endParaRPr>
-          </a:p>
-        </p:txBody>
-      </p:sp>
-      <p:sp>
-        <p:nvSpPr>
-          <p:cNvPr id="144" name="Google Shape;144;g2bd0017381e_1_21"/>
-          <p:cNvSpPr txBox="1"/>
-          <p:nvPr/>
-        </p:nvSpPr>
-        <p:spPr>
-          <a:xfrm>
-            <a:off x="311699" y="733725"/>
-            <a:ext cx="8520599" cy="3647122"/>
-          </a:xfrm>
-          <a:prstGeom prst="rect">
-            <a:avLst/>
-          </a:prstGeom>
-          <a:noFill/>
-          <a:ln>
-            <a:noFill/>
-          </a:ln>
-        </p:spPr>
-        <p:txBody>
-          <a:bodyPr spcFirstLastPara="1" wrap="square" lIns="91425" tIns="91425" rIns="91425" bIns="91425" anchor="t" anchorCtr="0">
-            <a:spAutoFit/>
-          </a:bodyPr>
-          <a:lstStyle/>
-          <a:p>
-            <a:pPr lvl="0">
-              <a:buSzPts val="1050"/>
-            </a:pPr>
-            <a:r>
-              <a:rPr lang="ru-RU" sz="900" dirty="0">
-                <a:solidFill>
-                  <a:srgbClr val="11696D"/>
-                </a:solidFill>
-                <a:latin typeface="Montserrat"/>
-                <a:ea typeface="Montserrat"/>
-                <a:cs typeface="Montserrat"/>
-                <a:sym typeface="Montserrat"/>
-              </a:rPr>
-              <a:t>В представленном проекте используются несколько </a:t>
-            </a:r>
-            <a:r>
-              <a:rPr lang="ru-RU" sz="900" b="1" dirty="0">
-                <a:solidFill>
-                  <a:srgbClr val="11696D"/>
-                </a:solidFill>
-                <a:latin typeface="Montserrat"/>
-                <a:ea typeface="Montserrat"/>
-                <a:cs typeface="Montserrat"/>
-                <a:sym typeface="Montserrat"/>
-              </a:rPr>
-              <a:t>стратегий управления ресурсами и энергопотреблением</a:t>
-            </a:r>
-            <a:r>
-              <a:rPr lang="ru-RU" sz="900" dirty="0">
-                <a:solidFill>
-                  <a:srgbClr val="11696D"/>
-                </a:solidFill>
-                <a:latin typeface="Montserrat"/>
-                <a:ea typeface="Montserrat"/>
-                <a:cs typeface="Montserrat"/>
-                <a:sym typeface="Montserrat"/>
-              </a:rPr>
-              <a:t>, направленных на повышение эффективности работы программы. Эти стратегии включают в себя:</a:t>
-            </a:r>
-          </a:p>
-          <a:p>
-            <a:pPr lvl="0">
-              <a:buSzPts val="1050"/>
-            </a:pPr>
-            <a:endParaRPr lang="ru-RU" sz="900" dirty="0">
-              <a:solidFill>
-                <a:srgbClr val="11696D"/>
-              </a:solidFill>
-              <a:latin typeface="Montserrat"/>
-              <a:ea typeface="Montserrat"/>
-              <a:cs typeface="Montserrat"/>
-              <a:sym typeface="Montserrat"/>
-            </a:endParaRPr>
-          </a:p>
-          <a:p>
-            <a:pPr lvl="0">
-              <a:buSzPts val="1050"/>
-            </a:pPr>
-            <a:r>
-              <a:rPr lang="ru-RU" sz="900" dirty="0">
-                <a:solidFill>
-                  <a:srgbClr val="11696D"/>
-                </a:solidFill>
-                <a:latin typeface="Montserrat"/>
-                <a:ea typeface="Montserrat"/>
-                <a:cs typeface="Montserrat"/>
-                <a:sym typeface="Montserrat"/>
-              </a:rPr>
-              <a:t>1. </a:t>
-            </a:r>
-            <a:r>
-              <a:rPr lang="ru-RU" sz="900" b="1" dirty="0">
-                <a:solidFill>
-                  <a:srgbClr val="11696D"/>
-                </a:solidFill>
-                <a:latin typeface="Montserrat"/>
-                <a:ea typeface="Montserrat"/>
-                <a:cs typeface="Montserrat"/>
-                <a:sym typeface="Montserrat"/>
-              </a:rPr>
-              <a:t>Асинхронное программирование (</a:t>
-            </a:r>
-            <a:r>
-              <a:rPr lang="ru-RU" sz="900" b="1" dirty="0" err="1">
-                <a:solidFill>
-                  <a:srgbClr val="11696D"/>
-                </a:solidFill>
-                <a:latin typeface="Montserrat"/>
-                <a:ea typeface="Montserrat"/>
-                <a:cs typeface="Montserrat"/>
-                <a:sym typeface="Montserrat"/>
-              </a:rPr>
-              <a:t>asyncio</a:t>
-            </a:r>
-            <a:r>
-              <a:rPr lang="ru-RU" sz="900" b="1" dirty="0">
-                <a:solidFill>
-                  <a:srgbClr val="11696D"/>
-                </a:solidFill>
-                <a:latin typeface="Montserrat"/>
-                <a:ea typeface="Montserrat"/>
-                <a:cs typeface="Montserrat"/>
-                <a:sym typeface="Montserrat"/>
-              </a:rPr>
-              <a:t>) </a:t>
-            </a:r>
-            <a:r>
-              <a:rPr lang="ru-RU" sz="900" dirty="0">
-                <a:solidFill>
-                  <a:srgbClr val="11696D"/>
-                </a:solidFill>
-                <a:latin typeface="Montserrat"/>
-                <a:ea typeface="Montserrat"/>
-                <a:cs typeface="Montserrat"/>
-                <a:sym typeface="Montserrat"/>
-              </a:rPr>
-              <a:t>- Асинхронное программирование с использованием </a:t>
-            </a:r>
-            <a:r>
-              <a:rPr lang="ru-RU" sz="900" dirty="0" err="1">
-                <a:solidFill>
-                  <a:srgbClr val="11696D"/>
-                </a:solidFill>
-                <a:latin typeface="Montserrat"/>
-                <a:ea typeface="Montserrat"/>
-                <a:cs typeface="Montserrat"/>
-                <a:sym typeface="Montserrat"/>
-              </a:rPr>
-              <a:t>asyncio</a:t>
-            </a:r>
-            <a:r>
-              <a:rPr lang="ru-RU" sz="900" dirty="0">
-                <a:solidFill>
-                  <a:srgbClr val="11696D"/>
-                </a:solidFill>
-                <a:latin typeface="Montserrat"/>
-                <a:ea typeface="Montserrat"/>
-                <a:cs typeface="Montserrat"/>
-                <a:sym typeface="Montserrat"/>
-              </a:rPr>
-              <a:t> позволяет эффективно управлять ресурсами, особенно CPU и памятью, за счет неблокирующего ввода-вывода. Это снижает нагрузку на процессор и позволяет системе оставаться отзывчивой при высокой нагрузке. </a:t>
-            </a:r>
-          </a:p>
-          <a:p>
-            <a:pPr lvl="0">
-              <a:buSzPts val="1050"/>
-            </a:pPr>
-            <a:r>
-              <a:rPr lang="ru-RU" sz="900" b="1" dirty="0">
-                <a:solidFill>
-                  <a:srgbClr val="11696D"/>
-                </a:solidFill>
-                <a:latin typeface="Montserrat"/>
-                <a:ea typeface="Montserrat"/>
-                <a:cs typeface="Montserrat"/>
-                <a:sym typeface="Montserrat"/>
-              </a:rPr>
-              <a:t>Экономия CPU:</a:t>
-            </a:r>
-            <a:r>
-              <a:rPr lang="ru-RU" sz="900" dirty="0">
-                <a:solidFill>
-                  <a:srgbClr val="11696D"/>
-                </a:solidFill>
-                <a:latin typeface="Montserrat"/>
-                <a:ea typeface="Montserrat"/>
-                <a:cs typeface="Montserrat"/>
-                <a:sym typeface="Montserrat"/>
-              </a:rPr>
-              <a:t> Асинхронные задачи позволяют избежать блокировки выполнения программы, когда одна задача ожидает ввода-вывода, например, ответа от дрона или команды от оператора.</a:t>
-            </a:r>
-          </a:p>
-          <a:p>
-            <a:pPr lvl="0">
-              <a:buSzPts val="1050"/>
-            </a:pPr>
-            <a:r>
-              <a:rPr lang="ru-RU" sz="900" b="1" dirty="0">
-                <a:solidFill>
-                  <a:srgbClr val="11696D"/>
-                </a:solidFill>
-                <a:latin typeface="Montserrat"/>
-                <a:ea typeface="Montserrat"/>
-                <a:cs typeface="Montserrat"/>
-                <a:sym typeface="Montserrat"/>
-              </a:rPr>
-              <a:t>Энергоэффективность</a:t>
-            </a:r>
-            <a:r>
-              <a:rPr lang="ru-RU" sz="900" dirty="0">
-                <a:solidFill>
-                  <a:srgbClr val="11696D"/>
-                </a:solidFill>
-                <a:latin typeface="Montserrat"/>
-                <a:ea typeface="Montserrat"/>
-                <a:cs typeface="Montserrat"/>
-                <a:sym typeface="Montserrat"/>
-              </a:rPr>
-              <a:t>: Поскольку процессор не загружается на полную мощность для обработки каждого запроса, потребление энергии снижается.</a:t>
-            </a:r>
-          </a:p>
-          <a:p>
-            <a:pPr lvl="0">
-              <a:buSzPts val="1050"/>
-            </a:pPr>
-            <a:endParaRPr lang="ru-RU" sz="900" dirty="0">
-              <a:solidFill>
-                <a:srgbClr val="11696D"/>
-              </a:solidFill>
-              <a:latin typeface="Montserrat"/>
-              <a:ea typeface="Montserrat"/>
-              <a:cs typeface="Montserrat"/>
-              <a:sym typeface="Montserrat"/>
-            </a:endParaRPr>
-          </a:p>
-          <a:p>
-            <a:pPr lvl="0">
-              <a:buSzPts val="1050"/>
-            </a:pPr>
-            <a:r>
-              <a:rPr lang="ru-RU" sz="900" dirty="0">
-                <a:solidFill>
-                  <a:srgbClr val="11696D"/>
-                </a:solidFill>
-                <a:latin typeface="Montserrat"/>
-                <a:ea typeface="Montserrat"/>
-                <a:cs typeface="Montserrat"/>
-                <a:sym typeface="Montserrat"/>
-              </a:rPr>
-              <a:t>2. </a:t>
-            </a:r>
-            <a:r>
-              <a:rPr lang="ru-RU" sz="900" b="1" dirty="0">
-                <a:solidFill>
-                  <a:srgbClr val="11696D"/>
-                </a:solidFill>
-                <a:latin typeface="Montserrat"/>
-                <a:ea typeface="Montserrat"/>
-                <a:cs typeface="Montserrat"/>
-                <a:sym typeface="Montserrat"/>
-              </a:rPr>
-              <a:t>Тайм-ауты для операций (</a:t>
-            </a:r>
-            <a:r>
-              <a:rPr lang="ru-RU" sz="900" b="1" dirty="0" err="1">
-                <a:solidFill>
-                  <a:srgbClr val="11696D"/>
-                </a:solidFill>
-                <a:latin typeface="Montserrat"/>
-                <a:ea typeface="Montserrat"/>
-                <a:cs typeface="Montserrat"/>
-                <a:sym typeface="Montserrat"/>
-              </a:rPr>
-              <a:t>async_timeout</a:t>
-            </a:r>
-            <a:r>
-              <a:rPr lang="ru-RU" sz="900" b="1" dirty="0">
-                <a:solidFill>
-                  <a:srgbClr val="11696D"/>
-                </a:solidFill>
-                <a:latin typeface="Montserrat"/>
-                <a:ea typeface="Montserrat"/>
-                <a:cs typeface="Montserrat"/>
-                <a:sym typeface="Montserrat"/>
-              </a:rPr>
-              <a:t>) - </a:t>
-            </a:r>
-            <a:r>
-              <a:rPr lang="ru-RU" sz="900" dirty="0">
-                <a:solidFill>
-                  <a:srgbClr val="11696D"/>
-                </a:solidFill>
-                <a:latin typeface="Montserrat"/>
-                <a:ea typeface="Montserrat"/>
-                <a:cs typeface="Montserrat"/>
-                <a:sym typeface="Montserrat"/>
-              </a:rPr>
-              <a:t>Использование тайм-аутов с </a:t>
-            </a:r>
-            <a:r>
-              <a:rPr lang="ru-RU" sz="900" dirty="0" err="1">
-                <a:solidFill>
-                  <a:srgbClr val="11696D"/>
-                </a:solidFill>
-                <a:latin typeface="Montserrat"/>
-                <a:ea typeface="Montserrat"/>
-                <a:cs typeface="Montserrat"/>
-                <a:sym typeface="Montserrat"/>
-              </a:rPr>
-              <a:t>async_timeout</a:t>
-            </a:r>
-            <a:r>
-              <a:rPr lang="ru-RU" sz="900" dirty="0">
-                <a:solidFill>
-                  <a:srgbClr val="11696D"/>
-                </a:solidFill>
-                <a:latin typeface="Montserrat"/>
-                <a:ea typeface="Montserrat"/>
-                <a:cs typeface="Montserrat"/>
-                <a:sym typeface="Montserrat"/>
-              </a:rPr>
-              <a:t> позволяет ограничить время выполнения задач, таких как обработка команд или ожидание ответа от клиента.</a:t>
-            </a:r>
-          </a:p>
-          <a:p>
-            <a:pPr lvl="0">
-              <a:buSzPts val="1050"/>
-            </a:pPr>
-            <a:r>
-              <a:rPr lang="ru-RU" sz="900" b="1" dirty="0">
-                <a:solidFill>
-                  <a:srgbClr val="11696D"/>
-                </a:solidFill>
-                <a:latin typeface="Montserrat"/>
-                <a:ea typeface="Montserrat"/>
-                <a:cs typeface="Montserrat"/>
-                <a:sym typeface="Montserrat"/>
-              </a:rPr>
-              <a:t>Эффективное использование ресурсов: </a:t>
-            </a:r>
-            <a:r>
-              <a:rPr lang="ru-RU" sz="900" dirty="0">
-                <a:solidFill>
-                  <a:srgbClr val="11696D"/>
-                </a:solidFill>
-                <a:latin typeface="Montserrat"/>
-                <a:ea typeface="Montserrat"/>
-                <a:cs typeface="Montserrat"/>
-                <a:sym typeface="Montserrat"/>
-              </a:rPr>
-              <a:t>Если задача не выполняется в течение определенного времени, она прерывается. Это предотвращает зависание программы на долгих операциях и позволяет освобождать ресурсы для других задач.</a:t>
-            </a:r>
-          </a:p>
-          <a:p>
-            <a:pPr lvl="0">
-              <a:buSzPts val="1050"/>
-            </a:pPr>
-            <a:r>
-              <a:rPr lang="ru-RU" sz="900" b="1" dirty="0">
-                <a:solidFill>
-                  <a:srgbClr val="11696D"/>
-                </a:solidFill>
-                <a:latin typeface="Montserrat"/>
-                <a:ea typeface="Montserrat"/>
-                <a:cs typeface="Montserrat"/>
-                <a:sym typeface="Montserrat"/>
-              </a:rPr>
-              <a:t>Снижение энергопотребления:</a:t>
-            </a:r>
-            <a:r>
-              <a:rPr lang="ru-RU" sz="900" dirty="0">
-                <a:solidFill>
-                  <a:srgbClr val="11696D"/>
-                </a:solidFill>
-                <a:latin typeface="Montserrat"/>
-                <a:ea typeface="Montserrat"/>
-                <a:cs typeface="Montserrat"/>
-                <a:sym typeface="Montserrat"/>
-              </a:rPr>
-              <a:t> Прерывание задач, которые не выполняются вовремя, помогает избежать ненужного потребления ресурсов, что в конечном итоге снижает энергопотребление.</a:t>
-            </a:r>
-          </a:p>
-          <a:p>
-            <a:pPr lvl="0">
-              <a:buSzPts val="1050"/>
-            </a:pPr>
-            <a:endParaRPr lang="ru-RU" sz="900" dirty="0">
-              <a:solidFill>
-                <a:srgbClr val="11696D"/>
-              </a:solidFill>
-              <a:latin typeface="Montserrat"/>
-              <a:ea typeface="Montserrat"/>
-              <a:cs typeface="Montserrat"/>
-              <a:sym typeface="Montserrat"/>
-            </a:endParaRPr>
-          </a:p>
-          <a:p>
-            <a:pPr lvl="0">
-              <a:buSzPts val="1050"/>
-            </a:pPr>
-            <a:r>
-              <a:rPr lang="ru-RU" sz="900" dirty="0">
-                <a:solidFill>
-                  <a:srgbClr val="11696D"/>
-                </a:solidFill>
-                <a:latin typeface="Montserrat"/>
-                <a:ea typeface="Montserrat"/>
-                <a:cs typeface="Montserrat"/>
-                <a:sym typeface="Montserrat"/>
-              </a:rPr>
-              <a:t>3.</a:t>
-            </a:r>
-            <a:r>
-              <a:rPr lang="ru-RU" sz="900" b="1" dirty="0">
-                <a:solidFill>
-                  <a:srgbClr val="11696D"/>
-                </a:solidFill>
-                <a:latin typeface="Montserrat"/>
-                <a:ea typeface="Montserrat"/>
-                <a:cs typeface="Montserrat"/>
-                <a:sym typeface="Montserrat"/>
-              </a:rPr>
-              <a:t> Отслеживание и очистка неактивных соединений</a:t>
-            </a:r>
-          </a:p>
-          <a:p>
-            <a:pPr lvl="0">
-              <a:buSzPts val="1050"/>
-            </a:pPr>
-            <a:r>
-              <a:rPr lang="ru-RU" sz="900" dirty="0">
-                <a:solidFill>
-                  <a:srgbClr val="11696D"/>
-                </a:solidFill>
-                <a:latin typeface="Montserrat"/>
-                <a:ea typeface="Montserrat"/>
-                <a:cs typeface="Montserrat"/>
-                <a:sym typeface="Montserrat"/>
-              </a:rPr>
-              <a:t>Функция </a:t>
-            </a:r>
-            <a:r>
-              <a:rPr lang="ru-RU" sz="900" dirty="0" err="1">
-                <a:solidFill>
-                  <a:srgbClr val="11696D"/>
-                </a:solidFill>
-                <a:latin typeface="Montserrat"/>
-                <a:ea typeface="Montserrat"/>
-                <a:cs typeface="Montserrat"/>
-                <a:sym typeface="Montserrat"/>
-              </a:rPr>
-              <a:t>cleanup</a:t>
-            </a:r>
-            <a:r>
-              <a:rPr lang="ru-RU" sz="900" dirty="0">
-                <a:solidFill>
-                  <a:srgbClr val="11696D"/>
-                </a:solidFill>
-                <a:latin typeface="Montserrat"/>
-                <a:ea typeface="Montserrat"/>
-                <a:cs typeface="Montserrat"/>
-                <a:sym typeface="Montserrat"/>
-              </a:rPr>
-              <a:t> периодически проверяет и удаляет неактивные или закрытые соединения, как с дронами, так и с операторами.</a:t>
-            </a:r>
-          </a:p>
-          <a:p>
-            <a:pPr lvl="0">
-              <a:buSzPts val="1050"/>
-            </a:pPr>
-            <a:r>
-              <a:rPr lang="ru-RU" sz="900" b="1" dirty="0">
-                <a:solidFill>
-                  <a:srgbClr val="11696D"/>
-                </a:solidFill>
-                <a:latin typeface="Montserrat"/>
-                <a:ea typeface="Montserrat"/>
-                <a:cs typeface="Montserrat"/>
-                <a:sym typeface="Montserrat"/>
-              </a:rPr>
-              <a:t>Освобождение ресурсов: </a:t>
-            </a:r>
-            <a:r>
-              <a:rPr lang="ru-RU" sz="900" dirty="0">
-                <a:solidFill>
-                  <a:srgbClr val="11696D"/>
-                </a:solidFill>
-                <a:latin typeface="Montserrat"/>
-                <a:ea typeface="Montserrat"/>
-                <a:cs typeface="Montserrat"/>
-                <a:sym typeface="Montserrat"/>
-              </a:rPr>
-              <a:t>Удаление неактивных соединений освобождает память и снижает нагрузку на сервер, позволяя использовать эти ресурсы для обработки активных подключений.</a:t>
-            </a:r>
-          </a:p>
-          <a:p>
-            <a:pPr lvl="0">
-              <a:buSzPts val="1050"/>
-            </a:pPr>
-            <a:r>
-              <a:rPr lang="ru-RU" sz="900" b="1" dirty="0">
-                <a:solidFill>
-                  <a:srgbClr val="11696D"/>
-                </a:solidFill>
-                <a:latin typeface="Montserrat"/>
-                <a:ea typeface="Montserrat"/>
-                <a:cs typeface="Montserrat"/>
-                <a:sym typeface="Montserrat"/>
-              </a:rPr>
-              <a:t>Управление энергопотреблением:</a:t>
-            </a:r>
-            <a:r>
-              <a:rPr lang="ru-RU" sz="900" dirty="0">
-                <a:solidFill>
-                  <a:srgbClr val="11696D"/>
-                </a:solidFill>
-                <a:latin typeface="Montserrat"/>
-                <a:ea typeface="Montserrat"/>
-                <a:cs typeface="Montserrat"/>
-                <a:sym typeface="Montserrat"/>
-              </a:rPr>
-              <a:t> Отключение неактивных клиентов предотвращает ненужное использование ресурсов, что помогает снизить общие затраты энергии.</a:t>
-            </a:r>
-          </a:p>
-          <a:p>
-            <a:pPr lvl="0">
-              <a:buSzPts val="1050"/>
-            </a:pPr>
-            <a:endParaRPr lang="ru-RU" sz="900" dirty="0">
-              <a:solidFill>
-                <a:srgbClr val="11696D"/>
-              </a:solidFill>
-              <a:latin typeface="Montserrat"/>
-              <a:ea typeface="Montserrat"/>
-              <a:cs typeface="Montserrat"/>
-              <a:sym typeface="Montserrat"/>
-            </a:endParaRPr>
-          </a:p>
-        </p:txBody>
-      </p:sp>
-    </p:spTree>
-  </p:cSld>
-  <p:clrMapOvr>
-    <a:masterClrMapping/>
-  </p:clrMapOvr>
-</p:sld>
-</file>
-
-<file path=ppt/slides/slide13.xml><?xml version="1.0" encoding="utf-8"?>
-<p:sld xmlns:a="http://schemas.openxmlformats.org/drawingml/2006/main" xmlns:r="http://schemas.openxmlformats.org/officeDocument/2006/relationships" xmlns:p="http://schemas.openxmlformats.org/presentationml/2006/main">
-  <p:cSld>
-    <p:spTree>
-      <p:nvGrpSpPr>
         <p:cNvPr id="1" name=""/>
         <p:cNvGrpSpPr/>
         <p:nvPr/>
@@ -13284,7 +11286,7 @@
 </p:sld>
 </file>
 
-<file path=ppt/slides/slide14.xml><?xml version="1.0" encoding="utf-8"?>
+<file path=ppt/slides/slide11.xml><?xml version="1.0" encoding="utf-8"?>
 <p:sld xmlns:a="http://schemas.openxmlformats.org/drawingml/2006/main" xmlns:r="http://schemas.openxmlformats.org/officeDocument/2006/relationships" xmlns:p="http://schemas.openxmlformats.org/presentationml/2006/main">
   <p:cSld>
     <p:spTree>
@@ -13630,7 +11632,7 @@
 </p:sld>
 </file>
 
-<file path=ppt/slides/slide15.xml><?xml version="1.0" encoding="utf-8"?>
+<file path=ppt/slides/slide12.xml><?xml version="1.0" encoding="utf-8"?>
 <p:sld xmlns:a="http://schemas.openxmlformats.org/drawingml/2006/main" xmlns:r="http://schemas.openxmlformats.org/officeDocument/2006/relationships" xmlns:p="http://schemas.openxmlformats.org/presentationml/2006/main">
   <p:cSld>
     <p:spTree>
@@ -13962,7 +11964,7 @@
 </p:sld>
 </file>
 
-<file path=ppt/slides/slide16.xml><?xml version="1.0" encoding="utf-8"?>
+<file path=ppt/slides/slide13.xml><?xml version="1.0" encoding="utf-8"?>
 <p:sld xmlns:a="http://schemas.openxmlformats.org/drawingml/2006/main" xmlns:r="http://schemas.openxmlformats.org/officeDocument/2006/relationships" xmlns:p="http://schemas.openxmlformats.org/presentationml/2006/main">
   <p:cSld>
     <p:spTree>
@@ -14132,7 +12134,7 @@
 </p:sld>
 </file>
 
-<file path=ppt/slides/slide17.xml><?xml version="1.0" encoding="utf-8"?>
+<file path=ppt/slides/slide14.xml><?xml version="1.0" encoding="utf-8"?>
 <p:sld xmlns:a="http://schemas.openxmlformats.org/drawingml/2006/main" xmlns:r="http://schemas.openxmlformats.org/officeDocument/2006/relationships" xmlns:p="http://schemas.openxmlformats.org/presentationml/2006/main">
   <p:cSld>
     <p:spTree>
@@ -14346,7 +12348,1338 @@
 </p:sld>
 </file>
 
+<file path=ppt/slides/slide15.xml><?xml version="1.0" encoding="utf-8"?>
+<p:sld xmlns:a="http://schemas.openxmlformats.org/drawingml/2006/main" xmlns:r="http://schemas.openxmlformats.org/officeDocument/2006/relationships" xmlns:p="http://schemas.openxmlformats.org/presentationml/2006/main">
+  <p:cSld>
+    <p:spTree>
+      <p:nvGrpSpPr>
+        <p:cNvPr id="1" name=""/>
+        <p:cNvGrpSpPr/>
+        <p:nvPr/>
+      </p:nvGrpSpPr>
+      <p:grpSpPr>
+        <a:xfrm>
+          <a:off x="0" y="0"/>
+          <a:ext cx="0" cy="0"/>
+          <a:chOff x="0" y="0"/>
+          <a:chExt cx="0" cy="0"/>
+        </a:xfrm>
+      </p:grpSpPr>
+      <p:sp>
+        <p:nvSpPr>
+          <p:cNvPr id="2" name="Заголовок 1">
+            <a:extLst>
+              <a:ext uri="{FF2B5EF4-FFF2-40B4-BE49-F238E27FC236}">
+                <a16:creationId xmlns:a16="http://schemas.microsoft.com/office/drawing/2014/main" id="{9CB4401D-27B9-43B1-BB04-92F1B560D7E6}"/>
+              </a:ext>
+            </a:extLst>
+          </p:cNvPr>
+          <p:cNvSpPr>
+            <a:spLocks noGrp="1"/>
+          </p:cNvSpPr>
+          <p:nvPr>
+            <p:ph type="title"/>
+          </p:nvPr>
+        </p:nvSpPr>
+        <p:spPr/>
+        <p:txBody>
+          <a:bodyPr>
+            <a:normAutofit fontScale="90000"/>
+          </a:bodyPr>
+          <a:lstStyle/>
+          <a:p>
+            <a:r>
+              <a:rPr lang="ru-RU" sz="1500" b="1" dirty="0">
+                <a:solidFill>
+                  <a:srgbClr val="11696D"/>
+                </a:solidFill>
+                <a:latin typeface="Times New Roman"/>
+                <a:cs typeface="Times New Roman"/>
+              </a:rPr>
+              <a:t>Код сервера</a:t>
+            </a:r>
+            <a:br>
+              <a:rPr lang="ru-RU" sz="1500" b="1" dirty="0">
+                <a:solidFill>
+                  <a:srgbClr val="11696D"/>
+                </a:solidFill>
+                <a:latin typeface="Times New Roman"/>
+                <a:cs typeface="Times New Roman"/>
+              </a:rPr>
+            </a:br>
+            <a:r>
+              <a:rPr lang="ru-RU" sz="1500" b="1" dirty="0">
+                <a:solidFill>
+                  <a:srgbClr val="11696D"/>
+                </a:solidFill>
+                <a:latin typeface="Times New Roman"/>
+                <a:cs typeface="Times New Roman"/>
+              </a:rPr>
+              <a:t>Весь проект размещен на </a:t>
+            </a:r>
+            <a:r>
+              <a:rPr lang="en-US" sz="1500" b="1" dirty="0">
+                <a:solidFill>
+                  <a:srgbClr val="11696D"/>
+                </a:solidFill>
+                <a:latin typeface="Times New Roman"/>
+                <a:cs typeface="Times New Roman"/>
+              </a:rPr>
+              <a:t>GIT</a:t>
+            </a:r>
+            <a:r>
+              <a:rPr lang="ru-RU" sz="1500" b="1" dirty="0">
+                <a:solidFill>
+                  <a:srgbClr val="11696D"/>
+                </a:solidFill>
+                <a:latin typeface="Times New Roman"/>
+                <a:cs typeface="Times New Roman"/>
+              </a:rPr>
+              <a:t> - </a:t>
+            </a:r>
+            <a:r>
+              <a:rPr lang="en-US" sz="1500" b="1" dirty="0">
+                <a:solidFill>
+                  <a:srgbClr val="11696D"/>
+                </a:solidFill>
+                <a:latin typeface="Times New Roman"/>
+                <a:cs typeface="Times New Roman"/>
+              </a:rPr>
+              <a:t>https://github.com/White2e/BPLAFinalCert/tree/master</a:t>
+            </a:r>
+            <a:endParaRPr lang="ru-RU" sz="1500" b="1" dirty="0">
+              <a:solidFill>
+                <a:srgbClr val="11696D"/>
+              </a:solidFill>
+              <a:latin typeface="Times New Roman"/>
+              <a:cs typeface="Times New Roman"/>
+            </a:endParaRPr>
+          </a:p>
+        </p:txBody>
+      </p:sp>
+      <p:pic>
+        <p:nvPicPr>
+          <p:cNvPr id="4" name="Рисунок 3">
+            <a:extLst>
+              <a:ext uri="{FF2B5EF4-FFF2-40B4-BE49-F238E27FC236}">
+                <a16:creationId xmlns:a16="http://schemas.microsoft.com/office/drawing/2014/main" id="{5341DCDE-6943-47D9-AAC2-B1A531B279C8}"/>
+              </a:ext>
+            </a:extLst>
+          </p:cNvPr>
+          <p:cNvPicPr>
+            <a:picLocks noChangeAspect="1"/>
+          </p:cNvPicPr>
+          <p:nvPr/>
+        </p:nvPicPr>
+        <p:blipFill>
+          <a:blip r:embed="rId2"/>
+          <a:stretch>
+            <a:fillRect/>
+          </a:stretch>
+        </p:blipFill>
+        <p:spPr>
+          <a:xfrm>
+            <a:off x="435427" y="1080225"/>
+            <a:ext cx="3910150" cy="3714932"/>
+          </a:xfrm>
+          <a:prstGeom prst="rect">
+            <a:avLst/>
+          </a:prstGeom>
+        </p:spPr>
+      </p:pic>
+      <p:pic>
+        <p:nvPicPr>
+          <p:cNvPr id="5" name="Рисунок 4">
+            <a:extLst>
+              <a:ext uri="{FF2B5EF4-FFF2-40B4-BE49-F238E27FC236}">
+                <a16:creationId xmlns:a16="http://schemas.microsoft.com/office/drawing/2014/main" id="{D04AA3D4-2B7F-4ADA-8669-320101FFBCCB}"/>
+              </a:ext>
+            </a:extLst>
+          </p:cNvPr>
+          <p:cNvPicPr>
+            <a:picLocks noChangeAspect="1"/>
+          </p:cNvPicPr>
+          <p:nvPr/>
+        </p:nvPicPr>
+        <p:blipFill>
+          <a:blip r:embed="rId3"/>
+          <a:stretch>
+            <a:fillRect/>
+          </a:stretch>
+        </p:blipFill>
+        <p:spPr>
+          <a:xfrm>
+            <a:off x="4572000" y="1080224"/>
+            <a:ext cx="4136573" cy="3714933"/>
+          </a:xfrm>
+          <a:prstGeom prst="rect">
+            <a:avLst/>
+          </a:prstGeom>
+        </p:spPr>
+      </p:pic>
+    </p:spTree>
+    <p:extLst>
+      <p:ext uri="{BB962C8B-B14F-4D97-AF65-F5344CB8AC3E}">
+        <p14:creationId xmlns:p14="http://schemas.microsoft.com/office/powerpoint/2010/main" val="1025001104"/>
+      </p:ext>
+    </p:extLst>
+  </p:cSld>
+  <p:clrMapOvr>
+    <a:masterClrMapping/>
+  </p:clrMapOvr>
+</p:sld>
+</file>
+
+<file path=ppt/slides/slide16.xml><?xml version="1.0" encoding="utf-8"?>
+<p:sld xmlns:a="http://schemas.openxmlformats.org/drawingml/2006/main" xmlns:r="http://schemas.openxmlformats.org/officeDocument/2006/relationships" xmlns:p="http://schemas.openxmlformats.org/presentationml/2006/main">
+  <p:cSld>
+    <p:spTree>
+      <p:nvGrpSpPr>
+        <p:cNvPr id="1" name=""/>
+        <p:cNvGrpSpPr/>
+        <p:nvPr/>
+      </p:nvGrpSpPr>
+      <p:grpSpPr>
+        <a:xfrm>
+          <a:off x="0" y="0"/>
+          <a:ext cx="0" cy="0"/>
+          <a:chOff x="0" y="0"/>
+          <a:chExt cx="0" cy="0"/>
+        </a:xfrm>
+      </p:grpSpPr>
+      <p:sp>
+        <p:nvSpPr>
+          <p:cNvPr id="2" name="Заголовок 1">
+            <a:extLst>
+              <a:ext uri="{FF2B5EF4-FFF2-40B4-BE49-F238E27FC236}">
+                <a16:creationId xmlns:a16="http://schemas.microsoft.com/office/drawing/2014/main" id="{6B70DE12-E276-4144-BADA-63997CC9326A}"/>
+              </a:ext>
+            </a:extLst>
+          </p:cNvPr>
+          <p:cNvSpPr>
+            <a:spLocks noGrp="1"/>
+          </p:cNvSpPr>
+          <p:nvPr>
+            <p:ph type="title"/>
+          </p:nvPr>
+        </p:nvSpPr>
+        <p:spPr/>
+        <p:txBody>
+          <a:bodyPr>
+            <a:normAutofit/>
+          </a:bodyPr>
+          <a:lstStyle/>
+          <a:p>
+            <a:r>
+              <a:rPr lang="ru-RU" sz="1500" b="1" dirty="0">
+                <a:solidFill>
+                  <a:srgbClr val="11696D"/>
+                </a:solidFill>
+                <a:latin typeface="Times New Roman"/>
+                <a:cs typeface="Times New Roman"/>
+              </a:rPr>
+              <a:t>Код сервера</a:t>
+            </a:r>
+          </a:p>
+        </p:txBody>
+      </p:sp>
+      <p:pic>
+        <p:nvPicPr>
+          <p:cNvPr id="4" name="Рисунок 3">
+            <a:extLst>
+              <a:ext uri="{FF2B5EF4-FFF2-40B4-BE49-F238E27FC236}">
+                <a16:creationId xmlns:a16="http://schemas.microsoft.com/office/drawing/2014/main" id="{71928A5E-B9CE-4C37-BCCB-EAEB735C7274}"/>
+              </a:ext>
+            </a:extLst>
+          </p:cNvPr>
+          <p:cNvPicPr>
+            <a:picLocks noChangeAspect="1"/>
+          </p:cNvPicPr>
+          <p:nvPr/>
+        </p:nvPicPr>
+        <p:blipFill>
+          <a:blip r:embed="rId2"/>
+          <a:stretch>
+            <a:fillRect/>
+          </a:stretch>
+        </p:blipFill>
+        <p:spPr>
+          <a:xfrm>
+            <a:off x="383177" y="1017726"/>
+            <a:ext cx="4314918" cy="3680750"/>
+          </a:xfrm>
+          <a:prstGeom prst="rect">
+            <a:avLst/>
+          </a:prstGeom>
+        </p:spPr>
+      </p:pic>
+      <p:pic>
+        <p:nvPicPr>
+          <p:cNvPr id="5" name="Рисунок 4">
+            <a:extLst>
+              <a:ext uri="{FF2B5EF4-FFF2-40B4-BE49-F238E27FC236}">
+                <a16:creationId xmlns:a16="http://schemas.microsoft.com/office/drawing/2014/main" id="{052C2E8E-D7DB-4D69-9AA0-8D723880E7A7}"/>
+              </a:ext>
+            </a:extLst>
+          </p:cNvPr>
+          <p:cNvPicPr>
+            <a:picLocks noChangeAspect="1"/>
+          </p:cNvPicPr>
+          <p:nvPr/>
+        </p:nvPicPr>
+        <p:blipFill>
+          <a:blip r:embed="rId3"/>
+          <a:stretch>
+            <a:fillRect/>
+          </a:stretch>
+        </p:blipFill>
+        <p:spPr>
+          <a:xfrm>
+            <a:off x="4730915" y="1017725"/>
+            <a:ext cx="4076939" cy="3702790"/>
+          </a:xfrm>
+          <a:prstGeom prst="rect">
+            <a:avLst/>
+          </a:prstGeom>
+        </p:spPr>
+      </p:pic>
+    </p:spTree>
+    <p:extLst>
+      <p:ext uri="{BB962C8B-B14F-4D97-AF65-F5344CB8AC3E}">
+        <p14:creationId xmlns:p14="http://schemas.microsoft.com/office/powerpoint/2010/main" val="2617672418"/>
+      </p:ext>
+    </p:extLst>
+  </p:cSld>
+  <p:clrMapOvr>
+    <a:masterClrMapping/>
+  </p:clrMapOvr>
+</p:sld>
+</file>
+
+<file path=ppt/slides/slide17.xml><?xml version="1.0" encoding="utf-8"?>
+<p:sld xmlns:a="http://schemas.openxmlformats.org/drawingml/2006/main" xmlns:r="http://schemas.openxmlformats.org/officeDocument/2006/relationships" xmlns:p="http://schemas.openxmlformats.org/presentationml/2006/main">
+  <p:cSld>
+    <p:spTree>
+      <p:nvGrpSpPr>
+        <p:cNvPr id="1" name=""/>
+        <p:cNvGrpSpPr/>
+        <p:nvPr/>
+      </p:nvGrpSpPr>
+      <p:grpSpPr>
+        <a:xfrm>
+          <a:off x="0" y="0"/>
+          <a:ext cx="0" cy="0"/>
+          <a:chOff x="0" y="0"/>
+          <a:chExt cx="0" cy="0"/>
+        </a:xfrm>
+      </p:grpSpPr>
+      <p:sp>
+        <p:nvSpPr>
+          <p:cNvPr id="2" name="Заголовок 1">
+            <a:extLst>
+              <a:ext uri="{FF2B5EF4-FFF2-40B4-BE49-F238E27FC236}">
+                <a16:creationId xmlns:a16="http://schemas.microsoft.com/office/drawing/2014/main" id="{C1D1536A-0AD4-4790-8F3F-133B5F4FF8A1}"/>
+              </a:ext>
+            </a:extLst>
+          </p:cNvPr>
+          <p:cNvSpPr>
+            <a:spLocks noGrp="1"/>
+          </p:cNvSpPr>
+          <p:nvPr>
+            <p:ph type="title"/>
+          </p:nvPr>
+        </p:nvSpPr>
+        <p:spPr/>
+        <p:txBody>
+          <a:bodyPr>
+            <a:normAutofit/>
+          </a:bodyPr>
+          <a:lstStyle/>
+          <a:p>
+            <a:r>
+              <a:rPr lang="ru-RU" sz="1500" b="1" dirty="0">
+                <a:solidFill>
+                  <a:srgbClr val="11696D"/>
+                </a:solidFill>
+                <a:latin typeface="Times New Roman"/>
+                <a:cs typeface="Times New Roman"/>
+              </a:rPr>
+              <a:t>Код сервера</a:t>
+            </a:r>
+          </a:p>
+        </p:txBody>
+      </p:sp>
+      <p:pic>
+        <p:nvPicPr>
+          <p:cNvPr id="4" name="Рисунок 3">
+            <a:extLst>
+              <a:ext uri="{FF2B5EF4-FFF2-40B4-BE49-F238E27FC236}">
+                <a16:creationId xmlns:a16="http://schemas.microsoft.com/office/drawing/2014/main" id="{8BB25D03-6CD7-46D7-86D7-F5C7EB812026}"/>
+              </a:ext>
+            </a:extLst>
+          </p:cNvPr>
+          <p:cNvPicPr>
+            <a:picLocks noChangeAspect="1"/>
+          </p:cNvPicPr>
+          <p:nvPr/>
+        </p:nvPicPr>
+        <p:blipFill>
+          <a:blip r:embed="rId2"/>
+          <a:stretch>
+            <a:fillRect/>
+          </a:stretch>
+        </p:blipFill>
+        <p:spPr>
+          <a:xfrm>
+            <a:off x="525620" y="928842"/>
+            <a:ext cx="3956647" cy="3336605"/>
+          </a:xfrm>
+          <a:prstGeom prst="rect">
+            <a:avLst/>
+          </a:prstGeom>
+        </p:spPr>
+      </p:pic>
+      <p:pic>
+        <p:nvPicPr>
+          <p:cNvPr id="5" name="Рисунок 4">
+            <a:extLst>
+              <a:ext uri="{FF2B5EF4-FFF2-40B4-BE49-F238E27FC236}">
+                <a16:creationId xmlns:a16="http://schemas.microsoft.com/office/drawing/2014/main" id="{E6A24281-BC0C-4F99-9ED1-A07F2E306506}"/>
+              </a:ext>
+            </a:extLst>
+          </p:cNvPr>
+          <p:cNvPicPr>
+            <a:picLocks noChangeAspect="1"/>
+          </p:cNvPicPr>
+          <p:nvPr/>
+        </p:nvPicPr>
+        <p:blipFill>
+          <a:blip r:embed="rId3"/>
+          <a:stretch>
+            <a:fillRect/>
+          </a:stretch>
+        </p:blipFill>
+        <p:spPr>
+          <a:xfrm>
+            <a:off x="4678960" y="931085"/>
+            <a:ext cx="3956646" cy="3332117"/>
+          </a:xfrm>
+          <a:prstGeom prst="rect">
+            <a:avLst/>
+          </a:prstGeom>
+        </p:spPr>
+      </p:pic>
+    </p:spTree>
+    <p:extLst>
+      <p:ext uri="{BB962C8B-B14F-4D97-AF65-F5344CB8AC3E}">
+        <p14:creationId xmlns:p14="http://schemas.microsoft.com/office/powerpoint/2010/main" val="2054680047"/>
+      </p:ext>
+    </p:extLst>
+  </p:cSld>
+  <p:clrMapOvr>
+    <a:masterClrMapping/>
+  </p:clrMapOvr>
+</p:sld>
+</file>
+
 <file path=ppt/slides/slide18.xml><?xml version="1.0" encoding="utf-8"?>
+<p:sld xmlns:a="http://schemas.openxmlformats.org/drawingml/2006/main" xmlns:r="http://schemas.openxmlformats.org/officeDocument/2006/relationships" xmlns:p="http://schemas.openxmlformats.org/presentationml/2006/main">
+  <p:cSld>
+    <p:spTree>
+      <p:nvGrpSpPr>
+        <p:cNvPr id="1" name=""/>
+        <p:cNvGrpSpPr/>
+        <p:nvPr/>
+      </p:nvGrpSpPr>
+      <p:grpSpPr>
+        <a:xfrm>
+          <a:off x="0" y="0"/>
+          <a:ext cx="0" cy="0"/>
+          <a:chOff x="0" y="0"/>
+          <a:chExt cx="0" cy="0"/>
+        </a:xfrm>
+      </p:grpSpPr>
+      <p:sp>
+        <p:nvSpPr>
+          <p:cNvPr id="2" name="Заголовок 1">
+            <a:extLst>
+              <a:ext uri="{FF2B5EF4-FFF2-40B4-BE49-F238E27FC236}">
+                <a16:creationId xmlns:a16="http://schemas.microsoft.com/office/drawing/2014/main" id="{014F40ED-E03F-46B0-A787-21E5C8B66763}"/>
+              </a:ext>
+            </a:extLst>
+          </p:cNvPr>
+          <p:cNvSpPr>
+            <a:spLocks noGrp="1"/>
+          </p:cNvSpPr>
+          <p:nvPr>
+            <p:ph type="title"/>
+          </p:nvPr>
+        </p:nvSpPr>
+        <p:spPr/>
+        <p:txBody>
+          <a:bodyPr>
+            <a:normAutofit/>
+          </a:bodyPr>
+          <a:lstStyle/>
+          <a:p>
+            <a:r>
+              <a:rPr lang="ru-RU" sz="1500" b="1" dirty="0">
+                <a:solidFill>
+                  <a:srgbClr val="11696D"/>
+                </a:solidFill>
+                <a:latin typeface="Times New Roman"/>
+                <a:cs typeface="Times New Roman"/>
+              </a:rPr>
+              <a:t>Код сервера</a:t>
+            </a:r>
+          </a:p>
+        </p:txBody>
+      </p:sp>
+      <p:pic>
+        <p:nvPicPr>
+          <p:cNvPr id="4" name="Рисунок 3">
+            <a:extLst>
+              <a:ext uri="{FF2B5EF4-FFF2-40B4-BE49-F238E27FC236}">
+                <a16:creationId xmlns:a16="http://schemas.microsoft.com/office/drawing/2014/main" id="{6FDAA852-79ED-4390-AE50-2380B8F37976}"/>
+              </a:ext>
+            </a:extLst>
+          </p:cNvPr>
+          <p:cNvPicPr>
+            <a:picLocks noChangeAspect="1"/>
+          </p:cNvPicPr>
+          <p:nvPr/>
+        </p:nvPicPr>
+        <p:blipFill>
+          <a:blip r:embed="rId2"/>
+          <a:stretch>
+            <a:fillRect/>
+          </a:stretch>
+        </p:blipFill>
+        <p:spPr>
+          <a:xfrm>
+            <a:off x="383178" y="1017725"/>
+            <a:ext cx="4107454" cy="3553075"/>
+          </a:xfrm>
+          <a:prstGeom prst="rect">
+            <a:avLst/>
+          </a:prstGeom>
+        </p:spPr>
+      </p:pic>
+      <p:pic>
+        <p:nvPicPr>
+          <p:cNvPr id="5" name="Рисунок 4">
+            <a:extLst>
+              <a:ext uri="{FF2B5EF4-FFF2-40B4-BE49-F238E27FC236}">
+                <a16:creationId xmlns:a16="http://schemas.microsoft.com/office/drawing/2014/main" id="{CB1628E4-CD07-4C2A-A694-27B99B4A81F6}"/>
+              </a:ext>
+            </a:extLst>
+          </p:cNvPr>
+          <p:cNvPicPr>
+            <a:picLocks noChangeAspect="1"/>
+          </p:cNvPicPr>
+          <p:nvPr/>
+        </p:nvPicPr>
+        <p:blipFill>
+          <a:blip r:embed="rId3"/>
+          <a:stretch>
+            <a:fillRect/>
+          </a:stretch>
+        </p:blipFill>
+        <p:spPr>
+          <a:xfrm>
+            <a:off x="4653369" y="1017725"/>
+            <a:ext cx="4107454" cy="3553075"/>
+          </a:xfrm>
+          <a:prstGeom prst="rect">
+            <a:avLst/>
+          </a:prstGeom>
+        </p:spPr>
+      </p:pic>
+    </p:spTree>
+    <p:extLst>
+      <p:ext uri="{BB962C8B-B14F-4D97-AF65-F5344CB8AC3E}">
+        <p14:creationId xmlns:p14="http://schemas.microsoft.com/office/powerpoint/2010/main" val="3317781896"/>
+      </p:ext>
+    </p:extLst>
+  </p:cSld>
+  <p:clrMapOvr>
+    <a:masterClrMapping/>
+  </p:clrMapOvr>
+</p:sld>
+</file>
+
+<file path=ppt/slides/slide19.xml><?xml version="1.0" encoding="utf-8"?>
+<p:sld xmlns:a="http://schemas.openxmlformats.org/drawingml/2006/main" xmlns:r="http://schemas.openxmlformats.org/officeDocument/2006/relationships" xmlns:p="http://schemas.openxmlformats.org/presentationml/2006/main">
+  <p:cSld>
+    <p:spTree>
+      <p:nvGrpSpPr>
+        <p:cNvPr id="1" name=""/>
+        <p:cNvGrpSpPr/>
+        <p:nvPr/>
+      </p:nvGrpSpPr>
+      <p:grpSpPr>
+        <a:xfrm>
+          <a:off x="0" y="0"/>
+          <a:ext cx="0" cy="0"/>
+          <a:chOff x="0" y="0"/>
+          <a:chExt cx="0" cy="0"/>
+        </a:xfrm>
+      </p:grpSpPr>
+      <p:sp>
+        <p:nvSpPr>
+          <p:cNvPr id="2" name="Заголовок 1">
+            <a:extLst>
+              <a:ext uri="{FF2B5EF4-FFF2-40B4-BE49-F238E27FC236}">
+                <a16:creationId xmlns:a16="http://schemas.microsoft.com/office/drawing/2014/main" id="{8FC7CC56-2649-4C2B-97C3-3D7A732E4529}"/>
+              </a:ext>
+            </a:extLst>
+          </p:cNvPr>
+          <p:cNvSpPr>
+            <a:spLocks noGrp="1"/>
+          </p:cNvSpPr>
+          <p:nvPr>
+            <p:ph type="title"/>
+          </p:nvPr>
+        </p:nvSpPr>
+        <p:spPr/>
+        <p:txBody>
+          <a:bodyPr>
+            <a:normAutofit/>
+          </a:bodyPr>
+          <a:lstStyle/>
+          <a:p>
+            <a:r>
+              <a:rPr lang="ru-RU" sz="1500" b="1" dirty="0">
+                <a:solidFill>
+                  <a:srgbClr val="11696D"/>
+                </a:solidFill>
+                <a:latin typeface="Times New Roman"/>
+                <a:cs typeface="Times New Roman"/>
+              </a:rPr>
+              <a:t>Код сервера</a:t>
+            </a:r>
+          </a:p>
+        </p:txBody>
+      </p:sp>
+      <p:pic>
+        <p:nvPicPr>
+          <p:cNvPr id="4" name="Рисунок 3">
+            <a:extLst>
+              <a:ext uri="{FF2B5EF4-FFF2-40B4-BE49-F238E27FC236}">
+                <a16:creationId xmlns:a16="http://schemas.microsoft.com/office/drawing/2014/main" id="{6A5E2C8F-11CF-4B6D-9738-32F19D663072}"/>
+              </a:ext>
+            </a:extLst>
+          </p:cNvPr>
+          <p:cNvPicPr>
+            <a:picLocks noChangeAspect="1"/>
+          </p:cNvPicPr>
+          <p:nvPr/>
+        </p:nvPicPr>
+        <p:blipFill>
+          <a:blip r:embed="rId2"/>
+          <a:stretch>
+            <a:fillRect/>
+          </a:stretch>
+        </p:blipFill>
+        <p:spPr>
+          <a:xfrm>
+            <a:off x="389467" y="1017725"/>
+            <a:ext cx="3922736" cy="3553075"/>
+          </a:xfrm>
+          <a:prstGeom prst="rect">
+            <a:avLst/>
+          </a:prstGeom>
+        </p:spPr>
+      </p:pic>
+      <p:pic>
+        <p:nvPicPr>
+          <p:cNvPr id="5" name="Рисунок 4">
+            <a:extLst>
+              <a:ext uri="{FF2B5EF4-FFF2-40B4-BE49-F238E27FC236}">
+                <a16:creationId xmlns:a16="http://schemas.microsoft.com/office/drawing/2014/main" id="{2E767FB0-DB09-4CCC-AA7C-7F30705AD1DD}"/>
+              </a:ext>
+            </a:extLst>
+          </p:cNvPr>
+          <p:cNvPicPr>
+            <a:picLocks noChangeAspect="1"/>
+          </p:cNvPicPr>
+          <p:nvPr/>
+        </p:nvPicPr>
+        <p:blipFill>
+          <a:blip r:embed="rId3"/>
+          <a:stretch>
+            <a:fillRect/>
+          </a:stretch>
+        </p:blipFill>
+        <p:spPr>
+          <a:xfrm>
+            <a:off x="4543021" y="1017725"/>
+            <a:ext cx="4211512" cy="3553075"/>
+          </a:xfrm>
+          <a:prstGeom prst="rect">
+            <a:avLst/>
+          </a:prstGeom>
+        </p:spPr>
+      </p:pic>
+    </p:spTree>
+    <p:extLst>
+      <p:ext uri="{BB962C8B-B14F-4D97-AF65-F5344CB8AC3E}">
+        <p14:creationId xmlns:p14="http://schemas.microsoft.com/office/powerpoint/2010/main" val="2811445836"/>
+      </p:ext>
+    </p:extLst>
+  </p:cSld>
+  <p:clrMapOvr>
+    <a:masterClrMapping/>
+  </p:clrMapOvr>
+</p:sld>
+</file>
+
+<file path=ppt/slides/slide2.xml><?xml version="1.0" encoding="utf-8"?>
+<p:sld xmlns:a="http://schemas.openxmlformats.org/drawingml/2006/main" xmlns:r="http://schemas.openxmlformats.org/officeDocument/2006/relationships" xmlns:p="http://schemas.openxmlformats.org/presentationml/2006/main">
+  <p:cSld>
+    <p:spTree>
+      <p:nvGrpSpPr>
+        <p:cNvPr id="1" name="Shape 84"/>
+        <p:cNvGrpSpPr/>
+        <p:nvPr/>
+      </p:nvGrpSpPr>
+      <p:grpSpPr>
+        <a:xfrm>
+          <a:off x="0" y="0"/>
+          <a:ext cx="0" cy="0"/>
+          <a:chOff x="0" y="0"/>
+          <a:chExt cx="0" cy="0"/>
+        </a:xfrm>
+      </p:grpSpPr>
+      <p:sp>
+        <p:nvSpPr>
+          <p:cNvPr id="85" name="Google Shape;85;p12"/>
+          <p:cNvSpPr txBox="1">
+            <a:spLocks noGrp="1"/>
+          </p:cNvSpPr>
+          <p:nvPr>
+            <p:ph type="title"/>
+          </p:nvPr>
+        </p:nvSpPr>
+        <p:spPr>
+          <a:xfrm>
+            <a:off x="311700" y="138550"/>
+            <a:ext cx="8520600" cy="4400100"/>
+          </a:xfrm>
+          <a:prstGeom prst="rect">
+            <a:avLst/>
+          </a:prstGeom>
+          <a:noFill/>
+          <a:ln>
+            <a:noFill/>
+          </a:ln>
+        </p:spPr>
+        <p:txBody>
+          <a:bodyPr spcFirstLastPara="1" wrap="square" lIns="91425" tIns="91425" rIns="91425" bIns="91425" anchor="t" anchorCtr="0">
+            <a:noAutofit/>
+          </a:bodyPr>
+          <a:lstStyle/>
+          <a:p>
+            <a:pPr marL="0" lvl="0" indent="0" algn="ctr" rtl="0">
+              <a:lnSpc>
+                <a:spcPct val="100000"/>
+              </a:lnSpc>
+              <a:spcBef>
+                <a:spcPts val="0"/>
+              </a:spcBef>
+              <a:spcAft>
+                <a:spcPts val="0"/>
+              </a:spcAft>
+              <a:buSzPts val="2800"/>
+              <a:buNone/>
+            </a:pPr>
+            <a:r>
+              <a:rPr lang="ru" sz="1800" b="1">
+                <a:solidFill>
+                  <a:srgbClr val="11696D"/>
+                </a:solidFill>
+                <a:latin typeface="Times New Roman"/>
+                <a:ea typeface="Times New Roman"/>
+                <a:cs typeface="Times New Roman"/>
+                <a:sym typeface="Times New Roman"/>
+              </a:rPr>
+              <a:t>Проект по теме </a:t>
+            </a:r>
+            <a:endParaRPr sz="1800" b="1">
+              <a:solidFill>
+                <a:srgbClr val="11696D"/>
+              </a:solidFill>
+              <a:latin typeface="Times New Roman"/>
+              <a:ea typeface="Times New Roman"/>
+              <a:cs typeface="Times New Roman"/>
+              <a:sym typeface="Times New Roman"/>
+            </a:endParaRPr>
+          </a:p>
+          <a:p>
+            <a:pPr marL="0" lvl="0" indent="0" algn="ctr" rtl="0">
+              <a:lnSpc>
+                <a:spcPct val="100000"/>
+              </a:lnSpc>
+              <a:spcBef>
+                <a:spcPts val="0"/>
+              </a:spcBef>
+              <a:spcAft>
+                <a:spcPts val="0"/>
+              </a:spcAft>
+              <a:buSzPts val="2800"/>
+              <a:buNone/>
+            </a:pPr>
+            <a:r>
+              <a:rPr lang="ru" sz="1800" b="1">
+                <a:solidFill>
+                  <a:srgbClr val="11696D"/>
+                </a:solidFill>
+                <a:latin typeface="Times New Roman"/>
+                <a:ea typeface="Times New Roman"/>
+                <a:cs typeface="Times New Roman"/>
+                <a:sym typeface="Times New Roman"/>
+              </a:rPr>
+              <a:t>«Создание полноценного Web-сайта и публикация его на GitHub»</a:t>
+            </a:r>
+            <a:endParaRPr sz="2000" b="1">
+              <a:solidFill>
+                <a:srgbClr val="11696D"/>
+              </a:solidFill>
+              <a:latin typeface="Montserrat"/>
+              <a:ea typeface="Montserrat"/>
+              <a:cs typeface="Montserrat"/>
+              <a:sym typeface="Montserrat"/>
+            </a:endParaRPr>
+          </a:p>
+        </p:txBody>
+      </p:sp>
+      <p:cxnSp>
+        <p:nvCxnSpPr>
+          <p:cNvPr id="86" name="Google Shape;86;p12"/>
+          <p:cNvCxnSpPr/>
+          <p:nvPr/>
+        </p:nvCxnSpPr>
+        <p:spPr>
+          <a:xfrm>
+            <a:off x="286050" y="4845025"/>
+            <a:ext cx="8172900" cy="26700"/>
+          </a:xfrm>
+          <a:prstGeom prst="straightConnector1">
+            <a:avLst/>
+          </a:prstGeom>
+          <a:noFill/>
+          <a:ln w="28575" cap="flat" cmpd="sng">
+            <a:solidFill>
+              <a:srgbClr val="11696D"/>
+            </a:solidFill>
+            <a:prstDash val="solid"/>
+            <a:round/>
+            <a:headEnd type="none" w="sm" len="sm"/>
+            <a:tailEnd type="none" w="sm" len="sm"/>
+          </a:ln>
+        </p:spPr>
+      </p:cxnSp>
+      <p:sp>
+        <p:nvSpPr>
+          <p:cNvPr id="87" name="Google Shape;87;p12"/>
+          <p:cNvSpPr txBox="1"/>
+          <p:nvPr/>
+        </p:nvSpPr>
+        <p:spPr>
+          <a:xfrm>
+            <a:off x="8583175" y="4658275"/>
+            <a:ext cx="914400" cy="400200"/>
+          </a:xfrm>
+          <a:prstGeom prst="rect">
+            <a:avLst/>
+          </a:prstGeom>
+          <a:noFill/>
+          <a:ln>
+            <a:noFill/>
+          </a:ln>
+        </p:spPr>
+        <p:txBody>
+          <a:bodyPr spcFirstLastPara="1" wrap="square" lIns="91425" tIns="91425" rIns="91425" bIns="91425" anchor="t" anchorCtr="0">
+            <a:spAutoFit/>
+          </a:bodyPr>
+          <a:lstStyle/>
+          <a:p>
+            <a:pPr marL="0" marR="0" lvl="0" indent="0" algn="l" rtl="0">
+              <a:lnSpc>
+                <a:spcPct val="100000"/>
+              </a:lnSpc>
+              <a:spcBef>
+                <a:spcPts val="0"/>
+              </a:spcBef>
+              <a:spcAft>
+                <a:spcPts val="0"/>
+              </a:spcAft>
+              <a:buClr>
+                <a:srgbClr val="000000"/>
+              </a:buClr>
+              <a:buSzPts val="1400"/>
+              <a:buFont typeface="Arial"/>
+              <a:buNone/>
+            </a:pPr>
+            <a:r>
+              <a:rPr lang="ru" sz="1400" b="0" i="0" u="none" strike="noStrike" cap="none">
+                <a:solidFill>
+                  <a:srgbClr val="11696D"/>
+                </a:solidFill>
+                <a:latin typeface="Montserrat Black"/>
+                <a:ea typeface="Montserrat Black"/>
+                <a:cs typeface="Montserrat Black"/>
+                <a:sym typeface="Montserrat Black"/>
+              </a:rPr>
+              <a:t>2</a:t>
+            </a:r>
+            <a:endParaRPr sz="1400" b="0" i="0" u="none" strike="noStrike" cap="none">
+              <a:solidFill>
+                <a:srgbClr val="11696D"/>
+              </a:solidFill>
+              <a:latin typeface="Montserrat Black"/>
+              <a:ea typeface="Montserrat Black"/>
+              <a:cs typeface="Montserrat Black"/>
+              <a:sym typeface="Montserrat Black"/>
+            </a:endParaRPr>
+          </a:p>
+        </p:txBody>
+      </p:sp>
+      <p:sp>
+        <p:nvSpPr>
+          <p:cNvPr id="88" name="Google Shape;88;p12"/>
+          <p:cNvSpPr txBox="1"/>
+          <p:nvPr/>
+        </p:nvSpPr>
+        <p:spPr>
+          <a:xfrm>
+            <a:off x="311700" y="916275"/>
+            <a:ext cx="8639400" cy="3678900"/>
+          </a:xfrm>
+          <a:prstGeom prst="rect">
+            <a:avLst/>
+          </a:prstGeom>
+          <a:noFill/>
+          <a:ln>
+            <a:noFill/>
+          </a:ln>
+        </p:spPr>
+        <p:txBody>
+          <a:bodyPr spcFirstLastPara="1" wrap="square" lIns="91425" tIns="91425" rIns="91425" bIns="91425" anchor="t" anchorCtr="0">
+            <a:spAutoFit/>
+          </a:bodyPr>
+          <a:lstStyle/>
+          <a:p>
+            <a:pPr marL="0" marR="0" lvl="0" indent="0" algn="l" rtl="0">
+              <a:lnSpc>
+                <a:spcPct val="100000"/>
+              </a:lnSpc>
+              <a:spcBef>
+                <a:spcPts val="600"/>
+              </a:spcBef>
+              <a:spcAft>
+                <a:spcPts val="0"/>
+              </a:spcAft>
+              <a:buClr>
+                <a:srgbClr val="000000"/>
+              </a:buClr>
+              <a:buSzPts val="1050"/>
+              <a:buFont typeface="Arial"/>
+              <a:buNone/>
+            </a:pPr>
+            <a:r>
+              <a:rPr lang="ru" sz="1400" b="1" i="0" u="none" strike="noStrike" cap="none">
+                <a:solidFill>
+                  <a:schemeClr val="dk1"/>
+                </a:solidFill>
+                <a:latin typeface="Times New Roman"/>
+                <a:ea typeface="Times New Roman"/>
+                <a:cs typeface="Times New Roman"/>
+                <a:sym typeface="Times New Roman"/>
+              </a:rPr>
+              <a:t>Содержание:</a:t>
+            </a:r>
+            <a:endParaRPr sz="1400" b="1" i="0" u="none" strike="noStrike" cap="none">
+              <a:solidFill>
+                <a:schemeClr val="dk1"/>
+              </a:solidFill>
+              <a:latin typeface="Times New Roman"/>
+              <a:ea typeface="Times New Roman"/>
+              <a:cs typeface="Times New Roman"/>
+              <a:sym typeface="Times New Roman"/>
+            </a:endParaRPr>
+          </a:p>
+          <a:p>
+            <a:pPr marL="450000" marR="0" lvl="0" indent="-358900" algn="l" rtl="0">
+              <a:lnSpc>
+                <a:spcPct val="100000"/>
+              </a:lnSpc>
+              <a:spcBef>
+                <a:spcPts val="600"/>
+              </a:spcBef>
+              <a:spcAft>
+                <a:spcPts val="0"/>
+              </a:spcAft>
+              <a:buClr>
+                <a:schemeClr val="dk1"/>
+              </a:buClr>
+              <a:buSzPts val="1400"/>
+              <a:buFont typeface="Times New Roman"/>
+              <a:buAutoNum type="arabicPeriod"/>
+            </a:pPr>
+            <a:r>
+              <a:rPr lang="ru" sz="1400" b="0" i="0" u="none" strike="noStrike" cap="none">
+                <a:solidFill>
+                  <a:schemeClr val="dk1"/>
+                </a:solidFill>
+                <a:latin typeface="Times New Roman"/>
+                <a:ea typeface="Times New Roman"/>
+                <a:cs typeface="Times New Roman"/>
+                <a:sym typeface="Times New Roman"/>
+              </a:rPr>
+              <a:t>Описание проекта, его основные характеристики, цели и область применения</a:t>
+            </a:r>
+            <a:endParaRPr sz="1400" b="1" i="0" u="none" strike="noStrike" cap="none">
+              <a:solidFill>
+                <a:schemeClr val="dk1"/>
+              </a:solidFill>
+              <a:latin typeface="Times New Roman"/>
+              <a:ea typeface="Times New Roman"/>
+              <a:cs typeface="Times New Roman"/>
+              <a:sym typeface="Times New Roman"/>
+            </a:endParaRPr>
+          </a:p>
+          <a:p>
+            <a:pPr marL="450000" marR="0" lvl="0" indent="-358900" algn="l" rtl="0">
+              <a:lnSpc>
+                <a:spcPct val="100000"/>
+              </a:lnSpc>
+              <a:spcBef>
+                <a:spcPts val="600"/>
+              </a:spcBef>
+              <a:spcAft>
+                <a:spcPts val="0"/>
+              </a:spcAft>
+              <a:buClr>
+                <a:schemeClr val="dk1"/>
+              </a:buClr>
+              <a:buSzPts val="1400"/>
+              <a:buFont typeface="Times New Roman"/>
+              <a:buAutoNum type="arabicPeriod"/>
+            </a:pPr>
+            <a:r>
+              <a:rPr lang="ru" sz="1400" b="0" i="0" u="none" strike="noStrike" cap="none">
+                <a:solidFill>
+                  <a:schemeClr val="dk1"/>
+                </a:solidFill>
+                <a:latin typeface="Times New Roman"/>
+                <a:ea typeface="Times New Roman"/>
+                <a:cs typeface="Times New Roman"/>
+                <a:sym typeface="Times New Roman"/>
+              </a:rPr>
+              <a:t>Применяемые паттерны проектирования, обоснование их выбора</a:t>
+            </a:r>
+            <a:endParaRPr sz="1400" b="0" i="0" u="none" strike="noStrike" cap="none">
+              <a:solidFill>
+                <a:schemeClr val="dk1"/>
+              </a:solidFill>
+              <a:latin typeface="Times New Roman"/>
+              <a:ea typeface="Times New Roman"/>
+              <a:cs typeface="Times New Roman"/>
+              <a:sym typeface="Times New Roman"/>
+            </a:endParaRPr>
+          </a:p>
+          <a:p>
+            <a:pPr marL="450000" marR="0" lvl="0" indent="-358900" algn="l" rtl="0">
+              <a:lnSpc>
+                <a:spcPct val="100000"/>
+              </a:lnSpc>
+              <a:spcBef>
+                <a:spcPts val="600"/>
+              </a:spcBef>
+              <a:spcAft>
+                <a:spcPts val="0"/>
+              </a:spcAft>
+              <a:buClr>
+                <a:schemeClr val="dk1"/>
+              </a:buClr>
+              <a:buSzPts val="1400"/>
+              <a:buFont typeface="Times New Roman"/>
+              <a:buAutoNum type="arabicPeriod"/>
+            </a:pPr>
+            <a:r>
+              <a:rPr lang="ru" sz="1400" b="0" i="0" u="none" strike="noStrike" cap="none">
+                <a:solidFill>
+                  <a:schemeClr val="dk1"/>
+                </a:solidFill>
+                <a:latin typeface="Times New Roman"/>
+                <a:ea typeface="Times New Roman"/>
+                <a:cs typeface="Times New Roman"/>
+                <a:sym typeface="Times New Roman"/>
+              </a:rPr>
+              <a:t>API-интерфейсы для обеспечения взаимодействия программного решения с внешними системами или сервисами</a:t>
+            </a:r>
+            <a:endParaRPr sz="1400" b="0" i="0" u="none" strike="noStrike" cap="none">
+              <a:solidFill>
+                <a:schemeClr val="dk1"/>
+              </a:solidFill>
+              <a:latin typeface="Times New Roman"/>
+              <a:ea typeface="Times New Roman"/>
+              <a:cs typeface="Times New Roman"/>
+              <a:sym typeface="Times New Roman"/>
+            </a:endParaRPr>
+          </a:p>
+          <a:p>
+            <a:pPr marL="457200" marR="0" lvl="0" indent="-366100" algn="l" rtl="0">
+              <a:lnSpc>
+                <a:spcPct val="100000"/>
+              </a:lnSpc>
+              <a:spcBef>
+                <a:spcPts val="600"/>
+              </a:spcBef>
+              <a:spcAft>
+                <a:spcPts val="0"/>
+              </a:spcAft>
+              <a:buClr>
+                <a:schemeClr val="dk1"/>
+              </a:buClr>
+              <a:buSzPts val="1400"/>
+              <a:buFont typeface="Times New Roman"/>
+              <a:buAutoNum type="arabicPeriod"/>
+            </a:pPr>
+            <a:r>
+              <a:rPr lang="ru" sz="1400" b="0" i="0" u="none" strike="noStrike" cap="none">
+                <a:solidFill>
+                  <a:schemeClr val="dk1"/>
+                </a:solidFill>
+                <a:latin typeface="Times New Roman"/>
+                <a:ea typeface="Times New Roman"/>
+                <a:cs typeface="Times New Roman"/>
+                <a:sym typeface="Times New Roman"/>
+              </a:rPr>
+              <a:t>Библиотеки для оптимизации решений в вашем проекте, объяснение их применения</a:t>
+            </a:r>
+            <a:endParaRPr sz="1400" b="0" i="0" u="none" strike="noStrike" cap="none">
+              <a:solidFill>
+                <a:schemeClr val="dk1"/>
+              </a:solidFill>
+              <a:latin typeface="Times New Roman"/>
+              <a:ea typeface="Times New Roman"/>
+              <a:cs typeface="Times New Roman"/>
+              <a:sym typeface="Times New Roman"/>
+            </a:endParaRPr>
+          </a:p>
+          <a:p>
+            <a:pPr marL="457200" marR="0" lvl="0" indent="-366100" algn="l" rtl="0">
+              <a:lnSpc>
+                <a:spcPct val="100000"/>
+              </a:lnSpc>
+              <a:spcBef>
+                <a:spcPts val="600"/>
+              </a:spcBef>
+              <a:spcAft>
+                <a:spcPts val="0"/>
+              </a:spcAft>
+              <a:buClr>
+                <a:schemeClr val="dk1"/>
+              </a:buClr>
+              <a:buSzPts val="1400"/>
+              <a:buFont typeface="Times New Roman"/>
+              <a:buAutoNum type="arabicPeriod"/>
+            </a:pPr>
+            <a:r>
+              <a:rPr lang="ru" sz="1400" b="0" i="0" u="none" strike="noStrike" cap="none">
+                <a:solidFill>
+                  <a:schemeClr val="dk1"/>
+                </a:solidFill>
+                <a:latin typeface="Times New Roman"/>
+                <a:ea typeface="Times New Roman"/>
+                <a:cs typeface="Times New Roman"/>
+                <a:sym typeface="Times New Roman"/>
+              </a:rPr>
+              <a:t>Разработанная система тестирования ключевых компонентов проекта, включая отладку кода и обработку возможных ошибок</a:t>
+            </a:r>
+            <a:endParaRPr sz="1400" b="0" i="0" u="none" strike="noStrike" cap="none">
+              <a:solidFill>
+                <a:schemeClr val="dk1"/>
+              </a:solidFill>
+              <a:latin typeface="Times New Roman"/>
+              <a:ea typeface="Times New Roman"/>
+              <a:cs typeface="Times New Roman"/>
+              <a:sym typeface="Times New Roman"/>
+            </a:endParaRPr>
+          </a:p>
+          <a:p>
+            <a:pPr marL="457200" marR="0" lvl="0" indent="-366100" algn="l" rtl="0">
+              <a:lnSpc>
+                <a:spcPct val="100000"/>
+              </a:lnSpc>
+              <a:spcBef>
+                <a:spcPts val="600"/>
+              </a:spcBef>
+              <a:spcAft>
+                <a:spcPts val="0"/>
+              </a:spcAft>
+              <a:buClr>
+                <a:schemeClr val="dk1"/>
+              </a:buClr>
+              <a:buSzPts val="1400"/>
+              <a:buFont typeface="Times New Roman"/>
+              <a:buAutoNum type="arabicPeriod"/>
+            </a:pPr>
+            <a:r>
+              <a:rPr lang="ru" sz="1400" b="0" i="0" u="none" strike="noStrike" cap="none">
+                <a:solidFill>
+                  <a:schemeClr val="dk1"/>
+                </a:solidFill>
+                <a:latin typeface="Times New Roman"/>
+                <a:ea typeface="Times New Roman"/>
+                <a:cs typeface="Times New Roman"/>
+                <a:sym typeface="Times New Roman"/>
+              </a:rPr>
+              <a:t>Анализ производительности проекта</a:t>
+            </a:r>
+            <a:endParaRPr sz="1400" b="0" i="0" u="none" strike="noStrike" cap="none">
+              <a:solidFill>
+                <a:schemeClr val="dk1"/>
+              </a:solidFill>
+              <a:latin typeface="Times New Roman"/>
+              <a:ea typeface="Times New Roman"/>
+              <a:cs typeface="Times New Roman"/>
+              <a:sym typeface="Times New Roman"/>
+            </a:endParaRPr>
+          </a:p>
+          <a:p>
+            <a:pPr marL="457200" marR="0" lvl="0" indent="-366100" algn="l" rtl="0">
+              <a:lnSpc>
+                <a:spcPct val="100000"/>
+              </a:lnSpc>
+              <a:spcBef>
+                <a:spcPts val="600"/>
+              </a:spcBef>
+              <a:spcAft>
+                <a:spcPts val="0"/>
+              </a:spcAft>
+              <a:buClr>
+                <a:schemeClr val="dk1"/>
+              </a:buClr>
+              <a:buSzPts val="1400"/>
+              <a:buFont typeface="Times New Roman"/>
+              <a:buAutoNum type="arabicPeriod"/>
+            </a:pPr>
+            <a:r>
+              <a:rPr lang="ru" sz="1400" b="0" i="0" u="none" strike="noStrike" cap="none">
+                <a:solidFill>
+                  <a:schemeClr val="dk1"/>
+                </a:solidFill>
+                <a:latin typeface="Times New Roman"/>
+                <a:ea typeface="Times New Roman"/>
+                <a:cs typeface="Times New Roman"/>
+                <a:sym typeface="Times New Roman"/>
+              </a:rPr>
+              <a:t>Стратегии управления ресурсами и энергопотреблением для повышения эффективности работы программы</a:t>
+            </a:r>
+            <a:endParaRPr sz="1400" b="0" i="0" u="none" strike="noStrike" cap="none">
+              <a:solidFill>
+                <a:schemeClr val="dk1"/>
+              </a:solidFill>
+              <a:latin typeface="Times New Roman"/>
+              <a:ea typeface="Times New Roman"/>
+              <a:cs typeface="Times New Roman"/>
+              <a:sym typeface="Times New Roman"/>
+            </a:endParaRPr>
+          </a:p>
+          <a:p>
+            <a:pPr marL="457200" marR="0" lvl="0" indent="-366100" algn="l" rtl="0">
+              <a:lnSpc>
+                <a:spcPct val="100000"/>
+              </a:lnSpc>
+              <a:spcBef>
+                <a:spcPts val="600"/>
+              </a:spcBef>
+              <a:spcAft>
+                <a:spcPts val="0"/>
+              </a:spcAft>
+              <a:buClr>
+                <a:schemeClr val="dk1"/>
+              </a:buClr>
+              <a:buSzPts val="1400"/>
+              <a:buFont typeface="Times New Roman"/>
+              <a:buAutoNum type="arabicPeriod"/>
+            </a:pPr>
+            <a:r>
+              <a:rPr lang="ru" sz="1400" b="0" i="0" u="none" strike="noStrike" cap="none">
+                <a:solidFill>
+                  <a:schemeClr val="dk1"/>
+                </a:solidFill>
+                <a:latin typeface="Times New Roman"/>
+                <a:ea typeface="Times New Roman"/>
+                <a:cs typeface="Times New Roman"/>
+                <a:sym typeface="Times New Roman"/>
+              </a:rPr>
+              <a:t>Документация к коду проекта</a:t>
+            </a:r>
+            <a:endParaRPr sz="1400" b="0" i="0" u="none" strike="noStrike" cap="none">
+              <a:solidFill>
+                <a:schemeClr val="dk1"/>
+              </a:solidFill>
+              <a:latin typeface="Times New Roman"/>
+              <a:ea typeface="Times New Roman"/>
+              <a:cs typeface="Times New Roman"/>
+              <a:sym typeface="Times New Roman"/>
+            </a:endParaRPr>
+          </a:p>
+          <a:p>
+            <a:pPr marL="457200" marR="0" lvl="0" indent="-366100" algn="l" rtl="0">
+              <a:lnSpc>
+                <a:spcPct val="100000"/>
+              </a:lnSpc>
+              <a:spcBef>
+                <a:spcPts val="600"/>
+              </a:spcBef>
+              <a:spcAft>
+                <a:spcPts val="0"/>
+              </a:spcAft>
+              <a:buClr>
+                <a:schemeClr val="dk1"/>
+              </a:buClr>
+              <a:buSzPts val="1400"/>
+              <a:buFont typeface="Times New Roman"/>
+              <a:buAutoNum type="arabicPeriod"/>
+            </a:pPr>
+            <a:r>
+              <a:rPr lang="ru" sz="1400" b="0" i="0" u="none" strike="noStrike" cap="none">
+                <a:solidFill>
+                  <a:schemeClr val="dk1"/>
+                </a:solidFill>
+                <a:latin typeface="Times New Roman"/>
+                <a:ea typeface="Times New Roman"/>
+                <a:cs typeface="Times New Roman"/>
+                <a:sym typeface="Times New Roman"/>
+              </a:rPr>
+              <a:t>Демонстрация ключевой функциональности проекта</a:t>
+            </a:r>
+            <a:endParaRPr sz="1400" b="1" i="0" u="none" strike="noStrike" cap="none">
+              <a:solidFill>
+                <a:schemeClr val="dk1"/>
+              </a:solidFill>
+              <a:latin typeface="Times New Roman"/>
+              <a:ea typeface="Times New Roman"/>
+              <a:cs typeface="Times New Roman"/>
+              <a:sym typeface="Times New Roman"/>
+            </a:endParaRPr>
+          </a:p>
+        </p:txBody>
+      </p:sp>
+    </p:spTree>
+  </p:cSld>
+  <p:clrMapOvr>
+    <a:masterClrMapping/>
+  </p:clrMapOvr>
+</p:sld>
+</file>
+
+<file path=ppt/slides/slide20.xml><?xml version="1.0" encoding="utf-8"?>
 <p:sld xmlns:a="http://schemas.openxmlformats.org/drawingml/2006/main" xmlns:r="http://schemas.openxmlformats.org/officeDocument/2006/relationships" xmlns:p="http://schemas.openxmlformats.org/presentationml/2006/main">
   <p:cSld>
     <p:spTree>
@@ -14722,2608 +14055,7 @@
 </p:sld>
 </file>
 
-<file path=ppt/slides/slide2.xml><?xml version="1.0" encoding="utf-8"?>
-<p:sld xmlns:a="http://schemas.openxmlformats.org/drawingml/2006/main" xmlns:r="http://schemas.openxmlformats.org/officeDocument/2006/relationships" xmlns:p="http://schemas.openxmlformats.org/presentationml/2006/main">
-  <p:cSld>
-    <p:spTree>
-      <p:nvGrpSpPr>
-        <p:cNvPr id="1" name="Shape 62"/>
-        <p:cNvGrpSpPr/>
-        <p:nvPr/>
-      </p:nvGrpSpPr>
-      <p:grpSpPr>
-        <a:xfrm>
-          <a:off x="0" y="0"/>
-          <a:ext cx="0" cy="0"/>
-          <a:chOff x="0" y="0"/>
-          <a:chExt cx="0" cy="0"/>
-        </a:xfrm>
-      </p:grpSpPr>
-      <p:pic>
-        <p:nvPicPr>
-          <p:cNvPr id="63" name="Google Shape;63;p2" descr="Изображение выглядит как корона, Графика, искусство, текст&#10;&#10;Автоматически созданное описание"/>
-          <p:cNvPicPr preferRelativeResize="0"/>
-          <p:nvPr/>
-        </p:nvPicPr>
-        <p:blipFill rotWithShape="1">
-          <a:blip r:embed="rId3">
-            <a:alphaModFix/>
-          </a:blip>
-          <a:srcRect/>
-          <a:stretch/>
-        </p:blipFill>
-        <p:spPr>
-          <a:xfrm>
-            <a:off x="6256700" y="614363"/>
-            <a:ext cx="3714750" cy="3914775"/>
-          </a:xfrm>
-          <a:prstGeom prst="rect">
-            <a:avLst/>
-          </a:prstGeom>
-          <a:noFill/>
-          <a:ln>
-            <a:noFill/>
-          </a:ln>
-        </p:spPr>
-      </p:pic>
-      <p:sp>
-        <p:nvSpPr>
-          <p:cNvPr id="64" name="Google Shape;64;p2"/>
-          <p:cNvSpPr txBox="1">
-            <a:spLocks noGrp="1"/>
-          </p:cNvSpPr>
-          <p:nvPr>
-            <p:ph type="title"/>
-          </p:nvPr>
-        </p:nvSpPr>
-        <p:spPr>
-          <a:xfrm>
-            <a:off x="311700" y="-46425"/>
-            <a:ext cx="8520600" cy="4393500"/>
-          </a:xfrm>
-          <a:prstGeom prst="rect">
-            <a:avLst/>
-          </a:prstGeom>
-          <a:noFill/>
-          <a:ln>
-            <a:noFill/>
-          </a:ln>
-        </p:spPr>
-        <p:txBody>
-          <a:bodyPr spcFirstLastPara="1" wrap="square" lIns="91425" tIns="91425" rIns="91425" bIns="91425" anchor="t" anchorCtr="0">
-            <a:noAutofit/>
-          </a:bodyPr>
-          <a:lstStyle/>
-          <a:p>
-            <a:pPr marL="0" lvl="0" indent="444500" algn="just" rtl="0">
-              <a:lnSpc>
-                <a:spcPct val="100000"/>
-              </a:lnSpc>
-              <a:spcBef>
-                <a:spcPts val="0"/>
-              </a:spcBef>
-              <a:spcAft>
-                <a:spcPts val="0"/>
-              </a:spcAft>
-              <a:buClr>
-                <a:schemeClr val="dk1"/>
-              </a:buClr>
-              <a:buSzPts val="1100"/>
-              <a:buFont typeface="Arial"/>
-              <a:buNone/>
-            </a:pPr>
-            <a:r>
-              <a:rPr lang="ru" sz="1500">
-                <a:latin typeface="Times New Roman"/>
-                <a:ea typeface="Times New Roman"/>
-                <a:cs typeface="Times New Roman"/>
-                <a:sym typeface="Times New Roman"/>
-              </a:rPr>
-              <a:t>В качестве выпускной аттестационной работы слушателям предлагается разработать проект по теме «Создание полноценного Web-сайта и публикация его на GitHub».</a:t>
-            </a:r>
-            <a:endParaRPr sz="1500">
-              <a:latin typeface="Times New Roman"/>
-              <a:ea typeface="Times New Roman"/>
-              <a:cs typeface="Times New Roman"/>
-              <a:sym typeface="Times New Roman"/>
-            </a:endParaRPr>
-          </a:p>
-          <a:p>
-            <a:pPr marL="0" lvl="0" indent="0" algn="just" rtl="0">
-              <a:lnSpc>
-                <a:spcPct val="100000"/>
-              </a:lnSpc>
-              <a:spcBef>
-                <a:spcPts val="0"/>
-              </a:spcBef>
-              <a:spcAft>
-                <a:spcPts val="0"/>
-              </a:spcAft>
-              <a:buClr>
-                <a:schemeClr val="dk1"/>
-              </a:buClr>
-              <a:buSzPts val="1100"/>
-              <a:buFont typeface="Arial"/>
-              <a:buNone/>
-            </a:pPr>
-            <a:endParaRPr sz="1200" b="1">
-              <a:latin typeface="Times New Roman"/>
-              <a:ea typeface="Times New Roman"/>
-              <a:cs typeface="Times New Roman"/>
-              <a:sym typeface="Times New Roman"/>
-            </a:endParaRPr>
-          </a:p>
-          <a:p>
-            <a:pPr marL="0" lvl="0" indent="0" algn="just" rtl="0">
-              <a:lnSpc>
-                <a:spcPct val="100000"/>
-              </a:lnSpc>
-              <a:spcBef>
-                <a:spcPts val="600"/>
-              </a:spcBef>
-              <a:spcAft>
-                <a:spcPts val="0"/>
-              </a:spcAft>
-              <a:buClr>
-                <a:schemeClr val="dk1"/>
-              </a:buClr>
-              <a:buSzPts val="1100"/>
-              <a:buFont typeface="Arial"/>
-              <a:buNone/>
-            </a:pPr>
-            <a:r>
-              <a:rPr lang="ru" sz="1600" b="1">
-                <a:latin typeface="Times New Roman"/>
-                <a:ea typeface="Times New Roman"/>
-                <a:cs typeface="Times New Roman"/>
-                <a:sym typeface="Times New Roman"/>
-              </a:rPr>
-              <a:t>Требования к содержанию работы</a:t>
-            </a:r>
-            <a:r>
-              <a:rPr lang="ru" sz="1600">
-                <a:latin typeface="Times New Roman"/>
-                <a:ea typeface="Times New Roman"/>
-                <a:cs typeface="Times New Roman"/>
-                <a:sym typeface="Times New Roman"/>
-              </a:rPr>
-              <a:t>:</a:t>
-            </a:r>
-            <a:endParaRPr sz="1600">
-              <a:latin typeface="Times New Roman"/>
-              <a:ea typeface="Times New Roman"/>
-              <a:cs typeface="Times New Roman"/>
-              <a:sym typeface="Times New Roman"/>
-            </a:endParaRPr>
-          </a:p>
-          <a:p>
-            <a:pPr marL="0" lvl="0" indent="0" algn="just" rtl="0">
-              <a:lnSpc>
-                <a:spcPct val="100000"/>
-              </a:lnSpc>
-              <a:spcBef>
-                <a:spcPts val="0"/>
-              </a:spcBef>
-              <a:spcAft>
-                <a:spcPts val="0"/>
-              </a:spcAft>
-              <a:buClr>
-                <a:schemeClr val="dk1"/>
-              </a:buClr>
-              <a:buSzPts val="1100"/>
-              <a:buFont typeface="Arial"/>
-              <a:buNone/>
-            </a:pPr>
-            <a:endParaRPr sz="1400">
-              <a:latin typeface="Times New Roman"/>
-              <a:ea typeface="Times New Roman"/>
-              <a:cs typeface="Times New Roman"/>
-              <a:sym typeface="Times New Roman"/>
-            </a:endParaRPr>
-          </a:p>
-          <a:p>
-            <a:pPr marL="457200" lvl="0" indent="-317500" algn="l" rtl="0">
-              <a:lnSpc>
-                <a:spcPct val="100000"/>
-              </a:lnSpc>
-              <a:spcBef>
-                <a:spcPts val="0"/>
-              </a:spcBef>
-              <a:spcAft>
-                <a:spcPts val="0"/>
-              </a:spcAft>
-              <a:buSzPts val="1400"/>
-              <a:buFont typeface="Times New Roman"/>
-              <a:buAutoNum type="arabicPeriod"/>
-            </a:pPr>
-            <a:r>
-              <a:rPr lang="ru" sz="1400" b="1">
-                <a:latin typeface="Times New Roman"/>
-                <a:ea typeface="Times New Roman"/>
-                <a:cs typeface="Times New Roman"/>
-                <a:sym typeface="Times New Roman"/>
-              </a:rPr>
-              <a:t>Описание проекта:</a:t>
-            </a:r>
-            <a:endParaRPr sz="1400" b="1">
-              <a:latin typeface="Times New Roman"/>
-              <a:ea typeface="Times New Roman"/>
-              <a:cs typeface="Times New Roman"/>
-              <a:sym typeface="Times New Roman"/>
-            </a:endParaRPr>
-          </a:p>
-          <a:p>
-            <a:pPr marL="457200" lvl="0" indent="0" algn="l" rtl="0">
-              <a:lnSpc>
-                <a:spcPct val="100000"/>
-              </a:lnSpc>
-              <a:spcBef>
-                <a:spcPts val="0"/>
-              </a:spcBef>
-              <a:spcAft>
-                <a:spcPts val="0"/>
-              </a:spcAft>
-              <a:buClr>
-                <a:schemeClr val="dk1"/>
-              </a:buClr>
-              <a:buSzPts val="1100"/>
-              <a:buFont typeface="Arial"/>
-              <a:buNone/>
-            </a:pPr>
-            <a:r>
-              <a:rPr lang="ru" sz="1400">
-                <a:latin typeface="Times New Roman"/>
-                <a:ea typeface="Times New Roman"/>
-                <a:cs typeface="Times New Roman"/>
-                <a:sym typeface="Times New Roman"/>
-              </a:rPr>
-              <a:t>-Представьте описание проекта, включая его основные характеристики, цели и область применения.</a:t>
-            </a:r>
-            <a:endParaRPr sz="1400">
-              <a:latin typeface="Times New Roman"/>
-              <a:ea typeface="Times New Roman"/>
-              <a:cs typeface="Times New Roman"/>
-              <a:sym typeface="Times New Roman"/>
-            </a:endParaRPr>
-          </a:p>
-          <a:p>
-            <a:pPr marL="457200" lvl="0" indent="-317500" algn="l" rtl="0">
-              <a:lnSpc>
-                <a:spcPct val="100000"/>
-              </a:lnSpc>
-              <a:spcBef>
-                <a:spcPts val="0"/>
-              </a:spcBef>
-              <a:spcAft>
-                <a:spcPts val="0"/>
-              </a:spcAft>
-              <a:buSzPts val="1400"/>
-              <a:buFont typeface="Times New Roman"/>
-              <a:buAutoNum type="arabicPeriod"/>
-            </a:pPr>
-            <a:r>
-              <a:rPr lang="ru" sz="1400" b="1">
-                <a:latin typeface="Times New Roman"/>
-                <a:ea typeface="Times New Roman"/>
-                <a:cs typeface="Times New Roman"/>
-                <a:sym typeface="Times New Roman"/>
-              </a:rPr>
-              <a:t>Паттерны проектирования:</a:t>
-            </a:r>
-            <a:endParaRPr sz="1400" b="1">
-              <a:latin typeface="Times New Roman"/>
-              <a:ea typeface="Times New Roman"/>
-              <a:cs typeface="Times New Roman"/>
-              <a:sym typeface="Times New Roman"/>
-            </a:endParaRPr>
-          </a:p>
-          <a:p>
-            <a:pPr marL="457200" lvl="0" indent="0" algn="l" rtl="0">
-              <a:lnSpc>
-                <a:spcPct val="100000"/>
-              </a:lnSpc>
-              <a:spcBef>
-                <a:spcPts val="0"/>
-              </a:spcBef>
-              <a:spcAft>
-                <a:spcPts val="0"/>
-              </a:spcAft>
-              <a:buClr>
-                <a:schemeClr val="dk1"/>
-              </a:buClr>
-              <a:buSzPts val="1100"/>
-              <a:buFont typeface="Arial"/>
-              <a:buNone/>
-            </a:pPr>
-            <a:r>
-              <a:rPr lang="ru" sz="1400" b="1">
-                <a:latin typeface="Times New Roman"/>
-                <a:ea typeface="Times New Roman"/>
-                <a:cs typeface="Times New Roman"/>
-                <a:sym typeface="Times New Roman"/>
-              </a:rPr>
-              <a:t>-</a:t>
-            </a:r>
-            <a:r>
-              <a:rPr lang="ru" sz="1400">
-                <a:latin typeface="Times New Roman"/>
-                <a:ea typeface="Times New Roman"/>
-                <a:cs typeface="Times New Roman"/>
-                <a:sym typeface="Times New Roman"/>
-              </a:rPr>
-              <a:t>Примените не менее трех паттернов проектирования, обоснуя их выбор и демонстрируя их использование в коде проекта.</a:t>
-            </a:r>
-            <a:endParaRPr sz="1400">
-              <a:latin typeface="Times New Roman"/>
-              <a:ea typeface="Times New Roman"/>
-              <a:cs typeface="Times New Roman"/>
-              <a:sym typeface="Times New Roman"/>
-            </a:endParaRPr>
-          </a:p>
-          <a:p>
-            <a:pPr marL="457200" lvl="0" indent="-317500" algn="l" rtl="0">
-              <a:lnSpc>
-                <a:spcPct val="100000"/>
-              </a:lnSpc>
-              <a:spcBef>
-                <a:spcPts val="0"/>
-              </a:spcBef>
-              <a:spcAft>
-                <a:spcPts val="0"/>
-              </a:spcAft>
-              <a:buSzPts val="1400"/>
-              <a:buFont typeface="Times New Roman"/>
-              <a:buAutoNum type="arabicPeriod"/>
-            </a:pPr>
-            <a:r>
-              <a:rPr lang="ru" sz="1400" b="1">
-                <a:latin typeface="Times New Roman"/>
-                <a:ea typeface="Times New Roman"/>
-                <a:cs typeface="Times New Roman"/>
-                <a:sym typeface="Times New Roman"/>
-              </a:rPr>
-              <a:t>Использование API-интерфейсов:</a:t>
-            </a:r>
-            <a:endParaRPr sz="1400" b="1">
-              <a:latin typeface="Times New Roman"/>
-              <a:ea typeface="Times New Roman"/>
-              <a:cs typeface="Times New Roman"/>
-              <a:sym typeface="Times New Roman"/>
-            </a:endParaRPr>
-          </a:p>
-          <a:p>
-            <a:pPr marL="457200" lvl="0" indent="0" algn="l" rtl="0">
-              <a:lnSpc>
-                <a:spcPct val="100000"/>
-              </a:lnSpc>
-              <a:spcBef>
-                <a:spcPts val="0"/>
-              </a:spcBef>
-              <a:spcAft>
-                <a:spcPts val="0"/>
-              </a:spcAft>
-              <a:buClr>
-                <a:schemeClr val="dk1"/>
-              </a:buClr>
-              <a:buSzPts val="1100"/>
-              <a:buFont typeface="Arial"/>
-              <a:buNone/>
-            </a:pPr>
-            <a:r>
-              <a:rPr lang="ru" sz="1400" b="1">
-                <a:latin typeface="Times New Roman"/>
-                <a:ea typeface="Times New Roman"/>
-                <a:cs typeface="Times New Roman"/>
-                <a:sym typeface="Times New Roman"/>
-              </a:rPr>
-              <a:t>-</a:t>
-            </a:r>
-            <a:r>
-              <a:rPr lang="ru" sz="1400">
-                <a:latin typeface="Times New Roman"/>
-                <a:ea typeface="Times New Roman"/>
-                <a:cs typeface="Times New Roman"/>
-                <a:sym typeface="Times New Roman"/>
-              </a:rPr>
-              <a:t>Интегрируйте API-интерфейсы для обеспечения взаимодействия вашего программного решения с внешними системами или сервисами.</a:t>
-            </a:r>
-            <a:endParaRPr sz="1400">
-              <a:latin typeface="Times New Roman"/>
-              <a:ea typeface="Times New Roman"/>
-              <a:cs typeface="Times New Roman"/>
-              <a:sym typeface="Times New Roman"/>
-            </a:endParaRPr>
-          </a:p>
-          <a:p>
-            <a:pPr marL="457200" lvl="0" indent="-317500" algn="l" rtl="0">
-              <a:lnSpc>
-                <a:spcPct val="100000"/>
-              </a:lnSpc>
-              <a:spcBef>
-                <a:spcPts val="0"/>
-              </a:spcBef>
-              <a:spcAft>
-                <a:spcPts val="0"/>
-              </a:spcAft>
-              <a:buSzPts val="1400"/>
-              <a:buFont typeface="Times New Roman"/>
-              <a:buAutoNum type="arabicPeriod"/>
-            </a:pPr>
-            <a:r>
-              <a:rPr lang="ru" sz="1400" b="1">
-                <a:latin typeface="Times New Roman"/>
-                <a:ea typeface="Times New Roman"/>
-                <a:cs typeface="Times New Roman"/>
-                <a:sym typeface="Times New Roman"/>
-              </a:rPr>
-              <a:t>Библиотеки для оптимизации:</a:t>
-            </a:r>
-            <a:endParaRPr sz="1400" b="1">
-              <a:latin typeface="Times New Roman"/>
-              <a:ea typeface="Times New Roman"/>
-              <a:cs typeface="Times New Roman"/>
-              <a:sym typeface="Times New Roman"/>
-            </a:endParaRPr>
-          </a:p>
-          <a:p>
-            <a:pPr marL="457200" lvl="0" indent="0" algn="l" rtl="0">
-              <a:lnSpc>
-                <a:spcPct val="100000"/>
-              </a:lnSpc>
-              <a:spcBef>
-                <a:spcPts val="0"/>
-              </a:spcBef>
-              <a:spcAft>
-                <a:spcPts val="0"/>
-              </a:spcAft>
-              <a:buClr>
-                <a:schemeClr val="dk1"/>
-              </a:buClr>
-              <a:buSzPts val="1100"/>
-              <a:buFont typeface="Arial"/>
-              <a:buNone/>
-            </a:pPr>
-            <a:r>
-              <a:rPr lang="ru" sz="1400" b="1">
-                <a:latin typeface="Times New Roman"/>
-                <a:ea typeface="Times New Roman"/>
-                <a:cs typeface="Times New Roman"/>
-                <a:sym typeface="Times New Roman"/>
-              </a:rPr>
-              <a:t>-</a:t>
-            </a:r>
-            <a:r>
-              <a:rPr lang="ru" sz="1400">
-                <a:latin typeface="Times New Roman"/>
-                <a:ea typeface="Times New Roman"/>
-                <a:cs typeface="Times New Roman"/>
-                <a:sym typeface="Times New Roman"/>
-              </a:rPr>
-              <a:t>Внедрите не менее двух библиотек для оптимизации решений в вашем проекте, предоставив объяснение их применения и демонстрируя улучшения в эффективности работы программы.</a:t>
-            </a:r>
-            <a:endParaRPr sz="1400">
-              <a:latin typeface="Times New Roman"/>
-              <a:ea typeface="Times New Roman"/>
-              <a:cs typeface="Times New Roman"/>
-              <a:sym typeface="Times New Roman"/>
-            </a:endParaRPr>
-          </a:p>
-          <a:p>
-            <a:pPr marL="0" lvl="0" indent="444500" algn="just" rtl="0">
-              <a:lnSpc>
-                <a:spcPct val="100000"/>
-              </a:lnSpc>
-              <a:spcBef>
-                <a:spcPts val="0"/>
-              </a:spcBef>
-              <a:spcAft>
-                <a:spcPts val="0"/>
-              </a:spcAft>
-              <a:buClr>
-                <a:schemeClr val="dk1"/>
-              </a:buClr>
-              <a:buSzPts val="1100"/>
-              <a:buFont typeface="Arial"/>
-              <a:buNone/>
-            </a:pPr>
-            <a:endParaRPr sz="1500">
-              <a:latin typeface="Times New Roman"/>
-              <a:ea typeface="Times New Roman"/>
-              <a:cs typeface="Times New Roman"/>
-              <a:sym typeface="Times New Roman"/>
-            </a:endParaRPr>
-          </a:p>
-          <a:p>
-            <a:pPr marL="0" lvl="0" indent="0" algn="just" rtl="0">
-              <a:lnSpc>
-                <a:spcPct val="100000"/>
-              </a:lnSpc>
-              <a:spcBef>
-                <a:spcPts val="0"/>
-              </a:spcBef>
-              <a:spcAft>
-                <a:spcPts val="0"/>
-              </a:spcAft>
-              <a:buClr>
-                <a:schemeClr val="dk1"/>
-              </a:buClr>
-              <a:buSzPts val="1100"/>
-              <a:buFont typeface="Arial"/>
-              <a:buNone/>
-            </a:pPr>
-            <a:endParaRPr sz="1500">
-              <a:latin typeface="Times New Roman"/>
-              <a:ea typeface="Times New Roman"/>
-              <a:cs typeface="Times New Roman"/>
-              <a:sym typeface="Times New Roman"/>
-            </a:endParaRPr>
-          </a:p>
-          <a:p>
-            <a:pPr marL="685800" lvl="0" indent="-228600" algn="just" rtl="0">
-              <a:lnSpc>
-                <a:spcPct val="100000"/>
-              </a:lnSpc>
-              <a:spcBef>
-                <a:spcPts val="0"/>
-              </a:spcBef>
-              <a:spcAft>
-                <a:spcPts val="0"/>
-              </a:spcAft>
-              <a:buClr>
-                <a:schemeClr val="dk1"/>
-              </a:buClr>
-              <a:buSzPts val="1100"/>
-              <a:buFont typeface="Arial"/>
-              <a:buNone/>
-            </a:pPr>
-            <a:endParaRPr sz="1500" b="1">
-              <a:latin typeface="Times New Roman"/>
-              <a:ea typeface="Times New Roman"/>
-              <a:cs typeface="Times New Roman"/>
-              <a:sym typeface="Times New Roman"/>
-            </a:endParaRPr>
-          </a:p>
-          <a:p>
-            <a:pPr marL="0" lvl="0" indent="0" algn="just" rtl="0">
-              <a:lnSpc>
-                <a:spcPct val="115000"/>
-              </a:lnSpc>
-              <a:spcBef>
-                <a:spcPts val="1200"/>
-              </a:spcBef>
-              <a:spcAft>
-                <a:spcPts val="0"/>
-              </a:spcAft>
-              <a:buClr>
-                <a:schemeClr val="dk1"/>
-              </a:buClr>
-              <a:buSzPts val="1100"/>
-              <a:buFont typeface="Arial"/>
-              <a:buNone/>
-            </a:pPr>
-            <a:r>
-              <a:rPr lang="ru" sz="1500">
-                <a:solidFill>
-                  <a:srgbClr val="FF0000"/>
-                </a:solidFill>
-              </a:rPr>
-              <a:t>После прочтения – текст, этого и двух следующих слайдов - удалить!</a:t>
-            </a:r>
-            <a:endParaRPr sz="1500">
-              <a:solidFill>
-                <a:srgbClr val="FF0000"/>
-              </a:solidFill>
-            </a:endParaRPr>
-          </a:p>
-          <a:p>
-            <a:pPr marL="0" lvl="0" indent="0" algn="just" rtl="0">
-              <a:lnSpc>
-                <a:spcPct val="115000"/>
-              </a:lnSpc>
-              <a:spcBef>
-                <a:spcPts val="0"/>
-              </a:spcBef>
-              <a:spcAft>
-                <a:spcPts val="0"/>
-              </a:spcAft>
-              <a:buClr>
-                <a:schemeClr val="dk1"/>
-              </a:buClr>
-              <a:buSzPts val="1100"/>
-              <a:buFont typeface="Arial"/>
-              <a:buNone/>
-            </a:pPr>
-            <a:r>
-              <a:rPr lang="ru" sz="1500">
-                <a:solidFill>
-                  <a:srgbClr val="FF0000"/>
-                </a:solidFill>
-              </a:rPr>
-              <a:t>Работать в этом шаблоне презентации, сохранить и загрузить на платформу Odin.</a:t>
-            </a:r>
-            <a:endParaRPr sz="1500">
-              <a:solidFill>
-                <a:srgbClr val="FF0000"/>
-              </a:solidFill>
-            </a:endParaRPr>
-          </a:p>
-          <a:p>
-            <a:pPr marL="0" lvl="0" indent="0" algn="l" rtl="0">
-              <a:lnSpc>
-                <a:spcPct val="100000"/>
-              </a:lnSpc>
-              <a:spcBef>
-                <a:spcPts val="0"/>
-              </a:spcBef>
-              <a:spcAft>
-                <a:spcPts val="0"/>
-              </a:spcAft>
-              <a:buClr>
-                <a:srgbClr val="000000"/>
-              </a:buClr>
-              <a:buSzPts val="2800"/>
-              <a:buFont typeface="Arial"/>
-              <a:buNone/>
-            </a:pPr>
-            <a:endParaRPr sz="1400" b="1">
-              <a:solidFill>
-                <a:srgbClr val="11696D"/>
-              </a:solidFill>
-              <a:latin typeface="Montserrat"/>
-              <a:ea typeface="Montserrat"/>
-              <a:cs typeface="Montserrat"/>
-              <a:sym typeface="Montserrat"/>
-            </a:endParaRPr>
-          </a:p>
-        </p:txBody>
-      </p:sp>
-      <p:sp>
-        <p:nvSpPr>
-          <p:cNvPr id="65" name="Google Shape;65;p2"/>
-          <p:cNvSpPr txBox="1"/>
-          <p:nvPr/>
-        </p:nvSpPr>
-        <p:spPr>
-          <a:xfrm>
-            <a:off x="8583175" y="4658275"/>
-            <a:ext cx="914400" cy="400200"/>
-          </a:xfrm>
-          <a:prstGeom prst="rect">
-            <a:avLst/>
-          </a:prstGeom>
-          <a:noFill/>
-          <a:ln>
-            <a:noFill/>
-          </a:ln>
-        </p:spPr>
-        <p:txBody>
-          <a:bodyPr spcFirstLastPara="1" wrap="square" lIns="91425" tIns="91425" rIns="91425" bIns="91425" anchor="t" anchorCtr="0">
-            <a:spAutoFit/>
-          </a:bodyPr>
-          <a:lstStyle/>
-          <a:p>
-            <a:pPr marL="0" marR="0" lvl="0" indent="0" algn="l" rtl="0">
-              <a:lnSpc>
-                <a:spcPct val="100000"/>
-              </a:lnSpc>
-              <a:spcBef>
-                <a:spcPts val="0"/>
-              </a:spcBef>
-              <a:spcAft>
-                <a:spcPts val="0"/>
-              </a:spcAft>
-              <a:buClr>
-                <a:srgbClr val="000000"/>
-              </a:buClr>
-              <a:buSzPts val="1400"/>
-              <a:buFont typeface="Arial"/>
-              <a:buNone/>
-            </a:pPr>
-            <a:endParaRPr sz="1400" b="0" i="0" u="none" strike="noStrike" cap="none">
-              <a:solidFill>
-                <a:srgbClr val="11696D"/>
-              </a:solidFill>
-              <a:latin typeface="Montserrat Black"/>
-              <a:ea typeface="Montserrat Black"/>
-              <a:cs typeface="Montserrat Black"/>
-              <a:sym typeface="Montserrat Black"/>
-            </a:endParaRPr>
-          </a:p>
-        </p:txBody>
-      </p:sp>
-    </p:spTree>
-  </p:cSld>
-  <p:clrMapOvr>
-    <a:masterClrMapping/>
-  </p:clrMapOvr>
-</p:sld>
-</file>
-
 <file path=ppt/slides/slide3.xml><?xml version="1.0" encoding="utf-8"?>
-<p:sld xmlns:a="http://schemas.openxmlformats.org/drawingml/2006/main" xmlns:r="http://schemas.openxmlformats.org/officeDocument/2006/relationships" xmlns:p="http://schemas.openxmlformats.org/presentationml/2006/main">
-  <p:cSld>
-    <p:spTree>
-      <p:nvGrpSpPr>
-        <p:cNvPr id="1" name="Shape 69"/>
-        <p:cNvGrpSpPr/>
-        <p:nvPr/>
-      </p:nvGrpSpPr>
-      <p:grpSpPr>
-        <a:xfrm>
-          <a:off x="0" y="0"/>
-          <a:ext cx="0" cy="0"/>
-          <a:chOff x="0" y="0"/>
-          <a:chExt cx="0" cy="0"/>
-        </a:xfrm>
-      </p:grpSpPr>
-      <p:sp>
-        <p:nvSpPr>
-          <p:cNvPr id="70" name="Google Shape;70;g2bd0017381e_1_2"/>
-          <p:cNvSpPr txBox="1">
-            <a:spLocks noGrp="1"/>
-          </p:cNvSpPr>
-          <p:nvPr>
-            <p:ph type="title"/>
-          </p:nvPr>
-        </p:nvSpPr>
-        <p:spPr>
-          <a:xfrm>
-            <a:off x="311700" y="445025"/>
-            <a:ext cx="8520600" cy="572700"/>
-          </a:xfrm>
-          <a:prstGeom prst="rect">
-            <a:avLst/>
-          </a:prstGeom>
-          <a:noFill/>
-          <a:ln>
-            <a:noFill/>
-          </a:ln>
-        </p:spPr>
-        <p:txBody>
-          <a:bodyPr spcFirstLastPara="1" wrap="square" lIns="91425" tIns="91425" rIns="91425" bIns="91425" anchor="t" anchorCtr="0">
-            <a:normAutofit/>
-          </a:bodyPr>
-          <a:lstStyle/>
-          <a:p>
-            <a:pPr marL="0" lvl="0" indent="0" algn="just" rtl="0">
-              <a:lnSpc>
-                <a:spcPct val="100000"/>
-              </a:lnSpc>
-              <a:spcBef>
-                <a:spcPts val="0"/>
-              </a:spcBef>
-              <a:spcAft>
-                <a:spcPts val="0"/>
-              </a:spcAft>
-              <a:buClr>
-                <a:schemeClr val="dk1"/>
-              </a:buClr>
-              <a:buSzPts val="1100"/>
-              <a:buFont typeface="Arial"/>
-              <a:buNone/>
-            </a:pPr>
-            <a:r>
-              <a:rPr lang="ru" sz="1600" b="1">
-                <a:latin typeface="Times New Roman"/>
-                <a:ea typeface="Times New Roman"/>
-                <a:cs typeface="Times New Roman"/>
-                <a:sym typeface="Times New Roman"/>
-              </a:rPr>
-              <a:t>Требования к содержанию работы (продолжение):</a:t>
-            </a:r>
-            <a:endParaRPr sz="1600" b="1"/>
-          </a:p>
-        </p:txBody>
-      </p:sp>
-      <p:sp>
-        <p:nvSpPr>
-          <p:cNvPr id="71" name="Google Shape;71;g2bd0017381e_1_2"/>
-          <p:cNvSpPr txBox="1">
-            <a:spLocks noGrp="1"/>
-          </p:cNvSpPr>
-          <p:nvPr>
-            <p:ph type="body" idx="1"/>
-          </p:nvPr>
-        </p:nvSpPr>
-        <p:spPr>
-          <a:xfrm>
-            <a:off x="311700" y="809800"/>
-            <a:ext cx="8520600" cy="3759000"/>
-          </a:xfrm>
-          <a:prstGeom prst="rect">
-            <a:avLst/>
-          </a:prstGeom>
-          <a:noFill/>
-          <a:ln>
-            <a:noFill/>
-          </a:ln>
-        </p:spPr>
-        <p:txBody>
-          <a:bodyPr spcFirstLastPara="1" wrap="square" lIns="91425" tIns="91425" rIns="91425" bIns="91425" anchor="t" anchorCtr="0">
-            <a:noAutofit/>
-          </a:bodyPr>
-          <a:lstStyle/>
-          <a:p>
-            <a:pPr marL="0" lvl="0" indent="0" algn="l" rtl="0">
-              <a:lnSpc>
-                <a:spcPct val="100000"/>
-              </a:lnSpc>
-              <a:spcBef>
-                <a:spcPts val="0"/>
-              </a:spcBef>
-              <a:spcAft>
-                <a:spcPts val="0"/>
-              </a:spcAft>
-              <a:buSzPts val="1800"/>
-              <a:buNone/>
-            </a:pPr>
-            <a:r>
-              <a:rPr lang="ru" sz="1400" b="1">
-                <a:solidFill>
-                  <a:schemeClr val="dk1"/>
-                </a:solidFill>
-                <a:latin typeface="Times New Roman"/>
-                <a:ea typeface="Times New Roman"/>
-                <a:cs typeface="Times New Roman"/>
-                <a:sym typeface="Times New Roman"/>
-              </a:rPr>
-              <a:t>5. Тестирование и отладка:</a:t>
-            </a:r>
-            <a:endParaRPr sz="1400" b="1">
-              <a:solidFill>
-                <a:schemeClr val="dk1"/>
-              </a:solidFill>
-              <a:latin typeface="Times New Roman"/>
-              <a:ea typeface="Times New Roman"/>
-              <a:cs typeface="Times New Roman"/>
-              <a:sym typeface="Times New Roman"/>
-            </a:endParaRPr>
-          </a:p>
-          <a:p>
-            <a:pPr marL="457200" lvl="0" indent="0" algn="l" rtl="0">
-              <a:lnSpc>
-                <a:spcPct val="100000"/>
-              </a:lnSpc>
-              <a:spcBef>
-                <a:spcPts val="0"/>
-              </a:spcBef>
-              <a:spcAft>
-                <a:spcPts val="0"/>
-              </a:spcAft>
-              <a:buClr>
-                <a:schemeClr val="dk1"/>
-              </a:buClr>
-              <a:buSzPts val="1100"/>
-              <a:buFont typeface="Arial"/>
-              <a:buNone/>
-            </a:pPr>
-            <a:r>
-              <a:rPr lang="ru" sz="1400" b="1">
-                <a:solidFill>
-                  <a:schemeClr val="dk1"/>
-                </a:solidFill>
-                <a:latin typeface="Times New Roman"/>
-                <a:ea typeface="Times New Roman"/>
-                <a:cs typeface="Times New Roman"/>
-                <a:sym typeface="Times New Roman"/>
-              </a:rPr>
-              <a:t>-</a:t>
-            </a:r>
-            <a:r>
-              <a:rPr lang="ru" sz="1400">
-                <a:solidFill>
-                  <a:schemeClr val="dk1"/>
-                </a:solidFill>
-                <a:latin typeface="Times New Roman"/>
-                <a:ea typeface="Times New Roman"/>
-                <a:cs typeface="Times New Roman"/>
-                <a:sym typeface="Times New Roman"/>
-              </a:rPr>
-              <a:t>Разработайте систему тестирования ключевых компонентов вашего проекта, включая отладку кода и обработку возможных ошибок.</a:t>
-            </a:r>
-            <a:endParaRPr sz="1400">
-              <a:solidFill>
-                <a:schemeClr val="dk1"/>
-              </a:solidFill>
-              <a:latin typeface="Times New Roman"/>
-              <a:ea typeface="Times New Roman"/>
-              <a:cs typeface="Times New Roman"/>
-              <a:sym typeface="Times New Roman"/>
-            </a:endParaRPr>
-          </a:p>
-          <a:p>
-            <a:pPr marL="0" lvl="0" indent="0" algn="l" rtl="0">
-              <a:lnSpc>
-                <a:spcPct val="100000"/>
-              </a:lnSpc>
-              <a:spcBef>
-                <a:spcPts val="0"/>
-              </a:spcBef>
-              <a:spcAft>
-                <a:spcPts val="0"/>
-              </a:spcAft>
-              <a:buSzPts val="1800"/>
-              <a:buNone/>
-            </a:pPr>
-            <a:r>
-              <a:rPr lang="ru" sz="1400" b="1">
-                <a:solidFill>
-                  <a:schemeClr val="dk1"/>
-                </a:solidFill>
-                <a:latin typeface="Times New Roman"/>
-                <a:ea typeface="Times New Roman"/>
-                <a:cs typeface="Times New Roman"/>
-                <a:sym typeface="Times New Roman"/>
-              </a:rPr>
-              <a:t>6. Оценка производительности:</a:t>
-            </a:r>
-            <a:endParaRPr sz="1400" b="1">
-              <a:solidFill>
-                <a:schemeClr val="dk1"/>
-              </a:solidFill>
-              <a:latin typeface="Times New Roman"/>
-              <a:ea typeface="Times New Roman"/>
-              <a:cs typeface="Times New Roman"/>
-              <a:sym typeface="Times New Roman"/>
-            </a:endParaRPr>
-          </a:p>
-          <a:p>
-            <a:pPr marL="457200" lvl="0" indent="0" algn="l" rtl="0">
-              <a:lnSpc>
-                <a:spcPct val="100000"/>
-              </a:lnSpc>
-              <a:spcBef>
-                <a:spcPts val="0"/>
-              </a:spcBef>
-              <a:spcAft>
-                <a:spcPts val="0"/>
-              </a:spcAft>
-              <a:buClr>
-                <a:schemeClr val="dk1"/>
-              </a:buClr>
-              <a:buSzPts val="1100"/>
-              <a:buFont typeface="Arial"/>
-              <a:buNone/>
-            </a:pPr>
-            <a:r>
-              <a:rPr lang="ru" sz="1400" b="1">
-                <a:solidFill>
-                  <a:schemeClr val="dk1"/>
-                </a:solidFill>
-                <a:latin typeface="Times New Roman"/>
-                <a:ea typeface="Times New Roman"/>
-                <a:cs typeface="Times New Roman"/>
-                <a:sym typeface="Times New Roman"/>
-              </a:rPr>
-              <a:t>-</a:t>
-            </a:r>
-            <a:r>
-              <a:rPr lang="ru" sz="1400">
-                <a:solidFill>
-                  <a:schemeClr val="dk1"/>
-                </a:solidFill>
-                <a:latin typeface="Times New Roman"/>
-                <a:ea typeface="Times New Roman"/>
-                <a:cs typeface="Times New Roman"/>
-                <a:sym typeface="Times New Roman"/>
-              </a:rPr>
-              <a:t>Проведите анализ производительности вашего проекта, оценив влияние оптимизаций на скорость выполнения и эффективность использования ресурсов.</a:t>
-            </a:r>
-            <a:endParaRPr sz="1400">
-              <a:solidFill>
-                <a:schemeClr val="dk1"/>
-              </a:solidFill>
-              <a:latin typeface="Times New Roman"/>
-              <a:ea typeface="Times New Roman"/>
-              <a:cs typeface="Times New Roman"/>
-              <a:sym typeface="Times New Roman"/>
-            </a:endParaRPr>
-          </a:p>
-          <a:p>
-            <a:pPr marL="0" lvl="0" indent="0" algn="l" rtl="0">
-              <a:lnSpc>
-                <a:spcPct val="100000"/>
-              </a:lnSpc>
-              <a:spcBef>
-                <a:spcPts val="0"/>
-              </a:spcBef>
-              <a:spcAft>
-                <a:spcPts val="0"/>
-              </a:spcAft>
-              <a:buSzPts val="1800"/>
-              <a:buNone/>
-            </a:pPr>
-            <a:r>
-              <a:rPr lang="ru" sz="1400" b="1">
-                <a:solidFill>
-                  <a:schemeClr val="dk1"/>
-                </a:solidFill>
-                <a:latin typeface="Times New Roman"/>
-                <a:ea typeface="Times New Roman"/>
-                <a:cs typeface="Times New Roman"/>
-                <a:sym typeface="Times New Roman"/>
-              </a:rPr>
-              <a:t>7. Управление ресурсами и энергопотреблением:</a:t>
-            </a:r>
-            <a:endParaRPr sz="1400" b="1">
-              <a:solidFill>
-                <a:schemeClr val="dk1"/>
-              </a:solidFill>
-              <a:latin typeface="Times New Roman"/>
-              <a:ea typeface="Times New Roman"/>
-              <a:cs typeface="Times New Roman"/>
-              <a:sym typeface="Times New Roman"/>
-            </a:endParaRPr>
-          </a:p>
-          <a:p>
-            <a:pPr marL="457200" lvl="0" indent="0" algn="l" rtl="0">
-              <a:lnSpc>
-                <a:spcPct val="100000"/>
-              </a:lnSpc>
-              <a:spcBef>
-                <a:spcPts val="0"/>
-              </a:spcBef>
-              <a:spcAft>
-                <a:spcPts val="0"/>
-              </a:spcAft>
-              <a:buClr>
-                <a:schemeClr val="dk1"/>
-              </a:buClr>
-              <a:buSzPts val="1100"/>
-              <a:buFont typeface="Arial"/>
-              <a:buNone/>
-            </a:pPr>
-            <a:r>
-              <a:rPr lang="ru" sz="1400" b="1">
-                <a:solidFill>
-                  <a:schemeClr val="dk1"/>
-                </a:solidFill>
-                <a:latin typeface="Times New Roman"/>
-                <a:ea typeface="Times New Roman"/>
-                <a:cs typeface="Times New Roman"/>
-                <a:sym typeface="Times New Roman"/>
-              </a:rPr>
-              <a:t>-</a:t>
-            </a:r>
-            <a:r>
-              <a:rPr lang="ru" sz="1400">
-                <a:solidFill>
-                  <a:schemeClr val="dk1"/>
-                </a:solidFill>
-                <a:latin typeface="Times New Roman"/>
-                <a:ea typeface="Times New Roman"/>
-                <a:cs typeface="Times New Roman"/>
-                <a:sym typeface="Times New Roman"/>
-              </a:rPr>
-              <a:t>Внедрите стратегии управления ресурсами и энергопотреблением для повышения эффективности работы программы.</a:t>
-            </a:r>
-            <a:endParaRPr sz="1400">
-              <a:solidFill>
-                <a:schemeClr val="dk1"/>
-              </a:solidFill>
-              <a:latin typeface="Times New Roman"/>
-              <a:ea typeface="Times New Roman"/>
-              <a:cs typeface="Times New Roman"/>
-              <a:sym typeface="Times New Roman"/>
-            </a:endParaRPr>
-          </a:p>
-          <a:p>
-            <a:pPr marL="0" lvl="0" indent="0" algn="l" rtl="0">
-              <a:lnSpc>
-                <a:spcPct val="100000"/>
-              </a:lnSpc>
-              <a:spcBef>
-                <a:spcPts val="0"/>
-              </a:spcBef>
-              <a:spcAft>
-                <a:spcPts val="0"/>
-              </a:spcAft>
-              <a:buSzPts val="1800"/>
-              <a:buNone/>
-            </a:pPr>
-            <a:r>
-              <a:rPr lang="ru" sz="1400" b="1">
-                <a:solidFill>
-                  <a:schemeClr val="dk1"/>
-                </a:solidFill>
-                <a:latin typeface="Times New Roman"/>
-                <a:ea typeface="Times New Roman"/>
-                <a:cs typeface="Times New Roman"/>
-                <a:sym typeface="Times New Roman"/>
-              </a:rPr>
-              <a:t>8. Документирование кода:</a:t>
-            </a:r>
-            <a:endParaRPr sz="1400" b="1">
-              <a:solidFill>
-                <a:schemeClr val="dk1"/>
-              </a:solidFill>
-              <a:latin typeface="Times New Roman"/>
-              <a:ea typeface="Times New Roman"/>
-              <a:cs typeface="Times New Roman"/>
-              <a:sym typeface="Times New Roman"/>
-            </a:endParaRPr>
-          </a:p>
-          <a:p>
-            <a:pPr marL="457200" lvl="0" indent="0" algn="l" rtl="0">
-              <a:lnSpc>
-                <a:spcPct val="100000"/>
-              </a:lnSpc>
-              <a:spcBef>
-                <a:spcPts val="0"/>
-              </a:spcBef>
-              <a:spcAft>
-                <a:spcPts val="0"/>
-              </a:spcAft>
-              <a:buClr>
-                <a:schemeClr val="dk1"/>
-              </a:buClr>
-              <a:buSzPts val="1100"/>
-              <a:buFont typeface="Arial"/>
-              <a:buNone/>
-            </a:pPr>
-            <a:r>
-              <a:rPr lang="ru" sz="1400" b="1">
-                <a:solidFill>
-                  <a:schemeClr val="dk1"/>
-                </a:solidFill>
-                <a:latin typeface="Times New Roman"/>
-                <a:ea typeface="Times New Roman"/>
-                <a:cs typeface="Times New Roman"/>
-                <a:sym typeface="Times New Roman"/>
-              </a:rPr>
-              <a:t>-</a:t>
-            </a:r>
-            <a:r>
-              <a:rPr lang="ru" sz="1400">
-                <a:solidFill>
-                  <a:schemeClr val="dk1"/>
-                </a:solidFill>
-                <a:latin typeface="Times New Roman"/>
-                <a:ea typeface="Times New Roman"/>
-                <a:cs typeface="Times New Roman"/>
-                <a:sym typeface="Times New Roman"/>
-              </a:rPr>
-              <a:t>Предоставьте полную и структурированную документацию к коду вашего проекта, включая комментарии и инструкции для развертывания.</a:t>
-            </a:r>
-            <a:endParaRPr sz="1400">
-              <a:solidFill>
-                <a:schemeClr val="dk1"/>
-              </a:solidFill>
-              <a:latin typeface="Times New Roman"/>
-              <a:ea typeface="Times New Roman"/>
-              <a:cs typeface="Times New Roman"/>
-              <a:sym typeface="Times New Roman"/>
-            </a:endParaRPr>
-          </a:p>
-          <a:p>
-            <a:pPr marL="0" lvl="0" indent="0" algn="l" rtl="0">
-              <a:lnSpc>
-                <a:spcPct val="100000"/>
-              </a:lnSpc>
-              <a:spcBef>
-                <a:spcPts val="0"/>
-              </a:spcBef>
-              <a:spcAft>
-                <a:spcPts val="0"/>
-              </a:spcAft>
-              <a:buSzPts val="1800"/>
-              <a:buNone/>
-            </a:pPr>
-            <a:r>
-              <a:rPr lang="ru" sz="1400" b="1">
-                <a:solidFill>
-                  <a:schemeClr val="dk1"/>
-                </a:solidFill>
-                <a:latin typeface="Times New Roman"/>
-                <a:ea typeface="Times New Roman"/>
-                <a:cs typeface="Times New Roman"/>
-                <a:sym typeface="Times New Roman"/>
-              </a:rPr>
-              <a:t>9. Демонстрация работы:</a:t>
-            </a:r>
-            <a:endParaRPr sz="1400" b="1">
-              <a:solidFill>
-                <a:schemeClr val="dk1"/>
-              </a:solidFill>
-              <a:latin typeface="Times New Roman"/>
-              <a:ea typeface="Times New Roman"/>
-              <a:cs typeface="Times New Roman"/>
-              <a:sym typeface="Times New Roman"/>
-            </a:endParaRPr>
-          </a:p>
-          <a:p>
-            <a:pPr marL="457200" lvl="0" indent="0" algn="l" rtl="0">
-              <a:lnSpc>
-                <a:spcPct val="100000"/>
-              </a:lnSpc>
-              <a:spcBef>
-                <a:spcPts val="0"/>
-              </a:spcBef>
-              <a:spcAft>
-                <a:spcPts val="0"/>
-              </a:spcAft>
-              <a:buClr>
-                <a:schemeClr val="dk1"/>
-              </a:buClr>
-              <a:buSzPts val="1100"/>
-              <a:buFont typeface="Arial"/>
-              <a:buNone/>
-            </a:pPr>
-            <a:r>
-              <a:rPr lang="ru" sz="1400" b="1">
-                <a:solidFill>
-                  <a:schemeClr val="dk1"/>
-                </a:solidFill>
-                <a:latin typeface="Times New Roman"/>
-                <a:ea typeface="Times New Roman"/>
-                <a:cs typeface="Times New Roman"/>
-                <a:sym typeface="Times New Roman"/>
-              </a:rPr>
-              <a:t>-</a:t>
-            </a:r>
-            <a:r>
-              <a:rPr lang="ru" sz="1400">
-                <a:solidFill>
-                  <a:schemeClr val="dk1"/>
-                </a:solidFill>
-                <a:latin typeface="Times New Roman"/>
-                <a:ea typeface="Times New Roman"/>
-                <a:cs typeface="Times New Roman"/>
-                <a:sym typeface="Times New Roman"/>
-              </a:rPr>
-              <a:t>Подготовьте демонстрацию ключевой функциональности вашего проекта, предоставив визуальные материалы и примеры использования.</a:t>
-            </a:r>
-            <a:endParaRPr sz="1400">
-              <a:solidFill>
-                <a:schemeClr val="dk1"/>
-              </a:solidFill>
-              <a:latin typeface="Times New Roman"/>
-              <a:ea typeface="Times New Roman"/>
-              <a:cs typeface="Times New Roman"/>
-              <a:sym typeface="Times New Roman"/>
-            </a:endParaRPr>
-          </a:p>
-          <a:p>
-            <a:pPr marL="0" lvl="0" indent="0" algn="l" rtl="0">
-              <a:lnSpc>
-                <a:spcPct val="100000"/>
-              </a:lnSpc>
-              <a:spcBef>
-                <a:spcPts val="0"/>
-              </a:spcBef>
-              <a:spcAft>
-                <a:spcPts val="0"/>
-              </a:spcAft>
-              <a:buSzPts val="1800"/>
-              <a:buNone/>
-            </a:pPr>
-            <a:r>
-              <a:rPr lang="ru" sz="1400" b="1">
-                <a:solidFill>
-                  <a:schemeClr val="dk1"/>
-                </a:solidFill>
-                <a:latin typeface="Times New Roman"/>
-                <a:ea typeface="Times New Roman"/>
-                <a:cs typeface="Times New Roman"/>
-                <a:sym typeface="Times New Roman"/>
-              </a:rPr>
-              <a:t>10. Презентация и ответы на вопросы:</a:t>
-            </a:r>
-            <a:endParaRPr sz="1400" b="1">
-              <a:solidFill>
-                <a:schemeClr val="dk1"/>
-              </a:solidFill>
-              <a:latin typeface="Times New Roman"/>
-              <a:ea typeface="Times New Roman"/>
-              <a:cs typeface="Times New Roman"/>
-              <a:sym typeface="Times New Roman"/>
-            </a:endParaRPr>
-          </a:p>
-          <a:p>
-            <a:pPr marL="457200" lvl="0" indent="0" algn="l" rtl="0">
-              <a:lnSpc>
-                <a:spcPct val="100000"/>
-              </a:lnSpc>
-              <a:spcBef>
-                <a:spcPts val="0"/>
-              </a:spcBef>
-              <a:spcAft>
-                <a:spcPts val="0"/>
-              </a:spcAft>
-              <a:buClr>
-                <a:schemeClr val="dk1"/>
-              </a:buClr>
-              <a:buSzPts val="1100"/>
-              <a:buFont typeface="Arial"/>
-              <a:buNone/>
-            </a:pPr>
-            <a:r>
-              <a:rPr lang="ru" sz="1400" b="1">
-                <a:solidFill>
-                  <a:schemeClr val="dk1"/>
-                </a:solidFill>
-                <a:latin typeface="Times New Roman"/>
-                <a:ea typeface="Times New Roman"/>
-                <a:cs typeface="Times New Roman"/>
-                <a:sym typeface="Times New Roman"/>
-              </a:rPr>
-              <a:t>-</a:t>
-            </a:r>
-            <a:r>
-              <a:rPr lang="ru" sz="1400">
-                <a:solidFill>
-                  <a:schemeClr val="dk1"/>
-                </a:solidFill>
-                <a:latin typeface="Times New Roman"/>
-                <a:ea typeface="Times New Roman"/>
-                <a:cs typeface="Times New Roman"/>
-                <a:sym typeface="Times New Roman"/>
-              </a:rPr>
-              <a:t>Подготовьте краткую презентацию, выделите основные аспекты проектирования и разработки. Будьте готовы ответить на вопросы экспертной комиссии.</a:t>
-            </a:r>
-            <a:endParaRPr sz="1400">
-              <a:solidFill>
-                <a:schemeClr val="dk1"/>
-              </a:solidFill>
-              <a:latin typeface="Times New Roman"/>
-              <a:ea typeface="Times New Roman"/>
-              <a:cs typeface="Times New Roman"/>
-              <a:sym typeface="Times New Roman"/>
-            </a:endParaRPr>
-          </a:p>
-          <a:p>
-            <a:pPr marL="0" lvl="0" indent="0" algn="l" rtl="0">
-              <a:lnSpc>
-                <a:spcPct val="115000"/>
-              </a:lnSpc>
-              <a:spcBef>
-                <a:spcPts val="0"/>
-              </a:spcBef>
-              <a:spcAft>
-                <a:spcPts val="0"/>
-              </a:spcAft>
-              <a:buSzPts val="1800"/>
-              <a:buNone/>
-            </a:pPr>
-            <a:endParaRPr/>
-          </a:p>
-        </p:txBody>
-      </p:sp>
-    </p:spTree>
-  </p:cSld>
-  <p:clrMapOvr>
-    <a:masterClrMapping/>
-  </p:clrMapOvr>
-</p:sld>
-</file>
-
-<file path=ppt/slides/slide4.xml><?xml version="1.0" encoding="utf-8"?>
-<p:sld xmlns:a="http://schemas.openxmlformats.org/drawingml/2006/main" xmlns:r="http://schemas.openxmlformats.org/officeDocument/2006/relationships" xmlns:p="http://schemas.openxmlformats.org/presentationml/2006/main">
-  <p:cSld>
-    <p:spTree>
-      <p:nvGrpSpPr>
-        <p:cNvPr id="1" name="Shape 75"/>
-        <p:cNvGrpSpPr/>
-        <p:nvPr/>
-      </p:nvGrpSpPr>
-      <p:grpSpPr>
-        <a:xfrm>
-          <a:off x="0" y="0"/>
-          <a:ext cx="0" cy="0"/>
-          <a:chOff x="0" y="0"/>
-          <a:chExt cx="0" cy="0"/>
-        </a:xfrm>
-      </p:grpSpPr>
-      <p:pic>
-        <p:nvPicPr>
-          <p:cNvPr id="76" name="Google Shape;76;g296408c60a4_0_1" descr="Изображение выглядит как корона, Графика, искусство, текст&#10;&#10;Автоматически созданное описание"/>
-          <p:cNvPicPr preferRelativeResize="0"/>
-          <p:nvPr/>
-        </p:nvPicPr>
-        <p:blipFill rotWithShape="1">
-          <a:blip r:embed="rId3">
-            <a:alphaModFix/>
-          </a:blip>
-          <a:srcRect/>
-          <a:stretch/>
-        </p:blipFill>
-        <p:spPr>
-          <a:xfrm>
-            <a:off x="6256700" y="614363"/>
-            <a:ext cx="3714751" cy="3914776"/>
-          </a:xfrm>
-          <a:prstGeom prst="rect">
-            <a:avLst/>
-          </a:prstGeom>
-          <a:noFill/>
-          <a:ln>
-            <a:noFill/>
-          </a:ln>
-        </p:spPr>
-      </p:pic>
-      <p:sp>
-        <p:nvSpPr>
-          <p:cNvPr id="77" name="Google Shape;77;g296408c60a4_0_1"/>
-          <p:cNvSpPr txBox="1">
-            <a:spLocks noGrp="1"/>
-          </p:cNvSpPr>
-          <p:nvPr>
-            <p:ph type="title"/>
-          </p:nvPr>
-        </p:nvSpPr>
-        <p:spPr>
-          <a:xfrm>
-            <a:off x="311700" y="318800"/>
-            <a:ext cx="8520600" cy="572700"/>
-          </a:xfrm>
-          <a:prstGeom prst="rect">
-            <a:avLst/>
-          </a:prstGeom>
-          <a:noFill/>
-          <a:ln>
-            <a:noFill/>
-          </a:ln>
-        </p:spPr>
-        <p:txBody>
-          <a:bodyPr spcFirstLastPara="1" wrap="square" lIns="91425" tIns="91425" rIns="91425" bIns="91425" anchor="t" anchorCtr="0">
-            <a:noAutofit/>
-          </a:bodyPr>
-          <a:lstStyle/>
-          <a:p>
-            <a:pPr marL="0" lvl="0" indent="457200" algn="just" rtl="0">
-              <a:lnSpc>
-                <a:spcPct val="100000"/>
-              </a:lnSpc>
-              <a:spcBef>
-                <a:spcPts val="0"/>
-              </a:spcBef>
-              <a:spcAft>
-                <a:spcPts val="0"/>
-              </a:spcAft>
-              <a:buSzPts val="2800"/>
-              <a:buNone/>
-            </a:pPr>
-            <a:endParaRPr sz="1400">
-              <a:latin typeface="Calibri"/>
-              <a:ea typeface="Calibri"/>
-              <a:cs typeface="Calibri"/>
-              <a:sym typeface="Calibri"/>
-            </a:endParaRPr>
-          </a:p>
-          <a:p>
-            <a:pPr marL="0" lvl="0" indent="444500" algn="just" rtl="0">
-              <a:lnSpc>
-                <a:spcPct val="115000"/>
-              </a:lnSpc>
-              <a:spcBef>
-                <a:spcPts val="0"/>
-              </a:spcBef>
-              <a:spcAft>
-                <a:spcPts val="0"/>
-              </a:spcAft>
-              <a:buClr>
-                <a:schemeClr val="dk1"/>
-              </a:buClr>
-              <a:buSzPts val="1100"/>
-              <a:buFont typeface="Arial"/>
-              <a:buNone/>
-            </a:pPr>
-            <a:r>
-              <a:rPr lang="ru" sz="1400" b="1">
-                <a:latin typeface="Times New Roman"/>
-                <a:ea typeface="Times New Roman"/>
-                <a:cs typeface="Times New Roman"/>
-                <a:sym typeface="Times New Roman"/>
-              </a:rPr>
-              <a:t>Защита выпускной аттестационной работы</a:t>
-            </a:r>
-            <a:endParaRPr sz="1400" b="1">
-              <a:latin typeface="Times New Roman"/>
-              <a:ea typeface="Times New Roman"/>
-              <a:cs typeface="Times New Roman"/>
-              <a:sym typeface="Times New Roman"/>
-            </a:endParaRPr>
-          </a:p>
-          <a:p>
-            <a:pPr marL="0" lvl="0" indent="444500" algn="just" rtl="0">
-              <a:lnSpc>
-                <a:spcPct val="115000"/>
-              </a:lnSpc>
-              <a:spcBef>
-                <a:spcPts val="0"/>
-              </a:spcBef>
-              <a:spcAft>
-                <a:spcPts val="0"/>
-              </a:spcAft>
-              <a:buClr>
-                <a:schemeClr val="dk1"/>
-              </a:buClr>
-              <a:buSzPts val="1100"/>
-              <a:buFont typeface="Arial"/>
-              <a:buNone/>
-            </a:pPr>
-            <a:r>
-              <a:rPr lang="ru" sz="1400">
-                <a:latin typeface="Times New Roman"/>
-                <a:ea typeface="Times New Roman"/>
-                <a:cs typeface="Times New Roman"/>
-                <a:sym typeface="Times New Roman"/>
-              </a:rPr>
-              <a:t>Защита выпускной аттестационной работы может быть выполнена в одном из двух вариантов: </a:t>
-            </a:r>
-            <a:endParaRPr sz="1400">
-              <a:latin typeface="Times New Roman"/>
-              <a:ea typeface="Times New Roman"/>
-              <a:cs typeface="Times New Roman"/>
-              <a:sym typeface="Times New Roman"/>
-            </a:endParaRPr>
-          </a:p>
-          <a:p>
-            <a:pPr marL="0" lvl="0" indent="444500" algn="just" rtl="0">
-              <a:lnSpc>
-                <a:spcPct val="115000"/>
-              </a:lnSpc>
-              <a:spcBef>
-                <a:spcPts val="0"/>
-              </a:spcBef>
-              <a:spcAft>
-                <a:spcPts val="0"/>
-              </a:spcAft>
-              <a:buClr>
-                <a:schemeClr val="dk1"/>
-              </a:buClr>
-              <a:buSzPts val="1100"/>
-              <a:buFont typeface="Arial"/>
-              <a:buNone/>
-            </a:pPr>
-            <a:r>
-              <a:rPr lang="ru" sz="1400">
-                <a:latin typeface="Times New Roman"/>
-                <a:ea typeface="Times New Roman"/>
-                <a:cs typeface="Times New Roman"/>
-                <a:sym typeface="Times New Roman"/>
-              </a:rPr>
-              <a:t>– синхронно (демонстрация презентации с комментариями, ответы на вопросы от аттестационной комиссии); </a:t>
-            </a:r>
-            <a:endParaRPr sz="1400">
-              <a:latin typeface="Times New Roman"/>
-              <a:ea typeface="Times New Roman"/>
-              <a:cs typeface="Times New Roman"/>
-              <a:sym typeface="Times New Roman"/>
-            </a:endParaRPr>
-          </a:p>
-          <a:p>
-            <a:pPr marL="0" lvl="0" indent="444500" algn="just" rtl="0">
-              <a:lnSpc>
-                <a:spcPct val="115000"/>
-              </a:lnSpc>
-              <a:spcBef>
-                <a:spcPts val="0"/>
-              </a:spcBef>
-              <a:spcAft>
-                <a:spcPts val="0"/>
-              </a:spcAft>
-              <a:buClr>
-                <a:schemeClr val="dk1"/>
-              </a:buClr>
-              <a:buSzPts val="1100"/>
-              <a:buFont typeface="Arial"/>
-              <a:buNone/>
-            </a:pPr>
-            <a:r>
-              <a:rPr lang="ru" sz="1400">
-                <a:latin typeface="Times New Roman"/>
-                <a:ea typeface="Times New Roman"/>
-                <a:cs typeface="Times New Roman"/>
-                <a:sym typeface="Times New Roman"/>
-              </a:rPr>
-              <a:t>– асинхронно (слушателю необходимо записать скринкаст (5–7 минут), в рамках которого пояснить предложенное решение. Скринкаст необходимо загрузить в Odin. Вопросы и обратная связь от аттестационной комиссии могут быть реализованы также асинхронно). </a:t>
-            </a:r>
-            <a:br>
-              <a:rPr lang="ru" sz="1400">
-                <a:latin typeface="Calibri"/>
-                <a:ea typeface="Calibri"/>
-                <a:cs typeface="Calibri"/>
-                <a:sym typeface="Calibri"/>
-              </a:rPr>
-            </a:br>
-            <a:r>
-              <a:rPr lang="ru" sz="1400" b="1">
-                <a:latin typeface="Times New Roman"/>
-                <a:ea typeface="Times New Roman"/>
-                <a:cs typeface="Times New Roman"/>
-                <a:sym typeface="Times New Roman"/>
-              </a:rPr>
-              <a:t>Основные требования к защите выпускной аттестационной работы:</a:t>
-            </a:r>
-            <a:endParaRPr sz="1400">
-              <a:latin typeface="Calibri"/>
-              <a:ea typeface="Calibri"/>
-              <a:cs typeface="Calibri"/>
-              <a:sym typeface="Calibri"/>
-            </a:endParaRPr>
-          </a:p>
-          <a:p>
-            <a:pPr marL="0" lvl="0" indent="457200" algn="just" rtl="0">
-              <a:lnSpc>
-                <a:spcPct val="100000"/>
-              </a:lnSpc>
-              <a:spcBef>
-                <a:spcPts val="0"/>
-              </a:spcBef>
-              <a:spcAft>
-                <a:spcPts val="0"/>
-              </a:spcAft>
-              <a:buClr>
-                <a:schemeClr val="dk1"/>
-              </a:buClr>
-              <a:buSzPts val="2800"/>
-              <a:buFont typeface="Arial"/>
-              <a:buNone/>
-            </a:pPr>
-            <a:r>
-              <a:rPr lang="ru" sz="1400">
-                <a:latin typeface="Times New Roman"/>
-                <a:ea typeface="Times New Roman"/>
-                <a:cs typeface="Times New Roman"/>
-                <a:sym typeface="Times New Roman"/>
-              </a:rPr>
-              <a:t>Защита выпускной аттестационной работы должна быть представлена в виде видеозаписи:</a:t>
-            </a:r>
-            <a:endParaRPr sz="1400">
-              <a:latin typeface="Calibri"/>
-              <a:ea typeface="Calibri"/>
-              <a:cs typeface="Calibri"/>
-              <a:sym typeface="Calibri"/>
-            </a:endParaRPr>
-          </a:p>
-          <a:p>
-            <a:pPr marL="914400" lvl="0" indent="-228600" algn="just" rtl="0">
-              <a:lnSpc>
-                <a:spcPct val="100000"/>
-              </a:lnSpc>
-              <a:spcBef>
-                <a:spcPts val="0"/>
-              </a:spcBef>
-              <a:spcAft>
-                <a:spcPts val="0"/>
-              </a:spcAft>
-              <a:buClr>
-                <a:schemeClr val="dk1"/>
-              </a:buClr>
-              <a:buSzPts val="2800"/>
-              <a:buFont typeface="Arial"/>
-              <a:buNone/>
-            </a:pPr>
-            <a:r>
-              <a:rPr lang="ru" sz="1400">
-                <a:latin typeface="Times New Roman"/>
-                <a:ea typeface="Times New Roman"/>
-                <a:cs typeface="Times New Roman"/>
-                <a:sym typeface="Times New Roman"/>
-              </a:rPr>
-              <a:t>●  Представиться, назвать свое Имя Фамилию, группу, местожительства.</a:t>
-            </a:r>
-            <a:endParaRPr sz="1400">
-              <a:latin typeface="Calibri"/>
-              <a:ea typeface="Calibri"/>
-              <a:cs typeface="Calibri"/>
-              <a:sym typeface="Calibri"/>
-            </a:endParaRPr>
-          </a:p>
-          <a:p>
-            <a:pPr marL="914400" lvl="0" indent="-228600" algn="just" rtl="0">
-              <a:lnSpc>
-                <a:spcPct val="100000"/>
-              </a:lnSpc>
-              <a:spcBef>
-                <a:spcPts val="0"/>
-              </a:spcBef>
-              <a:spcAft>
-                <a:spcPts val="0"/>
-              </a:spcAft>
-              <a:buClr>
-                <a:schemeClr val="dk1"/>
-              </a:buClr>
-              <a:buSzPts val="2800"/>
-              <a:buFont typeface="Arial"/>
-              <a:buNone/>
-            </a:pPr>
-            <a:r>
-              <a:rPr lang="ru" sz="1400">
-                <a:latin typeface="Times New Roman"/>
-                <a:ea typeface="Times New Roman"/>
-                <a:cs typeface="Times New Roman"/>
-                <a:sym typeface="Times New Roman"/>
-              </a:rPr>
-              <a:t>●  Выбрать режим таким образом, чтобы было видно презентацию с 4-мя практическими заданиями и лицо слушателя.</a:t>
-            </a:r>
-            <a:endParaRPr sz="1400">
-              <a:latin typeface="Calibri"/>
-              <a:ea typeface="Calibri"/>
-              <a:cs typeface="Calibri"/>
-              <a:sym typeface="Calibri"/>
-            </a:endParaRPr>
-          </a:p>
-          <a:p>
-            <a:pPr marL="914400" lvl="0" indent="-228600" algn="just" rtl="0">
-              <a:lnSpc>
-                <a:spcPct val="100000"/>
-              </a:lnSpc>
-              <a:spcBef>
-                <a:spcPts val="0"/>
-              </a:spcBef>
-              <a:spcAft>
-                <a:spcPts val="0"/>
-              </a:spcAft>
-              <a:buClr>
-                <a:schemeClr val="dk1"/>
-              </a:buClr>
-              <a:buSzPts val="2800"/>
-              <a:buFont typeface="Arial"/>
-              <a:buNone/>
-            </a:pPr>
-            <a:r>
-              <a:rPr lang="ru" sz="1400">
-                <a:latin typeface="Times New Roman"/>
-                <a:ea typeface="Times New Roman"/>
-                <a:cs typeface="Times New Roman"/>
-                <a:sym typeface="Times New Roman"/>
-              </a:rPr>
-              <a:t>●  Объяснить последовательность действий при выполнении каждого задания и правила, которыми пользовался слушатель при заполнении документов.</a:t>
-            </a:r>
-            <a:endParaRPr sz="1400">
-              <a:latin typeface="Calibri"/>
-              <a:ea typeface="Calibri"/>
-              <a:cs typeface="Calibri"/>
-              <a:sym typeface="Calibri"/>
-            </a:endParaRPr>
-          </a:p>
-          <a:p>
-            <a:pPr marL="914400" lvl="0" indent="-228600" algn="just" rtl="0">
-              <a:lnSpc>
-                <a:spcPct val="100000"/>
-              </a:lnSpc>
-              <a:spcBef>
-                <a:spcPts val="0"/>
-              </a:spcBef>
-              <a:spcAft>
-                <a:spcPts val="0"/>
-              </a:spcAft>
-              <a:buClr>
-                <a:schemeClr val="dk1"/>
-              </a:buClr>
-              <a:buSzPts val="2800"/>
-              <a:buFont typeface="Arial"/>
-              <a:buNone/>
-            </a:pPr>
-            <a:r>
-              <a:rPr lang="ru" sz="1400">
-                <a:latin typeface="Times New Roman"/>
-                <a:ea typeface="Times New Roman"/>
-                <a:cs typeface="Times New Roman"/>
-                <a:sym typeface="Times New Roman"/>
-              </a:rPr>
-              <a:t>●  Завершить презентацию.</a:t>
-            </a:r>
-            <a:endParaRPr sz="1400">
-              <a:latin typeface="Calibri"/>
-              <a:ea typeface="Calibri"/>
-              <a:cs typeface="Calibri"/>
-              <a:sym typeface="Calibri"/>
-            </a:endParaRPr>
-          </a:p>
-          <a:p>
-            <a:pPr marL="0" lvl="0" indent="0" algn="l" rtl="0">
-              <a:lnSpc>
-                <a:spcPct val="100000"/>
-              </a:lnSpc>
-              <a:spcBef>
-                <a:spcPts val="0"/>
-              </a:spcBef>
-              <a:spcAft>
-                <a:spcPts val="0"/>
-              </a:spcAft>
-              <a:buSzPts val="2800"/>
-              <a:buNone/>
-            </a:pPr>
-            <a:endParaRPr sz="1400">
-              <a:latin typeface="Times New Roman"/>
-              <a:ea typeface="Times New Roman"/>
-              <a:cs typeface="Times New Roman"/>
-              <a:sym typeface="Times New Roman"/>
-            </a:endParaRPr>
-          </a:p>
-        </p:txBody>
-      </p:sp>
-      <p:cxnSp>
-        <p:nvCxnSpPr>
-          <p:cNvPr id="78" name="Google Shape;78;g296408c60a4_0_1"/>
-          <p:cNvCxnSpPr/>
-          <p:nvPr/>
-        </p:nvCxnSpPr>
-        <p:spPr>
-          <a:xfrm>
-            <a:off x="286050" y="4845025"/>
-            <a:ext cx="8172900" cy="26700"/>
-          </a:xfrm>
-          <a:prstGeom prst="straightConnector1">
-            <a:avLst/>
-          </a:prstGeom>
-          <a:noFill/>
-          <a:ln w="28575" cap="flat" cmpd="sng">
-            <a:solidFill>
-              <a:srgbClr val="11696D"/>
-            </a:solidFill>
-            <a:prstDash val="solid"/>
-            <a:round/>
-            <a:headEnd type="none" w="sm" len="sm"/>
-            <a:tailEnd type="none" w="sm" len="sm"/>
-          </a:ln>
-        </p:spPr>
-      </p:cxnSp>
-      <p:sp>
-        <p:nvSpPr>
-          <p:cNvPr id="79" name="Google Shape;79;g296408c60a4_0_1"/>
-          <p:cNvSpPr txBox="1"/>
-          <p:nvPr/>
-        </p:nvSpPr>
-        <p:spPr>
-          <a:xfrm>
-            <a:off x="311700" y="1380475"/>
-            <a:ext cx="4913400" cy="346200"/>
-          </a:xfrm>
-          <a:prstGeom prst="rect">
-            <a:avLst/>
-          </a:prstGeom>
-          <a:noFill/>
-          <a:ln>
-            <a:noFill/>
-          </a:ln>
-        </p:spPr>
-        <p:txBody>
-          <a:bodyPr spcFirstLastPara="1" wrap="square" lIns="91425" tIns="91425" rIns="91425" bIns="91425" anchor="t" anchorCtr="0">
-            <a:spAutoFit/>
-          </a:bodyPr>
-          <a:lstStyle/>
-          <a:p>
-            <a:pPr marL="0" marR="0" lvl="0" indent="0" algn="l" rtl="0">
-              <a:lnSpc>
-                <a:spcPct val="115000"/>
-              </a:lnSpc>
-              <a:spcBef>
-                <a:spcPts val="1200"/>
-              </a:spcBef>
-              <a:spcAft>
-                <a:spcPts val="1200"/>
-              </a:spcAft>
-              <a:buClr>
-                <a:srgbClr val="000000"/>
-              </a:buClr>
-              <a:buSzPts val="1050"/>
-              <a:buFont typeface="Arial"/>
-              <a:buNone/>
-            </a:pPr>
-            <a:endParaRPr sz="1050" b="1" i="1" u="none" strike="noStrike" cap="none">
-              <a:solidFill>
-                <a:srgbClr val="11696D"/>
-              </a:solidFill>
-              <a:latin typeface="Montserrat"/>
-              <a:ea typeface="Montserrat"/>
-              <a:cs typeface="Montserrat"/>
-              <a:sym typeface="Montserrat"/>
-            </a:endParaRPr>
-          </a:p>
-        </p:txBody>
-      </p:sp>
-      <p:sp>
-        <p:nvSpPr>
-          <p:cNvPr id="80" name="Google Shape;80;g296408c60a4_0_1"/>
-          <p:cNvSpPr txBox="1"/>
-          <p:nvPr/>
-        </p:nvSpPr>
-        <p:spPr>
-          <a:xfrm>
-            <a:off x="311700" y="1380475"/>
-            <a:ext cx="6012000" cy="346200"/>
-          </a:xfrm>
-          <a:prstGeom prst="rect">
-            <a:avLst/>
-          </a:prstGeom>
-          <a:noFill/>
-          <a:ln>
-            <a:noFill/>
-          </a:ln>
-        </p:spPr>
-        <p:txBody>
-          <a:bodyPr spcFirstLastPara="1" wrap="square" lIns="91425" tIns="91425" rIns="91425" bIns="91425" anchor="t" anchorCtr="0">
-            <a:spAutoFit/>
-          </a:bodyPr>
-          <a:lstStyle/>
-          <a:p>
-            <a:pPr marL="0" marR="0" lvl="0" indent="0" algn="l" rtl="0">
-              <a:lnSpc>
-                <a:spcPct val="115000"/>
-              </a:lnSpc>
-              <a:spcBef>
-                <a:spcPts val="1200"/>
-              </a:spcBef>
-              <a:spcAft>
-                <a:spcPts val="1200"/>
-              </a:spcAft>
-              <a:buClr>
-                <a:srgbClr val="000000"/>
-              </a:buClr>
-              <a:buSzPts val="1050"/>
-              <a:buFont typeface="Arial"/>
-              <a:buNone/>
-            </a:pPr>
-            <a:endParaRPr sz="1050" b="1" i="1" u="none" strike="noStrike" cap="none">
-              <a:solidFill>
-                <a:srgbClr val="11696D"/>
-              </a:solidFill>
-              <a:latin typeface="Montserrat"/>
-              <a:ea typeface="Montserrat"/>
-              <a:cs typeface="Montserrat"/>
-              <a:sym typeface="Montserrat"/>
-            </a:endParaRPr>
-          </a:p>
-        </p:txBody>
-      </p:sp>
-    </p:spTree>
-  </p:cSld>
-  <p:clrMapOvr>
-    <a:masterClrMapping/>
-  </p:clrMapOvr>
-</p:sld>
-</file>
-
-<file path=ppt/slides/slide5.xml><?xml version="1.0" encoding="utf-8"?>
-<p:sld xmlns:a="http://schemas.openxmlformats.org/drawingml/2006/main" xmlns:r="http://schemas.openxmlformats.org/officeDocument/2006/relationships" xmlns:p="http://schemas.openxmlformats.org/presentationml/2006/main">
-  <p:cSld>
-    <p:spTree>
-      <p:nvGrpSpPr>
-        <p:cNvPr id="1" name="Shape 84"/>
-        <p:cNvGrpSpPr/>
-        <p:nvPr/>
-      </p:nvGrpSpPr>
-      <p:grpSpPr>
-        <a:xfrm>
-          <a:off x="0" y="0"/>
-          <a:ext cx="0" cy="0"/>
-          <a:chOff x="0" y="0"/>
-          <a:chExt cx="0" cy="0"/>
-        </a:xfrm>
-      </p:grpSpPr>
-      <p:sp>
-        <p:nvSpPr>
-          <p:cNvPr id="85" name="Google Shape;85;p12"/>
-          <p:cNvSpPr txBox="1">
-            <a:spLocks noGrp="1"/>
-          </p:cNvSpPr>
-          <p:nvPr>
-            <p:ph type="title"/>
-          </p:nvPr>
-        </p:nvSpPr>
-        <p:spPr>
-          <a:xfrm>
-            <a:off x="311700" y="138550"/>
-            <a:ext cx="8520600" cy="4400100"/>
-          </a:xfrm>
-          <a:prstGeom prst="rect">
-            <a:avLst/>
-          </a:prstGeom>
-          <a:noFill/>
-          <a:ln>
-            <a:noFill/>
-          </a:ln>
-        </p:spPr>
-        <p:txBody>
-          <a:bodyPr spcFirstLastPara="1" wrap="square" lIns="91425" tIns="91425" rIns="91425" bIns="91425" anchor="t" anchorCtr="0">
-            <a:noAutofit/>
-          </a:bodyPr>
-          <a:lstStyle/>
-          <a:p>
-            <a:pPr marL="0" lvl="0" indent="0" algn="ctr" rtl="0">
-              <a:lnSpc>
-                <a:spcPct val="100000"/>
-              </a:lnSpc>
-              <a:spcBef>
-                <a:spcPts val="0"/>
-              </a:spcBef>
-              <a:spcAft>
-                <a:spcPts val="0"/>
-              </a:spcAft>
-              <a:buSzPts val="2800"/>
-              <a:buNone/>
-            </a:pPr>
-            <a:r>
-              <a:rPr lang="ru" sz="1800" b="1">
-                <a:solidFill>
-                  <a:srgbClr val="11696D"/>
-                </a:solidFill>
-                <a:latin typeface="Times New Roman"/>
-                <a:ea typeface="Times New Roman"/>
-                <a:cs typeface="Times New Roman"/>
-                <a:sym typeface="Times New Roman"/>
-              </a:rPr>
-              <a:t>Проект по теме </a:t>
-            </a:r>
-            <a:endParaRPr sz="1800" b="1">
-              <a:solidFill>
-                <a:srgbClr val="11696D"/>
-              </a:solidFill>
-              <a:latin typeface="Times New Roman"/>
-              <a:ea typeface="Times New Roman"/>
-              <a:cs typeface="Times New Roman"/>
-              <a:sym typeface="Times New Roman"/>
-            </a:endParaRPr>
-          </a:p>
-          <a:p>
-            <a:pPr marL="0" lvl="0" indent="0" algn="ctr" rtl="0">
-              <a:lnSpc>
-                <a:spcPct val="100000"/>
-              </a:lnSpc>
-              <a:spcBef>
-                <a:spcPts val="0"/>
-              </a:spcBef>
-              <a:spcAft>
-                <a:spcPts val="0"/>
-              </a:spcAft>
-              <a:buSzPts val="2800"/>
-              <a:buNone/>
-            </a:pPr>
-            <a:r>
-              <a:rPr lang="ru" sz="1800" b="1">
-                <a:solidFill>
-                  <a:srgbClr val="11696D"/>
-                </a:solidFill>
-                <a:latin typeface="Times New Roman"/>
-                <a:ea typeface="Times New Roman"/>
-                <a:cs typeface="Times New Roman"/>
-                <a:sym typeface="Times New Roman"/>
-              </a:rPr>
-              <a:t>«Создание полноценного Web-сайта и публикация его на GitHub»</a:t>
-            </a:r>
-            <a:endParaRPr sz="2000" b="1">
-              <a:solidFill>
-                <a:srgbClr val="11696D"/>
-              </a:solidFill>
-              <a:latin typeface="Montserrat"/>
-              <a:ea typeface="Montserrat"/>
-              <a:cs typeface="Montserrat"/>
-              <a:sym typeface="Montserrat"/>
-            </a:endParaRPr>
-          </a:p>
-        </p:txBody>
-      </p:sp>
-      <p:cxnSp>
-        <p:nvCxnSpPr>
-          <p:cNvPr id="86" name="Google Shape;86;p12"/>
-          <p:cNvCxnSpPr/>
-          <p:nvPr/>
-        </p:nvCxnSpPr>
-        <p:spPr>
-          <a:xfrm>
-            <a:off x="286050" y="4845025"/>
-            <a:ext cx="8172900" cy="26700"/>
-          </a:xfrm>
-          <a:prstGeom prst="straightConnector1">
-            <a:avLst/>
-          </a:prstGeom>
-          <a:noFill/>
-          <a:ln w="28575" cap="flat" cmpd="sng">
-            <a:solidFill>
-              <a:srgbClr val="11696D"/>
-            </a:solidFill>
-            <a:prstDash val="solid"/>
-            <a:round/>
-            <a:headEnd type="none" w="sm" len="sm"/>
-            <a:tailEnd type="none" w="sm" len="sm"/>
-          </a:ln>
-        </p:spPr>
-      </p:cxnSp>
-      <p:sp>
-        <p:nvSpPr>
-          <p:cNvPr id="87" name="Google Shape;87;p12"/>
-          <p:cNvSpPr txBox="1"/>
-          <p:nvPr/>
-        </p:nvSpPr>
-        <p:spPr>
-          <a:xfrm>
-            <a:off x="8583175" y="4658275"/>
-            <a:ext cx="914400" cy="400200"/>
-          </a:xfrm>
-          <a:prstGeom prst="rect">
-            <a:avLst/>
-          </a:prstGeom>
-          <a:noFill/>
-          <a:ln>
-            <a:noFill/>
-          </a:ln>
-        </p:spPr>
-        <p:txBody>
-          <a:bodyPr spcFirstLastPara="1" wrap="square" lIns="91425" tIns="91425" rIns="91425" bIns="91425" anchor="t" anchorCtr="0">
-            <a:spAutoFit/>
-          </a:bodyPr>
-          <a:lstStyle/>
-          <a:p>
-            <a:pPr marL="0" marR="0" lvl="0" indent="0" algn="l" rtl="0">
-              <a:lnSpc>
-                <a:spcPct val="100000"/>
-              </a:lnSpc>
-              <a:spcBef>
-                <a:spcPts val="0"/>
-              </a:spcBef>
-              <a:spcAft>
-                <a:spcPts val="0"/>
-              </a:spcAft>
-              <a:buClr>
-                <a:srgbClr val="000000"/>
-              </a:buClr>
-              <a:buSzPts val="1400"/>
-              <a:buFont typeface="Arial"/>
-              <a:buNone/>
-            </a:pPr>
-            <a:r>
-              <a:rPr lang="ru" sz="1400" b="0" i="0" u="none" strike="noStrike" cap="none">
-                <a:solidFill>
-                  <a:srgbClr val="11696D"/>
-                </a:solidFill>
-                <a:latin typeface="Montserrat Black"/>
-                <a:ea typeface="Montserrat Black"/>
-                <a:cs typeface="Montserrat Black"/>
-                <a:sym typeface="Montserrat Black"/>
-              </a:rPr>
-              <a:t>2</a:t>
-            </a:r>
-            <a:endParaRPr sz="1400" b="0" i="0" u="none" strike="noStrike" cap="none">
-              <a:solidFill>
-                <a:srgbClr val="11696D"/>
-              </a:solidFill>
-              <a:latin typeface="Montserrat Black"/>
-              <a:ea typeface="Montserrat Black"/>
-              <a:cs typeface="Montserrat Black"/>
-              <a:sym typeface="Montserrat Black"/>
-            </a:endParaRPr>
-          </a:p>
-        </p:txBody>
-      </p:sp>
-      <p:sp>
-        <p:nvSpPr>
-          <p:cNvPr id="88" name="Google Shape;88;p12"/>
-          <p:cNvSpPr txBox="1"/>
-          <p:nvPr/>
-        </p:nvSpPr>
-        <p:spPr>
-          <a:xfrm>
-            <a:off x="311700" y="916275"/>
-            <a:ext cx="8639400" cy="3678900"/>
-          </a:xfrm>
-          <a:prstGeom prst="rect">
-            <a:avLst/>
-          </a:prstGeom>
-          <a:noFill/>
-          <a:ln>
-            <a:noFill/>
-          </a:ln>
-        </p:spPr>
-        <p:txBody>
-          <a:bodyPr spcFirstLastPara="1" wrap="square" lIns="91425" tIns="91425" rIns="91425" bIns="91425" anchor="t" anchorCtr="0">
-            <a:spAutoFit/>
-          </a:bodyPr>
-          <a:lstStyle/>
-          <a:p>
-            <a:pPr marL="0" marR="0" lvl="0" indent="0" algn="l" rtl="0">
-              <a:lnSpc>
-                <a:spcPct val="100000"/>
-              </a:lnSpc>
-              <a:spcBef>
-                <a:spcPts val="600"/>
-              </a:spcBef>
-              <a:spcAft>
-                <a:spcPts val="0"/>
-              </a:spcAft>
-              <a:buClr>
-                <a:srgbClr val="000000"/>
-              </a:buClr>
-              <a:buSzPts val="1050"/>
-              <a:buFont typeface="Arial"/>
-              <a:buNone/>
-            </a:pPr>
-            <a:r>
-              <a:rPr lang="ru" sz="1400" b="1" i="0" u="none" strike="noStrike" cap="none">
-                <a:solidFill>
-                  <a:schemeClr val="dk1"/>
-                </a:solidFill>
-                <a:latin typeface="Times New Roman"/>
-                <a:ea typeface="Times New Roman"/>
-                <a:cs typeface="Times New Roman"/>
-                <a:sym typeface="Times New Roman"/>
-              </a:rPr>
-              <a:t>Содержание:</a:t>
-            </a:r>
-            <a:endParaRPr sz="1400" b="1" i="0" u="none" strike="noStrike" cap="none">
-              <a:solidFill>
-                <a:schemeClr val="dk1"/>
-              </a:solidFill>
-              <a:latin typeface="Times New Roman"/>
-              <a:ea typeface="Times New Roman"/>
-              <a:cs typeface="Times New Roman"/>
-              <a:sym typeface="Times New Roman"/>
-            </a:endParaRPr>
-          </a:p>
-          <a:p>
-            <a:pPr marL="450000" marR="0" lvl="0" indent="-358900" algn="l" rtl="0">
-              <a:lnSpc>
-                <a:spcPct val="100000"/>
-              </a:lnSpc>
-              <a:spcBef>
-                <a:spcPts val="600"/>
-              </a:spcBef>
-              <a:spcAft>
-                <a:spcPts val="0"/>
-              </a:spcAft>
-              <a:buClr>
-                <a:schemeClr val="dk1"/>
-              </a:buClr>
-              <a:buSzPts val="1400"/>
-              <a:buFont typeface="Times New Roman"/>
-              <a:buAutoNum type="arabicPeriod"/>
-            </a:pPr>
-            <a:r>
-              <a:rPr lang="ru" sz="1400" b="0" i="0" u="none" strike="noStrike" cap="none">
-                <a:solidFill>
-                  <a:schemeClr val="dk1"/>
-                </a:solidFill>
-                <a:latin typeface="Times New Roman"/>
-                <a:ea typeface="Times New Roman"/>
-                <a:cs typeface="Times New Roman"/>
-                <a:sym typeface="Times New Roman"/>
-              </a:rPr>
-              <a:t>Описание проекта, его основные характеристики, цели и область применения</a:t>
-            </a:r>
-            <a:endParaRPr sz="1400" b="1" i="0" u="none" strike="noStrike" cap="none">
-              <a:solidFill>
-                <a:schemeClr val="dk1"/>
-              </a:solidFill>
-              <a:latin typeface="Times New Roman"/>
-              <a:ea typeface="Times New Roman"/>
-              <a:cs typeface="Times New Roman"/>
-              <a:sym typeface="Times New Roman"/>
-            </a:endParaRPr>
-          </a:p>
-          <a:p>
-            <a:pPr marL="450000" marR="0" lvl="0" indent="-358900" algn="l" rtl="0">
-              <a:lnSpc>
-                <a:spcPct val="100000"/>
-              </a:lnSpc>
-              <a:spcBef>
-                <a:spcPts val="600"/>
-              </a:spcBef>
-              <a:spcAft>
-                <a:spcPts val="0"/>
-              </a:spcAft>
-              <a:buClr>
-                <a:schemeClr val="dk1"/>
-              </a:buClr>
-              <a:buSzPts val="1400"/>
-              <a:buFont typeface="Times New Roman"/>
-              <a:buAutoNum type="arabicPeriod"/>
-            </a:pPr>
-            <a:r>
-              <a:rPr lang="ru" sz="1400" b="0" i="0" u="none" strike="noStrike" cap="none">
-                <a:solidFill>
-                  <a:schemeClr val="dk1"/>
-                </a:solidFill>
-                <a:latin typeface="Times New Roman"/>
-                <a:ea typeface="Times New Roman"/>
-                <a:cs typeface="Times New Roman"/>
-                <a:sym typeface="Times New Roman"/>
-              </a:rPr>
-              <a:t>Применяемые паттерны проектирования, обоснование их выбора</a:t>
-            </a:r>
-            <a:endParaRPr sz="1400" b="0" i="0" u="none" strike="noStrike" cap="none">
-              <a:solidFill>
-                <a:schemeClr val="dk1"/>
-              </a:solidFill>
-              <a:latin typeface="Times New Roman"/>
-              <a:ea typeface="Times New Roman"/>
-              <a:cs typeface="Times New Roman"/>
-              <a:sym typeface="Times New Roman"/>
-            </a:endParaRPr>
-          </a:p>
-          <a:p>
-            <a:pPr marL="450000" marR="0" lvl="0" indent="-358900" algn="l" rtl="0">
-              <a:lnSpc>
-                <a:spcPct val="100000"/>
-              </a:lnSpc>
-              <a:spcBef>
-                <a:spcPts val="600"/>
-              </a:spcBef>
-              <a:spcAft>
-                <a:spcPts val="0"/>
-              </a:spcAft>
-              <a:buClr>
-                <a:schemeClr val="dk1"/>
-              </a:buClr>
-              <a:buSzPts val="1400"/>
-              <a:buFont typeface="Times New Roman"/>
-              <a:buAutoNum type="arabicPeriod"/>
-            </a:pPr>
-            <a:r>
-              <a:rPr lang="ru" sz="1400" b="0" i="0" u="none" strike="noStrike" cap="none">
-                <a:solidFill>
-                  <a:schemeClr val="dk1"/>
-                </a:solidFill>
-                <a:latin typeface="Times New Roman"/>
-                <a:ea typeface="Times New Roman"/>
-                <a:cs typeface="Times New Roman"/>
-                <a:sym typeface="Times New Roman"/>
-              </a:rPr>
-              <a:t>API-интерфейсы для обеспечения взаимодействия программного решения с внешними системами или сервисами</a:t>
-            </a:r>
-            <a:endParaRPr sz="1400" b="0" i="0" u="none" strike="noStrike" cap="none">
-              <a:solidFill>
-                <a:schemeClr val="dk1"/>
-              </a:solidFill>
-              <a:latin typeface="Times New Roman"/>
-              <a:ea typeface="Times New Roman"/>
-              <a:cs typeface="Times New Roman"/>
-              <a:sym typeface="Times New Roman"/>
-            </a:endParaRPr>
-          </a:p>
-          <a:p>
-            <a:pPr marL="457200" marR="0" lvl="0" indent="-366100" algn="l" rtl="0">
-              <a:lnSpc>
-                <a:spcPct val="100000"/>
-              </a:lnSpc>
-              <a:spcBef>
-                <a:spcPts val="600"/>
-              </a:spcBef>
-              <a:spcAft>
-                <a:spcPts val="0"/>
-              </a:spcAft>
-              <a:buClr>
-                <a:schemeClr val="dk1"/>
-              </a:buClr>
-              <a:buSzPts val="1400"/>
-              <a:buFont typeface="Times New Roman"/>
-              <a:buAutoNum type="arabicPeriod"/>
-            </a:pPr>
-            <a:r>
-              <a:rPr lang="ru" sz="1400" b="0" i="0" u="none" strike="noStrike" cap="none">
-                <a:solidFill>
-                  <a:schemeClr val="dk1"/>
-                </a:solidFill>
-                <a:latin typeface="Times New Roman"/>
-                <a:ea typeface="Times New Roman"/>
-                <a:cs typeface="Times New Roman"/>
-                <a:sym typeface="Times New Roman"/>
-              </a:rPr>
-              <a:t>Библиотеки для оптимизации решений в вашем проекте, объяснение их применения</a:t>
-            </a:r>
-            <a:endParaRPr sz="1400" b="0" i="0" u="none" strike="noStrike" cap="none">
-              <a:solidFill>
-                <a:schemeClr val="dk1"/>
-              </a:solidFill>
-              <a:latin typeface="Times New Roman"/>
-              <a:ea typeface="Times New Roman"/>
-              <a:cs typeface="Times New Roman"/>
-              <a:sym typeface="Times New Roman"/>
-            </a:endParaRPr>
-          </a:p>
-          <a:p>
-            <a:pPr marL="457200" marR="0" lvl="0" indent="-366100" algn="l" rtl="0">
-              <a:lnSpc>
-                <a:spcPct val="100000"/>
-              </a:lnSpc>
-              <a:spcBef>
-                <a:spcPts val="600"/>
-              </a:spcBef>
-              <a:spcAft>
-                <a:spcPts val="0"/>
-              </a:spcAft>
-              <a:buClr>
-                <a:schemeClr val="dk1"/>
-              </a:buClr>
-              <a:buSzPts val="1400"/>
-              <a:buFont typeface="Times New Roman"/>
-              <a:buAutoNum type="arabicPeriod"/>
-            </a:pPr>
-            <a:r>
-              <a:rPr lang="ru" sz="1400" b="0" i="0" u="none" strike="noStrike" cap="none">
-                <a:solidFill>
-                  <a:schemeClr val="dk1"/>
-                </a:solidFill>
-                <a:latin typeface="Times New Roman"/>
-                <a:ea typeface="Times New Roman"/>
-                <a:cs typeface="Times New Roman"/>
-                <a:sym typeface="Times New Roman"/>
-              </a:rPr>
-              <a:t>Разработанная система тестирования ключевых компонентов проекта, включая отладку кода и обработку возможных ошибок</a:t>
-            </a:r>
-            <a:endParaRPr sz="1400" b="0" i="0" u="none" strike="noStrike" cap="none">
-              <a:solidFill>
-                <a:schemeClr val="dk1"/>
-              </a:solidFill>
-              <a:latin typeface="Times New Roman"/>
-              <a:ea typeface="Times New Roman"/>
-              <a:cs typeface="Times New Roman"/>
-              <a:sym typeface="Times New Roman"/>
-            </a:endParaRPr>
-          </a:p>
-          <a:p>
-            <a:pPr marL="457200" marR="0" lvl="0" indent="-366100" algn="l" rtl="0">
-              <a:lnSpc>
-                <a:spcPct val="100000"/>
-              </a:lnSpc>
-              <a:spcBef>
-                <a:spcPts val="600"/>
-              </a:spcBef>
-              <a:spcAft>
-                <a:spcPts val="0"/>
-              </a:spcAft>
-              <a:buClr>
-                <a:schemeClr val="dk1"/>
-              </a:buClr>
-              <a:buSzPts val="1400"/>
-              <a:buFont typeface="Times New Roman"/>
-              <a:buAutoNum type="arabicPeriod"/>
-            </a:pPr>
-            <a:r>
-              <a:rPr lang="ru" sz="1400" b="0" i="0" u="none" strike="noStrike" cap="none">
-                <a:solidFill>
-                  <a:schemeClr val="dk1"/>
-                </a:solidFill>
-                <a:latin typeface="Times New Roman"/>
-                <a:ea typeface="Times New Roman"/>
-                <a:cs typeface="Times New Roman"/>
-                <a:sym typeface="Times New Roman"/>
-              </a:rPr>
-              <a:t>Анализ производительности проекта</a:t>
-            </a:r>
-            <a:endParaRPr sz="1400" b="0" i="0" u="none" strike="noStrike" cap="none">
-              <a:solidFill>
-                <a:schemeClr val="dk1"/>
-              </a:solidFill>
-              <a:latin typeface="Times New Roman"/>
-              <a:ea typeface="Times New Roman"/>
-              <a:cs typeface="Times New Roman"/>
-              <a:sym typeface="Times New Roman"/>
-            </a:endParaRPr>
-          </a:p>
-          <a:p>
-            <a:pPr marL="457200" marR="0" lvl="0" indent="-366100" algn="l" rtl="0">
-              <a:lnSpc>
-                <a:spcPct val="100000"/>
-              </a:lnSpc>
-              <a:spcBef>
-                <a:spcPts val="600"/>
-              </a:spcBef>
-              <a:spcAft>
-                <a:spcPts val="0"/>
-              </a:spcAft>
-              <a:buClr>
-                <a:schemeClr val="dk1"/>
-              </a:buClr>
-              <a:buSzPts val="1400"/>
-              <a:buFont typeface="Times New Roman"/>
-              <a:buAutoNum type="arabicPeriod"/>
-            </a:pPr>
-            <a:r>
-              <a:rPr lang="ru" sz="1400" b="0" i="0" u="none" strike="noStrike" cap="none">
-                <a:solidFill>
-                  <a:schemeClr val="dk1"/>
-                </a:solidFill>
-                <a:latin typeface="Times New Roman"/>
-                <a:ea typeface="Times New Roman"/>
-                <a:cs typeface="Times New Roman"/>
-                <a:sym typeface="Times New Roman"/>
-              </a:rPr>
-              <a:t>Стратегии управления ресурсами и энергопотреблением для повышения эффективности работы программы</a:t>
-            </a:r>
-            <a:endParaRPr sz="1400" b="0" i="0" u="none" strike="noStrike" cap="none">
-              <a:solidFill>
-                <a:schemeClr val="dk1"/>
-              </a:solidFill>
-              <a:latin typeface="Times New Roman"/>
-              <a:ea typeface="Times New Roman"/>
-              <a:cs typeface="Times New Roman"/>
-              <a:sym typeface="Times New Roman"/>
-            </a:endParaRPr>
-          </a:p>
-          <a:p>
-            <a:pPr marL="457200" marR="0" lvl="0" indent="-366100" algn="l" rtl="0">
-              <a:lnSpc>
-                <a:spcPct val="100000"/>
-              </a:lnSpc>
-              <a:spcBef>
-                <a:spcPts val="600"/>
-              </a:spcBef>
-              <a:spcAft>
-                <a:spcPts val="0"/>
-              </a:spcAft>
-              <a:buClr>
-                <a:schemeClr val="dk1"/>
-              </a:buClr>
-              <a:buSzPts val="1400"/>
-              <a:buFont typeface="Times New Roman"/>
-              <a:buAutoNum type="arabicPeriod"/>
-            </a:pPr>
-            <a:r>
-              <a:rPr lang="ru" sz="1400" b="0" i="0" u="none" strike="noStrike" cap="none">
-                <a:solidFill>
-                  <a:schemeClr val="dk1"/>
-                </a:solidFill>
-                <a:latin typeface="Times New Roman"/>
-                <a:ea typeface="Times New Roman"/>
-                <a:cs typeface="Times New Roman"/>
-                <a:sym typeface="Times New Roman"/>
-              </a:rPr>
-              <a:t>Документация к коду проекта</a:t>
-            </a:r>
-            <a:endParaRPr sz="1400" b="0" i="0" u="none" strike="noStrike" cap="none">
-              <a:solidFill>
-                <a:schemeClr val="dk1"/>
-              </a:solidFill>
-              <a:latin typeface="Times New Roman"/>
-              <a:ea typeface="Times New Roman"/>
-              <a:cs typeface="Times New Roman"/>
-              <a:sym typeface="Times New Roman"/>
-            </a:endParaRPr>
-          </a:p>
-          <a:p>
-            <a:pPr marL="457200" marR="0" lvl="0" indent="-366100" algn="l" rtl="0">
-              <a:lnSpc>
-                <a:spcPct val="100000"/>
-              </a:lnSpc>
-              <a:spcBef>
-                <a:spcPts val="600"/>
-              </a:spcBef>
-              <a:spcAft>
-                <a:spcPts val="0"/>
-              </a:spcAft>
-              <a:buClr>
-                <a:schemeClr val="dk1"/>
-              </a:buClr>
-              <a:buSzPts val="1400"/>
-              <a:buFont typeface="Times New Roman"/>
-              <a:buAutoNum type="arabicPeriod"/>
-            </a:pPr>
-            <a:r>
-              <a:rPr lang="ru" sz="1400" b="0" i="0" u="none" strike="noStrike" cap="none">
-                <a:solidFill>
-                  <a:schemeClr val="dk1"/>
-                </a:solidFill>
-                <a:latin typeface="Times New Roman"/>
-                <a:ea typeface="Times New Roman"/>
-                <a:cs typeface="Times New Roman"/>
-                <a:sym typeface="Times New Roman"/>
-              </a:rPr>
-              <a:t>Демонстрация ключевой функциональности проекта</a:t>
-            </a:r>
-            <a:endParaRPr sz="1400" b="1" i="0" u="none" strike="noStrike" cap="none">
-              <a:solidFill>
-                <a:schemeClr val="dk1"/>
-              </a:solidFill>
-              <a:latin typeface="Times New Roman"/>
-              <a:ea typeface="Times New Roman"/>
-              <a:cs typeface="Times New Roman"/>
-              <a:sym typeface="Times New Roman"/>
-            </a:endParaRPr>
-          </a:p>
-        </p:txBody>
-      </p:sp>
-    </p:spTree>
-  </p:cSld>
-  <p:clrMapOvr>
-    <a:masterClrMapping/>
-  </p:clrMapOvr>
-</p:sld>
-</file>
-
-<file path=ppt/slides/slide6.xml><?xml version="1.0" encoding="utf-8"?>
 <p:sld xmlns:a="http://schemas.openxmlformats.org/drawingml/2006/main" xmlns:r="http://schemas.openxmlformats.org/officeDocument/2006/relationships" xmlns:p="http://schemas.openxmlformats.org/presentationml/2006/main">
   <p:cSld>
     <p:spTree>
@@ -17777,7 +14509,7 @@
 </p:sld>
 </file>
 
-<file path=ppt/slides/slide7.xml><?xml version="1.0" encoding="utf-8"?>
+<file path=ppt/slides/slide4.xml><?xml version="1.0" encoding="utf-8"?>
 <p:sld xmlns:a="http://schemas.openxmlformats.org/drawingml/2006/main" xmlns:r="http://schemas.openxmlformats.org/officeDocument/2006/relationships" xmlns:p="http://schemas.openxmlformats.org/presentationml/2006/main">
   <p:cSld>
     <p:spTree>
@@ -18359,7 +15091,7 @@
 </p:sld>
 </file>
 
-<file path=ppt/slides/slide8.xml><?xml version="1.0" encoding="utf-8"?>
+<file path=ppt/slides/slide5.xml><?xml version="1.0" encoding="utf-8"?>
 <p:sld xmlns:a="http://schemas.openxmlformats.org/drawingml/2006/main" xmlns:r="http://schemas.openxmlformats.org/officeDocument/2006/relationships" xmlns:p="http://schemas.openxmlformats.org/presentationml/2006/main">
   <p:cSld>
     <p:spTree>
@@ -18876,7 +15608,7 @@
 </p:sld>
 </file>
 
-<file path=ppt/slides/slide9.xml><?xml version="1.0" encoding="utf-8"?>
+<file path=ppt/slides/slide6.xml><?xml version="1.0" encoding="utf-8"?>
 <p:sld xmlns:a="http://schemas.openxmlformats.org/drawingml/2006/main" xmlns:r="http://schemas.openxmlformats.org/officeDocument/2006/relationships" xmlns:p="http://schemas.openxmlformats.org/presentationml/2006/main">
   <p:cSld>
     <p:spTree>
@@ -19064,7 +15796,7 @@
         <p:spPr>
           <a:xfrm>
             <a:off x="385238" y="643016"/>
-            <a:ext cx="8447062" cy="4510820"/>
+            <a:ext cx="8447062" cy="4696640"/>
           </a:xfrm>
           <a:prstGeom prst="rect">
             <a:avLst/>
@@ -19307,25 +16039,7 @@
                 </a:solidFill>
                 <a:latin typeface="Montserrat"/>
               </a:rPr>
-              <a:t>. Это позволяет организовать быстрый двунаправленный обмен данными</a:t>
-            </a:r>
-            <a:r>
-              <a:rPr lang="ru-RU" sz="1050">
-                <a:solidFill>
-                  <a:srgbClr val="11696D"/>
-                </a:solidFill>
-                <a:latin typeface="Montserrat"/>
-              </a:rPr>
-              <a:t>, оптимизировать </a:t>
-            </a:r>
-            <a:r>
-              <a:rPr lang="ru-RU" sz="1050" dirty="0">
-                <a:solidFill>
-                  <a:srgbClr val="11696D"/>
-                </a:solidFill>
-                <a:latin typeface="Montserrat"/>
-              </a:rPr>
-              <a:t>работу программы, исключить перегрузку сервера, снизить время отклика системы.</a:t>
+              <a:t>. Это позволяет организовать быстрый двунаправленный обмен данными, оптимизировать работу программы, исключить перегрузку сервера, снизить время отклика системы.</a:t>
             </a:r>
           </a:p>
           <a:p>
@@ -19375,11 +16089,16 @@
                 </a:solidFill>
                 <a:latin typeface="Montserrat"/>
               </a:rPr>
-              <a:t> с настройкой асинхронной записи на диск, значительно улучшает производительность всей системы. - </a:t>
-            </a:r>
-            <a:r>
-              <a:rPr lang="ru-RU" sz="1050" dirty="0"/>
-              <a:t>улучшенную обработку ошибок и более четкое логирование для диагностики</a:t>
+              <a:t> с настройкой асинхронной записи на диск, значительно улучшает производительность всей системы. Это обеспечивает </a:t>
+            </a:r>
+            <a:r>
+              <a:rPr lang="ru-RU" sz="1050" dirty="0">
+                <a:solidFill>
+                  <a:srgbClr val="11696D"/>
+                </a:solidFill>
+                <a:latin typeface="Montserrat"/>
+              </a:rPr>
+              <a:t>улучшенную обработку ошибок и более четкое логирование для диагностики.</a:t>
             </a:r>
             <a:endParaRPr lang="ru-RU" altLang="ru-RU" sz="1050" dirty="0">
               <a:solidFill>
@@ -19406,6 +16125,1633 @@
                 <a:srgbClr val="11696D"/>
               </a:solidFill>
               <a:latin typeface="Montserrat"/>
+            </a:endParaRPr>
+          </a:p>
+        </p:txBody>
+      </p:sp>
+    </p:spTree>
+  </p:cSld>
+  <p:clrMapOvr>
+    <a:masterClrMapping/>
+  </p:clrMapOvr>
+</p:sld>
+</file>
+
+<file path=ppt/slides/slide7.xml><?xml version="1.0" encoding="utf-8"?>
+<p:sld xmlns:a="http://schemas.openxmlformats.org/drawingml/2006/main" xmlns:r="http://schemas.openxmlformats.org/officeDocument/2006/relationships" xmlns:p="http://schemas.openxmlformats.org/presentationml/2006/main">
+  <p:cSld>
+    <p:spTree>
+      <p:nvGrpSpPr>
+        <p:cNvPr id="1" name="Shape 124"/>
+        <p:cNvGrpSpPr/>
+        <p:nvPr/>
+      </p:nvGrpSpPr>
+      <p:grpSpPr>
+        <a:xfrm>
+          <a:off x="0" y="0"/>
+          <a:ext cx="0" cy="0"/>
+          <a:chOff x="0" y="0"/>
+          <a:chExt cx="0" cy="0"/>
+        </a:xfrm>
+      </p:grpSpPr>
+      <p:sp>
+        <p:nvSpPr>
+          <p:cNvPr id="125" name="Google Shape;125;g2bd0017381e_1_7"/>
+          <p:cNvSpPr txBox="1">
+            <a:spLocks noGrp="1"/>
+          </p:cNvSpPr>
+          <p:nvPr>
+            <p:ph type="title"/>
+          </p:nvPr>
+        </p:nvSpPr>
+        <p:spPr>
+          <a:xfrm>
+            <a:off x="311700" y="161025"/>
+            <a:ext cx="8520600" cy="572700"/>
+          </a:xfrm>
+          <a:prstGeom prst="rect">
+            <a:avLst/>
+          </a:prstGeom>
+          <a:noFill/>
+          <a:ln>
+            <a:noFill/>
+          </a:ln>
+        </p:spPr>
+        <p:txBody>
+          <a:bodyPr spcFirstLastPara="1" wrap="square" lIns="91425" tIns="91425" rIns="91425" bIns="91425" anchor="t" anchorCtr="0">
+            <a:noAutofit/>
+          </a:bodyPr>
+          <a:lstStyle/>
+          <a:p>
+            <a:pPr marL="0" lvl="0" indent="0" algn="just" rtl="0">
+              <a:lnSpc>
+                <a:spcPct val="100000"/>
+              </a:lnSpc>
+              <a:spcBef>
+                <a:spcPts val="0"/>
+              </a:spcBef>
+              <a:spcAft>
+                <a:spcPts val="0"/>
+              </a:spcAft>
+              <a:buClr>
+                <a:schemeClr val="dk1"/>
+              </a:buClr>
+              <a:buSzPts val="1100"/>
+              <a:buFont typeface="Arial"/>
+              <a:buNone/>
+            </a:pPr>
+            <a:r>
+              <a:rPr lang="ru" sz="1500" b="1">
+                <a:solidFill>
+                  <a:srgbClr val="11696D"/>
+                </a:solidFill>
+                <a:latin typeface="Times New Roman"/>
+                <a:ea typeface="Times New Roman"/>
+                <a:cs typeface="Times New Roman"/>
+                <a:sym typeface="Times New Roman"/>
+              </a:rPr>
+              <a:t>Разработанная система тестирования ключевых компонентов проекта, включая отладку кода и обработку возможных ошибок</a:t>
+            </a:r>
+            <a:endParaRPr sz="1500" b="1">
+              <a:solidFill>
+                <a:srgbClr val="11696D"/>
+              </a:solidFill>
+              <a:latin typeface="Montserrat"/>
+              <a:ea typeface="Montserrat"/>
+              <a:cs typeface="Montserrat"/>
+              <a:sym typeface="Montserrat"/>
+            </a:endParaRPr>
+          </a:p>
+        </p:txBody>
+      </p:sp>
+      <p:cxnSp>
+        <p:nvCxnSpPr>
+          <p:cNvPr id="126" name="Google Shape;126;g2bd0017381e_1_7"/>
+          <p:cNvCxnSpPr/>
+          <p:nvPr/>
+        </p:nvCxnSpPr>
+        <p:spPr>
+          <a:xfrm>
+            <a:off x="286050" y="4845025"/>
+            <a:ext cx="8172900" cy="26700"/>
+          </a:xfrm>
+          <a:prstGeom prst="straightConnector1">
+            <a:avLst/>
+          </a:prstGeom>
+          <a:noFill/>
+          <a:ln w="28575" cap="flat" cmpd="sng">
+            <a:solidFill>
+              <a:srgbClr val="11696D"/>
+            </a:solidFill>
+            <a:prstDash val="solid"/>
+            <a:round/>
+            <a:headEnd type="none" w="sm" len="sm"/>
+            <a:tailEnd type="none" w="sm" len="sm"/>
+          </a:ln>
+        </p:spPr>
+      </p:cxnSp>
+      <p:sp>
+        <p:nvSpPr>
+          <p:cNvPr id="127" name="Google Shape;127;g2bd0017381e_1_7"/>
+          <p:cNvSpPr txBox="1"/>
+          <p:nvPr/>
+        </p:nvSpPr>
+        <p:spPr>
+          <a:xfrm>
+            <a:off x="8625250" y="4658275"/>
+            <a:ext cx="914400" cy="400200"/>
+          </a:xfrm>
+          <a:prstGeom prst="rect">
+            <a:avLst/>
+          </a:prstGeom>
+          <a:noFill/>
+          <a:ln>
+            <a:noFill/>
+          </a:ln>
+        </p:spPr>
+        <p:txBody>
+          <a:bodyPr spcFirstLastPara="1" wrap="square" lIns="91425" tIns="91425" rIns="91425" bIns="91425" anchor="t" anchorCtr="0">
+            <a:spAutoFit/>
+          </a:bodyPr>
+          <a:lstStyle/>
+          <a:p>
+            <a:pPr marL="0" marR="0" lvl="0" indent="0" algn="l" rtl="0">
+              <a:lnSpc>
+                <a:spcPct val="100000"/>
+              </a:lnSpc>
+              <a:spcBef>
+                <a:spcPts val="0"/>
+              </a:spcBef>
+              <a:spcAft>
+                <a:spcPts val="0"/>
+              </a:spcAft>
+              <a:buClr>
+                <a:srgbClr val="000000"/>
+              </a:buClr>
+              <a:buSzPts val="1400"/>
+              <a:buFont typeface="Arial"/>
+              <a:buNone/>
+            </a:pPr>
+            <a:r>
+              <a:rPr lang="ru" sz="1400" b="0" i="0" u="none" strike="noStrike" cap="none">
+                <a:solidFill>
+                  <a:srgbClr val="11696D"/>
+                </a:solidFill>
+                <a:latin typeface="Montserrat Black"/>
+                <a:ea typeface="Montserrat Black"/>
+                <a:cs typeface="Montserrat Black"/>
+                <a:sym typeface="Montserrat Black"/>
+              </a:rPr>
+              <a:t>7</a:t>
+            </a:r>
+            <a:endParaRPr sz="1400" b="0" i="0" u="none" strike="noStrike" cap="none">
+              <a:solidFill>
+                <a:srgbClr val="11696D"/>
+              </a:solidFill>
+              <a:latin typeface="Montserrat Black"/>
+              <a:ea typeface="Montserrat Black"/>
+              <a:cs typeface="Montserrat Black"/>
+              <a:sym typeface="Montserrat Black"/>
+            </a:endParaRPr>
+          </a:p>
+        </p:txBody>
+      </p:sp>
+      <p:sp>
+        <p:nvSpPr>
+          <p:cNvPr id="128" name="Google Shape;128;g2bd0017381e_1_7"/>
+          <p:cNvSpPr txBox="1"/>
+          <p:nvPr/>
+        </p:nvSpPr>
+        <p:spPr>
+          <a:xfrm>
+            <a:off x="423333" y="832700"/>
+            <a:ext cx="8331200" cy="2594526"/>
+          </a:xfrm>
+          <a:prstGeom prst="rect">
+            <a:avLst/>
+          </a:prstGeom>
+          <a:noFill/>
+          <a:ln>
+            <a:noFill/>
+          </a:ln>
+        </p:spPr>
+        <p:txBody>
+          <a:bodyPr spcFirstLastPara="1" wrap="square" lIns="91425" tIns="91425" rIns="91425" bIns="91425" anchor="t" anchorCtr="0">
+            <a:spAutoFit/>
+          </a:bodyPr>
+          <a:lstStyle/>
+          <a:p>
+            <a:pPr lvl="0">
+              <a:lnSpc>
+                <a:spcPct val="115000"/>
+              </a:lnSpc>
+              <a:spcBef>
+                <a:spcPts val="1200"/>
+              </a:spcBef>
+              <a:spcAft>
+                <a:spcPts val="1200"/>
+              </a:spcAft>
+              <a:buSzPts val="1050"/>
+            </a:pPr>
+            <a:r>
+              <a:rPr lang="ru-RU" sz="1050" dirty="0">
+                <a:solidFill>
+                  <a:srgbClr val="11696D"/>
+                </a:solidFill>
+                <a:latin typeface="Montserrat"/>
+                <a:ea typeface="Montserrat"/>
+                <a:cs typeface="Montserrat"/>
+                <a:sym typeface="Montserrat"/>
+              </a:rPr>
+              <a:t>Серверный код использует несколько продвинутых паттернов проектирования, таких как </a:t>
+            </a:r>
+            <a:r>
+              <a:rPr lang="ru-RU" sz="1050" dirty="0" err="1">
+                <a:solidFill>
+                  <a:srgbClr val="11696D"/>
+                </a:solidFill>
+                <a:latin typeface="Montserrat"/>
+                <a:ea typeface="Montserrat"/>
+                <a:cs typeface="Montserrat"/>
+                <a:sym typeface="Montserrat"/>
+              </a:rPr>
+              <a:t>Singleton</a:t>
+            </a:r>
+            <a:r>
+              <a:rPr lang="ru-RU" sz="1050" dirty="0">
+                <a:solidFill>
+                  <a:srgbClr val="11696D"/>
+                </a:solidFill>
+                <a:latin typeface="Montserrat"/>
+                <a:ea typeface="Montserrat"/>
+                <a:cs typeface="Montserrat"/>
+                <a:sym typeface="Montserrat"/>
+              </a:rPr>
+              <a:t>,</a:t>
+            </a:r>
+            <a:r>
+              <a:rPr lang="en-US" sz="1050" dirty="0">
+                <a:solidFill>
+                  <a:srgbClr val="11696D"/>
+                </a:solidFill>
+                <a:latin typeface="Montserrat"/>
+                <a:ea typeface="Montserrat"/>
+                <a:cs typeface="Montserrat"/>
+                <a:sym typeface="Montserrat"/>
+              </a:rPr>
+              <a:t> </a:t>
+            </a:r>
+            <a:r>
+              <a:rPr lang="ru-RU" sz="1050" dirty="0">
+                <a:solidFill>
+                  <a:srgbClr val="11696D"/>
+                </a:solidFill>
+                <a:latin typeface="Montserrat"/>
+                <a:ea typeface="Montserrat"/>
+                <a:cs typeface="Montserrat"/>
+                <a:sym typeface="Montserrat"/>
+              </a:rPr>
+              <a:t> </a:t>
+            </a:r>
+            <a:r>
+              <a:rPr lang="ru-RU" sz="1050" dirty="0" err="1">
+                <a:solidFill>
+                  <a:srgbClr val="11696D"/>
+                </a:solidFill>
+                <a:latin typeface="Montserrat"/>
+                <a:ea typeface="Montserrat"/>
+                <a:cs typeface="Montserrat"/>
+                <a:sym typeface="Montserrat"/>
+              </a:rPr>
+              <a:t>Observer</a:t>
+            </a:r>
+            <a:r>
+              <a:rPr lang="ru-RU" sz="1050" dirty="0">
+                <a:solidFill>
+                  <a:srgbClr val="11696D"/>
+                </a:solidFill>
+                <a:latin typeface="Montserrat"/>
+                <a:ea typeface="Montserrat"/>
+                <a:cs typeface="Montserrat"/>
+                <a:sym typeface="Montserrat"/>
+              </a:rPr>
+              <a:t> и </a:t>
+            </a:r>
+            <a:r>
+              <a:rPr lang="en-US" sz="1050" dirty="0">
+                <a:solidFill>
+                  <a:srgbClr val="11696D"/>
+                </a:solidFill>
+                <a:latin typeface="Montserrat"/>
+                <a:ea typeface="Montserrat"/>
+                <a:cs typeface="Montserrat"/>
+                <a:sym typeface="Montserrat"/>
+              </a:rPr>
+              <a:t>Command</a:t>
+            </a:r>
+            <a:r>
+              <a:rPr lang="ru-RU" sz="1050" dirty="0">
+                <a:solidFill>
+                  <a:srgbClr val="11696D"/>
+                </a:solidFill>
+                <a:latin typeface="Montserrat"/>
+                <a:ea typeface="Montserrat"/>
+                <a:cs typeface="Montserrat"/>
+                <a:sym typeface="Montserrat"/>
+              </a:rPr>
+              <a:t>, а также управляет асинхронными операциями через </a:t>
+            </a:r>
+            <a:r>
+              <a:rPr lang="ru-RU" sz="1050" dirty="0" err="1">
+                <a:solidFill>
+                  <a:srgbClr val="11696D"/>
+                </a:solidFill>
+                <a:latin typeface="Montserrat"/>
+                <a:ea typeface="Montserrat"/>
+                <a:cs typeface="Montserrat"/>
+                <a:sym typeface="Montserrat"/>
+              </a:rPr>
+              <a:t>asyncio</a:t>
+            </a:r>
+            <a:r>
+              <a:rPr lang="ru-RU" sz="1050" dirty="0">
+                <a:solidFill>
+                  <a:srgbClr val="11696D"/>
+                </a:solidFill>
+                <a:latin typeface="Montserrat"/>
+                <a:ea typeface="Montserrat"/>
+                <a:cs typeface="Montserrat"/>
+                <a:sym typeface="Montserrat"/>
+              </a:rPr>
+              <a:t>. Всё работает через </a:t>
+            </a:r>
+            <a:r>
+              <a:rPr lang="ru-RU" sz="1050" dirty="0" err="1">
+                <a:solidFill>
+                  <a:srgbClr val="11696D"/>
+                </a:solidFill>
+                <a:latin typeface="Montserrat"/>
+                <a:ea typeface="Montserrat"/>
+                <a:cs typeface="Montserrat"/>
+                <a:sym typeface="Montserrat"/>
+              </a:rPr>
+              <a:t>WebSocket</a:t>
+            </a:r>
+            <a:r>
+              <a:rPr lang="ru-RU" sz="1050" dirty="0">
+                <a:solidFill>
+                  <a:srgbClr val="11696D"/>
+                </a:solidFill>
+                <a:latin typeface="Montserrat"/>
+                <a:ea typeface="Montserrat"/>
+                <a:cs typeface="Montserrat"/>
+                <a:sym typeface="Montserrat"/>
+              </a:rPr>
+              <a:t>-соединения, где обрабатываются команды от операторов и дронов. </a:t>
+            </a:r>
+            <a:endParaRPr lang="en-US" sz="1050" dirty="0">
+              <a:solidFill>
+                <a:srgbClr val="11696D"/>
+              </a:solidFill>
+              <a:latin typeface="Montserrat"/>
+              <a:ea typeface="Montserrat"/>
+              <a:cs typeface="Montserrat"/>
+              <a:sym typeface="Montserrat"/>
+            </a:endParaRPr>
+          </a:p>
+          <a:p>
+            <a:pPr lvl="0">
+              <a:lnSpc>
+                <a:spcPct val="115000"/>
+              </a:lnSpc>
+              <a:spcBef>
+                <a:spcPts val="1200"/>
+              </a:spcBef>
+              <a:spcAft>
+                <a:spcPts val="1200"/>
+              </a:spcAft>
+              <a:buSzPts val="1050"/>
+            </a:pPr>
+            <a:r>
+              <a:rPr lang="ru-RU" sz="1050" dirty="0">
+                <a:solidFill>
+                  <a:srgbClr val="11696D"/>
+                </a:solidFill>
+                <a:latin typeface="Montserrat"/>
+                <a:ea typeface="Montserrat"/>
+                <a:cs typeface="Montserrat"/>
+                <a:sym typeface="Montserrat"/>
+              </a:rPr>
+              <a:t>Для обеспечения стабильности добавляем тесты на авторизацию, логирование отправки команд и обработки статусов.</a:t>
+            </a:r>
+            <a:endParaRPr lang="en-US" sz="1050" dirty="0">
+              <a:solidFill>
+                <a:srgbClr val="11696D"/>
+              </a:solidFill>
+              <a:latin typeface="Montserrat"/>
+              <a:ea typeface="Montserrat"/>
+              <a:cs typeface="Montserrat"/>
+              <a:sym typeface="Montserrat"/>
+            </a:endParaRPr>
+          </a:p>
+          <a:p>
+            <a:pPr lvl="0">
+              <a:lnSpc>
+                <a:spcPct val="115000"/>
+              </a:lnSpc>
+              <a:spcBef>
+                <a:spcPts val="1200"/>
+              </a:spcBef>
+              <a:spcAft>
+                <a:spcPts val="1200"/>
+              </a:spcAft>
+              <a:buSzPts val="1050"/>
+            </a:pPr>
+            <a:r>
+              <a:rPr lang="ru-RU" sz="1050" dirty="0">
+                <a:solidFill>
+                  <a:srgbClr val="11696D"/>
+                </a:solidFill>
+                <a:latin typeface="Montserrat"/>
+                <a:ea typeface="Montserrat"/>
+                <a:cs typeface="Montserrat"/>
+                <a:sym typeface="Montserrat"/>
+              </a:rPr>
+              <a:t>Процедура тестирования JWT-токенов включает проверку их корректного создания, верификации и обработки ошибок. Мы будем использовать модуль </a:t>
+            </a:r>
+            <a:r>
+              <a:rPr lang="ru-RU" sz="1050" dirty="0" err="1">
+                <a:solidFill>
+                  <a:srgbClr val="11696D"/>
+                </a:solidFill>
+                <a:latin typeface="Montserrat"/>
+                <a:ea typeface="Montserrat"/>
+                <a:cs typeface="Montserrat"/>
+                <a:sym typeface="Montserrat"/>
+              </a:rPr>
+              <a:t>unittest</a:t>
+            </a:r>
+            <a:r>
+              <a:rPr lang="ru-RU" sz="1050" dirty="0">
+                <a:solidFill>
+                  <a:srgbClr val="11696D"/>
+                </a:solidFill>
+                <a:latin typeface="Montserrat"/>
+                <a:ea typeface="Montserrat"/>
+                <a:cs typeface="Montserrat"/>
+                <a:sym typeface="Montserrat"/>
+              </a:rPr>
+              <a:t> для создания и выполнения тестов, и проверим работу методов </a:t>
+            </a:r>
+            <a:r>
+              <a:rPr lang="ru-RU" sz="1050" dirty="0" err="1">
+                <a:solidFill>
+                  <a:srgbClr val="11696D"/>
+                </a:solidFill>
+                <a:latin typeface="Montserrat"/>
+                <a:ea typeface="Montserrat"/>
+                <a:cs typeface="Montserrat"/>
+                <a:sym typeface="Montserrat"/>
+              </a:rPr>
+              <a:t>create_jwt_token</a:t>
+            </a:r>
+            <a:r>
+              <a:rPr lang="ru-RU" sz="1050" dirty="0">
+                <a:solidFill>
+                  <a:srgbClr val="11696D"/>
+                </a:solidFill>
+                <a:latin typeface="Montserrat"/>
+                <a:ea typeface="Montserrat"/>
+                <a:cs typeface="Montserrat"/>
+                <a:sym typeface="Montserrat"/>
+              </a:rPr>
+              <a:t> и </a:t>
+            </a:r>
+            <a:r>
+              <a:rPr lang="ru-RU" sz="1050" dirty="0" err="1">
+                <a:solidFill>
+                  <a:srgbClr val="11696D"/>
+                </a:solidFill>
+                <a:latin typeface="Montserrat"/>
+                <a:ea typeface="Montserrat"/>
+                <a:cs typeface="Montserrat"/>
+                <a:sym typeface="Montserrat"/>
+              </a:rPr>
+              <a:t>verify_jwt_token</a:t>
+            </a:r>
+            <a:r>
+              <a:rPr lang="ru-RU" sz="1050" dirty="0">
+                <a:solidFill>
+                  <a:srgbClr val="11696D"/>
+                </a:solidFill>
+                <a:latin typeface="Montserrat"/>
+                <a:ea typeface="Montserrat"/>
+                <a:cs typeface="Montserrat"/>
+                <a:sym typeface="Montserrat"/>
+              </a:rPr>
+              <a:t> в классе </a:t>
+            </a:r>
+            <a:r>
+              <a:rPr lang="ru-RU" sz="1050" dirty="0" err="1">
+                <a:solidFill>
+                  <a:srgbClr val="11696D"/>
+                </a:solidFill>
+                <a:latin typeface="Montserrat"/>
+                <a:ea typeface="Montserrat"/>
+                <a:cs typeface="Montserrat"/>
+                <a:sym typeface="Montserrat"/>
+              </a:rPr>
+              <a:t>JWTManager</a:t>
+            </a:r>
+            <a:r>
+              <a:rPr lang="ru-RU" sz="1050" dirty="0">
+                <a:solidFill>
+                  <a:srgbClr val="11696D"/>
+                </a:solidFill>
+                <a:latin typeface="Montserrat"/>
+                <a:ea typeface="Montserrat"/>
+                <a:cs typeface="Montserrat"/>
+                <a:sym typeface="Montserrat"/>
+              </a:rPr>
+              <a:t>.</a:t>
+            </a:r>
+          </a:p>
+        </p:txBody>
+      </p:sp>
+    </p:spTree>
+  </p:cSld>
+  <p:clrMapOvr>
+    <a:masterClrMapping/>
+  </p:clrMapOvr>
+</p:sld>
+</file>
+
+<file path=ppt/slides/slide8.xml><?xml version="1.0" encoding="utf-8"?>
+<p:sld xmlns:a="http://schemas.openxmlformats.org/drawingml/2006/main" xmlns:r="http://schemas.openxmlformats.org/officeDocument/2006/relationships" xmlns:p="http://schemas.openxmlformats.org/presentationml/2006/main">
+  <p:cSld>
+    <p:spTree>
+      <p:nvGrpSpPr>
+        <p:cNvPr id="1" name="Shape 132"/>
+        <p:cNvGrpSpPr/>
+        <p:nvPr/>
+      </p:nvGrpSpPr>
+      <p:grpSpPr>
+        <a:xfrm>
+          <a:off x="0" y="0"/>
+          <a:ext cx="0" cy="0"/>
+          <a:chOff x="0" y="0"/>
+          <a:chExt cx="0" cy="0"/>
+        </a:xfrm>
+      </p:grpSpPr>
+      <p:sp>
+        <p:nvSpPr>
+          <p:cNvPr id="133" name="Google Shape;133;g2bd0017381e_1_14"/>
+          <p:cNvSpPr txBox="1">
+            <a:spLocks noGrp="1"/>
+          </p:cNvSpPr>
+          <p:nvPr>
+            <p:ph type="title"/>
+          </p:nvPr>
+        </p:nvSpPr>
+        <p:spPr>
+          <a:xfrm>
+            <a:off x="311700" y="161025"/>
+            <a:ext cx="8520600" cy="572700"/>
+          </a:xfrm>
+          <a:prstGeom prst="rect">
+            <a:avLst/>
+          </a:prstGeom>
+          <a:noFill/>
+          <a:ln>
+            <a:noFill/>
+          </a:ln>
+        </p:spPr>
+        <p:txBody>
+          <a:bodyPr spcFirstLastPara="1" wrap="square" lIns="91425" tIns="91425" rIns="91425" bIns="91425" anchor="t" anchorCtr="0">
+            <a:noAutofit/>
+          </a:bodyPr>
+          <a:lstStyle/>
+          <a:p>
+            <a:pPr marL="0" lvl="0" indent="0" algn="just" rtl="0">
+              <a:lnSpc>
+                <a:spcPct val="100000"/>
+              </a:lnSpc>
+              <a:spcBef>
+                <a:spcPts val="0"/>
+              </a:spcBef>
+              <a:spcAft>
+                <a:spcPts val="0"/>
+              </a:spcAft>
+              <a:buClr>
+                <a:schemeClr val="dk1"/>
+              </a:buClr>
+              <a:buSzPts val="1100"/>
+              <a:buFont typeface="Arial"/>
+              <a:buNone/>
+            </a:pPr>
+            <a:r>
+              <a:rPr lang="ru" sz="1500" b="1">
+                <a:solidFill>
+                  <a:srgbClr val="11696D"/>
+                </a:solidFill>
+                <a:latin typeface="Times New Roman"/>
+                <a:ea typeface="Times New Roman"/>
+                <a:cs typeface="Times New Roman"/>
+                <a:sym typeface="Times New Roman"/>
+              </a:rPr>
+              <a:t>Анализ производительности проекта</a:t>
+            </a:r>
+            <a:endParaRPr sz="1500" b="1">
+              <a:solidFill>
+                <a:srgbClr val="11696D"/>
+              </a:solidFill>
+              <a:latin typeface="Montserrat"/>
+              <a:ea typeface="Montserrat"/>
+              <a:cs typeface="Montserrat"/>
+              <a:sym typeface="Montserrat"/>
+            </a:endParaRPr>
+          </a:p>
+        </p:txBody>
+      </p:sp>
+      <p:cxnSp>
+        <p:nvCxnSpPr>
+          <p:cNvPr id="134" name="Google Shape;134;g2bd0017381e_1_14"/>
+          <p:cNvCxnSpPr/>
+          <p:nvPr/>
+        </p:nvCxnSpPr>
+        <p:spPr>
+          <a:xfrm>
+            <a:off x="286050" y="4845025"/>
+            <a:ext cx="8172900" cy="26700"/>
+          </a:xfrm>
+          <a:prstGeom prst="straightConnector1">
+            <a:avLst/>
+          </a:prstGeom>
+          <a:noFill/>
+          <a:ln w="28575" cap="flat" cmpd="sng">
+            <a:solidFill>
+              <a:srgbClr val="11696D"/>
+            </a:solidFill>
+            <a:prstDash val="solid"/>
+            <a:round/>
+            <a:headEnd type="none" w="sm" len="sm"/>
+            <a:tailEnd type="none" w="sm" len="sm"/>
+          </a:ln>
+        </p:spPr>
+      </p:cxnSp>
+      <p:sp>
+        <p:nvSpPr>
+          <p:cNvPr id="135" name="Google Shape;135;g2bd0017381e_1_14"/>
+          <p:cNvSpPr txBox="1"/>
+          <p:nvPr/>
+        </p:nvSpPr>
+        <p:spPr>
+          <a:xfrm>
+            <a:off x="8625250" y="4658275"/>
+            <a:ext cx="914400" cy="400200"/>
+          </a:xfrm>
+          <a:prstGeom prst="rect">
+            <a:avLst/>
+          </a:prstGeom>
+          <a:noFill/>
+          <a:ln>
+            <a:noFill/>
+          </a:ln>
+        </p:spPr>
+        <p:txBody>
+          <a:bodyPr spcFirstLastPara="1" wrap="square" lIns="91425" tIns="91425" rIns="91425" bIns="91425" anchor="t" anchorCtr="0">
+            <a:spAutoFit/>
+          </a:bodyPr>
+          <a:lstStyle/>
+          <a:p>
+            <a:pPr marL="0" marR="0" lvl="0" indent="0" algn="l" rtl="0">
+              <a:lnSpc>
+                <a:spcPct val="100000"/>
+              </a:lnSpc>
+              <a:spcBef>
+                <a:spcPts val="0"/>
+              </a:spcBef>
+              <a:spcAft>
+                <a:spcPts val="0"/>
+              </a:spcAft>
+              <a:buClr>
+                <a:srgbClr val="000000"/>
+              </a:buClr>
+              <a:buSzPts val="1400"/>
+              <a:buFont typeface="Arial"/>
+              <a:buNone/>
+            </a:pPr>
+            <a:r>
+              <a:rPr lang="ru" sz="1400" b="0" i="0" u="none" strike="noStrike" cap="none">
+                <a:solidFill>
+                  <a:srgbClr val="11696D"/>
+                </a:solidFill>
+                <a:latin typeface="Montserrat Black"/>
+                <a:ea typeface="Montserrat Black"/>
+                <a:cs typeface="Montserrat Black"/>
+                <a:sym typeface="Montserrat Black"/>
+              </a:rPr>
+              <a:t>8</a:t>
+            </a:r>
+            <a:endParaRPr sz="1400" b="0" i="0" u="none" strike="noStrike" cap="none">
+              <a:solidFill>
+                <a:srgbClr val="11696D"/>
+              </a:solidFill>
+              <a:latin typeface="Montserrat Black"/>
+              <a:ea typeface="Montserrat Black"/>
+              <a:cs typeface="Montserrat Black"/>
+              <a:sym typeface="Montserrat Black"/>
+            </a:endParaRPr>
+          </a:p>
+        </p:txBody>
+      </p:sp>
+      <p:sp>
+        <p:nvSpPr>
+          <p:cNvPr id="136" name="Google Shape;136;g2bd0017381e_1_14"/>
+          <p:cNvSpPr txBox="1"/>
+          <p:nvPr/>
+        </p:nvSpPr>
+        <p:spPr>
+          <a:xfrm>
+            <a:off x="311700" y="832700"/>
+            <a:ext cx="8520600" cy="1729289"/>
+          </a:xfrm>
+          <a:prstGeom prst="rect">
+            <a:avLst/>
+          </a:prstGeom>
+          <a:noFill/>
+          <a:ln>
+            <a:noFill/>
+          </a:ln>
+        </p:spPr>
+        <p:txBody>
+          <a:bodyPr spcFirstLastPara="1" wrap="square" lIns="91425" tIns="91425" rIns="91425" bIns="91425" anchor="t" anchorCtr="0">
+            <a:spAutoFit/>
+          </a:bodyPr>
+          <a:lstStyle/>
+          <a:p>
+            <a:pPr lvl="0">
+              <a:lnSpc>
+                <a:spcPct val="115000"/>
+              </a:lnSpc>
+              <a:spcBef>
+                <a:spcPts val="1200"/>
+              </a:spcBef>
+              <a:spcAft>
+                <a:spcPts val="1200"/>
+              </a:spcAft>
+              <a:buSzPts val="1050"/>
+            </a:pPr>
+            <a:r>
+              <a:rPr lang="ru-RU" sz="1050" dirty="0">
+                <a:solidFill>
+                  <a:srgbClr val="11696D"/>
+                </a:solidFill>
+                <a:latin typeface="Montserrat"/>
+                <a:ea typeface="Montserrat"/>
+                <a:cs typeface="Montserrat"/>
+                <a:sym typeface="Montserrat"/>
+              </a:rPr>
+              <a:t>Для анализа и управления производительностью проекта применяем логирование и профилирование серверного кода с помощью встроенного модуля </a:t>
+            </a:r>
+            <a:r>
+              <a:rPr lang="ru-RU" sz="1050" dirty="0" err="1">
+                <a:solidFill>
+                  <a:srgbClr val="11696D"/>
+                </a:solidFill>
+                <a:latin typeface="Montserrat"/>
+                <a:ea typeface="Montserrat"/>
+                <a:cs typeface="Montserrat"/>
+                <a:sym typeface="Montserrat"/>
+              </a:rPr>
+              <a:t>Python</a:t>
+            </a:r>
+            <a:r>
+              <a:rPr lang="ru-RU" sz="1050" dirty="0">
+                <a:solidFill>
+                  <a:srgbClr val="11696D"/>
+                </a:solidFill>
+                <a:latin typeface="Montserrat"/>
+                <a:ea typeface="Montserrat"/>
+                <a:cs typeface="Montserrat"/>
+                <a:sym typeface="Montserrat"/>
+              </a:rPr>
+              <a:t> </a:t>
+            </a:r>
+            <a:r>
+              <a:rPr lang="ru-RU" sz="1050" dirty="0" err="1">
+                <a:solidFill>
+                  <a:srgbClr val="11696D"/>
+                </a:solidFill>
+                <a:latin typeface="Montserrat"/>
+                <a:ea typeface="Montserrat"/>
+                <a:cs typeface="Montserrat"/>
+                <a:sym typeface="Montserrat"/>
+              </a:rPr>
+              <a:t>cProfile</a:t>
+            </a:r>
+            <a:r>
+              <a:rPr lang="ru-RU" sz="1050" dirty="0">
+                <a:solidFill>
+                  <a:srgbClr val="11696D"/>
+                </a:solidFill>
+                <a:latin typeface="Montserrat"/>
+                <a:ea typeface="Montserrat"/>
+                <a:cs typeface="Montserrat"/>
+                <a:sym typeface="Montserrat"/>
+              </a:rPr>
+              <a:t>. Этот модуль позволяет измерять производительность различных частей кода и выявлять узкие места. </a:t>
+            </a:r>
+          </a:p>
+          <a:p>
+            <a:pPr lvl="0">
+              <a:lnSpc>
+                <a:spcPct val="115000"/>
+              </a:lnSpc>
+              <a:spcBef>
+                <a:spcPts val="1200"/>
+              </a:spcBef>
+              <a:spcAft>
+                <a:spcPts val="1200"/>
+              </a:spcAft>
+              <a:buSzPts val="1050"/>
+            </a:pPr>
+            <a:r>
+              <a:rPr lang="ru-RU" sz="1050" dirty="0">
+                <a:solidFill>
+                  <a:srgbClr val="11696D"/>
+                </a:solidFill>
+                <a:latin typeface="Montserrat"/>
+                <a:ea typeface="Montserrat"/>
+                <a:cs typeface="Montserrat"/>
+                <a:sym typeface="Montserrat"/>
+              </a:rPr>
+              <a:t>Для анализа результатов будем использовать сохранение результатов профилирования в файл и последующий  их анализ с помощью модуля </a:t>
+            </a:r>
+            <a:r>
+              <a:rPr lang="ru-RU" sz="1050" dirty="0" err="1">
+                <a:solidFill>
+                  <a:srgbClr val="11696D"/>
+                </a:solidFill>
+                <a:latin typeface="Montserrat"/>
+                <a:ea typeface="Montserrat"/>
+                <a:cs typeface="Montserrat"/>
+                <a:sym typeface="Montserrat"/>
+              </a:rPr>
+              <a:t>pstats</a:t>
+            </a:r>
+            <a:r>
+              <a:rPr lang="ru-RU" sz="1050" dirty="0">
+                <a:solidFill>
+                  <a:srgbClr val="11696D"/>
+                </a:solidFill>
+                <a:latin typeface="Montserrat"/>
+                <a:ea typeface="Montserrat"/>
+                <a:cs typeface="Montserrat"/>
+                <a:sym typeface="Montserrat"/>
+              </a:rPr>
+              <a:t> для выявления функций, которые требуют оптимизации.</a:t>
+            </a:r>
+            <a:endParaRPr sz="1050" u="none" strike="noStrike" cap="none" dirty="0">
+              <a:solidFill>
+                <a:srgbClr val="11696D"/>
+              </a:solidFill>
+              <a:latin typeface="Montserrat"/>
+              <a:ea typeface="Montserrat"/>
+              <a:cs typeface="Montserrat"/>
+              <a:sym typeface="Montserrat"/>
+            </a:endParaRPr>
+          </a:p>
+        </p:txBody>
+      </p:sp>
+    </p:spTree>
+  </p:cSld>
+  <p:clrMapOvr>
+    <a:masterClrMapping/>
+  </p:clrMapOvr>
+</p:sld>
+</file>
+
+<file path=ppt/slides/slide9.xml><?xml version="1.0" encoding="utf-8"?>
+<p:sld xmlns:a="http://schemas.openxmlformats.org/drawingml/2006/main" xmlns:r="http://schemas.openxmlformats.org/officeDocument/2006/relationships" xmlns:p="http://schemas.openxmlformats.org/presentationml/2006/main">
+  <p:cSld>
+    <p:spTree>
+      <p:nvGrpSpPr>
+        <p:cNvPr id="1" name="Shape 140"/>
+        <p:cNvGrpSpPr/>
+        <p:nvPr/>
+      </p:nvGrpSpPr>
+      <p:grpSpPr>
+        <a:xfrm>
+          <a:off x="0" y="0"/>
+          <a:ext cx="0" cy="0"/>
+          <a:chOff x="0" y="0"/>
+          <a:chExt cx="0" cy="0"/>
+        </a:xfrm>
+      </p:grpSpPr>
+      <p:sp>
+        <p:nvSpPr>
+          <p:cNvPr id="141" name="Google Shape;141;g2bd0017381e_1_21"/>
+          <p:cNvSpPr txBox="1">
+            <a:spLocks noGrp="1"/>
+          </p:cNvSpPr>
+          <p:nvPr>
+            <p:ph type="title"/>
+          </p:nvPr>
+        </p:nvSpPr>
+        <p:spPr>
+          <a:xfrm>
+            <a:off x="311700" y="161025"/>
+            <a:ext cx="8520600" cy="572700"/>
+          </a:xfrm>
+          <a:prstGeom prst="rect">
+            <a:avLst/>
+          </a:prstGeom>
+          <a:noFill/>
+          <a:ln>
+            <a:noFill/>
+          </a:ln>
+        </p:spPr>
+        <p:txBody>
+          <a:bodyPr spcFirstLastPara="1" wrap="square" lIns="91425" tIns="91425" rIns="91425" bIns="91425" anchor="t" anchorCtr="0">
+            <a:noAutofit/>
+          </a:bodyPr>
+          <a:lstStyle/>
+          <a:p>
+            <a:pPr marL="0" lvl="0" indent="0" algn="just" rtl="0">
+              <a:lnSpc>
+                <a:spcPct val="100000"/>
+              </a:lnSpc>
+              <a:spcBef>
+                <a:spcPts val="0"/>
+              </a:spcBef>
+              <a:spcAft>
+                <a:spcPts val="0"/>
+              </a:spcAft>
+              <a:buClr>
+                <a:schemeClr val="dk1"/>
+              </a:buClr>
+              <a:buSzPts val="1100"/>
+              <a:buFont typeface="Arial"/>
+              <a:buNone/>
+            </a:pPr>
+            <a:r>
+              <a:rPr lang="ru" sz="1500" b="1" dirty="0">
+                <a:solidFill>
+                  <a:srgbClr val="11696D"/>
+                </a:solidFill>
+                <a:latin typeface="Times New Roman"/>
+                <a:ea typeface="Times New Roman"/>
+                <a:cs typeface="Times New Roman"/>
+                <a:sym typeface="Times New Roman"/>
+              </a:rPr>
+              <a:t>Стратегии управления ресурсами и энергопотреблением для повышения эффективности работы программы</a:t>
+            </a:r>
+            <a:endParaRPr sz="1500" b="1" dirty="0">
+              <a:solidFill>
+                <a:srgbClr val="11696D"/>
+              </a:solidFill>
+              <a:latin typeface="Montserrat"/>
+              <a:ea typeface="Montserrat"/>
+              <a:cs typeface="Montserrat"/>
+              <a:sym typeface="Montserrat"/>
+            </a:endParaRPr>
+          </a:p>
+        </p:txBody>
+      </p:sp>
+      <p:cxnSp>
+        <p:nvCxnSpPr>
+          <p:cNvPr id="142" name="Google Shape;142;g2bd0017381e_1_21"/>
+          <p:cNvCxnSpPr/>
+          <p:nvPr/>
+        </p:nvCxnSpPr>
+        <p:spPr>
+          <a:xfrm>
+            <a:off x="286050" y="4845025"/>
+            <a:ext cx="8172900" cy="26700"/>
+          </a:xfrm>
+          <a:prstGeom prst="straightConnector1">
+            <a:avLst/>
+          </a:prstGeom>
+          <a:noFill/>
+          <a:ln w="28575" cap="flat" cmpd="sng">
+            <a:solidFill>
+              <a:srgbClr val="11696D"/>
+            </a:solidFill>
+            <a:prstDash val="solid"/>
+            <a:round/>
+            <a:headEnd type="none" w="sm" len="sm"/>
+            <a:tailEnd type="none" w="sm" len="sm"/>
+          </a:ln>
+        </p:spPr>
+      </p:cxnSp>
+      <p:sp>
+        <p:nvSpPr>
+          <p:cNvPr id="143" name="Google Shape;143;g2bd0017381e_1_21"/>
+          <p:cNvSpPr txBox="1"/>
+          <p:nvPr/>
+        </p:nvSpPr>
+        <p:spPr>
+          <a:xfrm>
+            <a:off x="8625250" y="4658275"/>
+            <a:ext cx="914400" cy="400200"/>
+          </a:xfrm>
+          <a:prstGeom prst="rect">
+            <a:avLst/>
+          </a:prstGeom>
+          <a:noFill/>
+          <a:ln>
+            <a:noFill/>
+          </a:ln>
+        </p:spPr>
+        <p:txBody>
+          <a:bodyPr spcFirstLastPara="1" wrap="square" lIns="91425" tIns="91425" rIns="91425" bIns="91425" anchor="t" anchorCtr="0">
+            <a:spAutoFit/>
+          </a:bodyPr>
+          <a:lstStyle/>
+          <a:p>
+            <a:pPr marL="0" marR="0" lvl="0" indent="0" algn="l" rtl="0">
+              <a:lnSpc>
+                <a:spcPct val="100000"/>
+              </a:lnSpc>
+              <a:spcBef>
+                <a:spcPts val="0"/>
+              </a:spcBef>
+              <a:spcAft>
+                <a:spcPts val="0"/>
+              </a:spcAft>
+              <a:buClr>
+                <a:srgbClr val="000000"/>
+              </a:buClr>
+              <a:buSzPts val="1400"/>
+              <a:buFont typeface="Arial"/>
+              <a:buNone/>
+            </a:pPr>
+            <a:r>
+              <a:rPr lang="ru" sz="1400" b="0" i="0" u="none" strike="noStrike" cap="none">
+                <a:solidFill>
+                  <a:srgbClr val="11696D"/>
+                </a:solidFill>
+                <a:latin typeface="Montserrat Black"/>
+                <a:ea typeface="Montserrat Black"/>
+                <a:cs typeface="Montserrat Black"/>
+                <a:sym typeface="Montserrat Black"/>
+              </a:rPr>
+              <a:t>9</a:t>
+            </a:r>
+            <a:endParaRPr sz="1400" b="0" i="0" u="none" strike="noStrike" cap="none">
+              <a:solidFill>
+                <a:srgbClr val="11696D"/>
+              </a:solidFill>
+              <a:latin typeface="Montserrat Black"/>
+              <a:ea typeface="Montserrat Black"/>
+              <a:cs typeface="Montserrat Black"/>
+              <a:sym typeface="Montserrat Black"/>
+            </a:endParaRPr>
+          </a:p>
+        </p:txBody>
+      </p:sp>
+      <p:sp>
+        <p:nvSpPr>
+          <p:cNvPr id="144" name="Google Shape;144;g2bd0017381e_1_21"/>
+          <p:cNvSpPr txBox="1"/>
+          <p:nvPr/>
+        </p:nvSpPr>
+        <p:spPr>
+          <a:xfrm>
+            <a:off x="311699" y="733725"/>
+            <a:ext cx="8520599" cy="3647122"/>
+          </a:xfrm>
+          <a:prstGeom prst="rect">
+            <a:avLst/>
+          </a:prstGeom>
+          <a:noFill/>
+          <a:ln>
+            <a:noFill/>
+          </a:ln>
+        </p:spPr>
+        <p:txBody>
+          <a:bodyPr spcFirstLastPara="1" wrap="square" lIns="91425" tIns="91425" rIns="91425" bIns="91425" anchor="t" anchorCtr="0">
+            <a:spAutoFit/>
+          </a:bodyPr>
+          <a:lstStyle/>
+          <a:p>
+            <a:pPr lvl="0">
+              <a:buSzPts val="1050"/>
+            </a:pPr>
+            <a:r>
+              <a:rPr lang="ru-RU" sz="900" dirty="0">
+                <a:solidFill>
+                  <a:srgbClr val="11696D"/>
+                </a:solidFill>
+                <a:latin typeface="Montserrat"/>
+                <a:ea typeface="Montserrat"/>
+                <a:cs typeface="Montserrat"/>
+                <a:sym typeface="Montserrat"/>
+              </a:rPr>
+              <a:t>В представленном проекте используются несколько </a:t>
+            </a:r>
+            <a:r>
+              <a:rPr lang="ru-RU" sz="900" b="1" dirty="0">
+                <a:solidFill>
+                  <a:srgbClr val="11696D"/>
+                </a:solidFill>
+                <a:latin typeface="Montserrat"/>
+                <a:ea typeface="Montserrat"/>
+                <a:cs typeface="Montserrat"/>
+                <a:sym typeface="Montserrat"/>
+              </a:rPr>
+              <a:t>стратегий управления ресурсами и энергопотреблением</a:t>
+            </a:r>
+            <a:r>
+              <a:rPr lang="ru-RU" sz="900" dirty="0">
+                <a:solidFill>
+                  <a:srgbClr val="11696D"/>
+                </a:solidFill>
+                <a:latin typeface="Montserrat"/>
+                <a:ea typeface="Montserrat"/>
+                <a:cs typeface="Montserrat"/>
+                <a:sym typeface="Montserrat"/>
+              </a:rPr>
+              <a:t>, направленных на повышение эффективности работы программы. Эти стратегии включают в себя:</a:t>
+            </a:r>
+          </a:p>
+          <a:p>
+            <a:pPr lvl="0">
+              <a:buSzPts val="1050"/>
+            </a:pPr>
+            <a:endParaRPr lang="ru-RU" sz="900" dirty="0">
+              <a:solidFill>
+                <a:srgbClr val="11696D"/>
+              </a:solidFill>
+              <a:latin typeface="Montserrat"/>
+              <a:ea typeface="Montserrat"/>
+              <a:cs typeface="Montserrat"/>
+              <a:sym typeface="Montserrat"/>
+            </a:endParaRPr>
+          </a:p>
+          <a:p>
+            <a:pPr lvl="0">
+              <a:buSzPts val="1050"/>
+            </a:pPr>
+            <a:r>
+              <a:rPr lang="ru-RU" sz="900" dirty="0">
+                <a:solidFill>
+                  <a:srgbClr val="11696D"/>
+                </a:solidFill>
+                <a:latin typeface="Montserrat"/>
+                <a:ea typeface="Montserrat"/>
+                <a:cs typeface="Montserrat"/>
+                <a:sym typeface="Montserrat"/>
+              </a:rPr>
+              <a:t>1. </a:t>
+            </a:r>
+            <a:r>
+              <a:rPr lang="ru-RU" sz="900" b="1" dirty="0">
+                <a:solidFill>
+                  <a:srgbClr val="11696D"/>
+                </a:solidFill>
+                <a:latin typeface="Montserrat"/>
+                <a:ea typeface="Montserrat"/>
+                <a:cs typeface="Montserrat"/>
+                <a:sym typeface="Montserrat"/>
+              </a:rPr>
+              <a:t>Асинхронное программирование (</a:t>
+            </a:r>
+            <a:r>
+              <a:rPr lang="ru-RU" sz="900" b="1" dirty="0" err="1">
+                <a:solidFill>
+                  <a:srgbClr val="11696D"/>
+                </a:solidFill>
+                <a:latin typeface="Montserrat"/>
+                <a:ea typeface="Montserrat"/>
+                <a:cs typeface="Montserrat"/>
+                <a:sym typeface="Montserrat"/>
+              </a:rPr>
+              <a:t>asyncio</a:t>
+            </a:r>
+            <a:r>
+              <a:rPr lang="ru-RU" sz="900" b="1" dirty="0">
+                <a:solidFill>
+                  <a:srgbClr val="11696D"/>
+                </a:solidFill>
+                <a:latin typeface="Montserrat"/>
+                <a:ea typeface="Montserrat"/>
+                <a:cs typeface="Montserrat"/>
+                <a:sym typeface="Montserrat"/>
+              </a:rPr>
+              <a:t>) </a:t>
+            </a:r>
+            <a:r>
+              <a:rPr lang="ru-RU" sz="900" dirty="0">
+                <a:solidFill>
+                  <a:srgbClr val="11696D"/>
+                </a:solidFill>
+                <a:latin typeface="Montserrat"/>
+                <a:ea typeface="Montserrat"/>
+                <a:cs typeface="Montserrat"/>
+                <a:sym typeface="Montserrat"/>
+              </a:rPr>
+              <a:t>- Асинхронное программирование с использованием </a:t>
+            </a:r>
+            <a:r>
+              <a:rPr lang="ru-RU" sz="900" dirty="0" err="1">
+                <a:solidFill>
+                  <a:srgbClr val="11696D"/>
+                </a:solidFill>
+                <a:latin typeface="Montserrat"/>
+                <a:ea typeface="Montserrat"/>
+                <a:cs typeface="Montserrat"/>
+                <a:sym typeface="Montserrat"/>
+              </a:rPr>
+              <a:t>asyncio</a:t>
+            </a:r>
+            <a:r>
+              <a:rPr lang="ru-RU" sz="900" dirty="0">
+                <a:solidFill>
+                  <a:srgbClr val="11696D"/>
+                </a:solidFill>
+                <a:latin typeface="Montserrat"/>
+                <a:ea typeface="Montserrat"/>
+                <a:cs typeface="Montserrat"/>
+                <a:sym typeface="Montserrat"/>
+              </a:rPr>
+              <a:t> позволяет эффективно управлять ресурсами, особенно CPU и памятью, за счет неблокирующего ввода-вывода. Это снижает нагрузку на процессор и позволяет системе оставаться отзывчивой при высокой нагрузке. </a:t>
+            </a:r>
+          </a:p>
+          <a:p>
+            <a:pPr lvl="0">
+              <a:buSzPts val="1050"/>
+            </a:pPr>
+            <a:r>
+              <a:rPr lang="ru-RU" sz="900" b="1" dirty="0">
+                <a:solidFill>
+                  <a:srgbClr val="11696D"/>
+                </a:solidFill>
+                <a:latin typeface="Montserrat"/>
+                <a:ea typeface="Montserrat"/>
+                <a:cs typeface="Montserrat"/>
+                <a:sym typeface="Montserrat"/>
+              </a:rPr>
+              <a:t>Экономия CPU:</a:t>
+            </a:r>
+            <a:r>
+              <a:rPr lang="ru-RU" sz="900" dirty="0">
+                <a:solidFill>
+                  <a:srgbClr val="11696D"/>
+                </a:solidFill>
+                <a:latin typeface="Montserrat"/>
+                <a:ea typeface="Montserrat"/>
+                <a:cs typeface="Montserrat"/>
+                <a:sym typeface="Montserrat"/>
+              </a:rPr>
+              <a:t> Асинхронные задачи позволяют избежать блокировки выполнения программы, когда одна задача ожидает ввода-вывода, например, ответа от дрона или команды от оператора.</a:t>
+            </a:r>
+          </a:p>
+          <a:p>
+            <a:pPr lvl="0">
+              <a:buSzPts val="1050"/>
+            </a:pPr>
+            <a:r>
+              <a:rPr lang="ru-RU" sz="900" b="1" dirty="0">
+                <a:solidFill>
+                  <a:srgbClr val="11696D"/>
+                </a:solidFill>
+                <a:latin typeface="Montserrat"/>
+                <a:ea typeface="Montserrat"/>
+                <a:cs typeface="Montserrat"/>
+                <a:sym typeface="Montserrat"/>
+              </a:rPr>
+              <a:t>Энергоэффективность</a:t>
+            </a:r>
+            <a:r>
+              <a:rPr lang="ru-RU" sz="900" dirty="0">
+                <a:solidFill>
+                  <a:srgbClr val="11696D"/>
+                </a:solidFill>
+                <a:latin typeface="Montserrat"/>
+                <a:ea typeface="Montserrat"/>
+                <a:cs typeface="Montserrat"/>
+                <a:sym typeface="Montserrat"/>
+              </a:rPr>
+              <a:t>: Поскольку процессор не загружается на полную мощность для обработки каждого запроса, потребление энергии снижается.</a:t>
+            </a:r>
+          </a:p>
+          <a:p>
+            <a:pPr lvl="0">
+              <a:buSzPts val="1050"/>
+            </a:pPr>
+            <a:endParaRPr lang="ru-RU" sz="900" dirty="0">
+              <a:solidFill>
+                <a:srgbClr val="11696D"/>
+              </a:solidFill>
+              <a:latin typeface="Montserrat"/>
+              <a:ea typeface="Montserrat"/>
+              <a:cs typeface="Montserrat"/>
+              <a:sym typeface="Montserrat"/>
+            </a:endParaRPr>
+          </a:p>
+          <a:p>
+            <a:pPr lvl="0">
+              <a:buSzPts val="1050"/>
+            </a:pPr>
+            <a:r>
+              <a:rPr lang="ru-RU" sz="900" dirty="0">
+                <a:solidFill>
+                  <a:srgbClr val="11696D"/>
+                </a:solidFill>
+                <a:latin typeface="Montserrat"/>
+                <a:ea typeface="Montserrat"/>
+                <a:cs typeface="Montserrat"/>
+                <a:sym typeface="Montserrat"/>
+              </a:rPr>
+              <a:t>2. </a:t>
+            </a:r>
+            <a:r>
+              <a:rPr lang="ru-RU" sz="900" b="1" dirty="0">
+                <a:solidFill>
+                  <a:srgbClr val="11696D"/>
+                </a:solidFill>
+                <a:latin typeface="Montserrat"/>
+                <a:ea typeface="Montserrat"/>
+                <a:cs typeface="Montserrat"/>
+                <a:sym typeface="Montserrat"/>
+              </a:rPr>
+              <a:t>Тайм-ауты для операций (</a:t>
+            </a:r>
+            <a:r>
+              <a:rPr lang="ru-RU" sz="900" b="1" dirty="0" err="1">
+                <a:solidFill>
+                  <a:srgbClr val="11696D"/>
+                </a:solidFill>
+                <a:latin typeface="Montserrat"/>
+                <a:ea typeface="Montserrat"/>
+                <a:cs typeface="Montserrat"/>
+                <a:sym typeface="Montserrat"/>
+              </a:rPr>
+              <a:t>async_timeout</a:t>
+            </a:r>
+            <a:r>
+              <a:rPr lang="ru-RU" sz="900" b="1" dirty="0">
+                <a:solidFill>
+                  <a:srgbClr val="11696D"/>
+                </a:solidFill>
+                <a:latin typeface="Montserrat"/>
+                <a:ea typeface="Montserrat"/>
+                <a:cs typeface="Montserrat"/>
+                <a:sym typeface="Montserrat"/>
+              </a:rPr>
+              <a:t>) - </a:t>
+            </a:r>
+            <a:r>
+              <a:rPr lang="ru-RU" sz="900" dirty="0">
+                <a:solidFill>
+                  <a:srgbClr val="11696D"/>
+                </a:solidFill>
+                <a:latin typeface="Montserrat"/>
+                <a:ea typeface="Montserrat"/>
+                <a:cs typeface="Montserrat"/>
+                <a:sym typeface="Montserrat"/>
+              </a:rPr>
+              <a:t>Использование тайм-аутов с </a:t>
+            </a:r>
+            <a:r>
+              <a:rPr lang="ru-RU" sz="900" dirty="0" err="1">
+                <a:solidFill>
+                  <a:srgbClr val="11696D"/>
+                </a:solidFill>
+                <a:latin typeface="Montserrat"/>
+                <a:ea typeface="Montserrat"/>
+                <a:cs typeface="Montserrat"/>
+                <a:sym typeface="Montserrat"/>
+              </a:rPr>
+              <a:t>async_timeout</a:t>
+            </a:r>
+            <a:r>
+              <a:rPr lang="ru-RU" sz="900" dirty="0">
+                <a:solidFill>
+                  <a:srgbClr val="11696D"/>
+                </a:solidFill>
+                <a:latin typeface="Montserrat"/>
+                <a:ea typeface="Montserrat"/>
+                <a:cs typeface="Montserrat"/>
+                <a:sym typeface="Montserrat"/>
+              </a:rPr>
+              <a:t> позволяет ограничить время выполнения задач, таких как обработка команд или ожидание ответа от клиента.</a:t>
+            </a:r>
+          </a:p>
+          <a:p>
+            <a:pPr lvl="0">
+              <a:buSzPts val="1050"/>
+            </a:pPr>
+            <a:r>
+              <a:rPr lang="ru-RU" sz="900" b="1" dirty="0">
+                <a:solidFill>
+                  <a:srgbClr val="11696D"/>
+                </a:solidFill>
+                <a:latin typeface="Montserrat"/>
+                <a:ea typeface="Montserrat"/>
+                <a:cs typeface="Montserrat"/>
+                <a:sym typeface="Montserrat"/>
+              </a:rPr>
+              <a:t>Эффективное использование ресурсов: </a:t>
+            </a:r>
+            <a:r>
+              <a:rPr lang="ru-RU" sz="900" dirty="0">
+                <a:solidFill>
+                  <a:srgbClr val="11696D"/>
+                </a:solidFill>
+                <a:latin typeface="Montserrat"/>
+                <a:ea typeface="Montserrat"/>
+                <a:cs typeface="Montserrat"/>
+                <a:sym typeface="Montserrat"/>
+              </a:rPr>
+              <a:t>Если задача не выполняется в течение определенного времени, она прерывается. Это предотвращает зависание программы на долгих операциях и позволяет освобождать ресурсы для других задач.</a:t>
+            </a:r>
+          </a:p>
+          <a:p>
+            <a:pPr lvl="0">
+              <a:buSzPts val="1050"/>
+            </a:pPr>
+            <a:r>
+              <a:rPr lang="ru-RU" sz="900" b="1" dirty="0">
+                <a:solidFill>
+                  <a:srgbClr val="11696D"/>
+                </a:solidFill>
+                <a:latin typeface="Montserrat"/>
+                <a:ea typeface="Montserrat"/>
+                <a:cs typeface="Montserrat"/>
+                <a:sym typeface="Montserrat"/>
+              </a:rPr>
+              <a:t>Снижение энергопотребления:</a:t>
+            </a:r>
+            <a:r>
+              <a:rPr lang="ru-RU" sz="900" dirty="0">
+                <a:solidFill>
+                  <a:srgbClr val="11696D"/>
+                </a:solidFill>
+                <a:latin typeface="Montserrat"/>
+                <a:ea typeface="Montserrat"/>
+                <a:cs typeface="Montserrat"/>
+                <a:sym typeface="Montserrat"/>
+              </a:rPr>
+              <a:t> Прерывание задач, которые не выполняются вовремя, помогает избежать ненужного потребления ресурсов, что в конечном итоге снижает энергопотребление.</a:t>
+            </a:r>
+          </a:p>
+          <a:p>
+            <a:pPr lvl="0">
+              <a:buSzPts val="1050"/>
+            </a:pPr>
+            <a:endParaRPr lang="ru-RU" sz="900" dirty="0">
+              <a:solidFill>
+                <a:srgbClr val="11696D"/>
+              </a:solidFill>
+              <a:latin typeface="Montserrat"/>
+              <a:ea typeface="Montserrat"/>
+              <a:cs typeface="Montserrat"/>
+              <a:sym typeface="Montserrat"/>
+            </a:endParaRPr>
+          </a:p>
+          <a:p>
+            <a:pPr lvl="0">
+              <a:buSzPts val="1050"/>
+            </a:pPr>
+            <a:r>
+              <a:rPr lang="ru-RU" sz="900" dirty="0">
+                <a:solidFill>
+                  <a:srgbClr val="11696D"/>
+                </a:solidFill>
+                <a:latin typeface="Montserrat"/>
+                <a:ea typeface="Montserrat"/>
+                <a:cs typeface="Montserrat"/>
+                <a:sym typeface="Montserrat"/>
+              </a:rPr>
+              <a:t>3.</a:t>
+            </a:r>
+            <a:r>
+              <a:rPr lang="ru-RU" sz="900" b="1" dirty="0">
+                <a:solidFill>
+                  <a:srgbClr val="11696D"/>
+                </a:solidFill>
+                <a:latin typeface="Montserrat"/>
+                <a:ea typeface="Montserrat"/>
+                <a:cs typeface="Montserrat"/>
+                <a:sym typeface="Montserrat"/>
+              </a:rPr>
+              <a:t> Отслеживание и очистка неактивных соединений</a:t>
+            </a:r>
+          </a:p>
+          <a:p>
+            <a:pPr lvl="0">
+              <a:buSzPts val="1050"/>
+            </a:pPr>
+            <a:r>
+              <a:rPr lang="ru-RU" sz="900" dirty="0">
+                <a:solidFill>
+                  <a:srgbClr val="11696D"/>
+                </a:solidFill>
+                <a:latin typeface="Montserrat"/>
+                <a:ea typeface="Montserrat"/>
+                <a:cs typeface="Montserrat"/>
+                <a:sym typeface="Montserrat"/>
+              </a:rPr>
+              <a:t>Функция </a:t>
+            </a:r>
+            <a:r>
+              <a:rPr lang="ru-RU" sz="900" dirty="0" err="1">
+                <a:solidFill>
+                  <a:srgbClr val="11696D"/>
+                </a:solidFill>
+                <a:latin typeface="Montserrat"/>
+                <a:ea typeface="Montserrat"/>
+                <a:cs typeface="Montserrat"/>
+                <a:sym typeface="Montserrat"/>
+              </a:rPr>
+              <a:t>cleanup</a:t>
+            </a:r>
+            <a:r>
+              <a:rPr lang="ru-RU" sz="900" dirty="0">
+                <a:solidFill>
+                  <a:srgbClr val="11696D"/>
+                </a:solidFill>
+                <a:latin typeface="Montserrat"/>
+                <a:ea typeface="Montserrat"/>
+                <a:cs typeface="Montserrat"/>
+                <a:sym typeface="Montserrat"/>
+              </a:rPr>
+              <a:t> периодически проверяет и удаляет неактивные или закрытые соединения, как с дронами, так и с операторами.</a:t>
+            </a:r>
+          </a:p>
+          <a:p>
+            <a:pPr lvl="0">
+              <a:buSzPts val="1050"/>
+            </a:pPr>
+            <a:r>
+              <a:rPr lang="ru-RU" sz="900" b="1" dirty="0">
+                <a:solidFill>
+                  <a:srgbClr val="11696D"/>
+                </a:solidFill>
+                <a:latin typeface="Montserrat"/>
+                <a:ea typeface="Montserrat"/>
+                <a:cs typeface="Montserrat"/>
+                <a:sym typeface="Montserrat"/>
+              </a:rPr>
+              <a:t>Освобождение ресурсов: </a:t>
+            </a:r>
+            <a:r>
+              <a:rPr lang="ru-RU" sz="900" dirty="0">
+                <a:solidFill>
+                  <a:srgbClr val="11696D"/>
+                </a:solidFill>
+                <a:latin typeface="Montserrat"/>
+                <a:ea typeface="Montserrat"/>
+                <a:cs typeface="Montserrat"/>
+                <a:sym typeface="Montserrat"/>
+              </a:rPr>
+              <a:t>Удаление неактивных соединений освобождает память и снижает нагрузку на сервер, позволяя использовать эти ресурсы для обработки активных подключений.</a:t>
+            </a:r>
+          </a:p>
+          <a:p>
+            <a:pPr lvl="0">
+              <a:buSzPts val="1050"/>
+            </a:pPr>
+            <a:r>
+              <a:rPr lang="ru-RU" sz="900" b="1" dirty="0">
+                <a:solidFill>
+                  <a:srgbClr val="11696D"/>
+                </a:solidFill>
+                <a:latin typeface="Montserrat"/>
+                <a:ea typeface="Montserrat"/>
+                <a:cs typeface="Montserrat"/>
+                <a:sym typeface="Montserrat"/>
+              </a:rPr>
+              <a:t>Управление энергопотреблением:</a:t>
+            </a:r>
+            <a:r>
+              <a:rPr lang="ru-RU" sz="900" dirty="0">
+                <a:solidFill>
+                  <a:srgbClr val="11696D"/>
+                </a:solidFill>
+                <a:latin typeface="Montserrat"/>
+                <a:ea typeface="Montserrat"/>
+                <a:cs typeface="Montserrat"/>
+                <a:sym typeface="Montserrat"/>
+              </a:rPr>
+              <a:t> Отключение неактивных клиентов предотвращает ненужное использование ресурсов, что помогает снизить общие затраты энергии.</a:t>
+            </a:r>
+          </a:p>
+          <a:p>
+            <a:pPr lvl="0">
+              <a:buSzPts val="1050"/>
+            </a:pPr>
+            <a:endParaRPr lang="ru-RU" sz="900" dirty="0">
+              <a:solidFill>
+                <a:srgbClr val="11696D"/>
+              </a:solidFill>
+              <a:latin typeface="Montserrat"/>
+              <a:ea typeface="Montserrat"/>
+              <a:cs typeface="Montserrat"/>
+              <a:sym typeface="Montserrat"/>
             </a:endParaRPr>
           </a:p>
         </p:txBody>

--- a/Python_разработка_для_БПЛА_паттерны_проектирования,_API_интерфейсы+(6).pptx
+++ b/Python_разработка_для_БПЛА_паттерны_проектирования,_API_интерфейсы+(6).pptx
@@ -10583,37 +10583,28 @@
                 <a:latin typeface="Times New Roman"/>
                 <a:cs typeface="Times New Roman"/>
               </a:rPr>
-              <a:t>БПЛА_256-1, группа 1</a:t>
-            </a:r>
-            <a:endParaRPr sz="1300" b="1" dirty="0">
-              <a:solidFill>
-                <a:srgbClr val="11696D"/>
-              </a:solidFill>
-              <a:highlight>
-                <a:srgbClr val="FFFFFF"/>
-              </a:highlight>
-              <a:latin typeface="Times New Roman"/>
-              <a:cs typeface="Times New Roman"/>
-              <a:sym typeface="Montserrat"/>
-            </a:endParaRPr>
-          </a:p>
-          <a:p>
-            <a:pPr marL="0" lvl="0" indent="0" algn="l" rtl="0">
-              <a:lnSpc>
-                <a:spcPct val="100000"/>
-              </a:lnSpc>
-              <a:spcBef>
-                <a:spcPts val="0"/>
-              </a:spcBef>
-              <a:spcAft>
-                <a:spcPts val="0"/>
-              </a:spcAft>
+              <a:t>БПЛА</a:t>
+            </a:r>
+            <a:r>
+              <a:rPr lang="ru-RU" sz="1300" b="1">
+                <a:solidFill>
+                  <a:srgbClr val="11696D"/>
+                </a:solidFill>
+                <a:highlight>
+                  <a:srgbClr val="FFFFFF"/>
+                </a:highlight>
+                <a:latin typeface="Times New Roman"/>
+                <a:cs typeface="Times New Roman"/>
+              </a:rPr>
+              <a:t>_256-1</a:t>
+            </a:r>
+          </a:p>
+          <a:p>
+            <a:pPr marL="0" lvl="0" indent="0" algn="l">
               <a:buClr>
                 <a:schemeClr val="dk1"/>
               </a:buClr>
               <a:buSzPct val="233333"/>
-              <a:buFont typeface="Arial"/>
-              <a:buNone/>
             </a:pPr>
             <a:endParaRPr sz="1200" b="1" dirty="0">
               <a:solidFill>
